--- a/HBA.pptx
+++ b/HBA.pptx
@@ -5,7 +5,7 @@
     <p:sldMasterId id="2147483648" r:id="rId1"/>
   </p:sldMasterIdLst>
   <p:notesMasterIdLst>
-    <p:notesMasterId r:id="rId20"/>
+    <p:notesMasterId r:id="rId33"/>
   </p:notesMasterIdLst>
   <p:sldIdLst>
     <p:sldId id="256" r:id="rId2"/>
@@ -25,7 +25,20 @@
     <p:sldId id="269" r:id="rId16"/>
     <p:sldId id="270" r:id="rId17"/>
     <p:sldId id="271" r:id="rId18"/>
-    <p:sldId id="259" r:id="rId19"/>
+    <p:sldId id="274" r:id="rId19"/>
+    <p:sldId id="275" r:id="rId20"/>
+    <p:sldId id="276" r:id="rId21"/>
+    <p:sldId id="277" r:id="rId22"/>
+    <p:sldId id="278" r:id="rId23"/>
+    <p:sldId id="279" r:id="rId24"/>
+    <p:sldId id="280" r:id="rId25"/>
+    <p:sldId id="281" r:id="rId26"/>
+    <p:sldId id="282" r:id="rId27"/>
+    <p:sldId id="283" r:id="rId28"/>
+    <p:sldId id="284" r:id="rId29"/>
+    <p:sldId id="285" r:id="rId30"/>
+    <p:sldId id="286" r:id="rId31"/>
+    <p:sldId id="259" r:id="rId32"/>
   </p:sldIdLst>
   <p:sldSz cx="12192000" cy="6858000"/>
   <p:notesSz cx="6858000" cy="9144000"/>
@@ -214,7 +227,7 @@
           <a:p>
             <a:fld id="{9D3844FE-75E8-42EC-9FAF-5ED5643C11B9}" type="datetimeFigureOut">
               <a:rPr lang="en-IN" smtClean="0"/>
-              <a:t>29-09-2015</a:t>
+              <a:t>30-09-2015</a:t>
             </a:fld>
             <a:endParaRPr lang="en-IN"/>
           </a:p>
@@ -697,7 +710,7 @@
           <a:p>
             <a:fld id="{6B3F88B7-D2AF-443E-A3B2-304D2EAF07AE}" type="datetimeFigureOut">
               <a:rPr lang="en-IN" smtClean="0"/>
-              <a:t>29-09-2015</a:t>
+              <a:t>30-09-2015</a:t>
             </a:fld>
             <a:endParaRPr lang="en-IN"/>
           </a:p>
@@ -867,7 +880,7 @@
           <a:p>
             <a:fld id="{6B3F88B7-D2AF-443E-A3B2-304D2EAF07AE}" type="datetimeFigureOut">
               <a:rPr lang="en-IN" smtClean="0"/>
-              <a:t>29-09-2015</a:t>
+              <a:t>30-09-2015</a:t>
             </a:fld>
             <a:endParaRPr lang="en-IN"/>
           </a:p>
@@ -1047,7 +1060,7 @@
           <a:p>
             <a:fld id="{6B3F88B7-D2AF-443E-A3B2-304D2EAF07AE}" type="datetimeFigureOut">
               <a:rPr lang="en-IN" smtClean="0"/>
-              <a:t>29-09-2015</a:t>
+              <a:t>30-09-2015</a:t>
             </a:fld>
             <a:endParaRPr lang="en-IN"/>
           </a:p>
@@ -1217,7 +1230,7 @@
           <a:p>
             <a:fld id="{6B3F88B7-D2AF-443E-A3B2-304D2EAF07AE}" type="datetimeFigureOut">
               <a:rPr lang="en-IN" smtClean="0"/>
-              <a:t>29-09-2015</a:t>
+              <a:t>30-09-2015</a:t>
             </a:fld>
             <a:endParaRPr lang="en-IN"/>
           </a:p>
@@ -1463,7 +1476,7 @@
           <a:p>
             <a:fld id="{6B3F88B7-D2AF-443E-A3B2-304D2EAF07AE}" type="datetimeFigureOut">
               <a:rPr lang="en-IN" smtClean="0"/>
-              <a:t>29-09-2015</a:t>
+              <a:t>30-09-2015</a:t>
             </a:fld>
             <a:endParaRPr lang="en-IN"/>
           </a:p>
@@ -1695,7 +1708,7 @@
           <a:p>
             <a:fld id="{6B3F88B7-D2AF-443E-A3B2-304D2EAF07AE}" type="datetimeFigureOut">
               <a:rPr lang="en-IN" smtClean="0"/>
-              <a:t>29-09-2015</a:t>
+              <a:t>30-09-2015</a:t>
             </a:fld>
             <a:endParaRPr lang="en-IN"/>
           </a:p>
@@ -2062,7 +2075,7 @@
           <a:p>
             <a:fld id="{6B3F88B7-D2AF-443E-A3B2-304D2EAF07AE}" type="datetimeFigureOut">
               <a:rPr lang="en-IN" smtClean="0"/>
-              <a:t>29-09-2015</a:t>
+              <a:t>30-09-2015</a:t>
             </a:fld>
             <a:endParaRPr lang="en-IN"/>
           </a:p>
@@ -2180,7 +2193,7 @@
           <a:p>
             <a:fld id="{6B3F88B7-D2AF-443E-A3B2-304D2EAF07AE}" type="datetimeFigureOut">
               <a:rPr lang="en-IN" smtClean="0"/>
-              <a:t>29-09-2015</a:t>
+              <a:t>30-09-2015</a:t>
             </a:fld>
             <a:endParaRPr lang="en-IN"/>
           </a:p>
@@ -2275,7 +2288,7 @@
           <a:p>
             <a:fld id="{6B3F88B7-D2AF-443E-A3B2-304D2EAF07AE}" type="datetimeFigureOut">
               <a:rPr lang="en-IN" smtClean="0"/>
-              <a:t>29-09-2015</a:t>
+              <a:t>30-09-2015</a:t>
             </a:fld>
             <a:endParaRPr lang="en-IN"/>
           </a:p>
@@ -2552,7 +2565,7 @@
           <a:p>
             <a:fld id="{6B3F88B7-D2AF-443E-A3B2-304D2EAF07AE}" type="datetimeFigureOut">
               <a:rPr lang="en-IN" smtClean="0"/>
-              <a:t>29-09-2015</a:t>
+              <a:t>30-09-2015</a:t>
             </a:fld>
             <a:endParaRPr lang="en-IN"/>
           </a:p>
@@ -2805,7 +2818,7 @@
           <a:p>
             <a:fld id="{6B3F88B7-D2AF-443E-A3B2-304D2EAF07AE}" type="datetimeFigureOut">
               <a:rPr lang="en-IN" smtClean="0"/>
-              <a:t>29-09-2015</a:t>
+              <a:t>30-09-2015</a:t>
             </a:fld>
             <a:endParaRPr lang="en-IN"/>
           </a:p>
@@ -3018,7 +3031,7 @@
           <a:p>
             <a:fld id="{6B3F88B7-D2AF-443E-A3B2-304D2EAF07AE}" type="datetimeFigureOut">
               <a:rPr lang="en-IN" smtClean="0"/>
-              <a:t>29-09-2015</a:t>
+              <a:t>30-09-2015</a:t>
             </a:fld>
             <a:endParaRPr lang="en-IN"/>
           </a:p>
@@ -3949,15 +3962,7 @@
                   <a:srgbClr val="FF0000"/>
                 </a:solidFill>
               </a:rPr>
-              <a:t>type</a:t>
-            </a:r>
-            <a:r>
-              <a:rPr lang="en-IN" dirty="0" smtClean="0">
-                <a:solidFill>
-                  <a:srgbClr val="FF0000"/>
-                </a:solidFill>
-              </a:rPr>
-              <a:t>.</a:t>
+              <a:t>type.</a:t>
             </a:r>
           </a:p>
           <a:p>
@@ -4149,34 +4154,34 @@
               <a:buNone/>
             </a:pPr>
             <a:r>
-              <a:rPr lang="en-IN" sz="2200" b="1" dirty="0"/>
+              <a:rPr lang="en-IN" b="1" dirty="0"/>
               <a:t>Uniform Meshes:</a:t>
             </a:r>
           </a:p>
           <a:p>
             <a:pPr marL="642938" lvl="1" indent="-457200"/>
             <a:r>
-              <a:rPr lang="en-IN" sz="2000" dirty="0"/>
+              <a:rPr lang="en-IN" sz="2200" dirty="0"/>
               <a:t>L</a:t>
             </a:r>
             <a:r>
-              <a:rPr lang="en-IN" sz="2000" baseline="30000" dirty="0"/>
+              <a:rPr lang="en-IN" sz="2200" baseline="30000" dirty="0"/>
               <a:t>2</a:t>
             </a:r>
             <a:r>
-              <a:rPr lang="en-IN" sz="2000" dirty="0"/>
+              <a:rPr lang="en-IN" sz="2200" dirty="0"/>
               <a:t>-Norm of the relative recovery error vs the number of elements on uniform meshes is studied. Results obtained for different test functions </a:t>
             </a:r>
             <a:r>
-              <a:rPr lang="en-IN" sz="2000" dirty="0" smtClean="0"/>
+              <a:rPr lang="en-IN" sz="2200" dirty="0" smtClean="0"/>
               <a:t>can be summarised </a:t>
             </a:r>
             <a:r>
-              <a:rPr lang="en-IN" sz="2000" dirty="0"/>
+              <a:rPr lang="en-IN" sz="2200" dirty="0"/>
               <a:t>as </a:t>
             </a:r>
             <a:r>
-              <a:rPr lang="en-IN" sz="2000" dirty="0" smtClean="0"/>
+              <a:rPr lang="en-IN" sz="2200" dirty="0" smtClean="0"/>
               <a:t>shown.</a:t>
             </a:r>
           </a:p>
@@ -4185,29 +4190,29 @@
               <a:buNone/>
             </a:pPr>
             <a:r>
-              <a:rPr lang="en-IN" sz="2200" b="1" dirty="0" smtClean="0"/>
+              <a:rPr lang="en-IN" b="1" dirty="0" smtClean="0"/>
               <a:t>Quadratic Function:</a:t>
             </a:r>
           </a:p>
           <a:p>
             <a:pPr marL="642938" lvl="1" indent="-457200"/>
             <a:r>
-              <a:rPr lang="en-IN" sz="2000" dirty="0" smtClean="0"/>
+              <a:rPr lang="en-IN" sz="2200" dirty="0" smtClean="0"/>
               <a:t>LLS and WF methods both provide exact hessian recovery with error smaller than 10</a:t>
             </a:r>
             <a:r>
-              <a:rPr lang="en-IN" sz="2000" baseline="30000" dirty="0" smtClean="0"/>
+              <a:rPr lang="en-IN" sz="2200" baseline="30000" dirty="0" smtClean="0"/>
               <a:t>-8</a:t>
             </a:r>
             <a:r>
-              <a:rPr lang="en-IN" sz="2000" dirty="0" smtClean="0"/>
+              <a:rPr lang="en-IN" sz="2200" dirty="0" smtClean="0"/>
               <a:t>.</a:t>
             </a:r>
           </a:p>
           <a:p>
             <a:pPr marL="642938" lvl="1" indent="-457200"/>
             <a:r>
-              <a:rPr lang="en-IN" sz="2000" dirty="0" smtClean="0"/>
+              <a:rPr lang="en-IN" sz="2200" dirty="0" smtClean="0"/>
               <a:t>DLF is inexact on uniform meshes for quadratic function. Fig: a.</a:t>
             </a:r>
           </a:p>
@@ -4232,7 +4237,7 @@
         </p:blipFill>
         <p:spPr>
           <a:xfrm>
-            <a:off x="2705100" y="2624138"/>
+            <a:off x="2733676" y="2824170"/>
             <a:ext cx="5553075" cy="3867150"/>
           </a:xfrm>
           <a:prstGeom prst="rect">
@@ -4429,7 +4434,7 @@
               <a:buNone/>
             </a:pPr>
             <a:r>
-              <a:rPr lang="en-IN" b="1" dirty="0" smtClean="0"/>
+              <a:rPr lang="en-IN" sz="2400" b="1" dirty="0" smtClean="0"/>
               <a:t>Boundary Layer:</a:t>
             </a:r>
           </a:p>
@@ -4494,7 +4499,7 @@
         </p:blipFill>
         <p:spPr>
           <a:xfrm>
-            <a:off x="3162299" y="2952743"/>
+            <a:off x="3162299" y="2824151"/>
             <a:ext cx="5581650" cy="3810000"/>
           </a:xfrm>
           <a:prstGeom prst="rect">
@@ -4541,30 +4546,6 @@
       </p:grpSpPr>
       <p:sp>
         <p:nvSpPr>
-          <p:cNvPr id="2" name="Title 1"/>
-          <p:cNvSpPr>
-            <a:spLocks noGrp="1"/>
-          </p:cNvSpPr>
-          <p:nvPr>
-            <p:ph type="title"/>
-          </p:nvPr>
-        </p:nvSpPr>
-        <p:spPr>
-          <a:xfrm>
-            <a:off x="838200" y="365126"/>
-            <a:ext cx="10515600" cy="763588"/>
-          </a:xfrm>
-        </p:spPr>
-        <p:txBody>
-          <a:bodyPr/>
-          <a:lstStyle/>
-          <a:p>
-            <a:endParaRPr lang="en-IN" dirty="0"/>
-          </a:p>
-        </p:txBody>
-      </p:sp>
-      <p:sp>
-        <p:nvSpPr>
           <p:cNvPr id="3" name="Content Placeholder 2"/>
           <p:cNvSpPr>
             <a:spLocks noGrp="1"/>
@@ -4575,7 +4556,7 @@
         </p:nvSpPr>
         <p:spPr>
           <a:xfrm>
-            <a:off x="838200" y="1128714"/>
+            <a:off x="852487" y="985839"/>
             <a:ext cx="10515600" cy="5543549"/>
           </a:xfrm>
         </p:spPr>
@@ -4647,7 +4628,7 @@
         </p:blipFill>
         <p:spPr>
           <a:xfrm>
-            <a:off x="3052762" y="2871788"/>
+            <a:off x="3052762" y="2843212"/>
             <a:ext cx="5776913" cy="3800475"/>
           </a:xfrm>
           <a:prstGeom prst="rect">
@@ -4702,12 +4683,27 @@
             <p:ph type="title"/>
           </p:nvPr>
         </p:nvSpPr>
-        <p:spPr/>
-        <p:txBody>
-          <a:bodyPr/>
-          <a:lstStyle/>
-          <a:p>
-            <a:endParaRPr lang="en-IN"/>
+        <p:spPr>
+          <a:xfrm>
+            <a:off x="838200" y="107951"/>
+            <a:ext cx="10515600" cy="920750"/>
+          </a:xfrm>
+        </p:spPr>
+        <p:txBody>
+          <a:bodyPr>
+            <a:normAutofit/>
+          </a:bodyPr>
+          <a:lstStyle/>
+          <a:p>
+            <a:r>
+              <a:rPr lang="en-IN" sz="2800" b="1" dirty="0"/>
+              <a:t>Randomly Perturbed Uniform </a:t>
+            </a:r>
+            <a:r>
+              <a:rPr lang="en-IN" sz="2800" b="1" dirty="0" smtClean="0"/>
+              <a:t>Meshes:</a:t>
+            </a:r>
+            <a:endParaRPr lang="en-IN" sz="2800" b="1" dirty="0"/>
           </a:p>
         </p:txBody>
       </p:sp>
@@ -4721,15 +4717,181 @@
             <p:ph idx="1"/>
           </p:nvPr>
         </p:nvSpPr>
-        <p:spPr/>
-        <p:txBody>
-          <a:bodyPr/>
-          <a:lstStyle/>
-          <a:p>
-            <a:endParaRPr lang="en-IN"/>
-          </a:p>
-        </p:txBody>
-      </p:sp>
+        <p:spPr>
+          <a:xfrm>
+            <a:off x="838200" y="828675"/>
+            <a:ext cx="10515600" cy="5091113"/>
+          </a:xfrm>
+        </p:spPr>
+        <p:txBody>
+          <a:bodyPr>
+            <a:normAutofit/>
+          </a:bodyPr>
+          <a:lstStyle/>
+          <a:p>
+            <a:r>
+              <a:rPr lang="en-IN" sz="2400" b="1" dirty="0"/>
+              <a:t>QLS Hessian </a:t>
+            </a:r>
+            <a:r>
+              <a:rPr lang="en-IN" sz="2400" b="1" dirty="0" smtClean="0"/>
+              <a:t>Recovery:</a:t>
+            </a:r>
+          </a:p>
+          <a:p>
+            <a:r>
+              <a:rPr lang="en-IN" sz="2200" dirty="0" smtClean="0">
+                <a:latin typeface="Times New Roman" panose="02020603050405020304" pitchFamily="18" charset="0"/>
+                <a:cs typeface="Times New Roman" panose="02020603050405020304" pitchFamily="18" charset="0"/>
+              </a:rPr>
+              <a:t>The QLS </a:t>
+            </a:r>
+            <a:r>
+              <a:rPr lang="en-IN" sz="2200" dirty="0">
+                <a:latin typeface="Times New Roman" panose="02020603050405020304" pitchFamily="18" charset="0"/>
+                <a:cs typeface="Times New Roman" panose="02020603050405020304" pitchFamily="18" charset="0"/>
+              </a:rPr>
+              <a:t>Hessian recovery is exact for the </a:t>
+            </a:r>
+            <a:r>
+              <a:rPr lang="en-IN" sz="2200" dirty="0" smtClean="0">
+                <a:latin typeface="Times New Roman" panose="02020603050405020304" pitchFamily="18" charset="0"/>
+                <a:cs typeface="Times New Roman" panose="02020603050405020304" pitchFamily="18" charset="0"/>
+              </a:rPr>
+              <a:t>quadratic function </a:t>
+            </a:r>
+            <a:r>
+              <a:rPr lang="en-IN" sz="2200" dirty="0">
+                <a:latin typeface="Times New Roman" panose="02020603050405020304" pitchFamily="18" charset="0"/>
+                <a:cs typeface="Times New Roman" panose="02020603050405020304" pitchFamily="18" charset="0"/>
+              </a:rPr>
+              <a:t>despite the irregular mesh </a:t>
+            </a:r>
+            <a:r>
+              <a:rPr lang="en-IN" sz="2200" dirty="0" smtClean="0">
+                <a:latin typeface="Times New Roman" panose="02020603050405020304" pitchFamily="18" charset="0"/>
+                <a:cs typeface="Times New Roman" panose="02020603050405020304" pitchFamily="18" charset="0"/>
+              </a:rPr>
+              <a:t>shape.</a:t>
+            </a:r>
+          </a:p>
+          <a:p>
+            <a:r>
+              <a:rPr lang="en-IN" sz="2200" dirty="0" smtClean="0">
+                <a:latin typeface="Times New Roman" panose="02020603050405020304" pitchFamily="18" charset="0"/>
+                <a:cs typeface="Times New Roman" panose="02020603050405020304" pitchFamily="18" charset="0"/>
+              </a:rPr>
+              <a:t>It performs very well for other functions also. The order of convergence is n</a:t>
+            </a:r>
+            <a:r>
+              <a:rPr lang="en-IN" sz="2200" baseline="30000" dirty="0" smtClean="0">
+                <a:latin typeface="Times New Roman" panose="02020603050405020304" pitchFamily="18" charset="0"/>
+                <a:cs typeface="Times New Roman" panose="02020603050405020304" pitchFamily="18" charset="0"/>
+              </a:rPr>
+              <a:t>-1</a:t>
+            </a:r>
+            <a:r>
+              <a:rPr lang="en-IN" sz="2200" dirty="0" smtClean="0">
+                <a:latin typeface="Times New Roman" panose="02020603050405020304" pitchFamily="18" charset="0"/>
+                <a:cs typeface="Times New Roman" panose="02020603050405020304" pitchFamily="18" charset="0"/>
+              </a:rPr>
+              <a:t>≈</a:t>
+            </a:r>
+            <a:r>
+              <a:rPr lang="en-IN" sz="2200" i="1" dirty="0" smtClean="0">
+                <a:latin typeface="Times New Roman" panose="02020603050405020304" pitchFamily="18" charset="0"/>
+                <a:cs typeface="Times New Roman" panose="02020603050405020304" pitchFamily="18" charset="0"/>
+              </a:rPr>
+              <a:t>h</a:t>
+            </a:r>
+            <a:r>
+              <a:rPr lang="en-IN" sz="2200" baseline="30000" dirty="0" smtClean="0">
+                <a:latin typeface="Times New Roman" panose="02020603050405020304" pitchFamily="18" charset="0"/>
+                <a:cs typeface="Times New Roman" panose="02020603050405020304" pitchFamily="18" charset="0"/>
+              </a:rPr>
+              <a:t>2 </a:t>
+            </a:r>
+            <a:r>
+              <a:rPr lang="en-IN" sz="2200" dirty="0" smtClean="0">
+                <a:latin typeface="Times New Roman" panose="02020603050405020304" pitchFamily="18" charset="0"/>
+                <a:cs typeface="Times New Roman" panose="02020603050405020304" pitchFamily="18" charset="0"/>
+              </a:rPr>
+              <a:t>in the domain interior in mildly perturbed meshes.</a:t>
+            </a:r>
+          </a:p>
+          <a:p>
+            <a:r>
+              <a:rPr lang="en-IN" sz="2200" dirty="0" smtClean="0">
+                <a:latin typeface="Times New Roman" panose="02020603050405020304" pitchFamily="18" charset="0"/>
+                <a:cs typeface="Times New Roman" panose="02020603050405020304" pitchFamily="18" charset="0"/>
+              </a:rPr>
+              <a:t> A convergence rate of n</a:t>
+            </a:r>
+            <a:r>
+              <a:rPr lang="en-IN" sz="2200" baseline="30000" dirty="0" smtClean="0">
+                <a:latin typeface="Times New Roman" panose="02020603050405020304" pitchFamily="18" charset="0"/>
+                <a:cs typeface="Times New Roman" panose="02020603050405020304" pitchFamily="18" charset="0"/>
+              </a:rPr>
+              <a:t>-2/3</a:t>
+            </a:r>
+            <a:r>
+              <a:rPr lang="en-IN" sz="2200" dirty="0" smtClean="0">
+                <a:latin typeface="Times New Roman" panose="02020603050405020304" pitchFamily="18" charset="0"/>
+                <a:cs typeface="Times New Roman" panose="02020603050405020304" pitchFamily="18" charset="0"/>
+              </a:rPr>
+              <a:t>≈</a:t>
+            </a:r>
+            <a:r>
+              <a:rPr lang="en-IN" sz="2200" i="1" dirty="0" smtClean="0">
+                <a:latin typeface="Times New Roman" panose="02020603050405020304" pitchFamily="18" charset="0"/>
+                <a:cs typeface="Times New Roman" panose="02020603050405020304" pitchFamily="18" charset="0"/>
+              </a:rPr>
+              <a:t>h</a:t>
+            </a:r>
+            <a:r>
+              <a:rPr lang="en-IN" sz="2200" baseline="30000" dirty="0" smtClean="0">
+                <a:latin typeface="Times New Roman" panose="02020603050405020304" pitchFamily="18" charset="0"/>
+                <a:cs typeface="Times New Roman" panose="02020603050405020304" pitchFamily="18" charset="0"/>
+              </a:rPr>
+              <a:t>4/3</a:t>
+            </a:r>
+            <a:r>
+              <a:rPr lang="en-IN" sz="2200" dirty="0" smtClean="0">
+                <a:latin typeface="Times New Roman" panose="02020603050405020304" pitchFamily="18" charset="0"/>
+                <a:cs typeface="Times New Roman" panose="02020603050405020304" pitchFamily="18" charset="0"/>
+              </a:rPr>
+              <a:t> can be achieved for boundary layer and anisotropic functions.</a:t>
+            </a:r>
+          </a:p>
+          <a:p>
+            <a:endParaRPr lang="en-IN" sz="2400" dirty="0"/>
+          </a:p>
+        </p:txBody>
+      </p:sp>
+      <p:pic>
+        <p:nvPicPr>
+          <p:cNvPr id="4" name="Picture 3"/>
+          <p:cNvPicPr>
+            <a:picLocks noChangeAspect="1"/>
+          </p:cNvPicPr>
+          <p:nvPr/>
+        </p:nvPicPr>
+        <p:blipFill>
+          <a:blip r:embed="rId2"/>
+          <a:stretch>
+            <a:fillRect/>
+          </a:stretch>
+        </p:blipFill>
+        <p:spPr>
+          <a:xfrm>
+            <a:off x="838200" y="3119439"/>
+            <a:ext cx="10858500" cy="3781425"/>
+          </a:xfrm>
+          <a:prstGeom prst="rect">
+            <a:avLst/>
+          </a:prstGeom>
+        </p:spPr>
+      </p:pic>
     </p:spTree>
     <p:extLst>
       <p:ext uri="{BB962C8B-B14F-4D97-AF65-F5344CB8AC3E}">
@@ -4777,64 +4939,223 @@
             <p:ph type="title"/>
           </p:nvPr>
         </p:nvSpPr>
-        <p:spPr/>
+        <p:spPr>
+          <a:xfrm>
+            <a:off x="838200" y="365125"/>
+            <a:ext cx="10515600" cy="892175"/>
+          </a:xfrm>
+        </p:spPr>
+        <p:txBody>
+          <a:bodyPr>
+            <a:normAutofit/>
+          </a:bodyPr>
+          <a:lstStyle/>
+          <a:p>
+            <a:r>
+              <a:rPr lang="en-IN" sz="2800" b="1" dirty="0"/>
+              <a:t>Randomly Perturbed Uniform Meshes:</a:t>
+            </a:r>
+            <a:endParaRPr lang="en-IN" sz="2800" dirty="0"/>
+          </a:p>
+        </p:txBody>
+      </p:sp>
+      <p:sp>
+        <p:nvSpPr>
+          <p:cNvPr id="3" name="Content Placeholder 2"/>
+          <p:cNvSpPr>
+            <a:spLocks noGrp="1"/>
+          </p:cNvSpPr>
+          <p:nvPr>
+            <p:ph idx="1"/>
+          </p:nvPr>
+        </p:nvSpPr>
+        <p:spPr>
+          <a:xfrm>
+            <a:off x="838200" y="1257300"/>
+            <a:ext cx="10515600" cy="4919663"/>
+          </a:xfrm>
+        </p:spPr>
         <p:txBody>
           <a:bodyPr/>
           <a:lstStyle/>
           <a:p>
             <a:r>
-              <a:rPr lang="en-IN" dirty="0" smtClean="0"/>
-              <a:t>References</a:t>
-            </a:r>
-            <a:endParaRPr lang="en-IN" dirty="0"/>
-          </a:p>
-        </p:txBody>
-      </p:sp>
-      <p:sp>
-        <p:nvSpPr>
-          <p:cNvPr id="3" name="Content Placeholder 2"/>
-          <p:cNvSpPr>
-            <a:spLocks noGrp="1"/>
-          </p:cNvSpPr>
-          <p:nvPr>
-            <p:ph idx="1"/>
-          </p:nvPr>
-        </p:nvSpPr>
-        <p:spPr/>
-        <p:txBody>
-          <a:bodyPr/>
-          <a:lstStyle/>
-          <a:p>
-            <a:pPr marL="514350" indent="-514350">
-              <a:buFont typeface="+mj-lt"/>
-              <a:buAutoNum type="arabicPeriod"/>
-            </a:pPr>
-            <a:r>
-              <a:rPr lang="en-IN" dirty="0" smtClean="0"/>
-              <a:t>On Hessian Recovery and Anisotropic </a:t>
-            </a:r>
-            <a:r>
-              <a:rPr lang="en-IN" dirty="0" err="1" smtClean="0"/>
-              <a:t>Adaptivity</a:t>
-            </a:r>
-            <a:r>
-              <a:rPr lang="en-IN" dirty="0" smtClean="0"/>
+              <a:rPr lang="en-IN" sz="2400" b="1" dirty="0" smtClean="0"/>
+              <a:t>DLF, LLS and WF methods:</a:t>
+            </a:r>
+          </a:p>
+          <a:p>
+            <a:r>
+              <a:rPr lang="en-IN" sz="2200" dirty="0" smtClean="0"/>
+              <a:t>While the QLS hessian recovery is decreasing with the increasing number of elements, no improvement is achieved by these methods after a few initial steps.</a:t>
+            </a:r>
+          </a:p>
+          <a:p>
+            <a:r>
+              <a:rPr lang="en-IN" sz="2200" dirty="0" smtClean="0"/>
+              <a:t>The difference becomes more clear on random meshes with larger co-ordinate perturbations. </a:t>
+            </a:r>
+          </a:p>
+          <a:p>
+            <a:r>
+              <a:rPr lang="en-IN" sz="2200" dirty="0" smtClean="0"/>
+              <a:t>For the function </a:t>
+            </a:r>
+            <a:r>
+              <a:rPr lang="en-IN" sz="2200" i="1" dirty="0" err="1" smtClean="0"/>
+              <a:t>u</a:t>
+            </a:r>
+            <a:r>
+              <a:rPr lang="en-IN" sz="2200" i="1" baseline="-25000" dirty="0" err="1" smtClean="0"/>
+              <a:t>Q</a:t>
+            </a:r>
+            <a:r>
+              <a:rPr lang="en-IN" sz="2200" i="1" dirty="0" smtClean="0"/>
+              <a:t>(</a:t>
+            </a:r>
+            <a:r>
+              <a:rPr lang="en-IN" sz="2200" i="1" dirty="0" err="1" smtClean="0"/>
+              <a:t>x,y</a:t>
+            </a:r>
+            <a:r>
+              <a:rPr lang="en-IN" sz="2200" i="1" dirty="0" smtClean="0"/>
+              <a:t>)=x</a:t>
+            </a:r>
+            <a:r>
+              <a:rPr lang="en-IN" sz="2200" i="1" baseline="30000" dirty="0" smtClean="0"/>
+              <a:t>2</a:t>
+            </a:r>
+            <a:r>
+              <a:rPr lang="en-IN" sz="2200" i="1" dirty="0" smtClean="0"/>
+              <a:t>+y</a:t>
+            </a:r>
+            <a:r>
+              <a:rPr lang="en-IN" sz="2200" i="1" baseline="30000" dirty="0" smtClean="0"/>
+              <a:t>2</a:t>
+            </a:r>
+            <a:r>
+              <a:rPr lang="en-IN" sz="2200" i="1" dirty="0" smtClean="0"/>
               <a:t>.</a:t>
             </a:r>
-          </a:p>
-          <a:p>
-            <a:pPr marL="514350" indent="-514350">
-              <a:buFont typeface="+mj-lt"/>
-              <a:buAutoNum type="arabicPeriod"/>
-            </a:pPr>
-            <a:endParaRPr lang="en-IN" dirty="0"/>
-          </a:p>
-        </p:txBody>
-      </p:sp>
+            <a:endParaRPr lang="en-IN" sz="2200" dirty="0"/>
+          </a:p>
+        </p:txBody>
+      </p:sp>
+      <p:pic>
+        <p:nvPicPr>
+          <p:cNvPr id="4" name="Picture 3"/>
+          <p:cNvPicPr>
+            <a:picLocks noChangeAspect="1"/>
+          </p:cNvPicPr>
+          <p:nvPr/>
+        </p:nvPicPr>
+        <p:blipFill>
+          <a:blip r:embed="rId2"/>
+          <a:stretch>
+            <a:fillRect/>
+          </a:stretch>
+        </p:blipFill>
+        <p:spPr>
+          <a:xfrm>
+            <a:off x="1762125" y="3652856"/>
+            <a:ext cx="8153400" cy="2867025"/>
+          </a:xfrm>
+          <a:prstGeom prst="rect">
+            <a:avLst/>
+          </a:prstGeom>
+        </p:spPr>
+      </p:pic>
     </p:spTree>
     <p:extLst>
       <p:ext uri="{BB962C8B-B14F-4D97-AF65-F5344CB8AC3E}">
-        <p14:creationId xmlns:p14="http://schemas.microsoft.com/office/powerpoint/2010/main" val="1067246484"/>
+        <p14:creationId xmlns:p14="http://schemas.microsoft.com/office/powerpoint/2010/main" val="2671247695"/>
+      </p:ext>
+    </p:extLst>
+  </p:cSld>
+  <p:clrMapOvr>
+    <a:masterClrMapping/>
+  </p:clrMapOvr>
+  <p:timing>
+    <p:tnLst>
+      <p:par>
+        <p:cTn id="1" dur="indefinite" restart="never" nodeType="tmRoot"/>
+      </p:par>
+    </p:tnLst>
+  </p:timing>
+</p:sld>
+</file>
+
+<file path=ppt/slides/slide19.xml><?xml version="1.0" encoding="utf-8"?>
+<p:sld xmlns:a="http://schemas.openxmlformats.org/drawingml/2006/main" xmlns:r="http://schemas.openxmlformats.org/officeDocument/2006/relationships" xmlns:p="http://schemas.openxmlformats.org/presentationml/2006/main">
+  <p:cSld>
+    <p:spTree>
+      <p:nvGrpSpPr>
+        <p:cNvPr id="1" name=""/>
+        <p:cNvGrpSpPr/>
+        <p:nvPr/>
+      </p:nvGrpSpPr>
+      <p:grpSpPr>
+        <a:xfrm>
+          <a:off x="0" y="0"/>
+          <a:ext cx="0" cy="0"/>
+          <a:chOff x="0" y="0"/>
+          <a:chExt cx="0" cy="0"/>
+        </a:xfrm>
+      </p:grpSpPr>
+      <p:pic>
+        <p:nvPicPr>
+          <p:cNvPr id="5" name="Content Placeholder 4"/>
+          <p:cNvPicPr>
+            <a:picLocks noGrp="1" noChangeAspect="1"/>
+          </p:cNvPicPr>
+          <p:nvPr>
+            <p:ph idx="1"/>
+          </p:nvPr>
+        </p:nvPicPr>
+        <p:blipFill>
+          <a:blip r:embed="rId2"/>
+          <a:stretch>
+            <a:fillRect/>
+          </a:stretch>
+        </p:blipFill>
+        <p:spPr>
+          <a:xfrm>
+            <a:off x="1704975" y="3252789"/>
+            <a:ext cx="8096250" cy="2790825"/>
+          </a:xfrm>
+          <a:prstGeom prst="rect">
+            <a:avLst/>
+          </a:prstGeom>
+        </p:spPr>
+      </p:pic>
+      <p:pic>
+        <p:nvPicPr>
+          <p:cNvPr id="4" name="Picture 3"/>
+          <p:cNvPicPr>
+            <a:picLocks noChangeAspect="1"/>
+          </p:cNvPicPr>
+          <p:nvPr/>
+        </p:nvPicPr>
+        <p:blipFill>
+          <a:blip r:embed="rId3"/>
+          <a:stretch>
+            <a:fillRect/>
+          </a:stretch>
+        </p:blipFill>
+        <p:spPr>
+          <a:xfrm>
+            <a:off x="1704975" y="357188"/>
+            <a:ext cx="8210550" cy="2895601"/>
+          </a:xfrm>
+          <a:prstGeom prst="rect">
+            <a:avLst/>
+          </a:prstGeom>
+        </p:spPr>
+      </p:pic>
+    </p:spTree>
+    <p:extLst>
+      <p:ext uri="{BB962C8B-B14F-4D97-AF65-F5344CB8AC3E}">
+        <p14:creationId xmlns:p14="http://schemas.microsoft.com/office/powerpoint/2010/main" val="2735018563"/>
       </p:ext>
     </p:extLst>
   </p:cSld>
@@ -5014,6 +5335,1294 @@
 </p:sld>
 </file>
 
+<file path=ppt/slides/slide20.xml><?xml version="1.0" encoding="utf-8"?>
+<p:sld xmlns:a="http://schemas.openxmlformats.org/drawingml/2006/main" xmlns:r="http://schemas.openxmlformats.org/officeDocument/2006/relationships" xmlns:p="http://schemas.openxmlformats.org/presentationml/2006/main">
+  <p:cSld>
+    <p:spTree>
+      <p:nvGrpSpPr>
+        <p:cNvPr id="1" name=""/>
+        <p:cNvGrpSpPr/>
+        <p:nvPr/>
+      </p:nvGrpSpPr>
+      <p:grpSpPr>
+        <a:xfrm>
+          <a:off x="0" y="0"/>
+          <a:ext cx="0" cy="0"/>
+          <a:chOff x="0" y="0"/>
+          <a:chExt cx="0" cy="0"/>
+        </a:xfrm>
+      </p:grpSpPr>
+      <p:sp>
+        <p:nvSpPr>
+          <p:cNvPr id="3" name="Content Placeholder 2"/>
+          <p:cNvSpPr>
+            <a:spLocks noGrp="1"/>
+          </p:cNvSpPr>
+          <p:nvPr>
+            <p:ph idx="1"/>
+          </p:nvPr>
+        </p:nvSpPr>
+        <p:spPr>
+          <a:xfrm>
+            <a:off x="838200" y="314325"/>
+            <a:ext cx="10515600" cy="5862638"/>
+          </a:xfrm>
+        </p:spPr>
+        <p:txBody>
+          <a:bodyPr/>
+          <a:lstStyle/>
+          <a:p>
+            <a:r>
+              <a:rPr lang="en-IN" dirty="0" smtClean="0"/>
+              <a:t>For function </a:t>
+            </a:r>
+            <a:r>
+              <a:rPr lang="en-IN" i="1" dirty="0" err="1" smtClean="0"/>
+              <a:t>u</a:t>
+            </a:r>
+            <a:r>
+              <a:rPr lang="en-IN" i="1" baseline="-25000" dirty="0" err="1" smtClean="0"/>
+              <a:t>GF</a:t>
+            </a:r>
+            <a:r>
+              <a:rPr lang="en-IN" i="1" dirty="0" smtClean="0"/>
+              <a:t>(</a:t>
+            </a:r>
+            <a:r>
+              <a:rPr lang="en-IN" i="1" dirty="0" err="1" smtClean="0"/>
+              <a:t>x,y</a:t>
+            </a:r>
+            <a:r>
+              <a:rPr lang="en-IN" i="1" dirty="0" smtClean="0"/>
+              <a:t>)=e</a:t>
+            </a:r>
+            <a:r>
+              <a:rPr lang="en-IN" i="1" baseline="30000" dirty="0" smtClean="0"/>
+              <a:t>-100((x-0.5)^2+(y-0.5)^2)</a:t>
+            </a:r>
+            <a:r>
+              <a:rPr lang="en-IN" i="1" dirty="0" smtClean="0"/>
+              <a:t>.</a:t>
+            </a:r>
+          </a:p>
+          <a:p>
+            <a:endParaRPr lang="en-IN" dirty="0"/>
+          </a:p>
+        </p:txBody>
+      </p:sp>
+      <p:pic>
+        <p:nvPicPr>
+          <p:cNvPr id="4" name="Picture 3"/>
+          <p:cNvPicPr>
+            <a:picLocks noChangeAspect="1"/>
+          </p:cNvPicPr>
+          <p:nvPr/>
+        </p:nvPicPr>
+        <p:blipFill>
+          <a:blip r:embed="rId2"/>
+          <a:stretch>
+            <a:fillRect/>
+          </a:stretch>
+        </p:blipFill>
+        <p:spPr>
+          <a:xfrm>
+            <a:off x="2109787" y="795337"/>
+            <a:ext cx="7972425" cy="2752725"/>
+          </a:xfrm>
+          <a:prstGeom prst="rect">
+            <a:avLst/>
+          </a:prstGeom>
+        </p:spPr>
+      </p:pic>
+      <p:pic>
+        <p:nvPicPr>
+          <p:cNvPr id="5" name="Picture 4"/>
+          <p:cNvPicPr>
+            <a:picLocks noChangeAspect="1"/>
+          </p:cNvPicPr>
+          <p:nvPr/>
+        </p:nvPicPr>
+        <p:blipFill>
+          <a:blip r:embed="rId3"/>
+          <a:stretch>
+            <a:fillRect/>
+          </a:stretch>
+        </p:blipFill>
+        <p:spPr>
+          <a:xfrm>
+            <a:off x="2109787" y="3548062"/>
+            <a:ext cx="8048625" cy="2762250"/>
+          </a:xfrm>
+          <a:prstGeom prst="rect">
+            <a:avLst/>
+          </a:prstGeom>
+        </p:spPr>
+      </p:pic>
+    </p:spTree>
+    <p:extLst>
+      <p:ext uri="{BB962C8B-B14F-4D97-AF65-F5344CB8AC3E}">
+        <p14:creationId xmlns:p14="http://schemas.microsoft.com/office/powerpoint/2010/main" val="3393831508"/>
+      </p:ext>
+    </p:extLst>
+  </p:cSld>
+  <p:clrMapOvr>
+    <a:masterClrMapping/>
+  </p:clrMapOvr>
+  <p:timing>
+    <p:tnLst>
+      <p:par>
+        <p:cTn id="1" dur="indefinite" restart="never" nodeType="tmRoot"/>
+      </p:par>
+    </p:tnLst>
+  </p:timing>
+</p:sld>
+</file>
+
+<file path=ppt/slides/slide21.xml><?xml version="1.0" encoding="utf-8"?>
+<p:sld xmlns:a="http://schemas.openxmlformats.org/drawingml/2006/main" xmlns:r="http://schemas.openxmlformats.org/officeDocument/2006/relationships" xmlns:p="http://schemas.openxmlformats.org/presentationml/2006/main">
+  <p:cSld>
+    <p:spTree>
+      <p:nvGrpSpPr>
+        <p:cNvPr id="1" name=""/>
+        <p:cNvGrpSpPr/>
+        <p:nvPr/>
+      </p:nvGrpSpPr>
+      <p:grpSpPr>
+        <a:xfrm>
+          <a:off x="0" y="0"/>
+          <a:ext cx="0" cy="0"/>
+          <a:chOff x="0" y="0"/>
+          <a:chExt cx="0" cy="0"/>
+        </a:xfrm>
+      </p:grpSpPr>
+      <p:pic>
+        <p:nvPicPr>
+          <p:cNvPr id="4" name="Content Placeholder 3"/>
+          <p:cNvPicPr>
+            <a:picLocks noGrp="1" noChangeAspect="1"/>
+          </p:cNvPicPr>
+          <p:nvPr>
+            <p:ph idx="1"/>
+          </p:nvPr>
+        </p:nvPicPr>
+        <p:blipFill>
+          <a:blip r:embed="rId2"/>
+          <a:stretch>
+            <a:fillRect/>
+          </a:stretch>
+        </p:blipFill>
+        <p:spPr>
+          <a:xfrm>
+            <a:off x="1847850" y="650080"/>
+            <a:ext cx="8048625" cy="2750345"/>
+          </a:xfrm>
+          <a:prstGeom prst="rect">
+            <a:avLst/>
+          </a:prstGeom>
+        </p:spPr>
+      </p:pic>
+      <p:pic>
+        <p:nvPicPr>
+          <p:cNvPr id="5" name="Picture 4"/>
+          <p:cNvPicPr>
+            <a:picLocks noChangeAspect="1"/>
+          </p:cNvPicPr>
+          <p:nvPr/>
+        </p:nvPicPr>
+        <p:blipFill>
+          <a:blip r:embed="rId3"/>
+          <a:stretch>
+            <a:fillRect/>
+          </a:stretch>
+        </p:blipFill>
+        <p:spPr>
+          <a:xfrm>
+            <a:off x="1766888" y="3400425"/>
+            <a:ext cx="8210550" cy="2838450"/>
+          </a:xfrm>
+          <a:prstGeom prst="rect">
+            <a:avLst/>
+          </a:prstGeom>
+        </p:spPr>
+      </p:pic>
+    </p:spTree>
+    <p:extLst>
+      <p:ext uri="{BB962C8B-B14F-4D97-AF65-F5344CB8AC3E}">
+        <p14:creationId xmlns:p14="http://schemas.microsoft.com/office/powerpoint/2010/main" val="3445987641"/>
+      </p:ext>
+    </p:extLst>
+  </p:cSld>
+  <p:clrMapOvr>
+    <a:masterClrMapping/>
+  </p:clrMapOvr>
+  <p:timing>
+    <p:tnLst>
+      <p:par>
+        <p:cTn id="1" dur="indefinite" restart="never" nodeType="tmRoot"/>
+      </p:par>
+    </p:tnLst>
+  </p:timing>
+</p:sld>
+</file>
+
+<file path=ppt/slides/slide22.xml><?xml version="1.0" encoding="utf-8"?>
+<p:sld xmlns:a="http://schemas.openxmlformats.org/drawingml/2006/main" xmlns:r="http://schemas.openxmlformats.org/officeDocument/2006/relationships" xmlns:p="http://schemas.openxmlformats.org/presentationml/2006/main">
+  <p:cSld>
+    <p:spTree>
+      <p:nvGrpSpPr>
+        <p:cNvPr id="1" name=""/>
+        <p:cNvGrpSpPr/>
+        <p:nvPr/>
+      </p:nvGrpSpPr>
+      <p:grpSpPr>
+        <a:xfrm>
+          <a:off x="0" y="0"/>
+          <a:ext cx="0" cy="0"/>
+          <a:chOff x="0" y="0"/>
+          <a:chExt cx="0" cy="0"/>
+        </a:xfrm>
+      </p:grpSpPr>
+      <p:sp>
+        <p:nvSpPr>
+          <p:cNvPr id="2" name="Title 1"/>
+          <p:cNvSpPr>
+            <a:spLocks noGrp="1"/>
+          </p:cNvSpPr>
+          <p:nvPr>
+            <p:ph type="title"/>
+          </p:nvPr>
+        </p:nvSpPr>
+        <p:spPr>
+          <a:xfrm>
+            <a:off x="838200" y="365126"/>
+            <a:ext cx="10515600" cy="349250"/>
+          </a:xfrm>
+        </p:spPr>
+        <p:txBody>
+          <a:bodyPr>
+            <a:normAutofit fontScale="90000"/>
+          </a:bodyPr>
+          <a:lstStyle/>
+          <a:p>
+            <a:endParaRPr lang="en-IN" dirty="0"/>
+          </a:p>
+        </p:txBody>
+      </p:sp>
+      <p:sp>
+        <p:nvSpPr>
+          <p:cNvPr id="3" name="Content Placeholder 2"/>
+          <p:cNvSpPr>
+            <a:spLocks noGrp="1"/>
+          </p:cNvSpPr>
+          <p:nvPr>
+            <p:ph idx="1"/>
+          </p:nvPr>
+        </p:nvSpPr>
+        <p:spPr>
+          <a:xfrm>
+            <a:off x="838200" y="971550"/>
+            <a:ext cx="10515600" cy="5205413"/>
+          </a:xfrm>
+        </p:spPr>
+        <p:txBody>
+          <a:bodyPr/>
+          <a:lstStyle/>
+          <a:p>
+            <a:r>
+              <a:rPr lang="en-IN" dirty="0" smtClean="0"/>
+              <a:t>For the test function: </a:t>
+            </a:r>
+            <a:r>
+              <a:rPr lang="en-IN" i="1" dirty="0" err="1" smtClean="0"/>
+              <a:t>u</a:t>
+            </a:r>
+            <a:r>
+              <a:rPr lang="en-IN" i="1" baseline="-25000" dirty="0" err="1" smtClean="0"/>
+              <a:t>BL</a:t>
+            </a:r>
+            <a:r>
+              <a:rPr lang="en-IN" i="1" dirty="0" smtClean="0"/>
+              <a:t>(</a:t>
+            </a:r>
+            <a:r>
+              <a:rPr lang="en-IN" i="1" dirty="0" err="1" smtClean="0"/>
+              <a:t>x,y</a:t>
+            </a:r>
+            <a:r>
+              <a:rPr lang="en-IN" i="1" dirty="0" smtClean="0"/>
+              <a:t>)=e</a:t>
+            </a:r>
+            <a:r>
+              <a:rPr lang="en-IN" i="1" baseline="30000" dirty="0" smtClean="0"/>
+              <a:t>-25x</a:t>
+            </a:r>
+            <a:r>
+              <a:rPr lang="en-IN" i="1" dirty="0" smtClean="0"/>
+              <a:t>+e</a:t>
+            </a:r>
+            <a:r>
+              <a:rPr lang="en-IN" i="1" baseline="30000" dirty="0" smtClean="0"/>
+              <a:t>-25y</a:t>
+            </a:r>
+            <a:r>
+              <a:rPr lang="en-IN" i="1" dirty="0" smtClean="0"/>
+              <a:t>.</a:t>
+            </a:r>
+            <a:endParaRPr lang="en-IN" dirty="0"/>
+          </a:p>
+        </p:txBody>
+      </p:sp>
+      <p:pic>
+        <p:nvPicPr>
+          <p:cNvPr id="4" name="Picture 3"/>
+          <p:cNvPicPr>
+            <a:picLocks noChangeAspect="1"/>
+          </p:cNvPicPr>
+          <p:nvPr/>
+        </p:nvPicPr>
+        <p:blipFill>
+          <a:blip r:embed="rId2"/>
+          <a:stretch>
+            <a:fillRect/>
+          </a:stretch>
+        </p:blipFill>
+        <p:spPr>
+          <a:xfrm>
+            <a:off x="2043112" y="1381122"/>
+            <a:ext cx="8105775" cy="2781300"/>
+          </a:xfrm>
+          <a:prstGeom prst="rect">
+            <a:avLst/>
+          </a:prstGeom>
+        </p:spPr>
+      </p:pic>
+      <p:pic>
+        <p:nvPicPr>
+          <p:cNvPr id="5" name="Picture 4"/>
+          <p:cNvPicPr>
+            <a:picLocks noChangeAspect="1"/>
+          </p:cNvPicPr>
+          <p:nvPr/>
+        </p:nvPicPr>
+        <p:blipFill>
+          <a:blip r:embed="rId3"/>
+          <a:stretch>
+            <a:fillRect/>
+          </a:stretch>
+        </p:blipFill>
+        <p:spPr>
+          <a:xfrm>
+            <a:off x="2043112" y="4148130"/>
+            <a:ext cx="8220075" cy="2771775"/>
+          </a:xfrm>
+          <a:prstGeom prst="rect">
+            <a:avLst/>
+          </a:prstGeom>
+        </p:spPr>
+      </p:pic>
+    </p:spTree>
+    <p:extLst>
+      <p:ext uri="{BB962C8B-B14F-4D97-AF65-F5344CB8AC3E}">
+        <p14:creationId xmlns:p14="http://schemas.microsoft.com/office/powerpoint/2010/main" val="2778180620"/>
+      </p:ext>
+    </p:extLst>
+  </p:cSld>
+  <p:clrMapOvr>
+    <a:masterClrMapping/>
+  </p:clrMapOvr>
+  <p:timing>
+    <p:tnLst>
+      <p:par>
+        <p:cTn id="1" dur="indefinite" restart="never" nodeType="tmRoot"/>
+      </p:par>
+    </p:tnLst>
+  </p:timing>
+</p:sld>
+</file>
+
+<file path=ppt/slides/slide23.xml><?xml version="1.0" encoding="utf-8"?>
+<p:sld xmlns:a="http://schemas.openxmlformats.org/drawingml/2006/main" xmlns:r="http://schemas.openxmlformats.org/officeDocument/2006/relationships" xmlns:p="http://schemas.openxmlformats.org/presentationml/2006/main">
+  <p:cSld>
+    <p:spTree>
+      <p:nvGrpSpPr>
+        <p:cNvPr id="1" name=""/>
+        <p:cNvGrpSpPr/>
+        <p:nvPr/>
+      </p:nvGrpSpPr>
+      <p:grpSpPr>
+        <a:xfrm>
+          <a:off x="0" y="0"/>
+          <a:ext cx="0" cy="0"/>
+          <a:chOff x="0" y="0"/>
+          <a:chExt cx="0" cy="0"/>
+        </a:xfrm>
+      </p:grpSpPr>
+      <p:sp>
+        <p:nvSpPr>
+          <p:cNvPr id="2" name="Title 1"/>
+          <p:cNvSpPr>
+            <a:spLocks noGrp="1"/>
+          </p:cNvSpPr>
+          <p:nvPr>
+            <p:ph type="title"/>
+          </p:nvPr>
+        </p:nvSpPr>
+        <p:spPr>
+          <a:xfrm>
+            <a:off x="838200" y="365125"/>
+            <a:ext cx="10515600" cy="263525"/>
+          </a:xfrm>
+        </p:spPr>
+        <p:txBody>
+          <a:bodyPr>
+            <a:normAutofit fontScale="90000"/>
+          </a:bodyPr>
+          <a:lstStyle/>
+          <a:p>
+            <a:endParaRPr lang="en-IN" dirty="0"/>
+          </a:p>
+        </p:txBody>
+      </p:sp>
+      <p:sp>
+        <p:nvSpPr>
+          <p:cNvPr id="3" name="Content Placeholder 2"/>
+          <p:cNvSpPr>
+            <a:spLocks noGrp="1"/>
+          </p:cNvSpPr>
+          <p:nvPr>
+            <p:ph idx="1"/>
+          </p:nvPr>
+        </p:nvSpPr>
+        <p:spPr>
+          <a:xfrm>
+            <a:off x="838200" y="828675"/>
+            <a:ext cx="10515600" cy="5348288"/>
+          </a:xfrm>
+        </p:spPr>
+        <p:txBody>
+          <a:bodyPr/>
+          <a:lstStyle/>
+          <a:p>
+            <a:r>
+              <a:rPr lang="en-IN" dirty="0" smtClean="0"/>
+              <a:t> </a:t>
+            </a:r>
+            <a:endParaRPr lang="en-IN" dirty="0"/>
+          </a:p>
+        </p:txBody>
+      </p:sp>
+      <p:pic>
+        <p:nvPicPr>
+          <p:cNvPr id="4" name="Picture 3"/>
+          <p:cNvPicPr>
+            <a:picLocks noChangeAspect="1"/>
+          </p:cNvPicPr>
+          <p:nvPr/>
+        </p:nvPicPr>
+        <p:blipFill>
+          <a:blip r:embed="rId2"/>
+          <a:stretch>
+            <a:fillRect/>
+          </a:stretch>
+        </p:blipFill>
+        <p:spPr>
+          <a:xfrm>
+            <a:off x="2066925" y="971549"/>
+            <a:ext cx="8058150" cy="2771775"/>
+          </a:xfrm>
+          <a:prstGeom prst="rect">
+            <a:avLst/>
+          </a:prstGeom>
+        </p:spPr>
+      </p:pic>
+      <p:pic>
+        <p:nvPicPr>
+          <p:cNvPr id="5" name="Picture 4"/>
+          <p:cNvPicPr>
+            <a:picLocks noChangeAspect="1"/>
+          </p:cNvPicPr>
+          <p:nvPr/>
+        </p:nvPicPr>
+        <p:blipFill>
+          <a:blip r:embed="rId3"/>
+          <a:stretch>
+            <a:fillRect/>
+          </a:stretch>
+        </p:blipFill>
+        <p:spPr>
+          <a:xfrm>
+            <a:off x="2090733" y="3743324"/>
+            <a:ext cx="8096250" cy="2771775"/>
+          </a:xfrm>
+          <a:prstGeom prst="rect">
+            <a:avLst/>
+          </a:prstGeom>
+        </p:spPr>
+      </p:pic>
+    </p:spTree>
+    <p:extLst>
+      <p:ext uri="{BB962C8B-B14F-4D97-AF65-F5344CB8AC3E}">
+        <p14:creationId xmlns:p14="http://schemas.microsoft.com/office/powerpoint/2010/main" val="3243243178"/>
+      </p:ext>
+    </p:extLst>
+  </p:cSld>
+  <p:clrMapOvr>
+    <a:masterClrMapping/>
+  </p:clrMapOvr>
+</p:sld>
+</file>
+
+<file path=ppt/slides/slide24.xml><?xml version="1.0" encoding="utf-8"?>
+<p:sld xmlns:a="http://schemas.openxmlformats.org/drawingml/2006/main" xmlns:r="http://schemas.openxmlformats.org/officeDocument/2006/relationships" xmlns:p="http://schemas.openxmlformats.org/presentationml/2006/main">
+  <p:cSld>
+    <p:spTree>
+      <p:nvGrpSpPr>
+        <p:cNvPr id="1" name=""/>
+        <p:cNvGrpSpPr/>
+        <p:nvPr/>
+      </p:nvGrpSpPr>
+      <p:grpSpPr>
+        <a:xfrm>
+          <a:off x="0" y="0"/>
+          <a:ext cx="0" cy="0"/>
+          <a:chOff x="0" y="0"/>
+          <a:chExt cx="0" cy="0"/>
+        </a:xfrm>
+      </p:grpSpPr>
+      <p:sp>
+        <p:nvSpPr>
+          <p:cNvPr id="2" name="Title 1"/>
+          <p:cNvSpPr>
+            <a:spLocks noGrp="1"/>
+          </p:cNvSpPr>
+          <p:nvPr>
+            <p:ph type="title"/>
+          </p:nvPr>
+        </p:nvSpPr>
+        <p:spPr>
+          <a:xfrm>
+            <a:off x="838200" y="365126"/>
+            <a:ext cx="10515600" cy="420688"/>
+          </a:xfrm>
+        </p:spPr>
+        <p:txBody>
+          <a:bodyPr>
+            <a:normAutofit fontScale="90000"/>
+          </a:bodyPr>
+          <a:lstStyle/>
+          <a:p>
+            <a:endParaRPr lang="en-IN" dirty="0"/>
+          </a:p>
+        </p:txBody>
+      </p:sp>
+      <p:sp>
+        <p:nvSpPr>
+          <p:cNvPr id="3" name="Content Placeholder 2"/>
+          <p:cNvSpPr>
+            <a:spLocks noGrp="1"/>
+          </p:cNvSpPr>
+          <p:nvPr>
+            <p:ph idx="1"/>
+          </p:nvPr>
+        </p:nvSpPr>
+        <p:spPr>
+          <a:xfrm>
+            <a:off x="838200" y="971550"/>
+            <a:ext cx="10515600" cy="5119688"/>
+          </a:xfrm>
+        </p:spPr>
+        <p:txBody>
+          <a:bodyPr/>
+          <a:lstStyle/>
+          <a:p>
+            <a:r>
+              <a:rPr lang="en-IN" dirty="0" smtClean="0"/>
+              <a:t>For the test function: </a:t>
+            </a:r>
+            <a:r>
+              <a:rPr lang="en-IN" i="1" dirty="0" err="1" smtClean="0"/>
+              <a:t>u</a:t>
+            </a:r>
+            <a:r>
+              <a:rPr lang="en-IN" i="1" baseline="-25000" dirty="0" err="1" smtClean="0"/>
+              <a:t>HT</a:t>
+            </a:r>
+            <a:r>
+              <a:rPr lang="en-IN" i="1" dirty="0" smtClean="0"/>
+              <a:t>(</a:t>
+            </a:r>
+            <a:r>
+              <a:rPr lang="en-IN" i="1" dirty="0" err="1" smtClean="0"/>
+              <a:t>x,y</a:t>
+            </a:r>
+            <a:r>
+              <a:rPr lang="en-IN" i="1" dirty="0" smtClean="0"/>
+              <a:t>)=</a:t>
+            </a:r>
+            <a:r>
+              <a:rPr lang="en-IN" i="1" dirty="0" err="1" smtClean="0"/>
+              <a:t>tanh</a:t>
+            </a:r>
+            <a:r>
+              <a:rPr lang="en-IN" i="1" dirty="0" smtClean="0"/>
+              <a:t>(6y)-</a:t>
+            </a:r>
+            <a:r>
+              <a:rPr lang="en-IN" i="1" dirty="0" err="1" smtClean="0"/>
+              <a:t>tanh</a:t>
+            </a:r>
+            <a:r>
+              <a:rPr lang="en-IN" i="1" dirty="0" smtClean="0"/>
+              <a:t>(6(x-y)-3).</a:t>
+            </a:r>
+          </a:p>
+          <a:p>
+            <a:endParaRPr lang="en-IN" dirty="0"/>
+          </a:p>
+        </p:txBody>
+      </p:sp>
+      <p:pic>
+        <p:nvPicPr>
+          <p:cNvPr id="4" name="Picture 3"/>
+          <p:cNvPicPr>
+            <a:picLocks noChangeAspect="1"/>
+          </p:cNvPicPr>
+          <p:nvPr/>
+        </p:nvPicPr>
+        <p:blipFill>
+          <a:blip r:embed="rId2"/>
+          <a:stretch>
+            <a:fillRect/>
+          </a:stretch>
+        </p:blipFill>
+        <p:spPr>
+          <a:xfrm>
+            <a:off x="2076450" y="1395409"/>
+            <a:ext cx="8039100" cy="2809875"/>
+          </a:xfrm>
+          <a:prstGeom prst="rect">
+            <a:avLst/>
+          </a:prstGeom>
+        </p:spPr>
+      </p:pic>
+      <p:pic>
+        <p:nvPicPr>
+          <p:cNvPr id="5" name="Picture 4"/>
+          <p:cNvPicPr>
+            <a:picLocks noChangeAspect="1"/>
+          </p:cNvPicPr>
+          <p:nvPr/>
+        </p:nvPicPr>
+        <p:blipFill>
+          <a:blip r:embed="rId3"/>
+          <a:stretch>
+            <a:fillRect/>
+          </a:stretch>
+        </p:blipFill>
+        <p:spPr>
+          <a:xfrm>
+            <a:off x="2076450" y="4095750"/>
+            <a:ext cx="8001000" cy="2762250"/>
+          </a:xfrm>
+          <a:prstGeom prst="rect">
+            <a:avLst/>
+          </a:prstGeom>
+        </p:spPr>
+      </p:pic>
+    </p:spTree>
+    <p:extLst>
+      <p:ext uri="{BB962C8B-B14F-4D97-AF65-F5344CB8AC3E}">
+        <p14:creationId xmlns:p14="http://schemas.microsoft.com/office/powerpoint/2010/main" val="2359049374"/>
+      </p:ext>
+    </p:extLst>
+  </p:cSld>
+  <p:clrMapOvr>
+    <a:masterClrMapping/>
+  </p:clrMapOvr>
+  <p:timing>
+    <p:tnLst>
+      <p:par>
+        <p:cTn id="1" dur="indefinite" restart="never" nodeType="tmRoot"/>
+      </p:par>
+    </p:tnLst>
+  </p:timing>
+</p:sld>
+</file>
+
+<file path=ppt/slides/slide25.xml><?xml version="1.0" encoding="utf-8"?>
+<p:sld xmlns:a="http://schemas.openxmlformats.org/drawingml/2006/main" xmlns:r="http://schemas.openxmlformats.org/officeDocument/2006/relationships" xmlns:p="http://schemas.openxmlformats.org/presentationml/2006/main">
+  <p:cSld>
+    <p:spTree>
+      <p:nvGrpSpPr>
+        <p:cNvPr id="1" name=""/>
+        <p:cNvGrpSpPr/>
+        <p:nvPr/>
+      </p:nvGrpSpPr>
+      <p:grpSpPr>
+        <a:xfrm>
+          <a:off x="0" y="0"/>
+          <a:ext cx="0" cy="0"/>
+          <a:chOff x="0" y="0"/>
+          <a:chExt cx="0" cy="0"/>
+        </a:xfrm>
+      </p:grpSpPr>
+      <p:sp>
+        <p:nvSpPr>
+          <p:cNvPr id="2" name="Title 1"/>
+          <p:cNvSpPr>
+            <a:spLocks noGrp="1"/>
+          </p:cNvSpPr>
+          <p:nvPr>
+            <p:ph type="title"/>
+          </p:nvPr>
+        </p:nvSpPr>
+        <p:spPr>
+          <a:xfrm>
+            <a:off x="838200" y="365125"/>
+            <a:ext cx="10515600" cy="506413"/>
+          </a:xfrm>
+        </p:spPr>
+        <p:txBody>
+          <a:bodyPr>
+            <a:normAutofit fontScale="90000"/>
+          </a:bodyPr>
+          <a:lstStyle/>
+          <a:p>
+            <a:endParaRPr lang="en-IN" dirty="0"/>
+          </a:p>
+        </p:txBody>
+      </p:sp>
+      <p:sp>
+        <p:nvSpPr>
+          <p:cNvPr id="3" name="Content Placeholder 2"/>
+          <p:cNvSpPr>
+            <a:spLocks noGrp="1"/>
+          </p:cNvSpPr>
+          <p:nvPr>
+            <p:ph idx="1"/>
+          </p:nvPr>
+        </p:nvSpPr>
+        <p:spPr>
+          <a:xfrm>
+            <a:off x="838200" y="1042988"/>
+            <a:ext cx="10515600" cy="5133975"/>
+          </a:xfrm>
+        </p:spPr>
+        <p:txBody>
+          <a:bodyPr/>
+          <a:lstStyle/>
+          <a:p>
+            <a:r>
+              <a:rPr lang="en-IN" dirty="0" smtClean="0"/>
+              <a:t> </a:t>
+            </a:r>
+            <a:endParaRPr lang="en-IN" dirty="0"/>
+          </a:p>
+        </p:txBody>
+      </p:sp>
+      <p:pic>
+        <p:nvPicPr>
+          <p:cNvPr id="5" name="Picture 4"/>
+          <p:cNvPicPr>
+            <a:picLocks noChangeAspect="1"/>
+          </p:cNvPicPr>
+          <p:nvPr/>
+        </p:nvPicPr>
+        <p:blipFill>
+          <a:blip r:embed="rId2"/>
+          <a:stretch>
+            <a:fillRect/>
+          </a:stretch>
+        </p:blipFill>
+        <p:spPr>
+          <a:xfrm>
+            <a:off x="1819275" y="1042988"/>
+            <a:ext cx="8267700" cy="5676900"/>
+          </a:xfrm>
+          <a:prstGeom prst="rect">
+            <a:avLst/>
+          </a:prstGeom>
+        </p:spPr>
+      </p:pic>
+    </p:spTree>
+    <p:extLst>
+      <p:ext uri="{BB962C8B-B14F-4D97-AF65-F5344CB8AC3E}">
+        <p14:creationId xmlns:p14="http://schemas.microsoft.com/office/powerpoint/2010/main" val="231496517"/>
+      </p:ext>
+    </p:extLst>
+  </p:cSld>
+  <p:clrMapOvr>
+    <a:masterClrMapping/>
+  </p:clrMapOvr>
+  <p:timing>
+    <p:tnLst>
+      <p:par>
+        <p:cTn id="1" dur="indefinite" restart="never" nodeType="tmRoot"/>
+      </p:par>
+    </p:tnLst>
+  </p:timing>
+</p:sld>
+</file>
+
+<file path=ppt/slides/slide26.xml><?xml version="1.0" encoding="utf-8"?>
+<p:sld xmlns:a="http://schemas.openxmlformats.org/drawingml/2006/main" xmlns:r="http://schemas.openxmlformats.org/officeDocument/2006/relationships" xmlns:p="http://schemas.openxmlformats.org/presentationml/2006/main">
+  <p:cSld>
+    <p:spTree>
+      <p:nvGrpSpPr>
+        <p:cNvPr id="1" name=""/>
+        <p:cNvGrpSpPr/>
+        <p:nvPr/>
+      </p:nvGrpSpPr>
+      <p:grpSpPr>
+        <a:xfrm>
+          <a:off x="0" y="0"/>
+          <a:ext cx="0" cy="0"/>
+          <a:chOff x="0" y="0"/>
+          <a:chExt cx="0" cy="0"/>
+        </a:xfrm>
+      </p:grpSpPr>
+      <p:sp>
+        <p:nvSpPr>
+          <p:cNvPr id="2" name="Title 1"/>
+          <p:cNvSpPr>
+            <a:spLocks noGrp="1"/>
+          </p:cNvSpPr>
+          <p:nvPr>
+            <p:ph type="title"/>
+          </p:nvPr>
+        </p:nvSpPr>
+        <p:spPr>
+          <a:xfrm>
+            <a:off x="838200" y="365126"/>
+            <a:ext cx="10515600" cy="763588"/>
+          </a:xfrm>
+        </p:spPr>
+        <p:txBody>
+          <a:bodyPr/>
+          <a:lstStyle/>
+          <a:p>
+            <a:r>
+              <a:rPr lang="en-IN" sz="3200" b="1" dirty="0" smtClean="0"/>
+              <a:t>Delaunay Meshes:</a:t>
+            </a:r>
+            <a:endParaRPr lang="en-IN" sz="3200" b="1" dirty="0"/>
+          </a:p>
+        </p:txBody>
+      </p:sp>
+      <p:sp>
+        <p:nvSpPr>
+          <p:cNvPr id="3" name="Content Placeholder 2"/>
+          <p:cNvSpPr>
+            <a:spLocks noGrp="1"/>
+          </p:cNvSpPr>
+          <p:nvPr>
+            <p:ph idx="1"/>
+          </p:nvPr>
+        </p:nvSpPr>
+        <p:spPr>
+          <a:xfrm>
+            <a:off x="838200" y="1128714"/>
+            <a:ext cx="10515600" cy="5048249"/>
+          </a:xfrm>
+        </p:spPr>
+        <p:txBody>
+          <a:bodyPr>
+            <a:normAutofit/>
+          </a:bodyPr>
+          <a:lstStyle/>
+          <a:p>
+            <a:r>
+              <a:rPr lang="en-IN" sz="2200" dirty="0" smtClean="0"/>
+              <a:t> It can be observed that Hessian recovery results for Delaunay meshes are identical to results obtained on mildly perturbed meshes. Delaunay meshes as well as 5% randomly perturbed meshes are both non-uniform but still well-shaped. </a:t>
+            </a:r>
+          </a:p>
+          <a:p>
+            <a:r>
+              <a:rPr lang="en-IN" sz="2200" dirty="0" smtClean="0"/>
+              <a:t>QLS is the only method to converge with an approximate convergence rate of O(n</a:t>
+            </a:r>
+            <a:r>
+              <a:rPr lang="en-IN" sz="2200" baseline="30000" dirty="0" smtClean="0"/>
+              <a:t>-2/3</a:t>
+            </a:r>
+            <a:r>
+              <a:rPr lang="en-IN" sz="2200" dirty="0" smtClean="0"/>
+              <a:t>)≈O(</a:t>
+            </a:r>
+            <a:r>
+              <a:rPr lang="en-IN" sz="2200" i="1" dirty="0" smtClean="0"/>
+              <a:t>h</a:t>
+            </a:r>
+            <a:r>
+              <a:rPr lang="en-IN" sz="2200" baseline="30000" dirty="0" smtClean="0"/>
+              <a:t>4/3</a:t>
+            </a:r>
+            <a:r>
+              <a:rPr lang="en-IN" sz="2200" dirty="0" smtClean="0"/>
+              <a:t>).</a:t>
+            </a:r>
+          </a:p>
+          <a:p>
+            <a:r>
+              <a:rPr lang="en-IN" sz="2200" dirty="0" smtClean="0"/>
+              <a:t>For other methods no improvement is achieved after some initial steps.</a:t>
+            </a:r>
+          </a:p>
+          <a:p>
+            <a:endParaRPr lang="en-IN" sz="2200" dirty="0"/>
+          </a:p>
+        </p:txBody>
+      </p:sp>
+      <p:pic>
+        <p:nvPicPr>
+          <p:cNvPr id="4" name="Picture 3"/>
+          <p:cNvPicPr>
+            <a:picLocks noChangeAspect="1"/>
+          </p:cNvPicPr>
+          <p:nvPr/>
+        </p:nvPicPr>
+        <p:blipFill>
+          <a:blip r:embed="rId2"/>
+          <a:stretch>
+            <a:fillRect/>
+          </a:stretch>
+        </p:blipFill>
+        <p:spPr>
+          <a:xfrm>
+            <a:off x="1757360" y="3538534"/>
+            <a:ext cx="8534400" cy="3057525"/>
+          </a:xfrm>
+          <a:prstGeom prst="rect">
+            <a:avLst/>
+          </a:prstGeom>
+        </p:spPr>
+      </p:pic>
+    </p:spTree>
+    <p:extLst>
+      <p:ext uri="{BB962C8B-B14F-4D97-AF65-F5344CB8AC3E}">
+        <p14:creationId xmlns:p14="http://schemas.microsoft.com/office/powerpoint/2010/main" val="3345856751"/>
+      </p:ext>
+    </p:extLst>
+  </p:cSld>
+  <p:clrMapOvr>
+    <a:masterClrMapping/>
+  </p:clrMapOvr>
+</p:sld>
+</file>
+
+<file path=ppt/slides/slide27.xml><?xml version="1.0" encoding="utf-8"?>
+<p:sld xmlns:a="http://schemas.openxmlformats.org/drawingml/2006/main" xmlns:r="http://schemas.openxmlformats.org/officeDocument/2006/relationships" xmlns:p="http://schemas.openxmlformats.org/presentationml/2006/main">
+  <p:cSld>
+    <p:spTree>
+      <p:nvGrpSpPr>
+        <p:cNvPr id="1" name=""/>
+        <p:cNvGrpSpPr/>
+        <p:nvPr/>
+      </p:nvGrpSpPr>
+      <p:grpSpPr>
+        <a:xfrm>
+          <a:off x="0" y="0"/>
+          <a:ext cx="0" cy="0"/>
+          <a:chOff x="0" y="0"/>
+          <a:chExt cx="0" cy="0"/>
+        </a:xfrm>
+      </p:grpSpPr>
+      <p:sp>
+        <p:nvSpPr>
+          <p:cNvPr id="2" name="Title 1"/>
+          <p:cNvSpPr>
+            <a:spLocks noGrp="1"/>
+          </p:cNvSpPr>
+          <p:nvPr>
+            <p:ph type="title"/>
+          </p:nvPr>
+        </p:nvSpPr>
+        <p:spPr>
+          <a:xfrm>
+            <a:off x="838200" y="365126"/>
+            <a:ext cx="10515600" cy="520700"/>
+          </a:xfrm>
+        </p:spPr>
+        <p:txBody>
+          <a:bodyPr>
+            <a:normAutofit fontScale="90000"/>
+          </a:bodyPr>
+          <a:lstStyle/>
+          <a:p>
+            <a:endParaRPr lang="en-IN" dirty="0"/>
+          </a:p>
+        </p:txBody>
+      </p:sp>
+      <p:sp>
+        <p:nvSpPr>
+          <p:cNvPr id="3" name="Content Placeholder 2"/>
+          <p:cNvSpPr>
+            <a:spLocks noGrp="1"/>
+          </p:cNvSpPr>
+          <p:nvPr>
+            <p:ph idx="1"/>
+          </p:nvPr>
+        </p:nvSpPr>
+        <p:spPr>
+          <a:xfrm>
+            <a:off x="838200" y="1214438"/>
+            <a:ext cx="10515600" cy="4962525"/>
+          </a:xfrm>
+        </p:spPr>
+        <p:txBody>
+          <a:bodyPr/>
+          <a:lstStyle/>
+          <a:p>
+            <a:pPr marL="0" indent="0">
+              <a:buNone/>
+            </a:pPr>
+            <a:endParaRPr lang="en-IN" dirty="0"/>
+          </a:p>
+        </p:txBody>
+      </p:sp>
+      <p:pic>
+        <p:nvPicPr>
+          <p:cNvPr id="4" name="Picture 3"/>
+          <p:cNvPicPr>
+            <a:picLocks noChangeAspect="1"/>
+          </p:cNvPicPr>
+          <p:nvPr/>
+        </p:nvPicPr>
+        <p:blipFill>
+          <a:blip r:embed="rId2"/>
+          <a:stretch>
+            <a:fillRect/>
+          </a:stretch>
+        </p:blipFill>
+        <p:spPr>
+          <a:xfrm>
+            <a:off x="1528763" y="1752600"/>
+            <a:ext cx="9515475" cy="3886200"/>
+          </a:xfrm>
+          <a:prstGeom prst="rect">
+            <a:avLst/>
+          </a:prstGeom>
+        </p:spPr>
+      </p:pic>
+    </p:spTree>
+    <p:extLst>
+      <p:ext uri="{BB962C8B-B14F-4D97-AF65-F5344CB8AC3E}">
+        <p14:creationId xmlns:p14="http://schemas.microsoft.com/office/powerpoint/2010/main" val="248773813"/>
+      </p:ext>
+    </p:extLst>
+  </p:cSld>
+  <p:clrMapOvr>
+    <a:masterClrMapping/>
+  </p:clrMapOvr>
+  <p:timing>
+    <p:tnLst>
+      <p:par>
+        <p:cTn id="1" dur="indefinite" restart="never" nodeType="tmRoot"/>
+      </p:par>
+    </p:tnLst>
+  </p:timing>
+</p:sld>
+</file>
+
+<file path=ppt/slides/slide28.xml><?xml version="1.0" encoding="utf-8"?>
+<p:sld xmlns:a="http://schemas.openxmlformats.org/drawingml/2006/main" xmlns:r="http://schemas.openxmlformats.org/officeDocument/2006/relationships" xmlns:p="http://schemas.openxmlformats.org/presentationml/2006/main">
+  <p:cSld>
+    <p:spTree>
+      <p:nvGrpSpPr>
+        <p:cNvPr id="1" name=""/>
+        <p:cNvGrpSpPr/>
+        <p:nvPr/>
+      </p:nvGrpSpPr>
+      <p:grpSpPr>
+        <a:xfrm>
+          <a:off x="0" y="0"/>
+          <a:ext cx="0" cy="0"/>
+          <a:chOff x="0" y="0"/>
+          <a:chExt cx="0" cy="0"/>
+        </a:xfrm>
+      </p:grpSpPr>
+      <p:sp>
+        <p:nvSpPr>
+          <p:cNvPr id="2" name="Title 1"/>
+          <p:cNvSpPr>
+            <a:spLocks noGrp="1"/>
+          </p:cNvSpPr>
+          <p:nvPr>
+            <p:ph type="title"/>
+          </p:nvPr>
+        </p:nvSpPr>
+        <p:spPr>
+          <a:xfrm>
+            <a:off x="838200" y="365126"/>
+            <a:ext cx="10515600" cy="863600"/>
+          </a:xfrm>
+        </p:spPr>
+        <p:txBody>
+          <a:bodyPr/>
+          <a:lstStyle/>
+          <a:p>
+            <a:r>
+              <a:rPr lang="en-IN" b="1" dirty="0" smtClean="0"/>
+              <a:t>Adaptive Meshes:</a:t>
+            </a:r>
+            <a:endParaRPr lang="en-IN" b="1" dirty="0"/>
+          </a:p>
+        </p:txBody>
+      </p:sp>
+      <p:pic>
+        <p:nvPicPr>
+          <p:cNvPr id="4" name="Content Placeholder 3"/>
+          <p:cNvPicPr>
+            <a:picLocks noGrp="1" noChangeAspect="1"/>
+          </p:cNvPicPr>
+          <p:nvPr>
+            <p:ph idx="1"/>
+          </p:nvPr>
+        </p:nvPicPr>
+        <p:blipFill>
+          <a:blip r:embed="rId2"/>
+          <a:stretch>
+            <a:fillRect/>
+          </a:stretch>
+        </p:blipFill>
+        <p:spPr>
+          <a:xfrm>
+            <a:off x="2671763" y="1228726"/>
+            <a:ext cx="6800850" cy="5114924"/>
+          </a:xfrm>
+          <a:prstGeom prst="rect">
+            <a:avLst/>
+          </a:prstGeom>
+        </p:spPr>
+      </p:pic>
+    </p:spTree>
+    <p:extLst>
+      <p:ext uri="{BB962C8B-B14F-4D97-AF65-F5344CB8AC3E}">
+        <p14:creationId xmlns:p14="http://schemas.microsoft.com/office/powerpoint/2010/main" val="3552450832"/>
+      </p:ext>
+    </p:extLst>
+  </p:cSld>
+  <p:clrMapOvr>
+    <a:masterClrMapping/>
+  </p:clrMapOvr>
+  <p:timing>
+    <p:tnLst>
+      <p:par>
+        <p:cTn id="1" dur="indefinite" restart="never" nodeType="tmRoot"/>
+      </p:par>
+    </p:tnLst>
+  </p:timing>
+</p:sld>
+</file>
+
+<file path=ppt/slides/slide29.xml><?xml version="1.0" encoding="utf-8"?>
+<p:sld xmlns:a="http://schemas.openxmlformats.org/drawingml/2006/main" xmlns:r="http://schemas.openxmlformats.org/officeDocument/2006/relationships" xmlns:p="http://schemas.openxmlformats.org/presentationml/2006/main">
+  <p:cSld>
+    <p:spTree>
+      <p:nvGrpSpPr>
+        <p:cNvPr id="1" name=""/>
+        <p:cNvGrpSpPr/>
+        <p:nvPr/>
+      </p:nvGrpSpPr>
+      <p:grpSpPr>
+        <a:xfrm>
+          <a:off x="0" y="0"/>
+          <a:ext cx="0" cy="0"/>
+          <a:chOff x="0" y="0"/>
+          <a:chExt cx="0" cy="0"/>
+        </a:xfrm>
+      </p:grpSpPr>
+      <p:sp>
+        <p:nvSpPr>
+          <p:cNvPr id="2" name="Title 1"/>
+          <p:cNvSpPr>
+            <a:spLocks noGrp="1"/>
+          </p:cNvSpPr>
+          <p:nvPr>
+            <p:ph type="title"/>
+          </p:nvPr>
+        </p:nvSpPr>
+        <p:spPr>
+          <a:xfrm>
+            <a:off x="838200" y="365125"/>
+            <a:ext cx="10515600" cy="549275"/>
+          </a:xfrm>
+        </p:spPr>
+        <p:txBody>
+          <a:bodyPr>
+            <a:normAutofit fontScale="90000"/>
+          </a:bodyPr>
+          <a:lstStyle/>
+          <a:p>
+            <a:endParaRPr lang="en-IN" dirty="0"/>
+          </a:p>
+        </p:txBody>
+      </p:sp>
+      <p:sp>
+        <p:nvSpPr>
+          <p:cNvPr id="3" name="Content Placeholder 2"/>
+          <p:cNvSpPr>
+            <a:spLocks noGrp="1"/>
+          </p:cNvSpPr>
+          <p:nvPr>
+            <p:ph idx="1"/>
+          </p:nvPr>
+        </p:nvSpPr>
+        <p:spPr>
+          <a:xfrm>
+            <a:off x="838200" y="1171575"/>
+            <a:ext cx="10515600" cy="5005388"/>
+          </a:xfrm>
+        </p:spPr>
+        <p:txBody>
+          <a:bodyPr/>
+          <a:lstStyle/>
+          <a:p>
+            <a:r>
+              <a:rPr lang="en-IN" dirty="0" smtClean="0"/>
+              <a:t> </a:t>
+            </a:r>
+            <a:endParaRPr lang="en-IN" dirty="0"/>
+          </a:p>
+        </p:txBody>
+      </p:sp>
+      <p:pic>
+        <p:nvPicPr>
+          <p:cNvPr id="4" name="Picture 3"/>
+          <p:cNvPicPr>
+            <a:picLocks noChangeAspect="1"/>
+          </p:cNvPicPr>
+          <p:nvPr/>
+        </p:nvPicPr>
+        <p:blipFill>
+          <a:blip r:embed="rId2"/>
+          <a:stretch>
+            <a:fillRect/>
+          </a:stretch>
+        </p:blipFill>
+        <p:spPr>
+          <a:xfrm>
+            <a:off x="2586037" y="1171575"/>
+            <a:ext cx="7019925" cy="5648325"/>
+          </a:xfrm>
+          <a:prstGeom prst="rect">
+            <a:avLst/>
+          </a:prstGeom>
+        </p:spPr>
+      </p:pic>
+    </p:spTree>
+    <p:extLst>
+      <p:ext uri="{BB962C8B-B14F-4D97-AF65-F5344CB8AC3E}">
+        <p14:creationId xmlns:p14="http://schemas.microsoft.com/office/powerpoint/2010/main" val="849381910"/>
+      </p:ext>
+    </p:extLst>
+  </p:cSld>
+  <p:clrMapOvr>
+    <a:masterClrMapping/>
+  </p:clrMapOvr>
+</p:sld>
+</file>
+
 <file path=ppt/slides/slide3.xml><?xml version="1.0" encoding="utf-8"?>
 <p:sld xmlns:a="http://schemas.openxmlformats.org/drawingml/2006/main" xmlns:r="http://schemas.openxmlformats.org/officeDocument/2006/relationships" xmlns:p="http://schemas.openxmlformats.org/presentationml/2006/main">
   <p:cSld>
@@ -5129,6 +6738,269 @@
     <p:extLst>
       <p:ext uri="{BB962C8B-B14F-4D97-AF65-F5344CB8AC3E}">
         <p14:creationId xmlns:p14="http://schemas.microsoft.com/office/powerpoint/2010/main" val="1348143885"/>
+      </p:ext>
+    </p:extLst>
+  </p:cSld>
+  <p:clrMapOvr>
+    <a:masterClrMapping/>
+  </p:clrMapOvr>
+  <p:timing>
+    <p:tnLst>
+      <p:par>
+        <p:cTn id="1" dur="indefinite" restart="never" nodeType="tmRoot"/>
+      </p:par>
+    </p:tnLst>
+  </p:timing>
+</p:sld>
+</file>
+
+<file path=ppt/slides/slide30.xml><?xml version="1.0" encoding="utf-8"?>
+<p:sld xmlns:a="http://schemas.openxmlformats.org/drawingml/2006/main" xmlns:r="http://schemas.openxmlformats.org/officeDocument/2006/relationships" xmlns:p="http://schemas.openxmlformats.org/presentationml/2006/main">
+  <p:cSld>
+    <p:spTree>
+      <p:nvGrpSpPr>
+        <p:cNvPr id="1" name=""/>
+        <p:cNvGrpSpPr/>
+        <p:nvPr/>
+      </p:nvGrpSpPr>
+      <p:grpSpPr>
+        <a:xfrm>
+          <a:off x="0" y="0"/>
+          <a:ext cx="0" cy="0"/>
+          <a:chOff x="0" y="0"/>
+          <a:chExt cx="0" cy="0"/>
+        </a:xfrm>
+      </p:grpSpPr>
+      <p:sp>
+        <p:nvSpPr>
+          <p:cNvPr id="2" name="Title 1"/>
+          <p:cNvSpPr>
+            <a:spLocks noGrp="1"/>
+          </p:cNvSpPr>
+          <p:nvPr>
+            <p:ph type="title"/>
+          </p:nvPr>
+        </p:nvSpPr>
+        <p:spPr>
+          <a:xfrm>
+            <a:off x="838200" y="365125"/>
+            <a:ext cx="10515600" cy="777875"/>
+          </a:xfrm>
+        </p:spPr>
+        <p:txBody>
+          <a:bodyPr/>
+          <a:lstStyle/>
+          <a:p>
+            <a:endParaRPr lang="en-IN" dirty="0"/>
+          </a:p>
+        </p:txBody>
+      </p:sp>
+      <p:sp>
+        <p:nvSpPr>
+          <p:cNvPr id="3" name="Content Placeholder 2"/>
+          <p:cNvSpPr>
+            <a:spLocks noGrp="1"/>
+          </p:cNvSpPr>
+          <p:nvPr>
+            <p:ph idx="1"/>
+          </p:nvPr>
+        </p:nvSpPr>
+        <p:spPr>
+          <a:xfrm>
+            <a:off x="838200" y="1471613"/>
+            <a:ext cx="10515600" cy="4705350"/>
+          </a:xfrm>
+        </p:spPr>
+        <p:txBody>
+          <a:bodyPr>
+            <a:normAutofit/>
+          </a:bodyPr>
+          <a:lstStyle/>
+          <a:p>
+            <a:r>
+              <a:rPr lang="en-IN" sz="2200" dirty="0" smtClean="0">
+                <a:latin typeface="Times New Roman" panose="02020603050405020304" pitchFamily="18" charset="0"/>
+                <a:cs typeface="Times New Roman" panose="02020603050405020304" pitchFamily="18" charset="0"/>
+              </a:rPr>
+              <a:t>QLS is exact for quadratic function.</a:t>
+            </a:r>
+          </a:p>
+          <a:p>
+            <a:r>
+              <a:rPr lang="en-IN" sz="2200" dirty="0" smtClean="0">
+                <a:latin typeface="Times New Roman" panose="02020603050405020304" pitchFamily="18" charset="0"/>
+                <a:cs typeface="Times New Roman" panose="02020603050405020304" pitchFamily="18" charset="0"/>
+              </a:rPr>
+              <a:t>For other functions, QLS provides a convergent recovery and a smaller error than on Delaunay meshes(specially for boundary layer and anisotropic function).</a:t>
+            </a:r>
+          </a:p>
+          <a:p>
+            <a:pPr marL="0" indent="0">
+              <a:buNone/>
+            </a:pPr>
+            <a:r>
+              <a:rPr lang="en-IN" sz="2400" b="1" dirty="0" smtClean="0"/>
+              <a:t>Conclusions:</a:t>
+            </a:r>
+          </a:p>
+          <a:p>
+            <a:r>
+              <a:rPr lang="en-IN" sz="2200" dirty="0" smtClean="0">
+                <a:latin typeface="Times New Roman" panose="02020603050405020304" pitchFamily="18" charset="0"/>
+                <a:cs typeface="Times New Roman" panose="02020603050405020304" pitchFamily="18" charset="0"/>
+              </a:rPr>
+              <a:t>QLS</a:t>
+            </a:r>
+            <a:r>
+              <a:rPr lang="en-IN" sz="2200" b="1" dirty="0" smtClean="0">
+                <a:latin typeface="Times New Roman" panose="02020603050405020304" pitchFamily="18" charset="0"/>
+                <a:cs typeface="Times New Roman" panose="02020603050405020304" pitchFamily="18" charset="0"/>
+              </a:rPr>
+              <a:t> </a:t>
+            </a:r>
+            <a:r>
+              <a:rPr lang="en-IN" sz="2200" dirty="0" smtClean="0">
+                <a:latin typeface="Times New Roman" panose="02020603050405020304" pitchFamily="18" charset="0"/>
+                <a:cs typeface="Times New Roman" panose="02020603050405020304" pitchFamily="18" charset="0"/>
+              </a:rPr>
+              <a:t>method for Hessian recovery is very robust and performs best, it is </a:t>
+            </a:r>
+            <a:r>
+              <a:rPr lang="en-IN" sz="2200" dirty="0">
+                <a:latin typeface="Times New Roman" panose="02020603050405020304" pitchFamily="18" charset="0"/>
+                <a:cs typeface="Times New Roman" panose="02020603050405020304" pitchFamily="18" charset="0"/>
+              </a:rPr>
+              <a:t>exact for quadratic functions independent of mesh type</a:t>
+            </a:r>
+            <a:r>
+              <a:rPr lang="en-IN" sz="2200" dirty="0" smtClean="0">
+                <a:latin typeface="Times New Roman" panose="02020603050405020304" pitchFamily="18" charset="0"/>
+                <a:cs typeface="Times New Roman" panose="02020603050405020304" pitchFamily="18" charset="0"/>
+              </a:rPr>
+              <a:t>.</a:t>
+            </a:r>
+          </a:p>
+          <a:p>
+            <a:r>
+              <a:rPr lang="en-IN" sz="2200" dirty="0" smtClean="0">
+                <a:latin typeface="Times New Roman" panose="02020603050405020304" pitchFamily="18" charset="0"/>
+                <a:cs typeface="Times New Roman" panose="02020603050405020304" pitchFamily="18" charset="0"/>
+              </a:rPr>
+              <a:t>It’s the only method to provide convergent Hessian recovery on arbitrary meshes with quadratic convergence in domain interior.</a:t>
+            </a:r>
+          </a:p>
+          <a:p>
+            <a:r>
+              <a:rPr lang="en-IN" sz="2200" dirty="0" smtClean="0">
+                <a:latin typeface="Times New Roman" panose="02020603050405020304" pitchFamily="18" charset="0"/>
+                <a:cs typeface="Times New Roman" panose="02020603050405020304" pitchFamily="18" charset="0"/>
+              </a:rPr>
+              <a:t>DLF, LLS and WF are only convergent only for uniform meshes. For non-uniform meshes they fail to provide convergent Hessian recovery.</a:t>
+            </a:r>
+          </a:p>
+          <a:p>
+            <a:endParaRPr lang="en-IN" sz="2200" dirty="0"/>
+          </a:p>
+        </p:txBody>
+      </p:sp>
+    </p:spTree>
+    <p:extLst>
+      <p:ext uri="{BB962C8B-B14F-4D97-AF65-F5344CB8AC3E}">
+        <p14:creationId xmlns:p14="http://schemas.microsoft.com/office/powerpoint/2010/main" val="1539723376"/>
+      </p:ext>
+    </p:extLst>
+  </p:cSld>
+  <p:clrMapOvr>
+    <a:masterClrMapping/>
+  </p:clrMapOvr>
+</p:sld>
+</file>
+
+<file path=ppt/slides/slide31.xml><?xml version="1.0" encoding="utf-8"?>
+<p:sld xmlns:a="http://schemas.openxmlformats.org/drawingml/2006/main" xmlns:r="http://schemas.openxmlformats.org/officeDocument/2006/relationships" xmlns:p="http://schemas.openxmlformats.org/presentationml/2006/main">
+  <p:cSld>
+    <p:spTree>
+      <p:nvGrpSpPr>
+        <p:cNvPr id="1" name=""/>
+        <p:cNvGrpSpPr/>
+        <p:nvPr/>
+      </p:nvGrpSpPr>
+      <p:grpSpPr>
+        <a:xfrm>
+          <a:off x="0" y="0"/>
+          <a:ext cx="0" cy="0"/>
+          <a:chOff x="0" y="0"/>
+          <a:chExt cx="0" cy="0"/>
+        </a:xfrm>
+      </p:grpSpPr>
+      <p:sp>
+        <p:nvSpPr>
+          <p:cNvPr id="2" name="Title 1"/>
+          <p:cNvSpPr>
+            <a:spLocks noGrp="1"/>
+          </p:cNvSpPr>
+          <p:nvPr>
+            <p:ph type="title"/>
+          </p:nvPr>
+        </p:nvSpPr>
+        <p:spPr/>
+        <p:txBody>
+          <a:bodyPr/>
+          <a:lstStyle/>
+          <a:p>
+            <a:r>
+              <a:rPr lang="en-IN" dirty="0" smtClean="0"/>
+              <a:t>References</a:t>
+            </a:r>
+            <a:endParaRPr lang="en-IN" dirty="0"/>
+          </a:p>
+        </p:txBody>
+      </p:sp>
+      <p:sp>
+        <p:nvSpPr>
+          <p:cNvPr id="3" name="Content Placeholder 2"/>
+          <p:cNvSpPr>
+            <a:spLocks noGrp="1"/>
+          </p:cNvSpPr>
+          <p:nvPr>
+            <p:ph idx="1"/>
+          </p:nvPr>
+        </p:nvSpPr>
+        <p:spPr/>
+        <p:txBody>
+          <a:bodyPr/>
+          <a:lstStyle/>
+          <a:p>
+            <a:pPr marL="514350" indent="-514350">
+              <a:buFont typeface="+mj-lt"/>
+              <a:buAutoNum type="arabicPeriod"/>
+            </a:pPr>
+            <a:r>
+              <a:rPr lang="en-IN" dirty="0" smtClean="0"/>
+              <a:t>On Hessian Recovery and Anisotropic </a:t>
+            </a:r>
+            <a:r>
+              <a:rPr lang="en-IN" dirty="0" err="1" smtClean="0"/>
+              <a:t>Adaptivity</a:t>
+            </a:r>
+            <a:r>
+              <a:rPr lang="en-IN" dirty="0" smtClean="0"/>
+              <a:t>.</a:t>
+            </a:r>
+          </a:p>
+          <a:p>
+            <a:pPr marL="514350" indent="-514350">
+              <a:buFont typeface="+mj-lt"/>
+              <a:buAutoNum type="arabicPeriod"/>
+            </a:pPr>
+            <a:endParaRPr lang="en-IN" dirty="0"/>
+          </a:p>
+        </p:txBody>
+      </p:sp>
+    </p:spTree>
+    <p:extLst>
+      <p:ext uri="{BB962C8B-B14F-4D97-AF65-F5344CB8AC3E}">
+        <p14:creationId xmlns:p14="http://schemas.microsoft.com/office/powerpoint/2010/main" val="1067246484"/>
       </p:ext>
     </p:extLst>
   </p:cSld>

--- a/HBA.pptx
+++ b/HBA.pptx
@@ -3452,14 +3452,16 @@
           <a:lstStyle/>
           <a:p>
             <a:r>
-              <a:rPr lang="en-IN" dirty="0" smtClean="0"/>
-              <a:t>Hessian based Mesh </a:t>
-            </a:r>
-            <a:r>
-              <a:rPr lang="en-IN" dirty="0" err="1" smtClean="0"/>
-              <a:t>adaptivity</a:t>
-            </a:r>
-            <a:endParaRPr lang="en-IN" dirty="0"/>
+              <a:rPr lang="en-IN" dirty="0" smtClean="0">
+                <a:latin typeface="Times New Roman" panose="02020603050405020304" pitchFamily="18" charset="0"/>
+                <a:cs typeface="Times New Roman" panose="02020603050405020304" pitchFamily="18" charset="0"/>
+              </a:rPr>
+              <a:t>Hessian based Mesh adaptivity</a:t>
+            </a:r>
+            <a:endParaRPr lang="en-IN" dirty="0">
+              <a:latin typeface="Times New Roman" panose="02020603050405020304" pitchFamily="18" charset="0"/>
+              <a:cs typeface="Times New Roman" panose="02020603050405020304" pitchFamily="18" charset="0"/>
+            </a:endParaRPr>
           </a:p>
         </p:txBody>
       </p:sp>
@@ -3475,14 +3477,22 @@
         </p:nvSpPr>
         <p:spPr/>
         <p:txBody>
-          <a:bodyPr/>
+          <a:bodyPr>
+            <a:normAutofit/>
+          </a:bodyPr>
           <a:lstStyle/>
           <a:p>
             <a:r>
-              <a:rPr lang="en-IN" dirty="0" smtClean="0"/>
+              <a:rPr lang="en-IN" sz="3600" dirty="0" smtClean="0">
+                <a:latin typeface="Times New Roman" panose="02020603050405020304" pitchFamily="18" charset="0"/>
+                <a:cs typeface="Times New Roman" panose="02020603050405020304" pitchFamily="18" charset="0"/>
+              </a:rPr>
               <a:t>Lohith</a:t>
             </a:r>
-            <a:endParaRPr lang="en-IN" dirty="0"/>
+            <a:endParaRPr lang="en-IN" sz="3600" dirty="0">
+              <a:latin typeface="Times New Roman" panose="02020603050405020304" pitchFamily="18" charset="0"/>
+              <a:cs typeface="Times New Roman" panose="02020603050405020304" pitchFamily="18" charset="0"/>
+            </a:endParaRPr>
           </a:p>
         </p:txBody>
       </p:sp>
@@ -3535,14 +3545,22 @@
         </p:nvSpPr>
         <p:spPr/>
         <p:txBody>
-          <a:bodyPr/>
+          <a:bodyPr>
+            <a:normAutofit/>
+          </a:bodyPr>
           <a:lstStyle/>
           <a:p>
             <a:r>
-              <a:rPr lang="en-IN" dirty="0" smtClean="0"/>
+              <a:rPr lang="en-IN" sz="3200" b="1" dirty="0" smtClean="0">
+                <a:latin typeface="Times New Roman" panose="02020603050405020304" pitchFamily="18" charset="0"/>
+                <a:cs typeface="Times New Roman" panose="02020603050405020304" pitchFamily="18" charset="0"/>
+              </a:rPr>
               <a:t>Recovery Methods:</a:t>
             </a:r>
-            <a:endParaRPr lang="en-IN" dirty="0"/>
+            <a:endParaRPr lang="en-IN" sz="3200" b="1" dirty="0">
+              <a:latin typeface="Times New Roman" panose="02020603050405020304" pitchFamily="18" charset="0"/>
+              <a:cs typeface="Times New Roman" panose="02020603050405020304" pitchFamily="18" charset="0"/>
+            </a:endParaRPr>
           </a:p>
         </p:txBody>
       </p:sp>
@@ -3567,133 +3585,235 @@
           <a:lstStyle/>
           <a:p>
             <a:r>
-              <a:rPr lang="en-IN" b="1" dirty="0" smtClean="0"/>
+              <a:rPr lang="en-IN" b="1" dirty="0" smtClean="0">
+                <a:latin typeface="Times New Roman" panose="02020603050405020304" pitchFamily="18" charset="0"/>
+                <a:cs typeface="Times New Roman" panose="02020603050405020304" pitchFamily="18" charset="0"/>
+              </a:rPr>
               <a:t>Variational Method using Weak Formulation:</a:t>
             </a:r>
           </a:p>
           <a:p>
             <a:pPr lvl="1"/>
             <a:r>
-              <a:rPr lang="en-IN" dirty="0"/>
+              <a:rPr lang="en-IN" dirty="0">
+                <a:latin typeface="Times New Roman" panose="02020603050405020304" pitchFamily="18" charset="0"/>
+                <a:cs typeface="Times New Roman" panose="02020603050405020304" pitchFamily="18" charset="0"/>
+              </a:rPr>
               <a:t>This approach recovers the Hessian, which does not exists in the classical sense for </a:t>
             </a:r>
             <a:r>
-              <a:rPr lang="en-IN" dirty="0" smtClean="0"/>
+              <a:rPr lang="en-IN" dirty="0" smtClean="0">
+                <a:latin typeface="Times New Roman" panose="02020603050405020304" pitchFamily="18" charset="0"/>
+                <a:cs typeface="Times New Roman" panose="02020603050405020304" pitchFamily="18" charset="0"/>
+              </a:rPr>
               <a:t>piecewise linear </a:t>
             </a:r>
             <a:r>
-              <a:rPr lang="en-IN" dirty="0"/>
+              <a:rPr lang="en-IN" dirty="0">
+                <a:latin typeface="Times New Roman" panose="02020603050405020304" pitchFamily="18" charset="0"/>
+                <a:cs typeface="Times New Roman" panose="02020603050405020304" pitchFamily="18" charset="0"/>
+              </a:rPr>
               <a:t>functions, by means of a variational formulation</a:t>
             </a:r>
             <a:r>
-              <a:rPr lang="en-IN" dirty="0" smtClean="0"/>
+              <a:rPr lang="en-IN" dirty="0" smtClean="0">
+                <a:latin typeface="Times New Roman" panose="02020603050405020304" pitchFamily="18" charset="0"/>
+                <a:cs typeface="Times New Roman" panose="02020603050405020304" pitchFamily="18" charset="0"/>
+              </a:rPr>
               <a:t>.</a:t>
             </a:r>
           </a:p>
           <a:p>
             <a:pPr lvl="1"/>
             <a:r>
-              <a:rPr lang="en-IN" dirty="0" smtClean="0"/>
+              <a:rPr lang="en-IN" dirty="0" smtClean="0">
+                <a:latin typeface="Times New Roman" panose="02020603050405020304" pitchFamily="18" charset="0"/>
+                <a:cs typeface="Times New Roman" panose="02020603050405020304" pitchFamily="18" charset="0"/>
+              </a:rPr>
               <a:t>The nodal approximation to the second-order derivative of </a:t>
             </a:r>
             <a:r>
-              <a:rPr lang="en-IN" i="1" dirty="0" smtClean="0"/>
+              <a:rPr lang="en-IN" i="1" dirty="0" smtClean="0">
+                <a:latin typeface="Times New Roman" panose="02020603050405020304" pitchFamily="18" charset="0"/>
+                <a:cs typeface="Times New Roman" panose="02020603050405020304" pitchFamily="18" charset="0"/>
+              </a:rPr>
               <a:t>u</a:t>
             </a:r>
             <a:r>
-              <a:rPr lang="en-IN" dirty="0" smtClean="0"/>
+              <a:rPr lang="en-IN" dirty="0" smtClean="0">
+                <a:latin typeface="Times New Roman" panose="02020603050405020304" pitchFamily="18" charset="0"/>
+                <a:cs typeface="Times New Roman" panose="02020603050405020304" pitchFamily="18" charset="0"/>
+              </a:rPr>
               <a:t> at N(</a:t>
             </a:r>
             <a:r>
-              <a:rPr lang="en-IN" dirty="0" err="1" smtClean="0"/>
-              <a:t>xi,yi</a:t>
-            </a:r>
-            <a:r>
-              <a:rPr lang="en-IN" dirty="0" smtClean="0"/>
+              <a:rPr lang="en-IN" i="1" dirty="0" err="1" smtClean="0">
+                <a:latin typeface="Times New Roman" panose="02020603050405020304" pitchFamily="18" charset="0"/>
+                <a:cs typeface="Times New Roman" panose="02020603050405020304" pitchFamily="18" charset="0"/>
+              </a:rPr>
+              <a:t>x</a:t>
+            </a:r>
+            <a:r>
+              <a:rPr lang="en-IN" i="1" baseline="-25000" dirty="0" err="1" smtClean="0">
+                <a:latin typeface="Times New Roman" panose="02020603050405020304" pitchFamily="18" charset="0"/>
+                <a:cs typeface="Times New Roman" panose="02020603050405020304" pitchFamily="18" charset="0"/>
+              </a:rPr>
+              <a:t>i</a:t>
+            </a:r>
+            <a:r>
+              <a:rPr lang="en-IN" i="1" dirty="0" err="1" smtClean="0">
+                <a:latin typeface="Times New Roman" panose="02020603050405020304" pitchFamily="18" charset="0"/>
+                <a:cs typeface="Times New Roman" panose="02020603050405020304" pitchFamily="18" charset="0"/>
+              </a:rPr>
+              <a:t>,y</a:t>
+            </a:r>
+            <a:r>
+              <a:rPr lang="en-IN" i="1" baseline="-25000" dirty="0" err="1" smtClean="0">
+                <a:latin typeface="Times New Roman" panose="02020603050405020304" pitchFamily="18" charset="0"/>
+                <a:cs typeface="Times New Roman" panose="02020603050405020304" pitchFamily="18" charset="0"/>
+              </a:rPr>
+              <a:t>i</a:t>
+            </a:r>
+            <a:r>
+              <a:rPr lang="en-IN" dirty="0" smtClean="0">
+                <a:latin typeface="Times New Roman" panose="02020603050405020304" pitchFamily="18" charset="0"/>
+                <a:cs typeface="Times New Roman" panose="02020603050405020304" pitchFamily="18" charset="0"/>
+              </a:rPr>
               <a:t>) is defined as,</a:t>
             </a:r>
           </a:p>
           <a:p>
             <a:pPr lvl="1"/>
-            <a:endParaRPr lang="en-IN" dirty="0"/>
+            <a:endParaRPr lang="en-IN" dirty="0">
+              <a:latin typeface="Times New Roman" panose="02020603050405020304" pitchFamily="18" charset="0"/>
+              <a:cs typeface="Times New Roman" panose="02020603050405020304" pitchFamily="18" charset="0"/>
+            </a:endParaRPr>
           </a:p>
           <a:p>
             <a:pPr marL="457200" lvl="1" indent="0">
               <a:buNone/>
             </a:pPr>
-            <a:endParaRPr lang="en-IN" dirty="0"/>
+            <a:endParaRPr lang="en-IN" dirty="0">
+              <a:latin typeface="Times New Roman" panose="02020603050405020304" pitchFamily="18" charset="0"/>
+              <a:cs typeface="Times New Roman" panose="02020603050405020304" pitchFamily="18" charset="0"/>
+            </a:endParaRPr>
           </a:p>
           <a:p>
             <a:pPr marL="457200" lvl="1" indent="0">
               <a:buNone/>
             </a:pPr>
-            <a:endParaRPr lang="en-IN" dirty="0" smtClean="0"/>
+            <a:endParaRPr lang="en-IN" dirty="0" smtClean="0">
+              <a:latin typeface="Times New Roman" panose="02020603050405020304" pitchFamily="18" charset="0"/>
+              <a:cs typeface="Times New Roman" panose="02020603050405020304" pitchFamily="18" charset="0"/>
+            </a:endParaRPr>
           </a:p>
           <a:p>
             <a:pPr lvl="1"/>
             <a:r>
-              <a:rPr lang="en-IN" dirty="0" smtClean="0"/>
+              <a:rPr lang="en-IN" dirty="0" smtClean="0">
+                <a:latin typeface="Times New Roman" panose="02020603050405020304" pitchFamily="18" charset="0"/>
+                <a:cs typeface="Times New Roman" panose="02020603050405020304" pitchFamily="18" charset="0"/>
+              </a:rPr>
               <a:t>In the same way </a:t>
             </a:r>
             <a:r>
-              <a:rPr lang="en-IN" dirty="0" err="1" smtClean="0"/>
-              <a:t>uxy</a:t>
-            </a:r>
-            <a:r>
-              <a:rPr lang="en-IN" dirty="0" smtClean="0"/>
+              <a:rPr lang="en-IN" dirty="0" err="1" smtClean="0">
+                <a:latin typeface="Times New Roman" panose="02020603050405020304" pitchFamily="18" charset="0"/>
+                <a:cs typeface="Times New Roman" panose="02020603050405020304" pitchFamily="18" charset="0"/>
+              </a:rPr>
+              <a:t>u</a:t>
+            </a:r>
+            <a:r>
+              <a:rPr lang="en-IN" i="1" baseline="-25000" dirty="0" err="1" smtClean="0">
+                <a:latin typeface="Times New Roman" panose="02020603050405020304" pitchFamily="18" charset="0"/>
+                <a:cs typeface="Times New Roman" panose="02020603050405020304" pitchFamily="18" charset="0"/>
+              </a:rPr>
+              <a:t>xy</a:t>
+            </a:r>
+            <a:r>
+              <a:rPr lang="en-IN" dirty="0" smtClean="0">
+                <a:latin typeface="Times New Roman" panose="02020603050405020304" pitchFamily="18" charset="0"/>
+                <a:cs typeface="Times New Roman" panose="02020603050405020304" pitchFamily="18" charset="0"/>
+              </a:rPr>
               <a:t>, </a:t>
             </a:r>
             <a:r>
-              <a:rPr lang="en-IN" dirty="0" err="1" smtClean="0"/>
-              <a:t>uyy</a:t>
-            </a:r>
-            <a:r>
-              <a:rPr lang="en-IN" dirty="0" smtClean="0"/>
+              <a:rPr lang="en-IN" dirty="0" err="1" smtClean="0">
+                <a:latin typeface="Times New Roman" panose="02020603050405020304" pitchFamily="18" charset="0"/>
+                <a:cs typeface="Times New Roman" panose="02020603050405020304" pitchFamily="18" charset="0"/>
+              </a:rPr>
+              <a:t>u</a:t>
+            </a:r>
+            <a:r>
+              <a:rPr lang="en-IN" i="1" baseline="-25000" dirty="0" err="1" smtClean="0">
+                <a:latin typeface="Times New Roman" panose="02020603050405020304" pitchFamily="18" charset="0"/>
+                <a:cs typeface="Times New Roman" panose="02020603050405020304" pitchFamily="18" charset="0"/>
+              </a:rPr>
+              <a:t>yy</a:t>
+            </a:r>
+            <a:r>
+              <a:rPr lang="en-IN" dirty="0" smtClean="0">
+                <a:latin typeface="Times New Roman" panose="02020603050405020304" pitchFamily="18" charset="0"/>
+                <a:cs typeface="Times New Roman" panose="02020603050405020304" pitchFamily="18" charset="0"/>
+              </a:rPr>
               <a:t> are approximated.</a:t>
             </a:r>
           </a:p>
           <a:p>
             <a:pPr lvl="1"/>
             <a:r>
+              <a:rPr lang="en-IN" i="1" dirty="0" smtClean="0">
+                <a:latin typeface="Times New Roman" panose="02020603050405020304" pitchFamily="18" charset="0"/>
+                <a:ea typeface="Cambria Math" panose="02040503050406030204" pitchFamily="18" charset="0"/>
+                <a:cs typeface="Times New Roman" panose="02020603050405020304" pitchFamily="18" charset="0"/>
+              </a:rPr>
+              <a:t>⏀</a:t>
+            </a:r>
+            <a:r>
+              <a:rPr lang="en-IN" i="1" baseline="-25000" dirty="0" smtClean="0">
+                <a:latin typeface="Times New Roman" panose="02020603050405020304" pitchFamily="18" charset="0"/>
+                <a:ea typeface="Cambria Math" panose="02040503050406030204" pitchFamily="18" charset="0"/>
+                <a:cs typeface="Times New Roman" panose="02020603050405020304" pitchFamily="18" charset="0"/>
+              </a:rPr>
+              <a:t>i</a:t>
+            </a:r>
+            <a:r>
               <a:rPr lang="en-IN" dirty="0" smtClean="0">
-                <a:latin typeface="Cambria Math" panose="02040503050406030204" pitchFamily="18" charset="0"/>
+                <a:latin typeface="Times New Roman" panose="02020603050405020304" pitchFamily="18" charset="0"/>
                 <a:ea typeface="Cambria Math" panose="02040503050406030204" pitchFamily="18" charset="0"/>
-              </a:rPr>
-              <a:t>⏀</a:t>
-            </a:r>
-            <a:r>
-              <a:rPr lang="en-IN" baseline="-25000" dirty="0" err="1" smtClean="0">
-                <a:latin typeface="Cambria Math" panose="02040503050406030204" pitchFamily="18" charset="0"/>
+                <a:cs typeface="Times New Roman" panose="02020603050405020304" pitchFamily="18" charset="0"/>
+              </a:rPr>
+              <a:t> are piecewise linear basis functions. </a:t>
+            </a:r>
+          </a:p>
+          <a:p>
+            <a:pPr lvl="1"/>
+            <a:r>
+              <a:rPr lang="en-IN" dirty="0">
+                <a:latin typeface="Times New Roman" panose="02020603050405020304" pitchFamily="18" charset="0"/>
+                <a:cs typeface="Times New Roman" panose="02020603050405020304" pitchFamily="18" charset="0"/>
+              </a:rPr>
+              <a:t>This method is quite simple, fast and widely used in practice</a:t>
+            </a:r>
+            <a:r>
+              <a:rPr lang="en-IN" dirty="0" smtClean="0">
+                <a:latin typeface="Times New Roman" panose="02020603050405020304" pitchFamily="18" charset="0"/>
                 <a:ea typeface="Cambria Math" panose="02040503050406030204" pitchFamily="18" charset="0"/>
-              </a:rPr>
-              <a:t>i</a:t>
-            </a:r>
-            <a:r>
-              <a:rPr lang="en-IN" dirty="0" smtClean="0">
-                <a:latin typeface="Cambria Math" panose="02040503050406030204" pitchFamily="18" charset="0"/>
-                <a:ea typeface="Cambria Math" panose="02040503050406030204" pitchFamily="18" charset="0"/>
-              </a:rPr>
-              <a:t> are piecewise linear basis functions. </a:t>
-            </a:r>
+                <a:cs typeface="Times New Roman" panose="02020603050405020304" pitchFamily="18" charset="0"/>
+              </a:rPr>
+              <a:t> </a:t>
+            </a:r>
+            <a:endParaRPr lang="en-IN" dirty="0" smtClean="0">
+              <a:latin typeface="Times New Roman" panose="02020603050405020304" pitchFamily="18" charset="0"/>
+              <a:cs typeface="Times New Roman" panose="02020603050405020304" pitchFamily="18" charset="0"/>
+            </a:endParaRPr>
           </a:p>
           <a:p>
             <a:pPr lvl="1"/>
-            <a:r>
-              <a:rPr lang="en-IN" dirty="0"/>
-              <a:t>This method is quite simple, fast and widely used in practice</a:t>
-            </a:r>
-            <a:r>
-              <a:rPr lang="en-IN" dirty="0" smtClean="0">
-                <a:latin typeface="Cambria Math" panose="02040503050406030204" pitchFamily="18" charset="0"/>
-                <a:ea typeface="Cambria Math" panose="02040503050406030204" pitchFamily="18" charset="0"/>
-              </a:rPr>
-              <a:t> </a:t>
-            </a:r>
-            <a:endParaRPr lang="en-IN" dirty="0" smtClean="0"/>
-          </a:p>
-          <a:p>
-            <a:pPr lvl="1"/>
-            <a:endParaRPr lang="en-IN" dirty="0"/>
+            <a:endParaRPr lang="en-IN" dirty="0">
+              <a:latin typeface="Times New Roman" panose="02020603050405020304" pitchFamily="18" charset="0"/>
+              <a:cs typeface="Times New Roman" panose="02020603050405020304" pitchFamily="18" charset="0"/>
+            </a:endParaRPr>
           </a:p>
         </p:txBody>
       </p:sp>
@@ -3864,36 +3984,8 @@
         </p:nvSpPr>
         <p:spPr>
           <a:xfrm>
-            <a:off x="838200" y="128589"/>
-            <a:ext cx="10515600" cy="1114424"/>
-          </a:xfrm>
-        </p:spPr>
-        <p:txBody>
-          <a:bodyPr/>
-          <a:lstStyle/>
-          <a:p>
-            <a:r>
-              <a:rPr lang="en-IN" dirty="0" smtClean="0"/>
-              <a:t>Numerical Comparison:</a:t>
-            </a:r>
-            <a:endParaRPr lang="en-IN" dirty="0"/>
-          </a:p>
-        </p:txBody>
-      </p:sp>
-      <p:sp>
-        <p:nvSpPr>
-          <p:cNvPr id="3" name="Content Placeholder 2"/>
-          <p:cNvSpPr>
-            <a:spLocks noGrp="1"/>
-          </p:cNvSpPr>
-          <p:nvPr>
-            <p:ph idx="1"/>
-          </p:nvPr>
-        </p:nvSpPr>
-        <p:spPr>
-          <a:xfrm>
-            <a:off x="838200" y="1243013"/>
-            <a:ext cx="10515600" cy="5357812"/>
+            <a:off x="528638" y="128589"/>
+            <a:ext cx="10825162" cy="1114424"/>
           </a:xfrm>
         </p:spPr>
         <p:txBody>
@@ -3903,36 +3995,96 @@
           <a:lstStyle/>
           <a:p>
             <a:r>
-              <a:rPr lang="en-IN" dirty="0" smtClean="0"/>
+              <a:rPr lang="en-IN" sz="3200" b="1" dirty="0" smtClean="0">
+                <a:latin typeface="Times New Roman" panose="02020603050405020304" pitchFamily="18" charset="0"/>
+                <a:cs typeface="Times New Roman" panose="02020603050405020304" pitchFamily="18" charset="0"/>
+              </a:rPr>
+              <a:t>Numerical Comparison:</a:t>
+            </a:r>
+            <a:endParaRPr lang="en-IN" sz="3200" b="1" dirty="0">
+              <a:latin typeface="Times New Roman" panose="02020603050405020304" pitchFamily="18" charset="0"/>
+              <a:cs typeface="Times New Roman" panose="02020603050405020304" pitchFamily="18" charset="0"/>
+            </a:endParaRPr>
+          </a:p>
+        </p:txBody>
+      </p:sp>
+      <p:sp>
+        <p:nvSpPr>
+          <p:cNvPr id="3" name="Content Placeholder 2"/>
+          <p:cNvSpPr>
+            <a:spLocks noGrp="1"/>
+          </p:cNvSpPr>
+          <p:nvPr>
+            <p:ph idx="1"/>
+          </p:nvPr>
+        </p:nvSpPr>
+        <p:spPr>
+          <a:xfrm>
+            <a:off x="528638" y="1243013"/>
+            <a:ext cx="10515600" cy="5357812"/>
+          </a:xfrm>
+        </p:spPr>
+        <p:txBody>
+          <a:bodyPr>
+            <a:normAutofit/>
+          </a:bodyPr>
+          <a:lstStyle/>
+          <a:p>
+            <a:r>
+              <a:rPr lang="en-IN" sz="2400" dirty="0" smtClean="0">
+                <a:latin typeface="Times New Roman" panose="02020603050405020304" pitchFamily="18" charset="0"/>
+                <a:cs typeface="Times New Roman" panose="02020603050405020304" pitchFamily="18" charset="0"/>
+              </a:rPr>
               <a:t>We will consider the lagrangian interpolation.</a:t>
             </a:r>
           </a:p>
           <a:p>
             <a:r>
-              <a:rPr lang="en-IN" dirty="0"/>
+              <a:rPr lang="en-IN" sz="2400" dirty="0">
+                <a:latin typeface="Times New Roman" panose="02020603050405020304" pitchFamily="18" charset="0"/>
+                <a:cs typeface="Times New Roman" panose="02020603050405020304" pitchFamily="18" charset="0"/>
+              </a:rPr>
               <a:t>The Hessian is </a:t>
             </a:r>
             <a:r>
-              <a:rPr lang="en-IN" dirty="0" smtClean="0"/>
+              <a:rPr lang="en-IN" sz="2400" dirty="0" smtClean="0">
+                <a:latin typeface="Times New Roman" panose="02020603050405020304" pitchFamily="18" charset="0"/>
+                <a:cs typeface="Times New Roman" panose="02020603050405020304" pitchFamily="18" charset="0"/>
+              </a:rPr>
               <a:t>recovered from </a:t>
             </a:r>
             <a:r>
-              <a:rPr lang="en-IN" dirty="0"/>
+              <a:rPr lang="en-IN" sz="2400" dirty="0">
+                <a:latin typeface="Times New Roman" panose="02020603050405020304" pitchFamily="18" charset="0"/>
+                <a:cs typeface="Times New Roman" panose="02020603050405020304" pitchFamily="18" charset="0"/>
+              </a:rPr>
               <a:t>the exact nodal values of a given test function and compared with the exact </a:t>
             </a:r>
             <a:r>
-              <a:rPr lang="en-IN" dirty="0" smtClean="0"/>
+              <a:rPr lang="en-IN" sz="2400" dirty="0" smtClean="0">
+                <a:latin typeface="Times New Roman" panose="02020603050405020304" pitchFamily="18" charset="0"/>
+                <a:cs typeface="Times New Roman" panose="02020603050405020304" pitchFamily="18" charset="0"/>
+              </a:rPr>
               <a:t>analytical Hessian</a:t>
             </a:r>
             <a:r>
-              <a:rPr lang="en-IN" dirty="0"/>
+              <a:rPr lang="en-IN" sz="2400" dirty="0">
+                <a:latin typeface="Times New Roman" panose="02020603050405020304" pitchFamily="18" charset="0"/>
+                <a:cs typeface="Times New Roman" panose="02020603050405020304" pitchFamily="18" charset="0"/>
+              </a:rPr>
               <a:t>. </a:t>
             </a:r>
-            <a:endParaRPr lang="en-IN" dirty="0" smtClean="0"/>
-          </a:p>
-          <a:p>
-            <a:r>
-              <a:rPr lang="en-IN" dirty="0" smtClean="0"/>
+            <a:endParaRPr lang="en-IN" sz="2400" dirty="0" smtClean="0">
+              <a:latin typeface="Times New Roman" panose="02020603050405020304" pitchFamily="18" charset="0"/>
+              <a:cs typeface="Times New Roman" panose="02020603050405020304" pitchFamily="18" charset="0"/>
+            </a:endParaRPr>
+          </a:p>
+          <a:p>
+            <a:r>
+              <a:rPr lang="en-IN" sz="2400" dirty="0" smtClean="0">
+                <a:latin typeface="Times New Roman" panose="02020603050405020304" pitchFamily="18" charset="0"/>
+                <a:cs typeface="Times New Roman" panose="02020603050405020304" pitchFamily="18" charset="0"/>
+              </a:rPr>
               <a:t>We will also compare the behaviour in relation to the mesh type.</a:t>
             </a:r>
           </a:p>
@@ -3942,6 +4094,8 @@
                 <a:solidFill>
                   <a:srgbClr val="FF0000"/>
                 </a:solidFill>
+                <a:latin typeface="Times New Roman" panose="02020603050405020304" pitchFamily="18" charset="0"/>
+                <a:cs typeface="Times New Roman" panose="02020603050405020304" pitchFamily="18" charset="0"/>
               </a:rPr>
               <a:t>QLS:</a:t>
             </a:r>
@@ -3953,6 +4107,8 @@
                 <a:solidFill>
                   <a:srgbClr val="FF0000"/>
                 </a:solidFill>
+                <a:latin typeface="Times New Roman" panose="02020603050405020304" pitchFamily="18" charset="0"/>
+                <a:cs typeface="Times New Roman" panose="02020603050405020304" pitchFamily="18" charset="0"/>
               </a:rPr>
               <a:t>The QLS recovery is exact for quadratic functions independent of the mesh </a:t>
             </a:r>
@@ -3961,6 +4117,8 @@
                 <a:solidFill>
                   <a:srgbClr val="FF0000"/>
                 </a:solidFill>
+                <a:latin typeface="Times New Roman" panose="02020603050405020304" pitchFamily="18" charset="0"/>
+                <a:cs typeface="Times New Roman" panose="02020603050405020304" pitchFamily="18" charset="0"/>
               </a:rPr>
               <a:t>type.</a:t>
             </a:r>
@@ -3973,6 +4131,8 @@
               <a:solidFill>
                 <a:srgbClr val="FF0000"/>
               </a:solidFill>
+              <a:latin typeface="Times New Roman" panose="02020603050405020304" pitchFamily="18" charset="0"/>
+              <a:cs typeface="Times New Roman" panose="02020603050405020304" pitchFamily="18" charset="0"/>
             </a:endParaRPr>
           </a:p>
           <a:p>
@@ -3983,6 +4143,8 @@
               <a:solidFill>
                 <a:srgbClr val="FF0000"/>
               </a:solidFill>
+              <a:latin typeface="Times New Roman" panose="02020603050405020304" pitchFamily="18" charset="0"/>
+              <a:cs typeface="Times New Roman" panose="02020603050405020304" pitchFamily="18" charset="0"/>
             </a:endParaRPr>
           </a:p>
           <a:p>
@@ -3990,7 +4152,10 @@
               <a:buNone/>
             </a:pPr>
             <a:r>
-              <a:rPr lang="en-IN" dirty="0" smtClean="0"/>
+              <a:rPr lang="en-IN" dirty="0" smtClean="0">
+                <a:latin typeface="Times New Roman" panose="02020603050405020304" pitchFamily="18" charset="0"/>
+                <a:cs typeface="Times New Roman" panose="02020603050405020304" pitchFamily="18" charset="0"/>
+              </a:rPr>
               <a:t>QLS hessian recovery on diff. mesh types:</a:t>
             </a:r>
           </a:p>
@@ -3999,15 +4164,24 @@
               <a:buNone/>
             </a:pPr>
             <a:r>
-              <a:rPr lang="en-IN" dirty="0" smtClean="0"/>
+              <a:rPr lang="en-IN" dirty="0" smtClean="0">
+                <a:latin typeface="Times New Roman" panose="02020603050405020304" pitchFamily="18" charset="0"/>
+                <a:cs typeface="Times New Roman" panose="02020603050405020304" pitchFamily="18" charset="0"/>
+              </a:rPr>
               <a:t>L</a:t>
             </a:r>
             <a:r>
-              <a:rPr lang="en-IN" baseline="30000" dirty="0" smtClean="0"/>
+              <a:rPr lang="en-IN" baseline="30000" dirty="0" smtClean="0">
+                <a:latin typeface="Times New Roman" panose="02020603050405020304" pitchFamily="18" charset="0"/>
+                <a:cs typeface="Times New Roman" panose="02020603050405020304" pitchFamily="18" charset="0"/>
+              </a:rPr>
               <a:t>2</a:t>
             </a:r>
             <a:r>
-              <a:rPr lang="en-IN" dirty="0" smtClean="0"/>
+              <a:rPr lang="en-IN" dirty="0" smtClean="0">
+                <a:latin typeface="Times New Roman" panose="02020603050405020304" pitchFamily="18" charset="0"/>
+                <a:cs typeface="Times New Roman" panose="02020603050405020304" pitchFamily="18" charset="0"/>
+              </a:rPr>
               <a:t> recovery error vs # of mesh elements.</a:t>
             </a:r>
           </a:p>
@@ -4016,46 +4190,73 @@
               <a:buNone/>
             </a:pPr>
             <a:r>
-              <a:rPr lang="en-IN" i="1" dirty="0" err="1" smtClean="0"/>
+              <a:rPr lang="en-IN" i="1" dirty="0" err="1" smtClean="0">
+                <a:latin typeface="Times New Roman" panose="02020603050405020304" pitchFamily="18" charset="0"/>
+                <a:cs typeface="Times New Roman" panose="02020603050405020304" pitchFamily="18" charset="0"/>
+              </a:rPr>
               <a:t>u</a:t>
             </a:r>
             <a:r>
-              <a:rPr lang="en-IN" baseline="-25000" dirty="0" err="1" smtClean="0"/>
+              <a:rPr lang="en-IN" baseline="-25000" dirty="0" err="1" smtClean="0">
+                <a:latin typeface="Times New Roman" panose="02020603050405020304" pitchFamily="18" charset="0"/>
+                <a:cs typeface="Times New Roman" panose="02020603050405020304" pitchFamily="18" charset="0"/>
+              </a:rPr>
               <a:t>Q</a:t>
             </a:r>
             <a:r>
-              <a:rPr lang="en-IN" dirty="0" smtClean="0"/>
+              <a:rPr lang="en-IN" dirty="0" smtClean="0">
+                <a:latin typeface="Times New Roman" panose="02020603050405020304" pitchFamily="18" charset="0"/>
+                <a:cs typeface="Times New Roman" panose="02020603050405020304" pitchFamily="18" charset="0"/>
+              </a:rPr>
               <a:t>(</a:t>
             </a:r>
             <a:r>
               <a:rPr lang="en-IN" i="1" dirty="0" err="1" smtClean="0">
-                <a:latin typeface="+mj-lt"/>
+                <a:latin typeface="Times New Roman" panose="02020603050405020304" pitchFamily="18" charset="0"/>
                 <a:cs typeface="Times New Roman" panose="02020603050405020304" pitchFamily="18" charset="0"/>
               </a:rPr>
               <a:t>x,y</a:t>
             </a:r>
             <a:r>
-              <a:rPr lang="en-IN" dirty="0" smtClean="0"/>
+              <a:rPr lang="en-IN" dirty="0" smtClean="0">
+                <a:latin typeface="Times New Roman" panose="02020603050405020304" pitchFamily="18" charset="0"/>
+                <a:cs typeface="Times New Roman" panose="02020603050405020304" pitchFamily="18" charset="0"/>
+              </a:rPr>
               <a:t>)=</a:t>
             </a:r>
             <a:r>
-              <a:rPr lang="en-IN" i="1" dirty="0" smtClean="0"/>
+              <a:rPr lang="en-IN" i="1" dirty="0" smtClean="0">
+                <a:latin typeface="Times New Roman" panose="02020603050405020304" pitchFamily="18" charset="0"/>
+                <a:cs typeface="Times New Roman" panose="02020603050405020304" pitchFamily="18" charset="0"/>
+              </a:rPr>
               <a:t>x</a:t>
             </a:r>
             <a:r>
-              <a:rPr lang="en-IN" baseline="30000" dirty="0" smtClean="0"/>
+              <a:rPr lang="en-IN" baseline="30000" dirty="0" smtClean="0">
+                <a:latin typeface="Times New Roman" panose="02020603050405020304" pitchFamily="18" charset="0"/>
+                <a:cs typeface="Times New Roman" panose="02020603050405020304" pitchFamily="18" charset="0"/>
+              </a:rPr>
               <a:t>2</a:t>
             </a:r>
             <a:r>
-              <a:rPr lang="en-IN" dirty="0" smtClean="0"/>
+              <a:rPr lang="en-IN" dirty="0" smtClean="0">
+                <a:latin typeface="Times New Roman" panose="02020603050405020304" pitchFamily="18" charset="0"/>
+                <a:cs typeface="Times New Roman" panose="02020603050405020304" pitchFamily="18" charset="0"/>
+              </a:rPr>
               <a:t>+</a:t>
             </a:r>
             <a:r>
-              <a:rPr lang="en-IN" i="1" dirty="0" smtClean="0"/>
+              <a:rPr lang="en-IN" i="1" dirty="0" smtClean="0">
+                <a:latin typeface="Times New Roman" panose="02020603050405020304" pitchFamily="18" charset="0"/>
+                <a:cs typeface="Times New Roman" panose="02020603050405020304" pitchFamily="18" charset="0"/>
+              </a:rPr>
               <a:t>y</a:t>
             </a:r>
             <a:r>
-              <a:rPr lang="en-IN" baseline="30000" dirty="0" smtClean="0"/>
+              <a:rPr lang="en-IN" baseline="30000" dirty="0" smtClean="0">
+                <a:latin typeface="Times New Roman" panose="02020603050405020304" pitchFamily="18" charset="0"/>
+                <a:cs typeface="Times New Roman" panose="02020603050405020304" pitchFamily="18" charset="0"/>
+              </a:rPr>
               <a:t>2 </a:t>
             </a:r>
           </a:p>
@@ -4063,7 +4264,10 @@
             <a:pPr marL="457200" lvl="1" indent="0">
               <a:buNone/>
             </a:pPr>
-            <a:endParaRPr lang="en-IN" sz="2800" dirty="0"/>
+            <a:endParaRPr lang="en-IN" sz="2800" dirty="0">
+              <a:latin typeface="Times New Roman" panose="02020603050405020304" pitchFamily="18" charset="0"/>
+              <a:cs typeface="Times New Roman" panose="02020603050405020304" pitchFamily="18" charset="0"/>
+            </a:endParaRPr>
           </a:p>
         </p:txBody>
       </p:sp>
@@ -4083,7 +4287,7 @@
         </p:blipFill>
         <p:spPr>
           <a:xfrm>
-            <a:off x="6810375" y="3921919"/>
+            <a:off x="6381746" y="3750469"/>
             <a:ext cx="4857750" cy="2971800"/>
           </a:xfrm>
           <a:prstGeom prst="rect">
@@ -4140,8 +4344,8 @@
         </p:nvSpPr>
         <p:spPr>
           <a:xfrm>
-            <a:off x="838200" y="342900"/>
-            <a:ext cx="10515600" cy="5834063"/>
+            <a:off x="528638" y="985838"/>
+            <a:ext cx="10825162" cy="5191125"/>
           </a:xfrm>
         </p:spPr>
         <p:txBody>
@@ -4150,74 +4354,108 @@
           </a:bodyPr>
           <a:lstStyle/>
           <a:p>
+            <a:pPr marL="542925" lvl="1" indent="-357188"/>
+            <a:r>
+              <a:rPr lang="en-IN" sz="2200" dirty="0" smtClean="0">
+                <a:latin typeface="Times New Roman" panose="02020603050405020304" pitchFamily="18" charset="0"/>
+                <a:cs typeface="Times New Roman" panose="02020603050405020304" pitchFamily="18" charset="0"/>
+              </a:rPr>
+              <a:t>L</a:t>
+            </a:r>
+            <a:r>
+              <a:rPr lang="en-IN" sz="2200" baseline="30000" dirty="0" smtClean="0">
+                <a:latin typeface="Times New Roman" panose="02020603050405020304" pitchFamily="18" charset="0"/>
+                <a:cs typeface="Times New Roman" panose="02020603050405020304" pitchFamily="18" charset="0"/>
+              </a:rPr>
+              <a:t>2</a:t>
+            </a:r>
+            <a:r>
+              <a:rPr lang="en-IN" sz="2200" dirty="0" smtClean="0">
+                <a:latin typeface="Times New Roman" panose="02020603050405020304" pitchFamily="18" charset="0"/>
+                <a:cs typeface="Times New Roman" panose="02020603050405020304" pitchFamily="18" charset="0"/>
+              </a:rPr>
+              <a:t>-Norm </a:t>
+            </a:r>
+            <a:r>
+              <a:rPr lang="en-IN" sz="2200" dirty="0">
+                <a:latin typeface="Times New Roman" panose="02020603050405020304" pitchFamily="18" charset="0"/>
+                <a:cs typeface="Times New Roman" panose="02020603050405020304" pitchFamily="18" charset="0"/>
+              </a:rPr>
+              <a:t>of the relative recovery error vs the number of elements on uniform meshes is studied. Results obtained for different test functions </a:t>
+            </a:r>
+            <a:r>
+              <a:rPr lang="en-IN" sz="2200" dirty="0" smtClean="0">
+                <a:latin typeface="Times New Roman" panose="02020603050405020304" pitchFamily="18" charset="0"/>
+                <a:cs typeface="Times New Roman" panose="02020603050405020304" pitchFamily="18" charset="0"/>
+              </a:rPr>
+              <a:t>can be summarised </a:t>
+            </a:r>
+            <a:r>
+              <a:rPr lang="en-IN" sz="2200" dirty="0">
+                <a:latin typeface="Times New Roman" panose="02020603050405020304" pitchFamily="18" charset="0"/>
+                <a:cs typeface="Times New Roman" panose="02020603050405020304" pitchFamily="18" charset="0"/>
+              </a:rPr>
+              <a:t>as </a:t>
+            </a:r>
+            <a:r>
+              <a:rPr lang="en-IN" sz="2200" dirty="0" smtClean="0">
+                <a:latin typeface="Times New Roman" panose="02020603050405020304" pitchFamily="18" charset="0"/>
+                <a:cs typeface="Times New Roman" panose="02020603050405020304" pitchFamily="18" charset="0"/>
+              </a:rPr>
+              <a:t>shown.</a:t>
+            </a:r>
+          </a:p>
+          <a:p>
             <a:pPr marL="185738" lvl="1" indent="0">
               <a:buNone/>
             </a:pPr>
             <a:r>
-              <a:rPr lang="en-IN" b="1" dirty="0"/>
-              <a:t>Uniform Meshes:</a:t>
-            </a:r>
-          </a:p>
-          <a:p>
-            <a:pPr marL="642938" lvl="1" indent="-457200"/>
-            <a:r>
-              <a:rPr lang="en-IN" sz="2200" dirty="0"/>
-              <a:t>L</a:t>
-            </a:r>
-            <a:r>
-              <a:rPr lang="en-IN" sz="2200" baseline="30000" dirty="0"/>
-              <a:t>2</a:t>
-            </a:r>
-            <a:r>
-              <a:rPr lang="en-IN" sz="2200" dirty="0"/>
-              <a:t>-Norm of the relative recovery error vs the number of elements on uniform meshes is studied. Results obtained for different test functions </a:t>
-            </a:r>
-            <a:r>
-              <a:rPr lang="en-IN" sz="2200" dirty="0" smtClean="0"/>
-              <a:t>can be summarised </a:t>
-            </a:r>
-            <a:r>
-              <a:rPr lang="en-IN" sz="2200" dirty="0"/>
-              <a:t>as </a:t>
-            </a:r>
-            <a:r>
-              <a:rPr lang="en-IN" sz="2200" dirty="0" smtClean="0"/>
-              <a:t>shown.</a:t>
-            </a:r>
-          </a:p>
-          <a:p>
-            <a:pPr marL="185738" lvl="1" indent="0">
-              <a:buNone/>
-            </a:pPr>
-            <a:r>
-              <a:rPr lang="en-IN" b="1" dirty="0" smtClean="0"/>
+              <a:rPr lang="en-IN" b="1" dirty="0" smtClean="0">
+                <a:latin typeface="Times New Roman" panose="02020603050405020304" pitchFamily="18" charset="0"/>
+                <a:cs typeface="Times New Roman" panose="02020603050405020304" pitchFamily="18" charset="0"/>
+              </a:rPr>
               <a:t>Quadratic Function:</a:t>
             </a:r>
           </a:p>
           <a:p>
-            <a:pPr marL="642938" lvl="1" indent="-457200"/>
-            <a:r>
-              <a:rPr lang="en-IN" sz="2200" dirty="0" smtClean="0"/>
+            <a:pPr marL="542925" lvl="1" indent="-357188"/>
+            <a:r>
+              <a:rPr lang="en-IN" sz="2200" dirty="0" smtClean="0">
+                <a:latin typeface="Times New Roman" panose="02020603050405020304" pitchFamily="18" charset="0"/>
+                <a:cs typeface="Times New Roman" panose="02020603050405020304" pitchFamily="18" charset="0"/>
+              </a:rPr>
               <a:t>LLS and WF methods both provide exact hessian recovery with error smaller than 10</a:t>
             </a:r>
             <a:r>
-              <a:rPr lang="en-IN" sz="2200" baseline="30000" dirty="0" smtClean="0"/>
+              <a:rPr lang="en-IN" sz="2200" baseline="30000" dirty="0" smtClean="0">
+                <a:latin typeface="Times New Roman" panose="02020603050405020304" pitchFamily="18" charset="0"/>
+                <a:cs typeface="Times New Roman" panose="02020603050405020304" pitchFamily="18" charset="0"/>
+              </a:rPr>
               <a:t>-8</a:t>
             </a:r>
             <a:r>
-              <a:rPr lang="en-IN" sz="2200" dirty="0" smtClean="0"/>
+              <a:rPr lang="en-IN" sz="2200" dirty="0" smtClean="0">
+                <a:latin typeface="Times New Roman" panose="02020603050405020304" pitchFamily="18" charset="0"/>
+                <a:cs typeface="Times New Roman" panose="02020603050405020304" pitchFamily="18" charset="0"/>
+              </a:rPr>
               <a:t>.</a:t>
             </a:r>
           </a:p>
           <a:p>
-            <a:pPr marL="642938" lvl="1" indent="-457200"/>
-            <a:r>
-              <a:rPr lang="en-IN" sz="2200" dirty="0" smtClean="0"/>
+            <a:pPr marL="542925" lvl="1" indent="-357188"/>
+            <a:r>
+              <a:rPr lang="en-IN" sz="2200" dirty="0" smtClean="0">
+                <a:latin typeface="Times New Roman" panose="02020603050405020304" pitchFamily="18" charset="0"/>
+                <a:cs typeface="Times New Roman" panose="02020603050405020304" pitchFamily="18" charset="0"/>
+              </a:rPr>
               <a:t>DLF is inexact on uniform meshes for quadratic function. Fig: a.</a:t>
             </a:r>
           </a:p>
           <a:p>
-            <a:endParaRPr lang="en-IN" dirty="0"/>
+            <a:endParaRPr lang="en-IN" dirty="0">
+              <a:latin typeface="Times New Roman" panose="02020603050405020304" pitchFamily="18" charset="0"/>
+              <a:cs typeface="Times New Roman" panose="02020603050405020304" pitchFamily="18" charset="0"/>
+            </a:endParaRPr>
           </a:p>
         </p:txBody>
       </p:sp>
@@ -4237,7 +4475,7 @@
         </p:blipFill>
         <p:spPr>
           <a:xfrm>
-            <a:off x="2733676" y="2824170"/>
+            <a:off x="3164681" y="2833688"/>
             <a:ext cx="5553075" cy="3867150"/>
           </a:xfrm>
           <a:prstGeom prst="rect">
@@ -4245,6 +4483,64 @@
           </a:prstGeom>
         </p:spPr>
       </p:pic>
+      <p:sp>
+        <p:nvSpPr>
+          <p:cNvPr id="5" name="Title 1"/>
+          <p:cNvSpPr>
+            <a:spLocks noGrp="1"/>
+          </p:cNvSpPr>
+          <p:nvPr>
+            <p:ph type="title"/>
+          </p:nvPr>
+        </p:nvSpPr>
+        <p:spPr>
+          <a:xfrm>
+            <a:off x="528638" y="128590"/>
+            <a:ext cx="10825162" cy="857248"/>
+          </a:xfrm>
+        </p:spPr>
+        <p:txBody>
+          <a:bodyPr>
+            <a:normAutofit/>
+          </a:bodyPr>
+          <a:lstStyle/>
+          <a:p>
+            <a:pPr lvl="1" algn="l" rtl="0">
+              <a:lnSpc>
+                <a:spcPct val="90000"/>
+              </a:lnSpc>
+              <a:spcBef>
+                <a:spcPct val="0"/>
+              </a:spcBef>
+            </a:pPr>
+            <a:r>
+              <a:rPr lang="en-IN" sz="3200" b="1" dirty="0" smtClean="0">
+                <a:latin typeface="Times New Roman" panose="02020603050405020304" pitchFamily="18" charset="0"/>
+                <a:cs typeface="Times New Roman" panose="02020603050405020304" pitchFamily="18" charset="0"/>
+              </a:rPr>
+              <a:t>Numerical Comparison</a:t>
+            </a:r>
+            <a:r>
+              <a:rPr lang="en-IN" sz="3200" b="1" dirty="0" smtClean="0">
+                <a:latin typeface="Times New Roman" panose="02020603050405020304" pitchFamily="18" charset="0"/>
+                <a:cs typeface="Times New Roman" panose="02020603050405020304" pitchFamily="18" charset="0"/>
+              </a:rPr>
+              <a:t>: </a:t>
+            </a:r>
+            <a:r>
+              <a:rPr lang="en-IN" sz="2800" b="1" dirty="0" smtClean="0">
+                <a:latin typeface="Times New Roman" panose="02020603050405020304" pitchFamily="18" charset="0"/>
+                <a:cs typeface="Times New Roman" panose="02020603050405020304" pitchFamily="18" charset="0"/>
+              </a:rPr>
+              <a:t>Uniform Meshes:</a:t>
+            </a:r>
+            <a:endParaRPr lang="en-IN" sz="3200" b="1" dirty="0">
+              <a:latin typeface="Times New Roman" panose="02020603050405020304" pitchFamily="18" charset="0"/>
+              <a:cs typeface="Times New Roman" panose="02020603050405020304" pitchFamily="18" charset="0"/>
+            </a:endParaRPr>
+          </a:p>
+        </p:txBody>
+      </p:sp>
     </p:spTree>
     <p:extLst>
       <p:ext uri="{BB962C8B-B14F-4D97-AF65-F5344CB8AC3E}">
@@ -4294,8 +4590,8 @@
         </p:nvSpPr>
         <p:spPr>
           <a:xfrm>
-            <a:off x="838200" y="428625"/>
-            <a:ext cx="10515600" cy="5748338"/>
+            <a:off x="528638" y="828675"/>
+            <a:ext cx="10639425" cy="6029325"/>
           </a:xfrm>
         </p:spPr>
         <p:txBody>
@@ -4306,41 +4602,72 @@
               <a:buNone/>
             </a:pPr>
             <a:r>
-              <a:rPr lang="en-IN" b="1" dirty="0"/>
+              <a:rPr lang="en-IN" b="1" dirty="0">
+                <a:latin typeface="Times New Roman" panose="02020603050405020304" pitchFamily="18" charset="0"/>
+                <a:cs typeface="Times New Roman" panose="02020603050405020304" pitchFamily="18" charset="0"/>
+              </a:rPr>
               <a:t>Gaussian Function:</a:t>
             </a:r>
           </a:p>
           <a:p>
             <a:pPr marL="642938" lvl="1" indent="-457200"/>
             <a:r>
-              <a:rPr lang="en-IN" sz="2200" dirty="0"/>
+              <a:rPr lang="en-IN" sz="2200" dirty="0">
+                <a:latin typeface="Times New Roman" panose="02020603050405020304" pitchFamily="18" charset="0"/>
+                <a:cs typeface="Times New Roman" panose="02020603050405020304" pitchFamily="18" charset="0"/>
+              </a:rPr>
               <a:t>Plot b shows recovery of Gaussian function, which is dominated by error in domain interior, since the test function is zero on boundary. </a:t>
             </a:r>
           </a:p>
           <a:p>
             <a:pPr marL="642938" lvl="1" indent="-457200"/>
             <a:r>
-              <a:rPr lang="en-IN" sz="2200" dirty="0"/>
-              <a:t>All four methods show similar convergence results( n</a:t>
-            </a:r>
-            <a:r>
-              <a:rPr lang="en-IN" sz="2200" baseline="30000" dirty="0"/>
+              <a:rPr lang="en-IN" sz="2200" dirty="0">
+                <a:latin typeface="Times New Roman" panose="02020603050405020304" pitchFamily="18" charset="0"/>
+                <a:cs typeface="Times New Roman" panose="02020603050405020304" pitchFamily="18" charset="0"/>
+              </a:rPr>
+              <a:t>All four methods show similar convergence results( </a:t>
+            </a:r>
+            <a:r>
+              <a:rPr lang="en-IN" sz="2200" dirty="0" smtClean="0">
+                <a:latin typeface="Times New Roman" panose="02020603050405020304" pitchFamily="18" charset="0"/>
+                <a:cs typeface="Times New Roman" panose="02020603050405020304" pitchFamily="18" charset="0"/>
+              </a:rPr>
+              <a:t>n</a:t>
+            </a:r>
+            <a:r>
+              <a:rPr lang="en-IN" sz="2200" baseline="30000" dirty="0" smtClean="0">
+                <a:latin typeface="Times New Roman" panose="02020603050405020304" pitchFamily="18" charset="0"/>
+                <a:cs typeface="Times New Roman" panose="02020603050405020304" pitchFamily="18" charset="0"/>
+              </a:rPr>
               <a:t>-1</a:t>
             </a:r>
             <a:r>
-              <a:rPr lang="en-IN" sz="2200" dirty="0"/>
-              <a:t> ≡</a:t>
-            </a:r>
-            <a:r>
-              <a:rPr lang="en-IN" sz="2200" i="1" dirty="0"/>
+              <a:rPr lang="en-IN" sz="2200" dirty="0" smtClean="0">
+                <a:latin typeface="Times New Roman" panose="02020603050405020304" pitchFamily="18" charset="0"/>
+                <a:cs typeface="Times New Roman" panose="02020603050405020304" pitchFamily="18" charset="0"/>
+              </a:rPr>
+              <a:t>≈</a:t>
+            </a:r>
+            <a:r>
+              <a:rPr lang="en-IN" sz="2200" i="1" dirty="0" smtClean="0">
+                <a:latin typeface="Times New Roman" panose="02020603050405020304" pitchFamily="18" charset="0"/>
+                <a:cs typeface="Times New Roman" panose="02020603050405020304" pitchFamily="18" charset="0"/>
+              </a:rPr>
               <a:t>h</a:t>
             </a:r>
             <a:r>
-              <a:rPr lang="en-IN" sz="2200" baseline="30000" dirty="0"/>
+              <a:rPr lang="en-IN" sz="2200" baseline="30000" dirty="0" smtClean="0">
+                <a:latin typeface="Times New Roman" panose="02020603050405020304" pitchFamily="18" charset="0"/>
+                <a:cs typeface="Times New Roman" panose="02020603050405020304" pitchFamily="18" charset="0"/>
+              </a:rPr>
               <a:t>2</a:t>
             </a:r>
             <a:r>
-              <a:rPr lang="en-IN" sz="2200" dirty="0"/>
+              <a:rPr lang="en-IN" sz="2200" dirty="0">
+                <a:latin typeface="Times New Roman" panose="02020603050405020304" pitchFamily="18" charset="0"/>
+                <a:cs typeface="Times New Roman" panose="02020603050405020304" pitchFamily="18" charset="0"/>
+              </a:rPr>
               <a:t>), but DLF has a slightly larger error.</a:t>
             </a:r>
           </a:p>
@@ -4365,7 +4692,7 @@
         </p:blipFill>
         <p:spPr>
           <a:xfrm>
-            <a:off x="3276600" y="2347913"/>
+            <a:off x="3028950" y="2686050"/>
             <a:ext cx="5638800" cy="3829050"/>
           </a:xfrm>
           <a:prstGeom prst="rect">
@@ -4373,6 +4700,49 @@
           </a:prstGeom>
         </p:spPr>
       </p:pic>
+      <p:sp>
+        <p:nvSpPr>
+          <p:cNvPr id="5" name="Title 1"/>
+          <p:cNvSpPr>
+            <a:spLocks noGrp="1"/>
+          </p:cNvSpPr>
+          <p:nvPr>
+            <p:ph type="title"/>
+          </p:nvPr>
+        </p:nvSpPr>
+        <p:spPr>
+          <a:xfrm>
+            <a:off x="528638" y="128589"/>
+            <a:ext cx="10825162" cy="700086"/>
+          </a:xfrm>
+        </p:spPr>
+        <p:txBody>
+          <a:bodyPr>
+            <a:normAutofit/>
+          </a:bodyPr>
+          <a:lstStyle/>
+          <a:p>
+            <a:r>
+              <a:rPr lang="en-IN" sz="3200" b="1" dirty="0">
+                <a:latin typeface="Times New Roman" panose="02020603050405020304" pitchFamily="18" charset="0"/>
+                <a:cs typeface="Times New Roman" panose="02020603050405020304" pitchFamily="18" charset="0"/>
+              </a:rPr>
+              <a:t>Numerical Comparison: </a:t>
+            </a:r>
+            <a:r>
+              <a:rPr lang="en-IN" sz="2800" b="1" dirty="0">
+                <a:latin typeface="Times New Roman" panose="02020603050405020304" pitchFamily="18" charset="0"/>
+                <a:cs typeface="Times New Roman" panose="02020603050405020304" pitchFamily="18" charset="0"/>
+              </a:rPr>
+              <a:t>Uniform Meshes:</a:t>
+            </a:r>
+            <a:endParaRPr lang="en-IN" sz="3200" b="1" dirty="0">
+              <a:latin typeface="Times New Roman" panose="02020603050405020304" pitchFamily="18" charset="0"/>
+              <a:cs typeface="Times New Roman" panose="02020603050405020304" pitchFamily="18" charset="0"/>
+            </a:endParaRPr>
+          </a:p>
+        </p:txBody>
+      </p:sp>
     </p:spTree>
     <p:extLst>
       <p:ext uri="{BB962C8B-B14F-4D97-AF65-F5344CB8AC3E}">
@@ -4422,8 +4792,8 @@
         </p:nvSpPr>
         <p:spPr>
           <a:xfrm>
-            <a:off x="809625" y="685801"/>
-            <a:ext cx="10515600" cy="5514974"/>
+            <a:off x="528638" y="785814"/>
+            <a:ext cx="10839449" cy="5805473"/>
           </a:xfrm>
         </p:spPr>
         <p:txBody>
@@ -4434,47 +4804,74 @@
               <a:buNone/>
             </a:pPr>
             <a:r>
-              <a:rPr lang="en-IN" sz="2400" b="1" dirty="0" smtClean="0"/>
+              <a:rPr lang="en-IN" sz="2400" b="1" dirty="0" smtClean="0">
+                <a:latin typeface="Times New Roman" panose="02020603050405020304" pitchFamily="18" charset="0"/>
+                <a:cs typeface="Times New Roman" panose="02020603050405020304" pitchFamily="18" charset="0"/>
+              </a:rPr>
               <a:t>Boundary Layer:</a:t>
             </a:r>
           </a:p>
           <a:p>
             <a:r>
-              <a:rPr lang="en-IN" sz="2200" dirty="0" smtClean="0"/>
+              <a:rPr lang="en-IN" sz="2200" dirty="0" smtClean="0">
+                <a:latin typeface="Times New Roman" panose="02020603050405020304" pitchFamily="18" charset="0"/>
+                <a:cs typeface="Times New Roman" panose="02020603050405020304" pitchFamily="18" charset="0"/>
+              </a:rPr>
               <a:t>Figure below presents relative recovery errors of boundary layer functions.</a:t>
             </a:r>
           </a:p>
           <a:p>
             <a:r>
-              <a:rPr lang="en-IN" sz="2200" dirty="0" smtClean="0"/>
+              <a:rPr lang="en-IN" sz="2200" dirty="0" smtClean="0">
+                <a:latin typeface="Times New Roman" panose="02020603050405020304" pitchFamily="18" charset="0"/>
+                <a:cs typeface="Times New Roman" panose="02020603050405020304" pitchFamily="18" charset="0"/>
+              </a:rPr>
               <a:t>The recovery error is dominated by the error near boundaries.</a:t>
             </a:r>
           </a:p>
           <a:p>
             <a:r>
-              <a:rPr lang="en-IN" sz="2200" dirty="0" smtClean="0"/>
+              <a:rPr lang="en-IN" sz="2200" dirty="0" smtClean="0">
+                <a:latin typeface="Times New Roman" panose="02020603050405020304" pitchFamily="18" charset="0"/>
+                <a:cs typeface="Times New Roman" panose="02020603050405020304" pitchFamily="18" charset="0"/>
+              </a:rPr>
               <a:t>Again QLS, LLS, WF provide similar results, but experience accuracy losses.</a:t>
             </a:r>
           </a:p>
           <a:p>
             <a:r>
-              <a:rPr lang="en-IN" sz="2200" dirty="0" smtClean="0"/>
+              <a:rPr lang="en-IN" sz="2200" dirty="0" smtClean="0">
+                <a:latin typeface="Times New Roman" panose="02020603050405020304" pitchFamily="18" charset="0"/>
+                <a:cs typeface="Times New Roman" panose="02020603050405020304" pitchFamily="18" charset="0"/>
+              </a:rPr>
               <a:t>DLF is less accurate with error O(n</a:t>
             </a:r>
             <a:r>
-              <a:rPr lang="en-IN" sz="2200" baseline="30000" dirty="0" smtClean="0"/>
+              <a:rPr lang="en-IN" sz="2200" baseline="30000" dirty="0" smtClean="0">
+                <a:latin typeface="Times New Roman" panose="02020603050405020304" pitchFamily="18" charset="0"/>
+                <a:cs typeface="Times New Roman" panose="02020603050405020304" pitchFamily="18" charset="0"/>
+              </a:rPr>
               <a:t>-1/4</a:t>
             </a:r>
             <a:r>
-              <a:rPr lang="en-IN" sz="2200" dirty="0" smtClean="0"/>
+              <a:rPr lang="en-IN" sz="2200" dirty="0" smtClean="0">
+                <a:latin typeface="Times New Roman" panose="02020603050405020304" pitchFamily="18" charset="0"/>
+                <a:cs typeface="Times New Roman" panose="02020603050405020304" pitchFamily="18" charset="0"/>
+              </a:rPr>
               <a:t>)≈O(h</a:t>
             </a:r>
             <a:r>
-              <a:rPr lang="en-IN" sz="2200" baseline="30000" dirty="0" smtClean="0"/>
+              <a:rPr lang="en-IN" sz="2200" baseline="30000" dirty="0" smtClean="0">
+                <a:latin typeface="Times New Roman" panose="02020603050405020304" pitchFamily="18" charset="0"/>
+                <a:cs typeface="Times New Roman" panose="02020603050405020304" pitchFamily="18" charset="0"/>
+              </a:rPr>
               <a:t>1/2</a:t>
             </a:r>
             <a:r>
-              <a:rPr lang="en-IN" sz="2200" dirty="0" smtClean="0"/>
+              <a:rPr lang="en-IN" sz="2200" dirty="0" smtClean="0">
+                <a:latin typeface="Times New Roman" panose="02020603050405020304" pitchFamily="18" charset="0"/>
+                <a:cs typeface="Times New Roman" panose="02020603050405020304" pitchFamily="18" charset="0"/>
+              </a:rPr>
               <a:t>).</a:t>
             </a:r>
           </a:p>
@@ -4499,7 +4896,7 @@
         </p:blipFill>
         <p:spPr>
           <a:xfrm>
-            <a:off x="3162299" y="2824151"/>
+            <a:off x="3605211" y="3048000"/>
             <a:ext cx="5581650" cy="3810000"/>
           </a:xfrm>
           <a:prstGeom prst="rect">
@@ -4507,6 +4904,49 @@
           </a:prstGeom>
         </p:spPr>
       </p:pic>
+      <p:sp>
+        <p:nvSpPr>
+          <p:cNvPr id="4" name="Title 1"/>
+          <p:cNvSpPr>
+            <a:spLocks noGrp="1"/>
+          </p:cNvSpPr>
+          <p:nvPr>
+            <p:ph type="title"/>
+          </p:nvPr>
+        </p:nvSpPr>
+        <p:spPr>
+          <a:xfrm>
+            <a:off x="528638" y="128590"/>
+            <a:ext cx="10825162" cy="657224"/>
+          </a:xfrm>
+        </p:spPr>
+        <p:txBody>
+          <a:bodyPr>
+            <a:normAutofit/>
+          </a:bodyPr>
+          <a:lstStyle/>
+          <a:p>
+            <a:r>
+              <a:rPr lang="en-IN" sz="3200" b="1" dirty="0">
+                <a:latin typeface="Times New Roman" panose="02020603050405020304" pitchFamily="18" charset="0"/>
+                <a:cs typeface="Times New Roman" panose="02020603050405020304" pitchFamily="18" charset="0"/>
+              </a:rPr>
+              <a:t>Numerical Comparison: </a:t>
+            </a:r>
+            <a:r>
+              <a:rPr lang="en-IN" sz="2800" b="1" dirty="0">
+                <a:latin typeface="Times New Roman" panose="02020603050405020304" pitchFamily="18" charset="0"/>
+                <a:cs typeface="Times New Roman" panose="02020603050405020304" pitchFamily="18" charset="0"/>
+              </a:rPr>
+              <a:t>Uniform Meshes:</a:t>
+            </a:r>
+            <a:endParaRPr lang="en-IN" sz="3200" b="1" dirty="0">
+              <a:latin typeface="Times New Roman" panose="02020603050405020304" pitchFamily="18" charset="0"/>
+              <a:cs typeface="Times New Roman" panose="02020603050405020304" pitchFamily="18" charset="0"/>
+            </a:endParaRPr>
+          </a:p>
+        </p:txBody>
+      </p:sp>
     </p:spTree>
     <p:extLst>
       <p:ext uri="{BB962C8B-B14F-4D97-AF65-F5344CB8AC3E}">
@@ -4556,8 +4996,8 @@
         </p:nvSpPr>
         <p:spPr>
           <a:xfrm>
-            <a:off x="852487" y="985839"/>
-            <a:ext cx="10515600" cy="5543549"/>
+            <a:off x="528638" y="785815"/>
+            <a:ext cx="10839449" cy="5743574"/>
           </a:xfrm>
         </p:spPr>
         <p:txBody>
@@ -4568,43 +5008,74 @@
               <a:buNone/>
             </a:pPr>
             <a:r>
-              <a:rPr lang="en-IN" b="1" dirty="0" smtClean="0"/>
+              <a:rPr lang="en-IN" sz="2400" b="1" dirty="0" smtClean="0">
+                <a:latin typeface="Times New Roman" panose="02020603050405020304" pitchFamily="18" charset="0"/>
+                <a:cs typeface="Times New Roman" panose="02020603050405020304" pitchFamily="18" charset="0"/>
+              </a:rPr>
               <a:t>Anisotropic Function:</a:t>
             </a:r>
-            <a:endParaRPr lang="en-IN" dirty="0" smtClean="0"/>
-          </a:p>
-          <a:p>
+            <a:endParaRPr lang="en-IN" sz="2400" dirty="0" smtClean="0">
+              <a:latin typeface="Times New Roman" panose="02020603050405020304" pitchFamily="18" charset="0"/>
+              <a:cs typeface="Times New Roman" panose="02020603050405020304" pitchFamily="18" charset="0"/>
+            </a:endParaRPr>
+          </a:p>
+          <a:p>
+            <a:r>
+              <a:rPr lang="en-IN" sz="2200" dirty="0" smtClean="0">
+                <a:latin typeface="Times New Roman" panose="02020603050405020304" pitchFamily="18" charset="0"/>
+                <a:cs typeface="Times New Roman" panose="02020603050405020304" pitchFamily="18" charset="0"/>
+              </a:rPr>
+              <a:t>Figure presents the results,</a:t>
+            </a:r>
+          </a:p>
+          <a:p>
+            <a:r>
+              <a:rPr lang="en-IN" sz="2200" dirty="0" smtClean="0">
+                <a:latin typeface="Times New Roman" panose="02020603050405020304" pitchFamily="18" charset="0"/>
+                <a:cs typeface="Times New Roman" panose="02020603050405020304" pitchFamily="18" charset="0"/>
+              </a:rPr>
+              <a:t>The convergence rates for QLS, LLS and WF are about n</a:t>
+            </a:r>
+            <a:r>
+              <a:rPr lang="en-IN" sz="2200" baseline="30000" dirty="0" smtClean="0">
+                <a:latin typeface="Times New Roman" panose="02020603050405020304" pitchFamily="18" charset="0"/>
+                <a:cs typeface="Times New Roman" panose="02020603050405020304" pitchFamily="18" charset="0"/>
+              </a:rPr>
+              <a:t>-3/4</a:t>
+            </a:r>
+            <a:r>
+              <a:rPr lang="en-IN" sz="2200" dirty="0" smtClean="0">
+                <a:latin typeface="Times New Roman" panose="02020603050405020304" pitchFamily="18" charset="0"/>
+                <a:cs typeface="Times New Roman" panose="02020603050405020304" pitchFamily="18" charset="0"/>
+              </a:rPr>
+              <a:t> ≈h</a:t>
+            </a:r>
+            <a:r>
+              <a:rPr lang="en-IN" sz="2200" baseline="30000" dirty="0" smtClean="0">
+                <a:latin typeface="Times New Roman" panose="02020603050405020304" pitchFamily="18" charset="0"/>
+                <a:cs typeface="Times New Roman" panose="02020603050405020304" pitchFamily="18" charset="0"/>
+              </a:rPr>
+              <a:t>3/2</a:t>
+            </a:r>
+            <a:r>
+              <a:rPr lang="en-IN" sz="2200" dirty="0" smtClean="0">
+                <a:latin typeface="Times New Roman" panose="02020603050405020304" pitchFamily="18" charset="0"/>
+                <a:cs typeface="Times New Roman" panose="02020603050405020304" pitchFamily="18" charset="0"/>
+              </a:rPr>
+              <a:t> </a:t>
+            </a:r>
+          </a:p>
+          <a:p>
+            <a:r>
+              <a:rPr lang="en-IN" sz="2200" dirty="0" smtClean="0">
+                <a:latin typeface="Times New Roman" panose="02020603050405020304" pitchFamily="18" charset="0"/>
+                <a:cs typeface="Times New Roman" panose="02020603050405020304" pitchFamily="18" charset="0"/>
+              </a:rPr>
+              <a:t>DLF once again is not as good as other methods, even less accurate on finer meshes</a:t>
+            </a:r>
             <a:r>
               <a:rPr lang="en-IN" sz="2200" dirty="0" smtClean="0"/>
-              <a:t>Figure presents the results,</a:t>
-            </a:r>
-          </a:p>
-          <a:p>
-            <a:r>
-              <a:rPr lang="en-IN" sz="2200" dirty="0" smtClean="0"/>
-              <a:t>The convergence rates for QLS, LLS and WF are about n</a:t>
-            </a:r>
-            <a:r>
-              <a:rPr lang="en-IN" sz="2200" baseline="30000" dirty="0" smtClean="0"/>
-              <a:t>-3/4</a:t>
-            </a:r>
-            <a:r>
-              <a:rPr lang="en-IN" sz="2200" dirty="0" smtClean="0"/>
-              <a:t> ≈h</a:t>
-            </a:r>
-            <a:r>
-              <a:rPr lang="en-IN" sz="2200" baseline="30000" dirty="0" smtClean="0"/>
-              <a:t>3/2</a:t>
-            </a:r>
-            <a:r>
-              <a:rPr lang="en-IN" sz="2200" dirty="0" smtClean="0"/>
-              <a:t> </a:t>
-            </a:r>
-          </a:p>
-          <a:p>
-            <a:r>
-              <a:rPr lang="en-IN" sz="2200" dirty="0" smtClean="0"/>
-              <a:t>DLF once again is not as good as other methods, even less accurate on finer meshes.</a:t>
+              <a:t>.</a:t>
             </a:r>
           </a:p>
           <a:p>
@@ -4628,7 +5099,7 @@
         </p:blipFill>
         <p:spPr>
           <a:xfrm>
-            <a:off x="3052762" y="2843212"/>
+            <a:off x="3052762" y="2500312"/>
             <a:ext cx="5776913" cy="3800475"/>
           </a:xfrm>
           <a:prstGeom prst="rect">
@@ -4636,6 +5107,49 @@
           </a:prstGeom>
         </p:spPr>
       </p:pic>
+      <p:sp>
+        <p:nvSpPr>
+          <p:cNvPr id="4" name="Title 1"/>
+          <p:cNvSpPr>
+            <a:spLocks noGrp="1"/>
+          </p:cNvSpPr>
+          <p:nvPr>
+            <p:ph type="title"/>
+          </p:nvPr>
+        </p:nvSpPr>
+        <p:spPr>
+          <a:xfrm>
+            <a:off x="528638" y="128590"/>
+            <a:ext cx="10825162" cy="657224"/>
+          </a:xfrm>
+        </p:spPr>
+        <p:txBody>
+          <a:bodyPr>
+            <a:normAutofit/>
+          </a:bodyPr>
+          <a:lstStyle/>
+          <a:p>
+            <a:r>
+              <a:rPr lang="en-IN" sz="3200" b="1" dirty="0">
+                <a:latin typeface="Times New Roman" panose="02020603050405020304" pitchFamily="18" charset="0"/>
+                <a:cs typeface="Times New Roman" panose="02020603050405020304" pitchFamily="18" charset="0"/>
+              </a:rPr>
+              <a:t>Numerical Comparison: </a:t>
+            </a:r>
+            <a:r>
+              <a:rPr lang="en-IN" sz="2800" b="1" dirty="0">
+                <a:latin typeface="Times New Roman" panose="02020603050405020304" pitchFamily="18" charset="0"/>
+                <a:cs typeface="Times New Roman" panose="02020603050405020304" pitchFamily="18" charset="0"/>
+              </a:rPr>
+              <a:t>Uniform Meshes:</a:t>
+            </a:r>
+            <a:endParaRPr lang="en-IN" sz="3200" b="1" dirty="0">
+              <a:latin typeface="Times New Roman" panose="02020603050405020304" pitchFamily="18" charset="0"/>
+              <a:cs typeface="Times New Roman" panose="02020603050405020304" pitchFamily="18" charset="0"/>
+            </a:endParaRPr>
+          </a:p>
+        </p:txBody>
+      </p:sp>
     </p:spTree>
     <p:extLst>
       <p:ext uri="{BB962C8B-B14F-4D97-AF65-F5344CB8AC3E}">
@@ -4685,8 +5199,8 @@
         </p:nvSpPr>
         <p:spPr>
           <a:xfrm>
-            <a:off x="838200" y="107951"/>
-            <a:ext cx="10515600" cy="920750"/>
+            <a:off x="495300" y="107951"/>
+            <a:ext cx="10858500" cy="920750"/>
           </a:xfrm>
         </p:spPr>
         <p:txBody>
@@ -4696,14 +5210,30 @@
           <a:lstStyle/>
           <a:p>
             <a:r>
-              <a:rPr lang="en-IN" sz="2800" b="1" dirty="0"/>
-              <a:t>Randomly Perturbed Uniform </a:t>
-            </a:r>
-            <a:r>
-              <a:rPr lang="en-IN" sz="2800" b="1" dirty="0" smtClean="0"/>
+              <a:rPr lang="en-IN" sz="2800" b="1" dirty="0" smtClean="0">
+                <a:latin typeface="Times New Roman" panose="02020603050405020304" pitchFamily="18" charset="0"/>
+                <a:cs typeface="Times New Roman" panose="02020603050405020304" pitchFamily="18" charset="0"/>
+              </a:rPr>
+              <a:t>Numerical comparison; Randomly </a:t>
+            </a:r>
+            <a:r>
+              <a:rPr lang="en-IN" sz="2800" b="1" dirty="0">
+                <a:latin typeface="Times New Roman" panose="02020603050405020304" pitchFamily="18" charset="0"/>
+                <a:cs typeface="Times New Roman" panose="02020603050405020304" pitchFamily="18" charset="0"/>
+              </a:rPr>
+              <a:t>Perturbed Uniform </a:t>
+            </a:r>
+            <a:r>
+              <a:rPr lang="en-IN" sz="2800" b="1" dirty="0" smtClean="0">
+                <a:latin typeface="Times New Roman" panose="02020603050405020304" pitchFamily="18" charset="0"/>
+                <a:cs typeface="Times New Roman" panose="02020603050405020304" pitchFamily="18" charset="0"/>
+              </a:rPr>
               <a:t>Meshes:</a:t>
             </a:r>
-            <a:endParaRPr lang="en-IN" sz="2800" b="1" dirty="0"/>
+            <a:endParaRPr lang="en-IN" sz="2800" b="1" dirty="0">
+              <a:latin typeface="Times New Roman" panose="02020603050405020304" pitchFamily="18" charset="0"/>
+              <a:cs typeface="Times New Roman" panose="02020603050405020304" pitchFamily="18" charset="0"/>
+            </a:endParaRPr>
           </a:p>
         </p:txBody>
       </p:sp>
@@ -4719,8 +5249,8 @@
         </p:nvSpPr>
         <p:spPr>
           <a:xfrm>
-            <a:off x="838200" y="828675"/>
-            <a:ext cx="10515600" cy="5091113"/>
+            <a:off x="495300" y="828675"/>
+            <a:ext cx="10858500" cy="5091113"/>
           </a:xfrm>
         </p:spPr>
         <p:txBody>
@@ -4739,6 +5269,14 @@
             </a:r>
           </a:p>
           <a:p>
+            <a:pPr marL="144000">
+              <a:lnSpc>
+                <a:spcPct val="100000"/>
+              </a:lnSpc>
+              <a:spcBef>
+                <a:spcPts val="0"/>
+              </a:spcBef>
+            </a:pPr>
             <a:r>
               <a:rPr lang="en-IN" sz="2200" dirty="0" smtClean="0">
                 <a:latin typeface="Times New Roman" panose="02020603050405020304" pitchFamily="18" charset="0"/>
@@ -4776,6 +5314,14 @@
             </a:r>
           </a:p>
           <a:p>
+            <a:pPr marL="144000">
+              <a:lnSpc>
+                <a:spcPct val="100000"/>
+              </a:lnSpc>
+              <a:spcBef>
+                <a:spcPts val="0"/>
+              </a:spcBef>
+            </a:pPr>
             <a:r>
               <a:rPr lang="en-IN" sz="2200" dirty="0" smtClean="0">
                 <a:latin typeface="Times New Roman" panose="02020603050405020304" pitchFamily="18" charset="0"/>
@@ -4820,6 +5366,14 @@
             </a:r>
           </a:p>
           <a:p>
+            <a:pPr marL="144000">
+              <a:lnSpc>
+                <a:spcPct val="100000"/>
+              </a:lnSpc>
+              <a:spcBef>
+                <a:spcPts val="0"/>
+              </a:spcBef>
+            </a:pPr>
             <a:r>
               <a:rPr lang="en-IN" sz="2200" dirty="0" smtClean="0">
                 <a:latin typeface="Times New Roman" panose="02020603050405020304" pitchFamily="18" charset="0"/>
@@ -4870,7 +5424,7 @@
       </p:sp>
       <p:pic>
         <p:nvPicPr>
-          <p:cNvPr id="4" name="Picture 3"/>
+          <p:cNvPr id="5" name="Picture 4"/>
           <p:cNvPicPr>
             <a:picLocks noChangeAspect="1"/>
           </p:cNvPicPr>
@@ -4884,8 +5438,8 @@
         </p:blipFill>
         <p:spPr>
           <a:xfrm>
-            <a:off x="838200" y="3119439"/>
-            <a:ext cx="10858500" cy="3781425"/>
+            <a:off x="495300" y="3257550"/>
+            <a:ext cx="10629900" cy="3600450"/>
           </a:xfrm>
           <a:prstGeom prst="rect">
             <a:avLst/>
@@ -4941,8 +5495,8 @@
         </p:nvSpPr>
         <p:spPr>
           <a:xfrm>
-            <a:off x="838200" y="365125"/>
-            <a:ext cx="10515600" cy="892175"/>
+            <a:off x="557213" y="250825"/>
+            <a:ext cx="10796587" cy="892175"/>
           </a:xfrm>
         </p:spPr>
         <p:txBody>
@@ -4952,8 +5506,11 @@
           <a:lstStyle/>
           <a:p>
             <a:r>
-              <a:rPr lang="en-IN" sz="2800" b="1" dirty="0"/>
-              <a:t>Randomly Perturbed Uniform Meshes:</a:t>
+              <a:rPr lang="en-IN" sz="2800" b="1" dirty="0">
+                <a:latin typeface="Times New Roman" panose="02020603050405020304" pitchFamily="18" charset="0"/>
+                <a:cs typeface="Times New Roman" panose="02020603050405020304" pitchFamily="18" charset="0"/>
+              </a:rPr>
+              <a:t>Numerical comparison; Randomly Perturbed Uniform Meshes:</a:t>
             </a:r>
             <a:endParaRPr lang="en-IN" sz="2800" dirty="0"/>
           </a:p>
@@ -4971,8 +5528,8 @@
         </p:nvSpPr>
         <p:spPr>
           <a:xfrm>
-            <a:off x="838200" y="1257300"/>
-            <a:ext cx="10515600" cy="4919663"/>
+            <a:off x="557213" y="1143000"/>
+            <a:ext cx="10796587" cy="5033963"/>
           </a:xfrm>
         </p:spPr>
         <p:txBody>
@@ -4980,64 +5537,106 @@
           <a:lstStyle/>
           <a:p>
             <a:r>
-              <a:rPr lang="en-IN" sz="2400" b="1" dirty="0" smtClean="0"/>
+              <a:rPr lang="en-IN" sz="2400" b="1" dirty="0" smtClean="0">
+                <a:latin typeface="Times New Roman" panose="02020603050405020304" pitchFamily="18" charset="0"/>
+                <a:cs typeface="Times New Roman" panose="02020603050405020304" pitchFamily="18" charset="0"/>
+              </a:rPr>
               <a:t>DLF, LLS and WF methods:</a:t>
             </a:r>
           </a:p>
           <a:p>
             <a:r>
-              <a:rPr lang="en-IN" sz="2200" dirty="0" smtClean="0"/>
+              <a:rPr lang="en-IN" sz="2200" dirty="0" smtClean="0">
+                <a:latin typeface="Times New Roman" panose="02020603050405020304" pitchFamily="18" charset="0"/>
+                <a:cs typeface="Times New Roman" panose="02020603050405020304" pitchFamily="18" charset="0"/>
+              </a:rPr>
               <a:t>While the QLS hessian recovery is decreasing with the increasing number of elements, no improvement is achieved by these methods after a few initial steps.</a:t>
             </a:r>
           </a:p>
           <a:p>
             <a:r>
-              <a:rPr lang="en-IN" sz="2200" dirty="0" smtClean="0"/>
+              <a:rPr lang="en-IN" sz="2200" dirty="0" smtClean="0">
+                <a:latin typeface="Times New Roman" panose="02020603050405020304" pitchFamily="18" charset="0"/>
+                <a:cs typeface="Times New Roman" panose="02020603050405020304" pitchFamily="18" charset="0"/>
+              </a:rPr>
               <a:t>The difference becomes more clear on random meshes with larger co-ordinate perturbations. </a:t>
             </a:r>
           </a:p>
           <a:p>
             <a:r>
-              <a:rPr lang="en-IN" sz="2200" dirty="0" smtClean="0"/>
+              <a:rPr lang="en-IN" sz="2200" dirty="0" smtClean="0">
+                <a:latin typeface="Times New Roman" panose="02020603050405020304" pitchFamily="18" charset="0"/>
+                <a:cs typeface="Times New Roman" panose="02020603050405020304" pitchFamily="18" charset="0"/>
+              </a:rPr>
               <a:t>For the function </a:t>
             </a:r>
             <a:r>
-              <a:rPr lang="en-IN" sz="2200" i="1" dirty="0" err="1" smtClean="0"/>
+              <a:rPr lang="en-IN" sz="2200" i="1" dirty="0" err="1" smtClean="0">
+                <a:latin typeface="Times New Roman" panose="02020603050405020304" pitchFamily="18" charset="0"/>
+                <a:cs typeface="Times New Roman" panose="02020603050405020304" pitchFamily="18" charset="0"/>
+              </a:rPr>
               <a:t>u</a:t>
             </a:r>
             <a:r>
-              <a:rPr lang="en-IN" sz="2200" i="1" baseline="-25000" dirty="0" err="1" smtClean="0"/>
+              <a:rPr lang="en-IN" sz="2200" i="1" baseline="-25000" dirty="0" err="1" smtClean="0">
+                <a:latin typeface="Times New Roman" panose="02020603050405020304" pitchFamily="18" charset="0"/>
+                <a:cs typeface="Times New Roman" panose="02020603050405020304" pitchFamily="18" charset="0"/>
+              </a:rPr>
               <a:t>Q</a:t>
             </a:r>
             <a:r>
-              <a:rPr lang="en-IN" sz="2200" i="1" dirty="0" smtClean="0"/>
+              <a:rPr lang="en-IN" sz="2200" i="1" dirty="0" smtClean="0">
+                <a:latin typeface="Times New Roman" panose="02020603050405020304" pitchFamily="18" charset="0"/>
+                <a:cs typeface="Times New Roman" panose="02020603050405020304" pitchFamily="18" charset="0"/>
+              </a:rPr>
               <a:t>(</a:t>
             </a:r>
             <a:r>
-              <a:rPr lang="en-IN" sz="2200" i="1" dirty="0" err="1" smtClean="0"/>
+              <a:rPr lang="en-IN" sz="2200" i="1" dirty="0" err="1" smtClean="0">
+                <a:latin typeface="Times New Roman" panose="02020603050405020304" pitchFamily="18" charset="0"/>
+                <a:cs typeface="Times New Roman" panose="02020603050405020304" pitchFamily="18" charset="0"/>
+              </a:rPr>
               <a:t>x,y</a:t>
             </a:r>
             <a:r>
-              <a:rPr lang="en-IN" sz="2200" i="1" dirty="0" smtClean="0"/>
+              <a:rPr lang="en-IN" sz="2200" i="1" dirty="0" smtClean="0">
+                <a:latin typeface="Times New Roman" panose="02020603050405020304" pitchFamily="18" charset="0"/>
+                <a:cs typeface="Times New Roman" panose="02020603050405020304" pitchFamily="18" charset="0"/>
+              </a:rPr>
               <a:t>)=x</a:t>
             </a:r>
             <a:r>
-              <a:rPr lang="en-IN" sz="2200" i="1" baseline="30000" dirty="0" smtClean="0"/>
+              <a:rPr lang="en-IN" sz="2200" i="1" baseline="30000" dirty="0" smtClean="0">
+                <a:latin typeface="Times New Roman" panose="02020603050405020304" pitchFamily="18" charset="0"/>
+                <a:cs typeface="Times New Roman" panose="02020603050405020304" pitchFamily="18" charset="0"/>
+              </a:rPr>
               <a:t>2</a:t>
             </a:r>
             <a:r>
-              <a:rPr lang="en-IN" sz="2200" i="1" dirty="0" smtClean="0"/>
+              <a:rPr lang="en-IN" sz="2200" i="1" dirty="0" smtClean="0">
+                <a:latin typeface="Times New Roman" panose="02020603050405020304" pitchFamily="18" charset="0"/>
+                <a:cs typeface="Times New Roman" panose="02020603050405020304" pitchFamily="18" charset="0"/>
+              </a:rPr>
               <a:t>+y</a:t>
             </a:r>
             <a:r>
-              <a:rPr lang="en-IN" sz="2200" i="1" baseline="30000" dirty="0" smtClean="0"/>
+              <a:rPr lang="en-IN" sz="2200" i="1" baseline="30000" dirty="0" smtClean="0">
+                <a:latin typeface="Times New Roman" panose="02020603050405020304" pitchFamily="18" charset="0"/>
+                <a:cs typeface="Times New Roman" panose="02020603050405020304" pitchFamily="18" charset="0"/>
+              </a:rPr>
               <a:t>2</a:t>
             </a:r>
             <a:r>
-              <a:rPr lang="en-IN" sz="2200" i="1" dirty="0" smtClean="0"/>
+              <a:rPr lang="en-IN" sz="2200" i="1" dirty="0" smtClean="0">
+                <a:latin typeface="Times New Roman" panose="02020603050405020304" pitchFamily="18" charset="0"/>
+                <a:cs typeface="Times New Roman" panose="02020603050405020304" pitchFamily="18" charset="0"/>
+              </a:rPr>
               <a:t>.</a:t>
             </a:r>
-            <a:endParaRPr lang="en-IN" sz="2200" dirty="0"/>
+            <a:endParaRPr lang="en-IN" sz="2200" dirty="0">
+              <a:latin typeface="Times New Roman" panose="02020603050405020304" pitchFamily="18" charset="0"/>
+              <a:cs typeface="Times New Roman" panose="02020603050405020304" pitchFamily="18" charset="0"/>
+            </a:endParaRPr>
           </a:p>
         </p:txBody>
       </p:sp>
@@ -5057,8 +5656,8 @@
         </p:blipFill>
         <p:spPr>
           <a:xfrm>
-            <a:off x="1762125" y="3652856"/>
-            <a:ext cx="8153400" cy="2867025"/>
+            <a:off x="1443038" y="3186110"/>
+            <a:ext cx="8643937" cy="3200400"/>
           </a:xfrm>
           <a:prstGeom prst="rect">
             <a:avLst/>
@@ -5120,8 +5719,8 @@
         </p:blipFill>
         <p:spPr>
           <a:xfrm>
-            <a:off x="1704975" y="3252789"/>
-            <a:ext cx="8096250" cy="2790825"/>
+            <a:off x="1128712" y="3895727"/>
+            <a:ext cx="9172575" cy="2790825"/>
           </a:xfrm>
           <a:prstGeom prst="rect">
             <a:avLst/>
@@ -5144,14 +5743,47 @@
         </p:blipFill>
         <p:spPr>
           <a:xfrm>
-            <a:off x="1704975" y="357188"/>
-            <a:ext cx="8210550" cy="2895601"/>
+            <a:off x="1128712" y="1000126"/>
+            <a:ext cx="9172575" cy="2895601"/>
           </a:xfrm>
           <a:prstGeom prst="rect">
             <a:avLst/>
           </a:prstGeom>
         </p:spPr>
       </p:pic>
+      <p:sp>
+        <p:nvSpPr>
+          <p:cNvPr id="6" name="Title 1"/>
+          <p:cNvSpPr>
+            <a:spLocks noGrp="1"/>
+          </p:cNvSpPr>
+          <p:nvPr>
+            <p:ph type="title"/>
+          </p:nvPr>
+        </p:nvSpPr>
+        <p:spPr>
+          <a:xfrm>
+            <a:off x="557213" y="212727"/>
+            <a:ext cx="10796587" cy="787399"/>
+          </a:xfrm>
+        </p:spPr>
+        <p:txBody>
+          <a:bodyPr>
+            <a:normAutofit/>
+          </a:bodyPr>
+          <a:lstStyle/>
+          <a:p>
+            <a:r>
+              <a:rPr lang="en-IN" sz="2800" b="1" dirty="0">
+                <a:latin typeface="Times New Roman" panose="02020603050405020304" pitchFamily="18" charset="0"/>
+                <a:cs typeface="Times New Roman" panose="02020603050405020304" pitchFamily="18" charset="0"/>
+              </a:rPr>
+              <a:t>Numerical comparison; Randomly Perturbed Uniform Meshes:</a:t>
+            </a:r>
+            <a:endParaRPr lang="en-IN" sz="2800" dirty="0"/>
+          </a:p>
+        </p:txBody>
+      </p:sp>
     </p:spTree>
     <p:extLst>
       <p:ext uri="{BB962C8B-B14F-4D97-AF65-F5344CB8AC3E}">
@@ -5201,93 +5833,288 @@
         </p:nvSpPr>
         <p:spPr/>
         <p:txBody>
-          <a:bodyPr/>
-          <a:lstStyle/>
-          <a:p>
-            <a:r>
-              <a:rPr lang="en-IN" dirty="0" smtClean="0"/>
-              <a:t>What is HBA</a:t>
-            </a:r>
-            <a:endParaRPr lang="en-IN" dirty="0"/>
-          </a:p>
-        </p:txBody>
-      </p:sp>
-      <p:sp>
-        <p:nvSpPr>
-          <p:cNvPr id="3" name="Content Placeholder 2"/>
-          <p:cNvSpPr>
-            <a:spLocks noGrp="1"/>
-          </p:cNvSpPr>
-          <p:nvPr>
-            <p:ph idx="1"/>
-          </p:nvPr>
-        </p:nvSpPr>
-        <p:spPr>
-          <a:xfrm>
-            <a:off x="838200" y="1257300"/>
-            <a:ext cx="10515600" cy="4919663"/>
-          </a:xfrm>
-        </p:spPr>
-        <p:txBody>
           <a:bodyPr>
             <a:normAutofit/>
           </a:bodyPr>
           <a:lstStyle/>
           <a:p>
             <a:r>
-              <a:rPr lang="en-IN" dirty="0" smtClean="0"/>
+              <a:rPr lang="en-IN" sz="3200" b="1" dirty="0" smtClean="0">
+                <a:latin typeface="Times New Roman" panose="02020603050405020304" pitchFamily="18" charset="0"/>
+                <a:cs typeface="Times New Roman" panose="02020603050405020304" pitchFamily="18" charset="0"/>
+              </a:rPr>
+              <a:t>What is </a:t>
+            </a:r>
+            <a:r>
+              <a:rPr lang="en-IN" sz="3200" b="1" dirty="0" smtClean="0">
+                <a:latin typeface="Times New Roman" panose="02020603050405020304" pitchFamily="18" charset="0"/>
+                <a:cs typeface="Times New Roman" panose="02020603050405020304" pitchFamily="18" charset="0"/>
+              </a:rPr>
+              <a:t>HBA?</a:t>
+            </a:r>
+            <a:endParaRPr lang="en-IN" sz="3200" b="1" dirty="0">
+              <a:latin typeface="Times New Roman" panose="02020603050405020304" pitchFamily="18" charset="0"/>
+              <a:cs typeface="Times New Roman" panose="02020603050405020304" pitchFamily="18" charset="0"/>
+            </a:endParaRPr>
+          </a:p>
+        </p:txBody>
+      </p:sp>
+      <p:sp>
+        <p:nvSpPr>
+          <p:cNvPr id="3" name="Content Placeholder 2"/>
+          <p:cNvSpPr>
+            <a:spLocks noGrp="1"/>
+          </p:cNvSpPr>
+          <p:nvPr>
+            <p:ph idx="1"/>
+          </p:nvPr>
+        </p:nvSpPr>
+        <p:spPr>
+          <a:xfrm>
+            <a:off x="838200" y="1414462"/>
+            <a:ext cx="10515600" cy="4919663"/>
+          </a:xfrm>
+        </p:spPr>
+        <p:txBody>
+          <a:bodyPr>
+            <a:normAutofit/>
+          </a:bodyPr>
+          <a:lstStyle/>
+          <a:p>
+            <a:pPr>
+              <a:lnSpc>
+                <a:spcPct val="100000"/>
+              </a:lnSpc>
+            </a:pPr>
+            <a:r>
+              <a:rPr lang="en-IN" dirty="0" smtClean="0">
+                <a:latin typeface="Times New Roman" panose="02020603050405020304" pitchFamily="18" charset="0"/>
+                <a:cs typeface="Times New Roman" panose="02020603050405020304" pitchFamily="18" charset="0"/>
+              </a:rPr>
               <a:t>For normal adaptation we find the error between the exact value and the approximated value in some norm.</a:t>
             </a:r>
           </a:p>
           <a:p>
-            <a:r>
-              <a:rPr lang="en-IN" dirty="0" smtClean="0"/>
-              <a:t>If this error involves the second order derivative of the exact solution then it is called hessian based </a:t>
-            </a:r>
-            <a:r>
-              <a:rPr lang="en-IN" dirty="0" err="1" smtClean="0"/>
-              <a:t>adaptivity</a:t>
-            </a:r>
-            <a:r>
-              <a:rPr lang="en-IN" dirty="0" smtClean="0"/>
+            <a:pPr>
+              <a:lnSpc>
+                <a:spcPct val="100000"/>
+              </a:lnSpc>
+            </a:pPr>
+            <a:r>
+              <a:rPr lang="en-IN" dirty="0" smtClean="0">
+                <a:latin typeface="Times New Roman" panose="02020603050405020304" pitchFamily="18" charset="0"/>
+                <a:cs typeface="Times New Roman" panose="02020603050405020304" pitchFamily="18" charset="0"/>
+              </a:rPr>
+              <a:t>If this error involves the second order derivative of the exact solution then it is called </a:t>
+            </a:r>
+            <a:r>
+              <a:rPr lang="en-IN" dirty="0" smtClean="0">
+                <a:latin typeface="Times New Roman" panose="02020603050405020304" pitchFamily="18" charset="0"/>
+                <a:cs typeface="Times New Roman" panose="02020603050405020304" pitchFamily="18" charset="0"/>
+              </a:rPr>
+              <a:t>Hessian </a:t>
+            </a:r>
+            <a:r>
+              <a:rPr lang="en-IN" dirty="0">
+                <a:latin typeface="Times New Roman" panose="02020603050405020304" pitchFamily="18" charset="0"/>
+                <a:cs typeface="Times New Roman" panose="02020603050405020304" pitchFamily="18" charset="0"/>
+              </a:rPr>
+              <a:t>B</a:t>
+            </a:r>
+            <a:r>
+              <a:rPr lang="en-IN" dirty="0" smtClean="0">
+                <a:latin typeface="Times New Roman" panose="02020603050405020304" pitchFamily="18" charset="0"/>
+                <a:cs typeface="Times New Roman" panose="02020603050405020304" pitchFamily="18" charset="0"/>
+              </a:rPr>
+              <a:t>ased </a:t>
+            </a:r>
+            <a:r>
+              <a:rPr lang="en-IN" dirty="0">
+                <a:latin typeface="Times New Roman" panose="02020603050405020304" pitchFamily="18" charset="0"/>
+                <a:cs typeface="Times New Roman" panose="02020603050405020304" pitchFamily="18" charset="0"/>
+              </a:rPr>
+              <a:t>A</a:t>
+            </a:r>
+            <a:r>
+              <a:rPr lang="en-IN" dirty="0" smtClean="0">
+                <a:latin typeface="Times New Roman" panose="02020603050405020304" pitchFamily="18" charset="0"/>
+                <a:cs typeface="Times New Roman" panose="02020603050405020304" pitchFamily="18" charset="0"/>
+              </a:rPr>
+              <a:t>daptivity</a:t>
+            </a:r>
+            <a:r>
+              <a:rPr lang="en-IN" dirty="0" smtClean="0">
+                <a:latin typeface="Times New Roman" panose="02020603050405020304" pitchFamily="18" charset="0"/>
+                <a:cs typeface="Times New Roman" panose="02020603050405020304" pitchFamily="18" charset="0"/>
+              </a:rPr>
               <a:t>.</a:t>
             </a:r>
           </a:p>
           <a:p>
-            <a:r>
-              <a:rPr lang="en-IN" dirty="0" err="1" smtClean="0"/>
-              <a:t>Eg</a:t>
-            </a:r>
-            <a:r>
-              <a:rPr lang="en-IN" dirty="0" smtClean="0"/>
-              <a:t>: </a:t>
-            </a:r>
-          </a:p>
-          <a:p>
-            <a:endParaRPr lang="en-IN" dirty="0"/>
-          </a:p>
-          <a:p>
-            <a:r>
-              <a:rPr lang="en-IN" dirty="0" smtClean="0"/>
-              <a:t>U-exact solution, omega is domain, h-mesh size, u</a:t>
-            </a:r>
-            <a:r>
-              <a:rPr lang="en-IN" baseline="-25000" dirty="0" smtClean="0"/>
+            <a:pPr>
+              <a:lnSpc>
+                <a:spcPct val="100000"/>
+              </a:lnSpc>
+            </a:pPr>
+            <a:r>
+              <a:rPr lang="en-IN" dirty="0" smtClean="0">
+                <a:latin typeface="Times New Roman" panose="02020603050405020304" pitchFamily="18" charset="0"/>
+                <a:cs typeface="Times New Roman" panose="02020603050405020304" pitchFamily="18" charset="0"/>
+              </a:rPr>
+              <a:t>E.g. </a:t>
+            </a:r>
+            <a:endParaRPr lang="en-IN" dirty="0" smtClean="0">
+              <a:latin typeface="Times New Roman" panose="02020603050405020304" pitchFamily="18" charset="0"/>
+              <a:cs typeface="Times New Roman" panose="02020603050405020304" pitchFamily="18" charset="0"/>
+            </a:endParaRPr>
+          </a:p>
+          <a:p>
+            <a:pPr>
+              <a:lnSpc>
+                <a:spcPct val="100000"/>
+              </a:lnSpc>
+            </a:pPr>
+            <a:endParaRPr lang="en-IN" dirty="0">
+              <a:latin typeface="Times New Roman" panose="02020603050405020304" pitchFamily="18" charset="0"/>
+              <a:cs typeface="Times New Roman" panose="02020603050405020304" pitchFamily="18" charset="0"/>
+            </a:endParaRPr>
+          </a:p>
+          <a:p>
+            <a:pPr>
+              <a:lnSpc>
+                <a:spcPct val="100000"/>
+              </a:lnSpc>
+            </a:pPr>
+            <a:r>
+              <a:rPr lang="en-IN" i="1" dirty="0">
+                <a:latin typeface="Times New Roman" panose="02020603050405020304" pitchFamily="18" charset="0"/>
+                <a:cs typeface="Times New Roman" panose="02020603050405020304" pitchFamily="18" charset="0"/>
+              </a:rPr>
+              <a:t>u</a:t>
+            </a:r>
+            <a:r>
+              <a:rPr lang="en-IN" dirty="0" smtClean="0">
+                <a:latin typeface="Times New Roman" panose="02020603050405020304" pitchFamily="18" charset="0"/>
+                <a:cs typeface="Times New Roman" panose="02020603050405020304" pitchFamily="18" charset="0"/>
+              </a:rPr>
+              <a:t>-exact </a:t>
+            </a:r>
+            <a:r>
+              <a:rPr lang="en-IN" dirty="0" smtClean="0">
+                <a:latin typeface="Times New Roman" panose="02020603050405020304" pitchFamily="18" charset="0"/>
+                <a:cs typeface="Times New Roman" panose="02020603050405020304" pitchFamily="18" charset="0"/>
+              </a:rPr>
+              <a:t>solution, </a:t>
+            </a:r>
+            <a:r>
+              <a:rPr lang="el-GR" dirty="0" smtClean="0">
+                <a:latin typeface="Times New Roman" panose="02020603050405020304" pitchFamily="18" charset="0"/>
+                <a:cs typeface="Times New Roman" panose="02020603050405020304" pitchFamily="18" charset="0"/>
+              </a:rPr>
+              <a:t>Ω</a:t>
+            </a:r>
+            <a:r>
+              <a:rPr lang="en-IN" dirty="0" smtClean="0">
+                <a:latin typeface="Times New Roman" panose="02020603050405020304" pitchFamily="18" charset="0"/>
+                <a:cs typeface="Times New Roman" panose="02020603050405020304" pitchFamily="18" charset="0"/>
+              </a:rPr>
+              <a:t> </a:t>
+            </a:r>
+            <a:r>
+              <a:rPr lang="en-IN" dirty="0" smtClean="0">
+                <a:latin typeface="Times New Roman" panose="02020603050405020304" pitchFamily="18" charset="0"/>
+                <a:cs typeface="Times New Roman" panose="02020603050405020304" pitchFamily="18" charset="0"/>
+              </a:rPr>
+              <a:t>is </a:t>
+            </a:r>
+            <a:r>
+              <a:rPr lang="en-IN" dirty="0" smtClean="0">
+                <a:latin typeface="Times New Roman" panose="02020603050405020304" pitchFamily="18" charset="0"/>
+                <a:cs typeface="Times New Roman" panose="02020603050405020304" pitchFamily="18" charset="0"/>
+              </a:rPr>
+              <a:t>domain, </a:t>
+            </a:r>
+            <a:r>
+              <a:rPr lang="en-IN" i="1" dirty="0" smtClean="0">
+                <a:latin typeface="Times New Roman" panose="02020603050405020304" pitchFamily="18" charset="0"/>
+                <a:cs typeface="Times New Roman" panose="02020603050405020304" pitchFamily="18" charset="0"/>
+              </a:rPr>
               <a:t>h</a:t>
             </a:r>
             <a:r>
-              <a:rPr lang="en-IN" dirty="0" smtClean="0"/>
+              <a:rPr lang="en-IN" dirty="0" smtClean="0">
+                <a:latin typeface="Times New Roman" panose="02020603050405020304" pitchFamily="18" charset="0"/>
+                <a:cs typeface="Times New Roman" panose="02020603050405020304" pitchFamily="18" charset="0"/>
+              </a:rPr>
+              <a:t>-mesh size, </a:t>
+            </a:r>
+            <a:r>
+              <a:rPr lang="en-IN" i="1" dirty="0" smtClean="0">
+                <a:latin typeface="Times New Roman" panose="02020603050405020304" pitchFamily="18" charset="0"/>
+                <a:cs typeface="Times New Roman" panose="02020603050405020304" pitchFamily="18" charset="0"/>
+              </a:rPr>
+              <a:t>u</a:t>
+            </a:r>
+            <a:r>
+              <a:rPr lang="en-IN" i="1" baseline="-25000" dirty="0" smtClean="0">
+                <a:latin typeface="Times New Roman" panose="02020603050405020304" pitchFamily="18" charset="0"/>
+                <a:cs typeface="Times New Roman" panose="02020603050405020304" pitchFamily="18" charset="0"/>
+              </a:rPr>
+              <a:t>h</a:t>
+            </a:r>
+            <a:r>
+              <a:rPr lang="en-IN" dirty="0" smtClean="0">
+                <a:latin typeface="Times New Roman" panose="02020603050405020304" pitchFamily="18" charset="0"/>
+                <a:cs typeface="Times New Roman" panose="02020603050405020304" pitchFamily="18" charset="0"/>
+              </a:rPr>
               <a:t> is the finite element approximation, </a:t>
             </a:r>
             <a:r>
-              <a:rPr lang="en-IN" i="1" dirty="0" smtClean="0"/>
+              <a:rPr lang="en-IN" i="1" dirty="0" smtClean="0">
+                <a:latin typeface="Times New Roman" panose="02020603050405020304" pitchFamily="18" charset="0"/>
+                <a:cs typeface="Times New Roman" panose="02020603050405020304" pitchFamily="18" charset="0"/>
+              </a:rPr>
               <a:t>C </a:t>
             </a:r>
             <a:r>
-              <a:rPr lang="en-IN" dirty="0" smtClean="0"/>
-              <a:t>is a positive value independent of h and u but depends on the aspect ration of finite element.</a:t>
-            </a:r>
-            <a:endParaRPr lang="en-IN" dirty="0"/>
+              <a:rPr lang="en-IN" dirty="0" smtClean="0">
+                <a:latin typeface="Times New Roman" panose="02020603050405020304" pitchFamily="18" charset="0"/>
+                <a:cs typeface="Times New Roman" panose="02020603050405020304" pitchFamily="18" charset="0"/>
+              </a:rPr>
+              <a:t>is a positive value independent of </a:t>
+            </a:r>
+            <a:r>
+              <a:rPr lang="en-IN" i="1" dirty="0" smtClean="0">
+                <a:latin typeface="Times New Roman" panose="02020603050405020304" pitchFamily="18" charset="0"/>
+                <a:cs typeface="Times New Roman" panose="02020603050405020304" pitchFamily="18" charset="0"/>
+              </a:rPr>
+              <a:t>h</a:t>
+            </a:r>
+            <a:r>
+              <a:rPr lang="en-IN" dirty="0" smtClean="0">
+                <a:latin typeface="Times New Roman" panose="02020603050405020304" pitchFamily="18" charset="0"/>
+                <a:cs typeface="Times New Roman" panose="02020603050405020304" pitchFamily="18" charset="0"/>
+              </a:rPr>
+              <a:t> and </a:t>
+            </a:r>
+            <a:r>
+              <a:rPr lang="en-IN" i="1" dirty="0" smtClean="0">
+                <a:latin typeface="Times New Roman" panose="02020603050405020304" pitchFamily="18" charset="0"/>
+                <a:cs typeface="Times New Roman" panose="02020603050405020304" pitchFamily="18" charset="0"/>
+              </a:rPr>
+              <a:t>u</a:t>
+            </a:r>
+            <a:r>
+              <a:rPr lang="en-IN" dirty="0" smtClean="0">
+                <a:latin typeface="Times New Roman" panose="02020603050405020304" pitchFamily="18" charset="0"/>
+                <a:cs typeface="Times New Roman" panose="02020603050405020304" pitchFamily="18" charset="0"/>
+              </a:rPr>
+              <a:t> but depends on the aspect ration of finite element.</a:t>
+            </a:r>
+            <a:endParaRPr lang="en-IN" dirty="0">
+              <a:latin typeface="Times New Roman" panose="02020603050405020304" pitchFamily="18" charset="0"/>
+              <a:cs typeface="Times New Roman" panose="02020603050405020304" pitchFamily="18" charset="0"/>
+            </a:endParaRPr>
           </a:p>
         </p:txBody>
       </p:sp>
@@ -5307,7 +6134,7 @@
         </p:blipFill>
         <p:spPr>
           <a:xfrm>
-            <a:off x="2328863" y="2969815"/>
+            <a:off x="2328863" y="3512759"/>
             <a:ext cx="3929062" cy="747316"/>
           </a:xfrm>
           <a:prstGeom prst="rect">
@@ -5364,49 +6191,85 @@
         </p:nvSpPr>
         <p:spPr>
           <a:xfrm>
-            <a:off x="838200" y="314325"/>
-            <a:ext cx="10515600" cy="5862638"/>
+            <a:off x="838200" y="717736"/>
+            <a:ext cx="10515600" cy="5459227"/>
           </a:xfrm>
         </p:spPr>
         <p:txBody>
-          <a:bodyPr/>
+          <a:bodyPr>
+            <a:normAutofit/>
+          </a:bodyPr>
           <a:lstStyle/>
           <a:p>
             <a:r>
-              <a:rPr lang="en-IN" dirty="0" smtClean="0"/>
-              <a:t>For function </a:t>
-            </a:r>
-            <a:r>
-              <a:rPr lang="en-IN" i="1" dirty="0" err="1" smtClean="0"/>
+              <a:rPr lang="en-IN" sz="2200" dirty="0" smtClean="0">
+                <a:latin typeface="Times New Roman" panose="02020603050405020304" pitchFamily="18" charset="0"/>
+                <a:cs typeface="Times New Roman" panose="02020603050405020304" pitchFamily="18" charset="0"/>
+              </a:rPr>
+              <a:t>For </a:t>
+            </a:r>
+            <a:r>
+              <a:rPr lang="en-IN" sz="2200" dirty="0" smtClean="0">
+                <a:latin typeface="Times New Roman" panose="02020603050405020304" pitchFamily="18" charset="0"/>
+                <a:cs typeface="Times New Roman" panose="02020603050405020304" pitchFamily="18" charset="0"/>
+              </a:rPr>
+              <a:t>function </a:t>
+            </a:r>
+            <a:r>
+              <a:rPr lang="en-IN" sz="2200" i="1" dirty="0" err="1" smtClean="0">
+                <a:latin typeface="Times New Roman" panose="02020603050405020304" pitchFamily="18" charset="0"/>
+                <a:cs typeface="Times New Roman" panose="02020603050405020304" pitchFamily="18" charset="0"/>
+              </a:rPr>
               <a:t>u</a:t>
             </a:r>
             <a:r>
-              <a:rPr lang="en-IN" i="1" baseline="-25000" dirty="0" err="1" smtClean="0"/>
+              <a:rPr lang="en-IN" sz="2200" i="1" baseline="-25000" dirty="0" err="1" smtClean="0">
+                <a:latin typeface="Times New Roman" panose="02020603050405020304" pitchFamily="18" charset="0"/>
+                <a:cs typeface="Times New Roman" panose="02020603050405020304" pitchFamily="18" charset="0"/>
+              </a:rPr>
               <a:t>GF</a:t>
             </a:r>
             <a:r>
-              <a:rPr lang="en-IN" i="1" dirty="0" smtClean="0"/>
+              <a:rPr lang="en-IN" sz="2200" i="1" dirty="0" smtClean="0">
+                <a:latin typeface="Times New Roman" panose="02020603050405020304" pitchFamily="18" charset="0"/>
+                <a:cs typeface="Times New Roman" panose="02020603050405020304" pitchFamily="18" charset="0"/>
+              </a:rPr>
               <a:t>(</a:t>
             </a:r>
             <a:r>
-              <a:rPr lang="en-IN" i="1" dirty="0" err="1" smtClean="0"/>
+              <a:rPr lang="en-IN" sz="2200" i="1" dirty="0" err="1" smtClean="0">
+                <a:latin typeface="Times New Roman" panose="02020603050405020304" pitchFamily="18" charset="0"/>
+                <a:cs typeface="Times New Roman" panose="02020603050405020304" pitchFamily="18" charset="0"/>
+              </a:rPr>
               <a:t>x,y</a:t>
             </a:r>
             <a:r>
-              <a:rPr lang="en-IN" i="1" dirty="0" smtClean="0"/>
+              <a:rPr lang="en-IN" sz="2200" i="1" dirty="0" smtClean="0">
+                <a:latin typeface="Times New Roman" panose="02020603050405020304" pitchFamily="18" charset="0"/>
+                <a:cs typeface="Times New Roman" panose="02020603050405020304" pitchFamily="18" charset="0"/>
+              </a:rPr>
               <a:t>)=e</a:t>
             </a:r>
             <a:r>
-              <a:rPr lang="en-IN" i="1" baseline="30000" dirty="0" smtClean="0"/>
+              <a:rPr lang="en-IN" sz="2200" i="1" baseline="30000" dirty="0" smtClean="0">
+                <a:latin typeface="Times New Roman" panose="02020603050405020304" pitchFamily="18" charset="0"/>
+                <a:cs typeface="Times New Roman" panose="02020603050405020304" pitchFamily="18" charset="0"/>
+              </a:rPr>
               <a:t>-100((x-0.5)^2+(y-0.5)^2)</a:t>
             </a:r>
             <a:r>
-              <a:rPr lang="en-IN" i="1" dirty="0" smtClean="0"/>
+              <a:rPr lang="en-IN" sz="2200" i="1" dirty="0" smtClean="0">
+                <a:latin typeface="Times New Roman" panose="02020603050405020304" pitchFamily="18" charset="0"/>
+                <a:cs typeface="Times New Roman" panose="02020603050405020304" pitchFamily="18" charset="0"/>
+              </a:rPr>
               <a:t>.</a:t>
             </a:r>
           </a:p>
           <a:p>
-            <a:endParaRPr lang="en-IN" dirty="0"/>
+            <a:endParaRPr lang="en-IN" sz="2200" dirty="0">
+              <a:latin typeface="Times New Roman" panose="02020603050405020304" pitchFamily="18" charset="0"/>
+              <a:cs typeface="Times New Roman" panose="02020603050405020304" pitchFamily="18" charset="0"/>
+            </a:endParaRPr>
           </a:p>
         </p:txBody>
       </p:sp>
@@ -5426,8 +6289,8 @@
         </p:blipFill>
         <p:spPr>
           <a:xfrm>
-            <a:off x="2109787" y="795337"/>
-            <a:ext cx="7972425" cy="2752725"/>
+            <a:off x="1457325" y="1237609"/>
+            <a:ext cx="9144000" cy="2752725"/>
           </a:xfrm>
           <a:prstGeom prst="rect">
             <a:avLst/>
@@ -5450,14 +6313,46 @@
         </p:blipFill>
         <p:spPr>
           <a:xfrm>
-            <a:off x="2109787" y="3548062"/>
-            <a:ext cx="8048625" cy="2762250"/>
+            <a:off x="1457325" y="4019566"/>
+            <a:ext cx="9144000" cy="2762250"/>
           </a:xfrm>
           <a:prstGeom prst="rect">
             <a:avLst/>
           </a:prstGeom>
         </p:spPr>
       </p:pic>
+      <p:sp>
+        <p:nvSpPr>
+          <p:cNvPr id="2" name="Rectangle 1"/>
+          <p:cNvSpPr/>
+          <p:nvPr/>
+        </p:nvSpPr>
+        <p:spPr>
+          <a:xfrm>
+            <a:off x="838200" y="165284"/>
+            <a:ext cx="10515600" cy="523220"/>
+          </a:xfrm>
+          <a:prstGeom prst="rect">
+            <a:avLst/>
+          </a:prstGeom>
+        </p:spPr>
+        <p:txBody>
+          <a:bodyPr wrap="square">
+            <a:spAutoFit/>
+          </a:bodyPr>
+          <a:lstStyle/>
+          <a:p>
+            <a:r>
+              <a:rPr lang="en-IN" sz="2800" b="1" dirty="0">
+                <a:latin typeface="Times New Roman" panose="02020603050405020304" pitchFamily="18" charset="0"/>
+                <a:cs typeface="Times New Roman" panose="02020603050405020304" pitchFamily="18" charset="0"/>
+              </a:rPr>
+              <a:t>Numerical comparison; Randomly Perturbed Uniform Meshes:</a:t>
+            </a:r>
+            <a:endParaRPr lang="en-IN" sz="2800" dirty="0"/>
+          </a:p>
+        </p:txBody>
+      </p:sp>
     </p:spTree>
     <p:extLst>
       <p:ext uri="{BB962C8B-B14F-4D97-AF65-F5344CB8AC3E}">
@@ -5513,8 +6408,8 @@
         </p:blipFill>
         <p:spPr>
           <a:xfrm>
-            <a:off x="1847850" y="650080"/>
-            <a:ext cx="8048625" cy="2750345"/>
+            <a:off x="1157288" y="778672"/>
+            <a:ext cx="9286875" cy="2836072"/>
           </a:xfrm>
           <a:prstGeom prst="rect">
             <a:avLst/>
@@ -5537,14 +6432,46 @@
         </p:blipFill>
         <p:spPr>
           <a:xfrm>
-            <a:off x="1766888" y="3400425"/>
-            <a:ext cx="8210550" cy="2838450"/>
+            <a:off x="1157287" y="3614744"/>
+            <a:ext cx="9286875" cy="2957505"/>
           </a:xfrm>
           <a:prstGeom prst="rect">
             <a:avLst/>
           </a:prstGeom>
         </p:spPr>
       </p:pic>
+      <p:sp>
+        <p:nvSpPr>
+          <p:cNvPr id="6" name="Rectangle 5"/>
+          <p:cNvSpPr/>
+          <p:nvPr/>
+        </p:nvSpPr>
+        <p:spPr>
+          <a:xfrm>
+            <a:off x="838200" y="165284"/>
+            <a:ext cx="10515600" cy="523220"/>
+          </a:xfrm>
+          <a:prstGeom prst="rect">
+            <a:avLst/>
+          </a:prstGeom>
+        </p:spPr>
+        <p:txBody>
+          <a:bodyPr wrap="square">
+            <a:spAutoFit/>
+          </a:bodyPr>
+          <a:lstStyle/>
+          <a:p>
+            <a:r>
+              <a:rPr lang="en-IN" sz="2800" b="1" dirty="0">
+                <a:latin typeface="Times New Roman" panose="02020603050405020304" pitchFamily="18" charset="0"/>
+                <a:cs typeface="Times New Roman" panose="02020603050405020304" pitchFamily="18" charset="0"/>
+              </a:rPr>
+              <a:t>Numerical comparison; Randomly Perturbed Uniform Meshes:</a:t>
+            </a:r>
+            <a:endParaRPr lang="en-IN" sz="2800" dirty="0"/>
+          </a:p>
+        </p:txBody>
+      </p:sp>
     </p:spTree>
     <p:extLst>
       <p:ext uri="{BB962C8B-B14F-4D97-AF65-F5344CB8AC3E}">
@@ -5594,17 +6521,34 @@
         </p:nvSpPr>
         <p:spPr>
           <a:xfrm>
-            <a:off x="838200" y="365126"/>
-            <a:ext cx="10515600" cy="349250"/>
+            <a:off x="738187" y="228608"/>
+            <a:ext cx="10515600" cy="485768"/>
           </a:xfrm>
         </p:spPr>
         <p:txBody>
           <a:bodyPr>
-            <a:normAutofit fontScale="90000"/>
+            <a:noAutofit/>
           </a:bodyPr>
           <a:lstStyle/>
           <a:p>
-            <a:endParaRPr lang="en-IN" dirty="0"/>
+            <a:r>
+              <a:rPr lang="en-IN" sz="2800" b="1" dirty="0">
+                <a:latin typeface="Times New Roman" panose="02020603050405020304" pitchFamily="18" charset="0"/>
+                <a:cs typeface="Times New Roman" panose="02020603050405020304" pitchFamily="18" charset="0"/>
+              </a:rPr>
+              <a:t>Numerical comparison; Randomly Perturbed Uniform Meshes</a:t>
+            </a:r>
+            <a:r>
+              <a:rPr lang="en-IN" sz="2800" b="1" dirty="0" smtClean="0">
+                <a:latin typeface="Times New Roman" panose="02020603050405020304" pitchFamily="18" charset="0"/>
+                <a:cs typeface="Times New Roman" panose="02020603050405020304" pitchFamily="18" charset="0"/>
+              </a:rPr>
+              <a:t>:</a:t>
+            </a:r>
+            <a:endParaRPr lang="en-IN" sz="2800" dirty="0">
+              <a:latin typeface="Times New Roman" panose="02020603050405020304" pitchFamily="18" charset="0"/>
+              <a:cs typeface="Times New Roman" panose="02020603050405020304" pitchFamily="18" charset="0"/>
+            </a:endParaRPr>
           </a:p>
         </p:txBody>
       </p:sp>
@@ -5620,8 +6564,8 @@
         </p:nvSpPr>
         <p:spPr>
           <a:xfrm>
-            <a:off x="838200" y="971550"/>
-            <a:ext cx="10515600" cy="5205413"/>
+            <a:off x="838200" y="714376"/>
+            <a:ext cx="10515600" cy="5462587"/>
           </a:xfrm>
         </p:spPr>
         <p:txBody>
@@ -5629,46 +6573,73 @@
           <a:lstStyle/>
           <a:p>
             <a:r>
-              <a:rPr lang="en-IN" dirty="0" smtClean="0"/>
+              <a:rPr lang="en-IN" sz="2200" dirty="0" smtClean="0">
+                <a:latin typeface="Times New Roman" panose="02020603050405020304" pitchFamily="18" charset="0"/>
+                <a:cs typeface="Times New Roman" panose="02020603050405020304" pitchFamily="18" charset="0"/>
+              </a:rPr>
               <a:t>For the test function: </a:t>
             </a:r>
             <a:r>
-              <a:rPr lang="en-IN" i="1" dirty="0" err="1" smtClean="0"/>
+              <a:rPr lang="en-IN" sz="2200" i="1" dirty="0" err="1" smtClean="0">
+                <a:latin typeface="Times New Roman" panose="02020603050405020304" pitchFamily="18" charset="0"/>
+                <a:cs typeface="Times New Roman" panose="02020603050405020304" pitchFamily="18" charset="0"/>
+              </a:rPr>
               <a:t>u</a:t>
             </a:r>
             <a:r>
-              <a:rPr lang="en-IN" i="1" baseline="-25000" dirty="0" err="1" smtClean="0"/>
+              <a:rPr lang="en-IN" sz="2200" i="1" baseline="-25000" dirty="0" err="1" smtClean="0">
+                <a:latin typeface="Times New Roman" panose="02020603050405020304" pitchFamily="18" charset="0"/>
+                <a:cs typeface="Times New Roman" panose="02020603050405020304" pitchFamily="18" charset="0"/>
+              </a:rPr>
               <a:t>BL</a:t>
             </a:r>
             <a:r>
-              <a:rPr lang="en-IN" i="1" dirty="0" smtClean="0"/>
+              <a:rPr lang="en-IN" sz="2200" i="1" dirty="0" smtClean="0">
+                <a:latin typeface="Times New Roman" panose="02020603050405020304" pitchFamily="18" charset="0"/>
+                <a:cs typeface="Times New Roman" panose="02020603050405020304" pitchFamily="18" charset="0"/>
+              </a:rPr>
               <a:t>(</a:t>
             </a:r>
             <a:r>
-              <a:rPr lang="en-IN" i="1" dirty="0" err="1" smtClean="0"/>
+              <a:rPr lang="en-IN" sz="2200" i="1" dirty="0" err="1" smtClean="0">
+                <a:latin typeface="Times New Roman" panose="02020603050405020304" pitchFamily="18" charset="0"/>
+                <a:cs typeface="Times New Roman" panose="02020603050405020304" pitchFamily="18" charset="0"/>
+              </a:rPr>
               <a:t>x,y</a:t>
             </a:r>
             <a:r>
-              <a:rPr lang="en-IN" i="1" dirty="0" smtClean="0"/>
+              <a:rPr lang="en-IN" sz="2200" i="1" dirty="0" smtClean="0">
+                <a:latin typeface="Times New Roman" panose="02020603050405020304" pitchFamily="18" charset="0"/>
+                <a:cs typeface="Times New Roman" panose="02020603050405020304" pitchFamily="18" charset="0"/>
+              </a:rPr>
               <a:t>)=e</a:t>
             </a:r>
             <a:r>
-              <a:rPr lang="en-IN" i="1" baseline="30000" dirty="0" smtClean="0"/>
+              <a:rPr lang="en-IN" sz="2200" i="1" baseline="30000" dirty="0" smtClean="0">
+                <a:latin typeface="Times New Roman" panose="02020603050405020304" pitchFamily="18" charset="0"/>
+                <a:cs typeface="Times New Roman" panose="02020603050405020304" pitchFamily="18" charset="0"/>
+              </a:rPr>
               <a:t>-25x</a:t>
             </a:r>
             <a:r>
-              <a:rPr lang="en-IN" i="1" dirty="0" smtClean="0"/>
+              <a:rPr lang="en-IN" sz="2200" i="1" dirty="0" smtClean="0">
+                <a:latin typeface="Times New Roman" panose="02020603050405020304" pitchFamily="18" charset="0"/>
+                <a:cs typeface="Times New Roman" panose="02020603050405020304" pitchFamily="18" charset="0"/>
+              </a:rPr>
               <a:t>+e</a:t>
             </a:r>
             <a:r>
-              <a:rPr lang="en-IN" i="1" baseline="30000" dirty="0" smtClean="0"/>
+              <a:rPr lang="en-IN" sz="2200" i="1" baseline="30000" dirty="0" smtClean="0">
+                <a:latin typeface="Times New Roman" panose="02020603050405020304" pitchFamily="18" charset="0"/>
+                <a:cs typeface="Times New Roman" panose="02020603050405020304" pitchFamily="18" charset="0"/>
+              </a:rPr>
               <a:t>-25y</a:t>
             </a:r>
             <a:r>
-              <a:rPr lang="en-IN" i="1" dirty="0" smtClean="0"/>
+              <a:rPr lang="en-IN" sz="2200" i="1" dirty="0" smtClean="0"/>
               <a:t>.</a:t>
             </a:r>
-            <a:endParaRPr lang="en-IN" dirty="0"/>
+            <a:endParaRPr lang="en-IN" sz="2200" dirty="0"/>
           </a:p>
         </p:txBody>
       </p:sp>
@@ -5688,8 +6659,8 @@
         </p:blipFill>
         <p:spPr>
           <a:xfrm>
-            <a:off x="2043112" y="1381122"/>
-            <a:ext cx="8105775" cy="2781300"/>
+            <a:off x="1271588" y="1223950"/>
+            <a:ext cx="9415461" cy="2781300"/>
           </a:xfrm>
           <a:prstGeom prst="rect">
             <a:avLst/>
@@ -5712,8 +6683,8 @@
         </p:blipFill>
         <p:spPr>
           <a:xfrm>
-            <a:off x="2043112" y="4148130"/>
-            <a:ext cx="8220075" cy="2771775"/>
+            <a:off x="1271588" y="4062402"/>
+            <a:ext cx="9415461" cy="2771775"/>
           </a:xfrm>
           <a:prstGeom prst="rect">
             <a:avLst/>
@@ -5769,17 +6740,27 @@
         </p:nvSpPr>
         <p:spPr>
           <a:xfrm>
-            <a:off x="838200" y="365125"/>
-            <a:ext cx="10515600" cy="263525"/>
+            <a:off x="838200" y="1"/>
+            <a:ext cx="10515600" cy="628650"/>
           </a:xfrm>
         </p:spPr>
         <p:txBody>
           <a:bodyPr>
-            <a:normAutofit fontScale="90000"/>
+            <a:noAutofit/>
           </a:bodyPr>
           <a:lstStyle/>
           <a:p>
-            <a:endParaRPr lang="en-IN" dirty="0"/>
+            <a:r>
+              <a:rPr lang="en-IN" sz="2800" b="1" dirty="0">
+                <a:latin typeface="Times New Roman" panose="02020603050405020304" pitchFamily="18" charset="0"/>
+                <a:cs typeface="Times New Roman" panose="02020603050405020304" pitchFamily="18" charset="0"/>
+              </a:rPr>
+              <a:t>Numerical comparison; Randomly Perturbed Uniform Meshes:</a:t>
+            </a:r>
+            <a:endParaRPr lang="en-IN" sz="2800" dirty="0">
+              <a:latin typeface="Times New Roman" panose="02020603050405020304" pitchFamily="18" charset="0"/>
+              <a:cs typeface="Times New Roman" panose="02020603050405020304" pitchFamily="18" charset="0"/>
+            </a:endParaRPr>
           </a:p>
         </p:txBody>
       </p:sp>
@@ -5795,18 +6776,17 @@
         </p:nvSpPr>
         <p:spPr>
           <a:xfrm>
-            <a:off x="838200" y="828675"/>
-            <a:ext cx="10515600" cy="5348288"/>
+            <a:off x="838200" y="628650"/>
+            <a:ext cx="10515600" cy="6229349"/>
           </a:xfrm>
         </p:spPr>
         <p:txBody>
           <a:bodyPr/>
           <a:lstStyle/>
           <a:p>
-            <a:r>
-              <a:rPr lang="en-IN" dirty="0" smtClean="0"/>
-              <a:t> </a:t>
-            </a:r>
+            <a:pPr marL="0" indent="0">
+              <a:buNone/>
+            </a:pPr>
             <a:endParaRPr lang="en-IN" dirty="0"/>
           </a:p>
         </p:txBody>
@@ -5827,8 +6807,8 @@
         </p:blipFill>
         <p:spPr>
           <a:xfrm>
-            <a:off x="2066925" y="971549"/>
-            <a:ext cx="8058150" cy="2771775"/>
+            <a:off x="1171575" y="628651"/>
+            <a:ext cx="8953500" cy="3028945"/>
           </a:xfrm>
           <a:prstGeom prst="rect">
             <a:avLst/>
@@ -5851,8 +6831,8 @@
         </p:blipFill>
         <p:spPr>
           <a:xfrm>
-            <a:off x="2090733" y="3743324"/>
-            <a:ext cx="8096250" cy="2771775"/>
+            <a:off x="1171575" y="3657596"/>
+            <a:ext cx="9015408" cy="3014667"/>
           </a:xfrm>
           <a:prstGeom prst="rect">
             <a:avLst/>
@@ -5869,6 +6849,13 @@
   <p:clrMapOvr>
     <a:masterClrMapping/>
   </p:clrMapOvr>
+  <p:timing>
+    <p:tnLst>
+      <p:par>
+        <p:cTn id="1" dur="indefinite" restart="never" nodeType="tmRoot"/>
+      </p:par>
+    </p:tnLst>
+  </p:timing>
 </p:sld>
 </file>
 
@@ -5901,17 +6888,27 @@
         </p:nvSpPr>
         <p:spPr>
           <a:xfrm>
-            <a:off x="838200" y="365126"/>
-            <a:ext cx="10515600" cy="420688"/>
+            <a:off x="838200" y="204788"/>
+            <a:ext cx="10515600" cy="581025"/>
           </a:xfrm>
         </p:spPr>
         <p:txBody>
           <a:bodyPr>
-            <a:normAutofit fontScale="90000"/>
+            <a:noAutofit/>
           </a:bodyPr>
           <a:lstStyle/>
           <a:p>
-            <a:endParaRPr lang="en-IN" dirty="0"/>
+            <a:r>
+              <a:rPr lang="en-IN" sz="2800" b="1" dirty="0">
+                <a:latin typeface="Times New Roman" panose="02020603050405020304" pitchFamily="18" charset="0"/>
+                <a:cs typeface="Times New Roman" panose="02020603050405020304" pitchFamily="18" charset="0"/>
+              </a:rPr>
+              <a:t>Numerical comparison; Randomly Perturbed Uniform Meshes:</a:t>
+            </a:r>
+            <a:endParaRPr lang="en-IN" sz="2800" dirty="0">
+              <a:latin typeface="Times New Roman" panose="02020603050405020304" pitchFamily="18" charset="0"/>
+              <a:cs typeface="Times New Roman" panose="02020603050405020304" pitchFamily="18" charset="0"/>
+            </a:endParaRPr>
           </a:p>
         </p:txBody>
       </p:sp>
@@ -5927,8 +6924,8 @@
         </p:nvSpPr>
         <p:spPr>
           <a:xfrm>
-            <a:off x="838200" y="971550"/>
-            <a:ext cx="10515600" cy="5119688"/>
+            <a:off x="838200" y="785813"/>
+            <a:ext cx="10515600" cy="5305425"/>
           </a:xfrm>
         </p:spPr>
         <p:txBody>
@@ -5936,43 +6933,73 @@
           <a:lstStyle/>
           <a:p>
             <a:r>
-              <a:rPr lang="en-IN" dirty="0" smtClean="0"/>
+              <a:rPr lang="en-IN" sz="2200" dirty="0" smtClean="0">
+                <a:latin typeface="Times New Roman" panose="02020603050405020304" pitchFamily="18" charset="0"/>
+                <a:cs typeface="Times New Roman" panose="02020603050405020304" pitchFamily="18" charset="0"/>
+              </a:rPr>
               <a:t>For the test function: </a:t>
             </a:r>
             <a:r>
-              <a:rPr lang="en-IN" i="1" dirty="0" err="1" smtClean="0"/>
+              <a:rPr lang="en-IN" sz="2200" i="1" dirty="0" err="1" smtClean="0">
+                <a:latin typeface="Times New Roman" panose="02020603050405020304" pitchFamily="18" charset="0"/>
+                <a:cs typeface="Times New Roman" panose="02020603050405020304" pitchFamily="18" charset="0"/>
+              </a:rPr>
               <a:t>u</a:t>
             </a:r>
             <a:r>
-              <a:rPr lang="en-IN" i="1" baseline="-25000" dirty="0" err="1" smtClean="0"/>
+              <a:rPr lang="en-IN" sz="2200" i="1" baseline="-25000" dirty="0" err="1" smtClean="0">
+                <a:latin typeface="Times New Roman" panose="02020603050405020304" pitchFamily="18" charset="0"/>
+                <a:cs typeface="Times New Roman" panose="02020603050405020304" pitchFamily="18" charset="0"/>
+              </a:rPr>
               <a:t>HT</a:t>
             </a:r>
             <a:r>
-              <a:rPr lang="en-IN" i="1" dirty="0" smtClean="0"/>
+              <a:rPr lang="en-IN" sz="2200" i="1" dirty="0" smtClean="0">
+                <a:latin typeface="Times New Roman" panose="02020603050405020304" pitchFamily="18" charset="0"/>
+                <a:cs typeface="Times New Roman" panose="02020603050405020304" pitchFamily="18" charset="0"/>
+              </a:rPr>
               <a:t>(</a:t>
             </a:r>
             <a:r>
-              <a:rPr lang="en-IN" i="1" dirty="0" err="1" smtClean="0"/>
+              <a:rPr lang="en-IN" sz="2200" i="1" dirty="0" err="1" smtClean="0">
+                <a:latin typeface="Times New Roman" panose="02020603050405020304" pitchFamily="18" charset="0"/>
+                <a:cs typeface="Times New Roman" panose="02020603050405020304" pitchFamily="18" charset="0"/>
+              </a:rPr>
               <a:t>x,y</a:t>
             </a:r>
             <a:r>
-              <a:rPr lang="en-IN" i="1" dirty="0" smtClean="0"/>
+              <a:rPr lang="en-IN" sz="2200" i="1" dirty="0" smtClean="0">
+                <a:latin typeface="Times New Roman" panose="02020603050405020304" pitchFamily="18" charset="0"/>
+                <a:cs typeface="Times New Roman" panose="02020603050405020304" pitchFamily="18" charset="0"/>
+              </a:rPr>
               <a:t>)=</a:t>
             </a:r>
             <a:r>
-              <a:rPr lang="en-IN" i="1" dirty="0" err="1" smtClean="0"/>
+              <a:rPr lang="en-IN" sz="2200" i="1" dirty="0" err="1" smtClean="0">
+                <a:latin typeface="Times New Roman" panose="02020603050405020304" pitchFamily="18" charset="0"/>
+                <a:cs typeface="Times New Roman" panose="02020603050405020304" pitchFamily="18" charset="0"/>
+              </a:rPr>
               <a:t>tanh</a:t>
             </a:r>
             <a:r>
-              <a:rPr lang="en-IN" i="1" dirty="0" smtClean="0"/>
+              <a:rPr lang="en-IN" sz="2200" i="1" dirty="0" smtClean="0">
+                <a:latin typeface="Times New Roman" panose="02020603050405020304" pitchFamily="18" charset="0"/>
+                <a:cs typeface="Times New Roman" panose="02020603050405020304" pitchFamily="18" charset="0"/>
+              </a:rPr>
               <a:t>(6y)-</a:t>
             </a:r>
             <a:r>
-              <a:rPr lang="en-IN" i="1" dirty="0" err="1" smtClean="0"/>
+              <a:rPr lang="en-IN" sz="2200" i="1" dirty="0" err="1" smtClean="0">
+                <a:latin typeface="Times New Roman" panose="02020603050405020304" pitchFamily="18" charset="0"/>
+                <a:cs typeface="Times New Roman" panose="02020603050405020304" pitchFamily="18" charset="0"/>
+              </a:rPr>
               <a:t>tanh</a:t>
             </a:r>
             <a:r>
-              <a:rPr lang="en-IN" i="1" dirty="0" smtClean="0"/>
+              <a:rPr lang="en-IN" sz="2200" i="1" dirty="0" smtClean="0">
+                <a:latin typeface="Times New Roman" panose="02020603050405020304" pitchFamily="18" charset="0"/>
+                <a:cs typeface="Times New Roman" panose="02020603050405020304" pitchFamily="18" charset="0"/>
+              </a:rPr>
               <a:t>(6(x-y)-3).</a:t>
             </a:r>
           </a:p>
@@ -5997,8 +7024,8 @@
         </p:blipFill>
         <p:spPr>
           <a:xfrm>
-            <a:off x="2076450" y="1395409"/>
-            <a:ext cx="8039100" cy="2809875"/>
+            <a:off x="1171575" y="1228725"/>
+            <a:ext cx="9686925" cy="2976559"/>
           </a:xfrm>
           <a:prstGeom prst="rect">
             <a:avLst/>
@@ -6021,8 +7048,8 @@
         </p:blipFill>
         <p:spPr>
           <a:xfrm>
-            <a:off x="2076450" y="4095750"/>
-            <a:ext cx="8001000" cy="2762250"/>
+            <a:off x="1171575" y="4110038"/>
+            <a:ext cx="9686925" cy="2762250"/>
           </a:xfrm>
           <a:prstGeom prst="rect">
             <a:avLst/>
@@ -6078,17 +7105,24 @@
         </p:nvSpPr>
         <p:spPr>
           <a:xfrm>
-            <a:off x="838200" y="365125"/>
+            <a:off x="695325" y="246856"/>
             <a:ext cx="10515600" cy="506413"/>
           </a:xfrm>
         </p:spPr>
         <p:txBody>
           <a:bodyPr>
-            <a:normAutofit fontScale="90000"/>
+            <a:normAutofit/>
           </a:bodyPr>
           <a:lstStyle/>
           <a:p>
-            <a:endParaRPr lang="en-IN" dirty="0"/>
+            <a:r>
+              <a:rPr lang="en-IN" sz="2800" b="1" dirty="0">
+                <a:latin typeface="Times New Roman" panose="02020603050405020304" pitchFamily="18" charset="0"/>
+                <a:cs typeface="Times New Roman" panose="02020603050405020304" pitchFamily="18" charset="0"/>
+              </a:rPr>
+              <a:t>Numerical comparison; Randomly Perturbed Uniform Meshes:</a:t>
+            </a:r>
+            <a:endParaRPr lang="en-IN" sz="2800" dirty="0"/>
           </a:p>
         </p:txBody>
       </p:sp>
@@ -6112,6 +7146,9 @@
           <a:bodyPr/>
           <a:lstStyle/>
           <a:p>
+            <a:pPr marL="0" indent="0">
+              <a:buNone/>
+            </a:pPr>
             <a:r>
               <a:rPr lang="en-IN" dirty="0" smtClean="0"/>
               <a:t> </a:t>
@@ -6136,8 +7173,8 @@
         </p:blipFill>
         <p:spPr>
           <a:xfrm>
-            <a:off x="1819275" y="1042988"/>
-            <a:ext cx="8267700" cy="5676900"/>
+            <a:off x="1116806" y="942972"/>
+            <a:ext cx="9672637" cy="5915028"/>
           </a:xfrm>
           <a:prstGeom prst="rect">
             <a:avLst/>
@@ -6193,7 +7230,7 @@
         </p:nvSpPr>
         <p:spPr>
           <a:xfrm>
-            <a:off x="838200" y="365126"/>
+            <a:off x="838200" y="165101"/>
             <a:ext cx="10515600" cy="763588"/>
           </a:xfrm>
         </p:spPr>
@@ -6202,10 +7239,30 @@
           <a:lstStyle/>
           <a:p>
             <a:r>
-              <a:rPr lang="en-IN" sz="3200" b="1" dirty="0" smtClean="0"/>
-              <a:t>Delaunay Meshes:</a:t>
-            </a:r>
-            <a:endParaRPr lang="en-IN" sz="3200" b="1" dirty="0"/>
+              <a:rPr lang="en-IN" sz="3200" b="1" dirty="0">
+                <a:latin typeface="Times New Roman" panose="02020603050405020304" pitchFamily="18" charset="0"/>
+                <a:cs typeface="Times New Roman" panose="02020603050405020304" pitchFamily="18" charset="0"/>
+              </a:rPr>
+              <a:t>Numerical comparison; </a:t>
+            </a:r>
+            <a:r>
+              <a:rPr lang="en-IN" sz="3200" b="1" dirty="0" smtClean="0">
+                <a:latin typeface="Times New Roman" panose="02020603050405020304" pitchFamily="18" charset="0"/>
+                <a:cs typeface="Times New Roman" panose="02020603050405020304" pitchFamily="18" charset="0"/>
+              </a:rPr>
+              <a:t>Delaunay </a:t>
+            </a:r>
+            <a:r>
+              <a:rPr lang="en-IN" sz="3200" b="1" dirty="0" smtClean="0">
+                <a:latin typeface="Times New Roman" panose="02020603050405020304" pitchFamily="18" charset="0"/>
+                <a:cs typeface="Times New Roman" panose="02020603050405020304" pitchFamily="18" charset="0"/>
+              </a:rPr>
+              <a:t>Meshes:</a:t>
+            </a:r>
+            <a:endParaRPr lang="en-IN" sz="3200" b="1" dirty="0">
+              <a:latin typeface="Times New Roman" panose="02020603050405020304" pitchFamily="18" charset="0"/>
+              <a:cs typeface="Times New Roman" panose="02020603050405020304" pitchFamily="18" charset="0"/>
+            </a:endParaRPr>
           </a:p>
         </p:txBody>
       </p:sp>
@@ -6221,7 +7278,7 @@
         </p:nvSpPr>
         <p:spPr>
           <a:xfrm>
-            <a:off x="838200" y="1128714"/>
+            <a:off x="707231" y="928689"/>
             <a:ext cx="10515600" cy="5048249"/>
           </a:xfrm>
         </p:spPr>
@@ -6232,44 +7289,85 @@
           <a:lstStyle/>
           <a:p>
             <a:r>
-              <a:rPr lang="en-IN" sz="2200" dirty="0" smtClean="0"/>
-              <a:t> It can be observed that Hessian recovery results for Delaunay meshes are identical to results obtained on mildly perturbed meshes. Delaunay meshes as well as 5% randomly perturbed meshes are both non-uniform but still well-shaped. </a:t>
-            </a:r>
-          </a:p>
-          <a:p>
-            <a:r>
-              <a:rPr lang="en-IN" sz="2200" dirty="0" smtClean="0"/>
-              <a:t>QLS is the only method to converge with an approximate convergence rate of O(n</a:t>
-            </a:r>
-            <a:r>
-              <a:rPr lang="en-IN" sz="2200" baseline="30000" dirty="0" smtClean="0"/>
+              <a:rPr lang="en-IN" sz="2200" dirty="0" smtClean="0">
+                <a:latin typeface="Times New Roman" panose="02020603050405020304" pitchFamily="18" charset="0"/>
+                <a:cs typeface="Times New Roman" panose="02020603050405020304" pitchFamily="18" charset="0"/>
+              </a:rPr>
+              <a:t>It </a:t>
+            </a:r>
+            <a:r>
+              <a:rPr lang="en-IN" sz="2200" dirty="0" smtClean="0">
+                <a:latin typeface="Times New Roman" panose="02020603050405020304" pitchFamily="18" charset="0"/>
+                <a:cs typeface="Times New Roman" panose="02020603050405020304" pitchFamily="18" charset="0"/>
+              </a:rPr>
+              <a:t>can be observed that Hessian recovery results for Delaunay meshes are identical to results obtained on mildly perturbed meshes. Delaunay meshes as well as 5% randomly perturbed meshes are both non-uniform but still well-shaped. </a:t>
+            </a:r>
+          </a:p>
+          <a:p>
+            <a:r>
+              <a:rPr lang="en-IN" sz="2200" dirty="0" smtClean="0">
+                <a:latin typeface="Times New Roman" panose="02020603050405020304" pitchFamily="18" charset="0"/>
+                <a:cs typeface="Times New Roman" panose="02020603050405020304" pitchFamily="18" charset="0"/>
+              </a:rPr>
+              <a:t>QLS is the only method to converge with an approximate convergence rate </a:t>
+            </a:r>
+            <a:r>
+              <a:rPr lang="en-IN" sz="2200" dirty="0" smtClean="0">
+                <a:latin typeface="Times New Roman" panose="02020603050405020304" pitchFamily="18" charset="0"/>
+                <a:cs typeface="Times New Roman" panose="02020603050405020304" pitchFamily="18" charset="0"/>
+              </a:rPr>
+              <a:t>of O(n</a:t>
+            </a:r>
+            <a:r>
+              <a:rPr lang="en-IN" sz="2200" baseline="30000" dirty="0" smtClean="0">
+                <a:latin typeface="Times New Roman" panose="02020603050405020304" pitchFamily="18" charset="0"/>
+                <a:cs typeface="Times New Roman" panose="02020603050405020304" pitchFamily="18" charset="0"/>
+              </a:rPr>
               <a:t>-2/3</a:t>
             </a:r>
             <a:r>
-              <a:rPr lang="en-IN" sz="2200" dirty="0" smtClean="0"/>
-              <a:t>)≈O(</a:t>
-            </a:r>
-            <a:r>
-              <a:rPr lang="en-IN" sz="2200" i="1" dirty="0" smtClean="0"/>
+              <a:rPr lang="en-IN" sz="2200" dirty="0" smtClean="0">
+                <a:latin typeface="Times New Roman" panose="02020603050405020304" pitchFamily="18" charset="0"/>
+                <a:cs typeface="Times New Roman" panose="02020603050405020304" pitchFamily="18" charset="0"/>
+              </a:rPr>
+              <a:t>) ≈ O(</a:t>
+            </a:r>
+            <a:r>
+              <a:rPr lang="en-IN" sz="2200" i="1" dirty="0" smtClean="0">
+                <a:latin typeface="Times New Roman" panose="02020603050405020304" pitchFamily="18" charset="0"/>
+                <a:cs typeface="Times New Roman" panose="02020603050405020304" pitchFamily="18" charset="0"/>
+              </a:rPr>
               <a:t>h</a:t>
             </a:r>
             <a:r>
-              <a:rPr lang="en-IN" sz="2200" baseline="30000" dirty="0" smtClean="0"/>
+              <a:rPr lang="en-IN" sz="2200" baseline="30000" dirty="0" smtClean="0">
+                <a:latin typeface="Times New Roman" panose="02020603050405020304" pitchFamily="18" charset="0"/>
+                <a:cs typeface="Times New Roman" panose="02020603050405020304" pitchFamily="18" charset="0"/>
+              </a:rPr>
               <a:t>4/3</a:t>
             </a:r>
             <a:r>
-              <a:rPr lang="en-IN" sz="2200" dirty="0" smtClean="0"/>
+              <a:rPr lang="en-IN" sz="2200" dirty="0" smtClean="0">
+                <a:latin typeface="Times New Roman" panose="02020603050405020304" pitchFamily="18" charset="0"/>
+                <a:cs typeface="Times New Roman" panose="02020603050405020304" pitchFamily="18" charset="0"/>
+              </a:rPr>
               <a:t>).</a:t>
             </a:r>
           </a:p>
           <a:p>
             <a:r>
-              <a:rPr lang="en-IN" sz="2200" dirty="0" smtClean="0"/>
+              <a:rPr lang="en-IN" sz="2200" dirty="0" smtClean="0">
+                <a:latin typeface="Times New Roman" panose="02020603050405020304" pitchFamily="18" charset="0"/>
+                <a:cs typeface="Times New Roman" panose="02020603050405020304" pitchFamily="18" charset="0"/>
+              </a:rPr>
               <a:t>For other methods no improvement is achieved after some initial steps.</a:t>
             </a:r>
           </a:p>
           <a:p>
-            <a:endParaRPr lang="en-IN" sz="2200" dirty="0"/>
+            <a:endParaRPr lang="en-IN" sz="2200" dirty="0">
+              <a:latin typeface="Times New Roman" panose="02020603050405020304" pitchFamily="18" charset="0"/>
+              <a:cs typeface="Times New Roman" panose="02020603050405020304" pitchFamily="18" charset="0"/>
+            </a:endParaRPr>
           </a:p>
         </p:txBody>
       </p:sp>
@@ -6289,8 +7387,8 @@
         </p:blipFill>
         <p:spPr>
           <a:xfrm>
-            <a:off x="1757360" y="3538534"/>
-            <a:ext cx="8534400" cy="3057525"/>
+            <a:off x="1285874" y="3100388"/>
+            <a:ext cx="9358313" cy="3328987"/>
           </a:xfrm>
           <a:prstGeom prst="rect">
             <a:avLst/>
@@ -6307,6 +7405,13 @@
   <p:clrMapOvr>
     <a:masterClrMapping/>
   </p:clrMapOvr>
+  <p:timing>
+    <p:tnLst>
+      <p:par>
+        <p:cTn id="1" dur="indefinite" restart="never" nodeType="tmRoot"/>
+      </p:par>
+    </p:tnLst>
+  </p:timing>
 </p:sld>
 </file>
 
@@ -6345,11 +7450,18 @@
         </p:spPr>
         <p:txBody>
           <a:bodyPr>
-            <a:normAutofit fontScale="90000"/>
+            <a:noAutofit/>
           </a:bodyPr>
           <a:lstStyle/>
           <a:p>
-            <a:endParaRPr lang="en-IN" dirty="0"/>
+            <a:r>
+              <a:rPr lang="en-IN" sz="3200" b="1" dirty="0">
+                <a:latin typeface="Times New Roman" panose="02020603050405020304" pitchFamily="18" charset="0"/>
+                <a:cs typeface="Times New Roman" panose="02020603050405020304" pitchFamily="18" charset="0"/>
+              </a:rPr>
+              <a:t>Numerical comparison; Delaunay Meshes:</a:t>
+            </a:r>
+            <a:endParaRPr lang="en-IN" sz="3200" dirty="0"/>
           </a:p>
         </p:txBody>
       </p:sp>
@@ -6396,8 +7508,8 @@
         </p:blipFill>
         <p:spPr>
           <a:xfrm>
-            <a:off x="1528763" y="1752600"/>
-            <a:ext cx="9515475" cy="3886200"/>
+            <a:off x="838200" y="1485899"/>
+            <a:ext cx="10515600" cy="4314825"/>
           </a:xfrm>
           <a:prstGeom prst="rect">
             <a:avLst/>
@@ -6453,19 +7565,41 @@
         </p:nvSpPr>
         <p:spPr>
           <a:xfrm>
-            <a:off x="838200" y="365126"/>
-            <a:ext cx="10515600" cy="863600"/>
+            <a:off x="909637" y="179389"/>
+            <a:ext cx="10515600" cy="677861"/>
           </a:xfrm>
         </p:spPr>
         <p:txBody>
-          <a:bodyPr/>
+          <a:bodyPr>
+            <a:normAutofit/>
+          </a:bodyPr>
           <a:lstStyle/>
           <a:p>
             <a:r>
-              <a:rPr lang="en-IN" b="1" dirty="0" smtClean="0"/>
-              <a:t>Adaptive Meshes:</a:t>
-            </a:r>
-            <a:endParaRPr lang="en-IN" b="1" dirty="0"/>
+              <a:rPr lang="en-IN" sz="3200" b="1" dirty="0">
+                <a:latin typeface="Times New Roman" panose="02020603050405020304" pitchFamily="18" charset="0"/>
+                <a:cs typeface="Times New Roman" panose="02020603050405020304" pitchFamily="18" charset="0"/>
+              </a:rPr>
+              <a:t>Numerical comparison; </a:t>
+            </a:r>
+            <a:r>
+              <a:rPr lang="en-IN" sz="3200" b="1" dirty="0" smtClean="0">
+                <a:latin typeface="Times New Roman" panose="02020603050405020304" pitchFamily="18" charset="0"/>
+                <a:cs typeface="Times New Roman" panose="02020603050405020304" pitchFamily="18" charset="0"/>
+              </a:rPr>
+              <a:t>Adaptive </a:t>
+            </a:r>
+            <a:r>
+              <a:rPr lang="en-IN" sz="3200" b="1" dirty="0" smtClean="0">
+                <a:latin typeface="Times New Roman" panose="02020603050405020304" pitchFamily="18" charset="0"/>
+                <a:cs typeface="Times New Roman" panose="02020603050405020304" pitchFamily="18" charset="0"/>
+              </a:rPr>
+              <a:t>Meshes:</a:t>
+            </a:r>
+            <a:endParaRPr lang="en-IN" sz="3200" b="1" dirty="0">
+              <a:latin typeface="Times New Roman" panose="02020603050405020304" pitchFamily="18" charset="0"/>
+              <a:cs typeface="Times New Roman" panose="02020603050405020304" pitchFamily="18" charset="0"/>
+            </a:endParaRPr>
           </a:p>
         </p:txBody>
       </p:sp>
@@ -6487,8 +7621,8 @@
         </p:blipFill>
         <p:spPr>
           <a:xfrm>
-            <a:off x="2671763" y="1228726"/>
-            <a:ext cx="6800850" cy="5114924"/>
+            <a:off x="1343025" y="857250"/>
+            <a:ext cx="7858125" cy="5743574"/>
           </a:xfrm>
           <a:prstGeom prst="rect">
             <a:avLst/>
@@ -6544,17 +7678,24 @@
         </p:nvSpPr>
         <p:spPr>
           <a:xfrm>
-            <a:off x="838200" y="365125"/>
+            <a:off x="595313" y="139701"/>
             <a:ext cx="10515600" cy="549275"/>
           </a:xfrm>
         </p:spPr>
         <p:txBody>
           <a:bodyPr>
-            <a:normAutofit fontScale="90000"/>
+            <a:normAutofit/>
           </a:bodyPr>
           <a:lstStyle/>
           <a:p>
-            <a:endParaRPr lang="en-IN" dirty="0"/>
+            <a:r>
+              <a:rPr lang="en-IN" sz="3200" b="1" dirty="0">
+                <a:latin typeface="Times New Roman" panose="02020603050405020304" pitchFamily="18" charset="0"/>
+                <a:cs typeface="Times New Roman" panose="02020603050405020304" pitchFamily="18" charset="0"/>
+              </a:rPr>
+              <a:t>Numerical comparison; Adaptive Meshes:</a:t>
+            </a:r>
+            <a:endParaRPr lang="en-IN" sz="3200" dirty="0"/>
           </a:p>
         </p:txBody>
       </p:sp>
@@ -6570,19 +7711,42 @@
         </p:nvSpPr>
         <p:spPr>
           <a:xfrm>
-            <a:off x="838200" y="1171575"/>
-            <a:ext cx="10515600" cy="5005388"/>
+            <a:off x="595313" y="688976"/>
+            <a:ext cx="10515600" cy="5487988"/>
           </a:xfrm>
         </p:spPr>
         <p:txBody>
-          <a:bodyPr/>
+          <a:bodyPr>
+            <a:normAutofit/>
+          </a:bodyPr>
           <a:lstStyle/>
           <a:p>
-            <a:r>
-              <a:rPr lang="en-IN" dirty="0" smtClean="0"/>
-              <a:t> </a:t>
-            </a:r>
-            <a:endParaRPr lang="en-IN" dirty="0"/>
+            <a:pPr marL="216000">
+              <a:spcBef>
+                <a:spcPts val="600"/>
+              </a:spcBef>
+            </a:pPr>
+            <a:r>
+              <a:rPr lang="en-IN" sz="2200" dirty="0">
+                <a:latin typeface="Times New Roman" panose="02020603050405020304" pitchFamily="18" charset="0"/>
+                <a:cs typeface="Times New Roman" panose="02020603050405020304" pitchFamily="18" charset="0"/>
+              </a:rPr>
+              <a:t>QLS is exact for quadratic </a:t>
+            </a:r>
+            <a:r>
+              <a:rPr lang="en-IN" sz="2200" dirty="0" smtClean="0">
+                <a:latin typeface="Times New Roman" panose="02020603050405020304" pitchFamily="18" charset="0"/>
+                <a:cs typeface="Times New Roman" panose="02020603050405020304" pitchFamily="18" charset="0"/>
+              </a:rPr>
+              <a:t>function. For </a:t>
+            </a:r>
+            <a:r>
+              <a:rPr lang="en-IN" sz="2200" dirty="0">
+                <a:latin typeface="Times New Roman" panose="02020603050405020304" pitchFamily="18" charset="0"/>
+                <a:cs typeface="Times New Roman" panose="02020603050405020304" pitchFamily="18" charset="0"/>
+              </a:rPr>
+              <a:t>other functions, QLS provides a convergent recovery and a smaller error than on Delaunay meshes(specially for boundary layer and anisotropic function).</a:t>
+            </a:r>
           </a:p>
         </p:txBody>
       </p:sp>
@@ -6602,8 +7766,8 @@
         </p:blipFill>
         <p:spPr>
           <a:xfrm>
-            <a:off x="2586037" y="1171575"/>
-            <a:ext cx="7019925" cy="5648325"/>
+            <a:off x="1196579" y="1657349"/>
+            <a:ext cx="9313068" cy="5305425"/>
           </a:xfrm>
           <a:prstGeom prst="rect">
             <a:avLst/>
@@ -6620,6 +7784,13 @@
   <p:clrMapOvr>
     <a:masterClrMapping/>
   </p:clrMapOvr>
+  <p:timing>
+    <p:tnLst>
+      <p:par>
+        <p:cTn id="1" dur="indefinite" restart="never" nodeType="tmRoot"/>
+      </p:par>
+    </p:tnLst>
+  </p:timing>
 </p:sld>
 </file>
 
@@ -6656,18 +7827,16 @@
           <a:lstStyle/>
           <a:p>
             <a:r>
-              <a:rPr lang="en-IN" dirty="0" smtClean="0"/>
-              <a:t>Why Hessian based </a:t>
-            </a:r>
-            <a:r>
-              <a:rPr lang="en-IN" dirty="0" err="1" smtClean="0"/>
-              <a:t>adaptivity</a:t>
-            </a:r>
-            <a:r>
-              <a:rPr lang="en-IN" dirty="0" smtClean="0"/>
-              <a:t>?[1]</a:t>
-            </a:r>
-            <a:endParaRPr lang="en-IN" dirty="0"/>
+              <a:rPr lang="en-IN" sz="3200" b="1" dirty="0" smtClean="0">
+                <a:latin typeface="Times New Roman" panose="02020603050405020304" pitchFamily="18" charset="0"/>
+                <a:cs typeface="Times New Roman" panose="02020603050405020304" pitchFamily="18" charset="0"/>
+              </a:rPr>
+              <a:t>Why Hessian based adaptivity?[1]</a:t>
+            </a:r>
+            <a:endParaRPr lang="en-IN" sz="3200" b="1" dirty="0">
+              <a:latin typeface="Times New Roman" panose="02020603050405020304" pitchFamily="18" charset="0"/>
+              <a:cs typeface="Times New Roman" panose="02020603050405020304" pitchFamily="18" charset="0"/>
+            </a:endParaRPr>
           </a:p>
         </p:txBody>
       </p:sp>
@@ -6688,49 +7857,99 @@
           </a:bodyPr>
           <a:lstStyle/>
           <a:p>
-            <a:r>
-              <a:rPr lang="en-IN" dirty="0" smtClean="0"/>
+            <a:pPr>
+              <a:lnSpc>
+                <a:spcPct val="100000"/>
+              </a:lnSpc>
+            </a:pPr>
+            <a:r>
+              <a:rPr lang="en-IN" dirty="0" smtClean="0">
+                <a:latin typeface="Times New Roman" panose="02020603050405020304" pitchFamily="18" charset="0"/>
+                <a:cs typeface="Times New Roman" panose="02020603050405020304" pitchFamily="18" charset="0"/>
+              </a:rPr>
               <a:t>It is independent of the specific problem being solved.</a:t>
             </a:r>
           </a:p>
           <a:p>
-            <a:r>
-              <a:rPr lang="en-IN" dirty="0" smtClean="0"/>
+            <a:pPr>
+              <a:lnSpc>
+                <a:spcPct val="100000"/>
+              </a:lnSpc>
+            </a:pPr>
+            <a:r>
+              <a:rPr lang="en-IN" dirty="0" smtClean="0">
+                <a:latin typeface="Times New Roman" panose="02020603050405020304" pitchFamily="18" charset="0"/>
+                <a:cs typeface="Times New Roman" panose="02020603050405020304" pitchFamily="18" charset="0"/>
+              </a:rPr>
               <a:t>It provides stretched meshes to capture boundary and internal layers</a:t>
             </a:r>
           </a:p>
           <a:p>
-            <a:r>
-              <a:rPr lang="en-IN" dirty="0" smtClean="0"/>
+            <a:pPr>
+              <a:lnSpc>
+                <a:spcPct val="100000"/>
+              </a:lnSpc>
+            </a:pPr>
+            <a:r>
+              <a:rPr lang="en-IN" dirty="0" smtClean="0">
+                <a:latin typeface="Times New Roman" panose="02020603050405020304" pitchFamily="18" charset="0"/>
+                <a:cs typeface="Times New Roman" panose="02020603050405020304" pitchFamily="18" charset="0"/>
+              </a:rPr>
               <a:t>The idea of governing the mesh generation process by an auxiliary non Euclidean metric, which does not obtuse angles, results in that the meshes can indeed be built automatically.</a:t>
             </a:r>
           </a:p>
           <a:p>
-            <a:r>
-              <a:rPr lang="en-IN" dirty="0"/>
+            <a:pPr>
+              <a:lnSpc>
+                <a:spcPct val="100000"/>
+              </a:lnSpc>
+            </a:pPr>
+            <a:r>
+              <a:rPr lang="en-IN" dirty="0">
+                <a:latin typeface="Times New Roman" panose="02020603050405020304" pitchFamily="18" charset="0"/>
+                <a:cs typeface="Times New Roman" panose="02020603050405020304" pitchFamily="18" charset="0"/>
+              </a:rPr>
               <a:t>The ability to adapt </a:t>
             </a:r>
             <a:r>
-              <a:rPr lang="en-IN" dirty="0" smtClean="0"/>
+              <a:rPr lang="en-IN" dirty="0" smtClean="0">
+                <a:latin typeface="Times New Roman" panose="02020603050405020304" pitchFamily="18" charset="0"/>
+                <a:cs typeface="Times New Roman" panose="02020603050405020304" pitchFamily="18" charset="0"/>
+              </a:rPr>
               <a:t>the size</a:t>
             </a:r>
             <a:r>
-              <a:rPr lang="en-IN" dirty="0"/>
+              <a:rPr lang="en-IN" dirty="0">
+                <a:latin typeface="Times New Roman" panose="02020603050405020304" pitchFamily="18" charset="0"/>
+                <a:cs typeface="Times New Roman" panose="02020603050405020304" pitchFamily="18" charset="0"/>
+              </a:rPr>
               <a:t>, shape, and orientation of mesh elements according to certain quantities of </a:t>
             </a:r>
             <a:r>
-              <a:rPr lang="en-IN" dirty="0" smtClean="0"/>
+              <a:rPr lang="en-IN" dirty="0" smtClean="0">
+                <a:latin typeface="Times New Roman" panose="02020603050405020304" pitchFamily="18" charset="0"/>
+                <a:cs typeface="Times New Roman" panose="02020603050405020304" pitchFamily="18" charset="0"/>
+              </a:rPr>
               <a:t>interest can </a:t>
             </a:r>
             <a:r>
-              <a:rPr lang="en-IN" dirty="0"/>
+              <a:rPr lang="en-IN" dirty="0">
+                <a:latin typeface="Times New Roman" panose="02020603050405020304" pitchFamily="18" charset="0"/>
+                <a:cs typeface="Times New Roman" panose="02020603050405020304" pitchFamily="18" charset="0"/>
+              </a:rPr>
               <a:t>signiﬁcantly improve the accuracy of the solution and enhance the </a:t>
             </a:r>
             <a:r>
-              <a:rPr lang="en-IN" dirty="0" smtClean="0"/>
+              <a:rPr lang="en-IN" dirty="0" smtClean="0">
+                <a:latin typeface="Times New Roman" panose="02020603050405020304" pitchFamily="18" charset="0"/>
+                <a:cs typeface="Times New Roman" panose="02020603050405020304" pitchFamily="18" charset="0"/>
+              </a:rPr>
               <a:t>computational eﬃciency.</a:t>
             </a:r>
-            <a:endParaRPr lang="en-IN" dirty="0"/>
+            <a:endParaRPr lang="en-IN" dirty="0">
+              <a:latin typeface="Times New Roman" panose="02020603050405020304" pitchFamily="18" charset="0"/>
+              <a:cs typeface="Times New Roman" panose="02020603050405020304" pitchFamily="18" charset="0"/>
+            </a:endParaRPr>
           </a:p>
         </p:txBody>
       </p:sp>
@@ -6788,89 +8007,121 @@
           </a:xfrm>
         </p:spPr>
         <p:txBody>
-          <a:bodyPr/>
-          <a:lstStyle/>
-          <a:p>
-            <a:endParaRPr lang="en-IN" dirty="0"/>
-          </a:p>
-        </p:txBody>
-      </p:sp>
-      <p:sp>
-        <p:nvSpPr>
-          <p:cNvPr id="3" name="Content Placeholder 2"/>
-          <p:cNvSpPr>
-            <a:spLocks noGrp="1"/>
-          </p:cNvSpPr>
-          <p:nvPr>
-            <p:ph idx="1"/>
-          </p:nvPr>
-        </p:nvSpPr>
-        <p:spPr>
-          <a:xfrm>
-            <a:off x="838200" y="1471613"/>
-            <a:ext cx="10515600" cy="4705350"/>
-          </a:xfrm>
-        </p:spPr>
-        <p:txBody>
           <a:bodyPr>
             <a:normAutofit/>
           </a:bodyPr>
           <a:lstStyle/>
           <a:p>
             <a:r>
+              <a:rPr lang="en-IN" sz="3200" b="1" dirty="0">
+                <a:latin typeface="Times New Roman" panose="02020603050405020304" pitchFamily="18" charset="0"/>
+                <a:cs typeface="Times New Roman" panose="02020603050405020304" pitchFamily="18" charset="0"/>
+              </a:rPr>
+              <a:t>Conclusions</a:t>
+            </a:r>
+            <a:r>
+              <a:rPr lang="en-IN" sz="3200" b="1" dirty="0" smtClean="0">
+                <a:latin typeface="Times New Roman" panose="02020603050405020304" pitchFamily="18" charset="0"/>
+                <a:cs typeface="Times New Roman" panose="02020603050405020304" pitchFamily="18" charset="0"/>
+              </a:rPr>
+              <a:t>:</a:t>
+            </a:r>
+            <a:endParaRPr lang="en-IN" sz="3200" dirty="0">
+              <a:latin typeface="Times New Roman" panose="02020603050405020304" pitchFamily="18" charset="0"/>
+              <a:cs typeface="Times New Roman" panose="02020603050405020304" pitchFamily="18" charset="0"/>
+            </a:endParaRPr>
+          </a:p>
+        </p:txBody>
+      </p:sp>
+      <p:sp>
+        <p:nvSpPr>
+          <p:cNvPr id="3" name="Content Placeholder 2"/>
+          <p:cNvSpPr>
+            <a:spLocks noGrp="1"/>
+          </p:cNvSpPr>
+          <p:nvPr>
+            <p:ph idx="1"/>
+          </p:nvPr>
+        </p:nvSpPr>
+        <p:spPr>
+          <a:xfrm>
+            <a:off x="838200" y="1343025"/>
+            <a:ext cx="10515600" cy="4833938"/>
+          </a:xfrm>
+        </p:spPr>
+        <p:txBody>
+          <a:bodyPr>
+            <a:normAutofit/>
+          </a:bodyPr>
+          <a:lstStyle/>
+          <a:p>
+            <a:pPr>
+              <a:lnSpc>
+                <a:spcPct val="100000"/>
+              </a:lnSpc>
+            </a:pPr>
+            <a:r>
               <a:rPr lang="en-IN" sz="2200" dirty="0" smtClean="0">
                 <a:latin typeface="Times New Roman" panose="02020603050405020304" pitchFamily="18" charset="0"/>
                 <a:cs typeface="Times New Roman" panose="02020603050405020304" pitchFamily="18" charset="0"/>
               </a:rPr>
-              <a:t>QLS is exact for quadratic function.</a:t>
-            </a:r>
-          </a:p>
-          <a:p>
+              <a:t>QLS</a:t>
+            </a:r>
+            <a:r>
+              <a:rPr lang="en-IN" sz="2200" b="1" dirty="0" smtClean="0">
+                <a:latin typeface="Times New Roman" panose="02020603050405020304" pitchFamily="18" charset="0"/>
+                <a:cs typeface="Times New Roman" panose="02020603050405020304" pitchFamily="18" charset="0"/>
+              </a:rPr>
+              <a:t> </a:t>
+            </a:r>
             <a:r>
               <a:rPr lang="en-IN" sz="2200" dirty="0" smtClean="0">
                 <a:latin typeface="Times New Roman" panose="02020603050405020304" pitchFamily="18" charset="0"/>
                 <a:cs typeface="Times New Roman" panose="02020603050405020304" pitchFamily="18" charset="0"/>
               </a:rPr>
-              <a:t>For other functions, QLS provides a convergent recovery and a smaller error than on Delaunay meshes(specially for boundary layer and anisotropic function).</a:t>
-            </a:r>
-          </a:p>
-          <a:p>
-            <a:pPr marL="0" indent="0">
-              <a:buNone/>
+              <a:t>method for Hessian recovery is very robust and performs best, it is </a:t>
+            </a:r>
+            <a:r>
+              <a:rPr lang="en-IN" sz="2200" dirty="0">
+                <a:latin typeface="Times New Roman" panose="02020603050405020304" pitchFamily="18" charset="0"/>
+                <a:cs typeface="Times New Roman" panose="02020603050405020304" pitchFamily="18" charset="0"/>
+              </a:rPr>
+              <a:t>exact for quadratic functions independent of mesh type</a:t>
+            </a:r>
+            <a:r>
+              <a:rPr lang="en-IN" sz="2200" dirty="0" smtClean="0">
+                <a:latin typeface="Times New Roman" panose="02020603050405020304" pitchFamily="18" charset="0"/>
+                <a:cs typeface="Times New Roman" panose="02020603050405020304" pitchFamily="18" charset="0"/>
+              </a:rPr>
+              <a:t>.</a:t>
+            </a:r>
+          </a:p>
+          <a:p>
+            <a:pPr>
+              <a:lnSpc>
+                <a:spcPct val="100000"/>
+              </a:lnSpc>
             </a:pPr>
             <a:r>
-              <a:rPr lang="en-IN" sz="2400" b="1" dirty="0" smtClean="0"/>
-              <a:t>Conclusions:</a:t>
-            </a:r>
-          </a:p>
-          <a:p>
-            <a:r>
               <a:rPr lang="en-IN" sz="2200" dirty="0" smtClean="0">
                 <a:latin typeface="Times New Roman" panose="02020603050405020304" pitchFamily="18" charset="0"/>
                 <a:cs typeface="Times New Roman" panose="02020603050405020304" pitchFamily="18" charset="0"/>
               </a:rPr>
-              <a:t>QLS</a:t>
-            </a:r>
-            <a:r>
-              <a:rPr lang="en-IN" sz="2200" b="1" dirty="0" smtClean="0">
-                <a:latin typeface="Times New Roman" panose="02020603050405020304" pitchFamily="18" charset="0"/>
-                <a:cs typeface="Times New Roman" panose="02020603050405020304" pitchFamily="18" charset="0"/>
-              </a:rPr>
-              <a:t> </a:t>
-            </a:r>
+              <a:t>It’s the only method to provide convergent Hessian recovery on arbitrary meshes with quadratic convergence in domain interior.</a:t>
+            </a:r>
+          </a:p>
+          <a:p>
+            <a:pPr>
+              <a:lnSpc>
+                <a:spcPct val="100000"/>
+              </a:lnSpc>
+            </a:pPr>
             <a:r>
               <a:rPr lang="en-IN" sz="2200" dirty="0" smtClean="0">
                 <a:latin typeface="Times New Roman" panose="02020603050405020304" pitchFamily="18" charset="0"/>
                 <a:cs typeface="Times New Roman" panose="02020603050405020304" pitchFamily="18" charset="0"/>
               </a:rPr>
-              <a:t>method for Hessian recovery is very robust and performs best, it is </a:t>
-            </a:r>
-            <a:r>
-              <a:rPr lang="en-IN" sz="2200" dirty="0">
-                <a:latin typeface="Times New Roman" panose="02020603050405020304" pitchFamily="18" charset="0"/>
-                <a:cs typeface="Times New Roman" panose="02020603050405020304" pitchFamily="18" charset="0"/>
-              </a:rPr>
-              <a:t>exact for quadratic functions independent of mesh type</a:t>
+              <a:t>DLF, LLS and WF are only convergent only for uniform meshes. For non-uniform meshes they fail to provide convergent Hessian recovery</a:t>
             </a:r>
             <a:r>
               <a:rPr lang="en-IN" sz="2200" dirty="0" smtClean="0">
@@ -6881,22 +8132,22 @@
             </a:r>
           </a:p>
           <a:p>
+            <a:pPr>
+              <a:lnSpc>
+                <a:spcPct val="100000"/>
+              </a:lnSpc>
+            </a:pPr>
             <a:r>
               <a:rPr lang="en-IN" sz="2200" dirty="0" smtClean="0">
                 <a:latin typeface="Times New Roman" panose="02020603050405020304" pitchFamily="18" charset="0"/>
                 <a:cs typeface="Times New Roman" panose="02020603050405020304" pitchFamily="18" charset="0"/>
               </a:rPr>
-              <a:t>It’s the only method to provide convergent Hessian recovery on arbitrary meshes with quadratic convergence in domain interior.</a:t>
-            </a:r>
-          </a:p>
-          <a:p>
-            <a:r>
-              <a:rPr lang="en-IN" sz="2200" dirty="0" smtClean="0">
-                <a:latin typeface="Times New Roman" panose="02020603050405020304" pitchFamily="18" charset="0"/>
-                <a:cs typeface="Times New Roman" panose="02020603050405020304" pitchFamily="18" charset="0"/>
-              </a:rPr>
-              <a:t>DLF, LLS and WF are only convergent only for uniform meshes. For non-uniform meshes they fail to provide convergent Hessian recovery.</a:t>
-            </a:r>
+              <a:t>However, the relative error of DLF, LLS and WF is quite low, which can be sufficient for mesh adaptation because if is often unnecessary to compute the mesh to a very high accuracy for the approximation of function or solution of DE.</a:t>
+            </a:r>
+            <a:endParaRPr lang="en-IN" sz="2200" dirty="0" smtClean="0">
+              <a:latin typeface="Times New Roman" panose="02020603050405020304" pitchFamily="18" charset="0"/>
+              <a:cs typeface="Times New Roman" panose="02020603050405020304" pitchFamily="18" charset="0"/>
+            </a:endParaRPr>
           </a:p>
           <a:p>
             <a:endParaRPr lang="en-IN" sz="2200" dirty="0"/>
@@ -6913,6 +8164,13 @@
   <p:clrMapOvr>
     <a:masterClrMapping/>
   </p:clrMapOvr>
+  <p:timing>
+    <p:tnLst>
+      <p:par>
+        <p:cTn id="1" dur="indefinite" restart="never" nodeType="tmRoot"/>
+      </p:par>
+    </p:tnLst>
+  </p:timing>
 </p:sld>
 </file>
 
@@ -6977,15 +8235,7 @@
             </a:pPr>
             <a:r>
               <a:rPr lang="en-IN" dirty="0" smtClean="0"/>
-              <a:t>On Hessian Recovery and Anisotropic </a:t>
-            </a:r>
-            <a:r>
-              <a:rPr lang="en-IN" dirty="0" err="1" smtClean="0"/>
-              <a:t>Adaptivity</a:t>
-            </a:r>
-            <a:r>
-              <a:rPr lang="en-IN" dirty="0" smtClean="0"/>
-              <a:t>.</a:t>
+              <a:t>On Hessian Recovery and Anisotropic Adaptivity.</a:t>
             </a:r>
           </a:p>
           <a:p>
@@ -7046,52 +8296,115 @@
         </p:nvSpPr>
         <p:spPr/>
         <p:txBody>
+          <a:bodyPr>
+            <a:normAutofit/>
+          </a:bodyPr>
+          <a:lstStyle/>
+          <a:p>
+            <a:r>
+              <a:rPr lang="en-IN" sz="3200" b="1" dirty="0" smtClean="0">
+                <a:latin typeface="Times New Roman" panose="02020603050405020304" pitchFamily="18" charset="0"/>
+                <a:cs typeface="Times New Roman" panose="02020603050405020304" pitchFamily="18" charset="0"/>
+              </a:rPr>
+              <a:t>How is it done? </a:t>
+            </a:r>
+            <a:endParaRPr lang="en-IN" sz="3200" b="1" dirty="0">
+              <a:latin typeface="Times New Roman" panose="02020603050405020304" pitchFamily="18" charset="0"/>
+              <a:cs typeface="Times New Roman" panose="02020603050405020304" pitchFamily="18" charset="0"/>
+            </a:endParaRPr>
+          </a:p>
+        </p:txBody>
+      </p:sp>
+      <p:sp>
+        <p:nvSpPr>
+          <p:cNvPr id="3" name="Content Placeholder 2"/>
+          <p:cNvSpPr>
+            <a:spLocks noGrp="1"/>
+          </p:cNvSpPr>
+          <p:nvPr>
+            <p:ph idx="1"/>
+          </p:nvPr>
+        </p:nvSpPr>
+        <p:spPr/>
+        <p:txBody>
           <a:bodyPr/>
           <a:lstStyle/>
           <a:p>
-            <a:r>
-              <a:rPr lang="en-IN" dirty="0" smtClean="0"/>
-              <a:t>How is it done? Recovery methods:</a:t>
-            </a:r>
-            <a:endParaRPr lang="en-IN" dirty="0"/>
-          </a:p>
-        </p:txBody>
-      </p:sp>
-      <p:sp>
-        <p:nvSpPr>
-          <p:cNvPr id="3" name="Content Placeholder 2"/>
-          <p:cNvSpPr>
-            <a:spLocks noGrp="1"/>
-          </p:cNvSpPr>
-          <p:nvPr>
-            <p:ph idx="1"/>
-          </p:nvPr>
-        </p:nvSpPr>
-        <p:spPr/>
-        <p:txBody>
-          <a:bodyPr/>
-          <a:lstStyle/>
-          <a:p>
-            <a:r>
-              <a:rPr lang="en-IN" dirty="0" smtClean="0"/>
-              <a:t>QLS: Quadratic least squares fitting.</a:t>
-            </a:r>
-          </a:p>
-          <a:p>
-            <a:r>
-              <a:rPr lang="en-IN" dirty="0" smtClean="0"/>
+            <a:pPr marL="0" indent="0">
+              <a:buNone/>
+            </a:pPr>
+            <a:r>
+              <a:rPr lang="en-IN" b="1" dirty="0">
+                <a:latin typeface="Times New Roman" panose="02020603050405020304" pitchFamily="18" charset="0"/>
+                <a:cs typeface="Times New Roman" panose="02020603050405020304" pitchFamily="18" charset="0"/>
+              </a:rPr>
+              <a:t>Recovery methods:</a:t>
+            </a:r>
+            <a:endParaRPr lang="en-IN" dirty="0" smtClean="0">
+              <a:latin typeface="Times New Roman" panose="02020603050405020304" pitchFamily="18" charset="0"/>
+              <a:cs typeface="Times New Roman" panose="02020603050405020304" pitchFamily="18" charset="0"/>
+            </a:endParaRPr>
+          </a:p>
+          <a:p>
+            <a:pPr>
+              <a:lnSpc>
+                <a:spcPct val="100000"/>
+              </a:lnSpc>
+            </a:pPr>
+            <a:r>
+              <a:rPr lang="en-IN" dirty="0" smtClean="0">
+                <a:latin typeface="Times New Roman" panose="02020603050405020304" pitchFamily="18" charset="0"/>
+                <a:cs typeface="Times New Roman" panose="02020603050405020304" pitchFamily="18" charset="0"/>
+              </a:rPr>
+              <a:t>QLS</a:t>
+            </a:r>
+            <a:r>
+              <a:rPr lang="en-IN" dirty="0" smtClean="0">
+                <a:latin typeface="Times New Roman" panose="02020603050405020304" pitchFamily="18" charset="0"/>
+                <a:cs typeface="Times New Roman" panose="02020603050405020304" pitchFamily="18" charset="0"/>
+              </a:rPr>
+              <a:t>: Quadratic least squares fitting.</a:t>
+            </a:r>
+          </a:p>
+          <a:p>
+            <a:pPr>
+              <a:lnSpc>
+                <a:spcPct val="100000"/>
+              </a:lnSpc>
+            </a:pPr>
+            <a:r>
+              <a:rPr lang="en-IN" dirty="0" smtClean="0">
+                <a:latin typeface="Times New Roman" panose="02020603050405020304" pitchFamily="18" charset="0"/>
+                <a:cs typeface="Times New Roman" panose="02020603050405020304" pitchFamily="18" charset="0"/>
+              </a:rPr>
               <a:t>DLF: Double Linear least squares fitting.</a:t>
             </a:r>
           </a:p>
           <a:p>
-            <a:r>
-              <a:rPr lang="en-IN" dirty="0" smtClean="0"/>
+            <a:pPr>
+              <a:lnSpc>
+                <a:spcPct val="100000"/>
+              </a:lnSpc>
+            </a:pPr>
+            <a:r>
+              <a:rPr lang="en-IN" dirty="0" smtClean="0">
+                <a:latin typeface="Times New Roman" panose="02020603050405020304" pitchFamily="18" charset="0"/>
+                <a:cs typeface="Times New Roman" panose="02020603050405020304" pitchFamily="18" charset="0"/>
+              </a:rPr>
               <a:t>LLS: Linear least squares fitting.</a:t>
             </a:r>
           </a:p>
           <a:p>
-            <a:r>
-              <a:rPr lang="en-IN" dirty="0" smtClean="0"/>
+            <a:pPr>
+              <a:lnSpc>
+                <a:spcPct val="100000"/>
+              </a:lnSpc>
+            </a:pPr>
+            <a:r>
+              <a:rPr lang="en-IN" dirty="0" smtClean="0">
+                <a:latin typeface="Times New Roman" panose="02020603050405020304" pitchFamily="18" charset="0"/>
+                <a:cs typeface="Times New Roman" panose="02020603050405020304" pitchFamily="18" charset="0"/>
+              </a:rPr>
               <a:t>WF: variational method/ Weak Formulation.</a:t>
             </a:r>
           </a:p>
@@ -7149,14 +8462,22 @@
         </p:nvSpPr>
         <p:spPr/>
         <p:txBody>
-          <a:bodyPr/>
+          <a:bodyPr>
+            <a:normAutofit/>
+          </a:bodyPr>
           <a:lstStyle/>
           <a:p>
             <a:r>
-              <a:rPr lang="en-IN" dirty="0" smtClean="0"/>
+              <a:rPr lang="en-IN" sz="3200" b="1" dirty="0" smtClean="0">
+                <a:latin typeface="Times New Roman" panose="02020603050405020304" pitchFamily="18" charset="0"/>
+                <a:cs typeface="Times New Roman" panose="02020603050405020304" pitchFamily="18" charset="0"/>
+              </a:rPr>
               <a:t>Recovery Methods:</a:t>
             </a:r>
-            <a:endParaRPr lang="en-IN" dirty="0"/>
+            <a:endParaRPr lang="en-IN" sz="3200" b="1" dirty="0">
+              <a:latin typeface="Times New Roman" panose="02020603050405020304" pitchFamily="18" charset="0"/>
+              <a:cs typeface="Times New Roman" panose="02020603050405020304" pitchFamily="18" charset="0"/>
+            </a:endParaRPr>
           </a:p>
         </p:txBody>
       </p:sp>
@@ -7182,93 +8503,181 @@
           </a:bodyPr>
           <a:lstStyle/>
           <a:p>
-            <a:r>
-              <a:rPr lang="en-IN" dirty="0" smtClean="0"/>
+            <a:pPr marL="0" indent="0">
+              <a:buNone/>
+            </a:pPr>
+            <a:r>
+              <a:rPr lang="en-IN" i="1" dirty="0" smtClean="0">
+                <a:latin typeface="Times New Roman" panose="02020603050405020304" pitchFamily="18" charset="0"/>
+                <a:cs typeface="Times New Roman" panose="02020603050405020304" pitchFamily="18" charset="0"/>
+              </a:rPr>
               <a:t>Quadratic Least Squares fitting:</a:t>
             </a:r>
           </a:p>
           <a:p>
             <a:pPr lvl="1"/>
             <a:r>
-              <a:rPr lang="en-IN" dirty="0"/>
-              <a:t>involves the ﬁtting of a quadratic polynomial to given function nodal </a:t>
-            </a:r>
-            <a:r>
-              <a:rPr lang="en-IN" dirty="0" smtClean="0"/>
+              <a:rPr lang="en-IN" dirty="0">
+                <a:latin typeface="Times New Roman" panose="02020603050405020304" pitchFamily="18" charset="0"/>
+                <a:cs typeface="Times New Roman" panose="02020603050405020304" pitchFamily="18" charset="0"/>
+              </a:rPr>
+              <a:t>I</a:t>
+            </a:r>
+            <a:r>
+              <a:rPr lang="en-IN" dirty="0" smtClean="0">
+                <a:latin typeface="Times New Roman" panose="02020603050405020304" pitchFamily="18" charset="0"/>
+                <a:cs typeface="Times New Roman" panose="02020603050405020304" pitchFamily="18" charset="0"/>
+              </a:rPr>
+              <a:t>nvolves </a:t>
+            </a:r>
+            <a:r>
+              <a:rPr lang="en-IN" dirty="0">
+                <a:latin typeface="Times New Roman" panose="02020603050405020304" pitchFamily="18" charset="0"/>
+                <a:cs typeface="Times New Roman" panose="02020603050405020304" pitchFamily="18" charset="0"/>
+              </a:rPr>
+              <a:t>the ﬁtting of a quadratic polynomial to given function nodal </a:t>
+            </a:r>
+            <a:r>
+              <a:rPr lang="en-IN" dirty="0" smtClean="0">
+                <a:latin typeface="Times New Roman" panose="02020603050405020304" pitchFamily="18" charset="0"/>
+                <a:cs typeface="Times New Roman" panose="02020603050405020304" pitchFamily="18" charset="0"/>
+              </a:rPr>
               <a:t>values and </a:t>
             </a:r>
             <a:r>
-              <a:rPr lang="en-IN" dirty="0"/>
+              <a:rPr lang="en-IN" dirty="0">
+                <a:latin typeface="Times New Roman" panose="02020603050405020304" pitchFamily="18" charset="0"/>
+                <a:cs typeface="Times New Roman" panose="02020603050405020304" pitchFamily="18" charset="0"/>
+              </a:rPr>
               <a:t>the subsequent </a:t>
             </a:r>
             <a:r>
-              <a:rPr lang="en-IN" dirty="0" smtClean="0"/>
-              <a:t>diﬀerentiation.</a:t>
-            </a:r>
+              <a:rPr lang="en-IN" dirty="0" smtClean="0">
+                <a:latin typeface="Times New Roman" panose="02020603050405020304" pitchFamily="18" charset="0"/>
+                <a:cs typeface="Times New Roman" panose="02020603050405020304" pitchFamily="18" charset="0"/>
+              </a:rPr>
+              <a:t>diﬀerentiation</a:t>
+            </a:r>
+            <a:r>
+              <a:rPr lang="en-IN" dirty="0" smtClean="0">
+                <a:latin typeface="Times New Roman" panose="02020603050405020304" pitchFamily="18" charset="0"/>
+                <a:cs typeface="Times New Roman" panose="02020603050405020304" pitchFamily="18" charset="0"/>
+              </a:rPr>
+              <a:t>. First the input data is smoothed using quadratic regression, then the differentiation is applied.</a:t>
+            </a:r>
+            <a:endParaRPr lang="en-IN" dirty="0" smtClean="0">
+              <a:latin typeface="Times New Roman" panose="02020603050405020304" pitchFamily="18" charset="0"/>
+              <a:cs typeface="Times New Roman" panose="02020603050405020304" pitchFamily="18" charset="0"/>
+            </a:endParaRPr>
           </a:p>
           <a:p>
             <a:pPr lvl="1"/>
             <a:r>
-              <a:rPr lang="en-IN" dirty="0" smtClean="0"/>
+              <a:rPr lang="en-IN" dirty="0" smtClean="0">
+                <a:latin typeface="Times New Roman" panose="02020603050405020304" pitchFamily="18" charset="0"/>
+                <a:cs typeface="Times New Roman" panose="02020603050405020304" pitchFamily="18" charset="0"/>
+              </a:rPr>
               <a:t>The </a:t>
             </a:r>
             <a:r>
-              <a:rPr lang="en-IN" dirty="0"/>
+              <a:rPr lang="en-IN" dirty="0">
+                <a:latin typeface="Times New Roman" panose="02020603050405020304" pitchFamily="18" charset="0"/>
+                <a:cs typeface="Times New Roman" panose="02020603050405020304" pitchFamily="18" charset="0"/>
+              </a:rPr>
               <a:t>original purpose of QLS is the </a:t>
             </a:r>
             <a:r>
-              <a:rPr lang="en-IN" dirty="0" smtClean="0"/>
+              <a:rPr lang="en-IN" u="sng" dirty="0" smtClean="0">
+                <a:latin typeface="Times New Roman" panose="02020603050405020304" pitchFamily="18" charset="0"/>
+                <a:cs typeface="Times New Roman" panose="02020603050405020304" pitchFamily="18" charset="0"/>
+              </a:rPr>
               <a:t>gradient recovery</a:t>
             </a:r>
             <a:r>
-              <a:rPr lang="en-IN" dirty="0"/>
+              <a:rPr lang="en-IN" dirty="0">
+                <a:latin typeface="Times New Roman" panose="02020603050405020304" pitchFamily="18" charset="0"/>
+                <a:cs typeface="Times New Roman" panose="02020603050405020304" pitchFamily="18" charset="0"/>
+              </a:rPr>
               <a:t>. However, the method is easily adopted for the needs of the Hessian recovery </a:t>
             </a:r>
             <a:r>
-              <a:rPr lang="en-IN" dirty="0" smtClean="0"/>
+              <a:rPr lang="en-IN" dirty="0" smtClean="0">
+                <a:latin typeface="Times New Roman" panose="02020603050405020304" pitchFamily="18" charset="0"/>
+                <a:cs typeface="Times New Roman" panose="02020603050405020304" pitchFamily="18" charset="0"/>
+              </a:rPr>
               <a:t>by simply </a:t>
             </a:r>
             <a:r>
-              <a:rPr lang="en-IN" dirty="0"/>
+              <a:rPr lang="en-IN" dirty="0">
+                <a:latin typeface="Times New Roman" panose="02020603050405020304" pitchFamily="18" charset="0"/>
+                <a:cs typeface="Times New Roman" panose="02020603050405020304" pitchFamily="18" charset="0"/>
+              </a:rPr>
               <a:t>diﬀerentiating the obtained ﬁtting polynomial </a:t>
             </a:r>
             <a:r>
-              <a:rPr lang="en-IN" dirty="0" smtClean="0"/>
+              <a:rPr lang="en-IN" dirty="0" smtClean="0">
+                <a:latin typeface="Times New Roman" panose="02020603050405020304" pitchFamily="18" charset="0"/>
+                <a:cs typeface="Times New Roman" panose="02020603050405020304" pitchFamily="18" charset="0"/>
+              </a:rPr>
               <a:t>twice.</a:t>
             </a:r>
           </a:p>
           <a:p>
             <a:pPr lvl="1"/>
             <a:r>
-              <a:rPr lang="en-IN" dirty="0" smtClean="0"/>
+              <a:rPr lang="en-IN" dirty="0" smtClean="0">
+                <a:latin typeface="Times New Roman" panose="02020603050405020304" pitchFamily="18" charset="0"/>
+                <a:cs typeface="Times New Roman" panose="02020603050405020304" pitchFamily="18" charset="0"/>
+              </a:rPr>
               <a:t>For </a:t>
             </a:r>
             <a:r>
-              <a:rPr lang="en-IN" dirty="0"/>
+              <a:rPr lang="en-IN" dirty="0">
+                <a:latin typeface="Times New Roman" panose="02020603050405020304" pitchFamily="18" charset="0"/>
+                <a:cs typeface="Times New Roman" panose="02020603050405020304" pitchFamily="18" charset="0"/>
+              </a:rPr>
               <a:t>a given node, at least ﬁve nodes from its direct neighbourhood (patch) are </a:t>
             </a:r>
             <a:r>
-              <a:rPr lang="en-IN" dirty="0" smtClean="0"/>
+              <a:rPr lang="en-IN" dirty="0" smtClean="0">
+                <a:latin typeface="Times New Roman" panose="02020603050405020304" pitchFamily="18" charset="0"/>
+                <a:cs typeface="Times New Roman" panose="02020603050405020304" pitchFamily="18" charset="0"/>
+              </a:rPr>
               <a:t>selected. The </a:t>
             </a:r>
             <a:r>
-              <a:rPr lang="en-IN" dirty="0"/>
+              <a:rPr lang="en-IN" dirty="0">
+                <a:latin typeface="Times New Roman" panose="02020603050405020304" pitchFamily="18" charset="0"/>
+                <a:cs typeface="Times New Roman" panose="02020603050405020304" pitchFamily="18" charset="0"/>
+              </a:rPr>
               <a:t>original function is then approximated on </a:t>
             </a:r>
             <a:r>
-              <a:rPr lang="en-IN" dirty="0" smtClean="0"/>
+              <a:rPr lang="en-IN" dirty="0" smtClean="0">
+                <a:latin typeface="Times New Roman" panose="02020603050405020304" pitchFamily="18" charset="0"/>
+                <a:cs typeface="Times New Roman" panose="02020603050405020304" pitchFamily="18" charset="0"/>
+              </a:rPr>
               <a:t>the selected </a:t>
             </a:r>
             <a:r>
-              <a:rPr lang="en-IN" dirty="0"/>
+              <a:rPr lang="en-IN" dirty="0">
+                <a:latin typeface="Times New Roman" panose="02020603050405020304" pitchFamily="18" charset="0"/>
+                <a:cs typeface="Times New Roman" panose="02020603050405020304" pitchFamily="18" charset="0"/>
+              </a:rPr>
               <a:t>patch by ﬁtting a polynomial of degree two to the function values at the </a:t>
             </a:r>
             <a:r>
-              <a:rPr lang="en-IN" dirty="0" smtClean="0"/>
+              <a:rPr lang="en-IN" dirty="0" smtClean="0">
+                <a:latin typeface="Times New Roman" panose="02020603050405020304" pitchFamily="18" charset="0"/>
+                <a:cs typeface="Times New Roman" panose="02020603050405020304" pitchFamily="18" charset="0"/>
+              </a:rPr>
               <a:t>selected nodes </a:t>
             </a:r>
             <a:r>
-              <a:rPr lang="en-IN" dirty="0"/>
+              <a:rPr lang="en-IN" dirty="0">
+                <a:latin typeface="Times New Roman" panose="02020603050405020304" pitchFamily="18" charset="0"/>
+                <a:cs typeface="Times New Roman" panose="02020603050405020304" pitchFamily="18" charset="0"/>
+              </a:rPr>
               <a:t>in the least square sense.</a:t>
             </a:r>
           </a:p>
@@ -7321,257 +8730,716 @@
             <p:ph type="title"/>
           </p:nvPr>
         </p:nvSpPr>
-        <p:spPr/>
+        <p:spPr>
+          <a:xfrm>
+            <a:off x="838200" y="365125"/>
+            <a:ext cx="10515600" cy="892175"/>
+          </a:xfrm>
+        </p:spPr>
+        <p:txBody>
+          <a:bodyPr>
+            <a:normAutofit/>
+          </a:bodyPr>
+          <a:lstStyle/>
+          <a:p>
+            <a:r>
+              <a:rPr lang="en-IN" sz="3200" b="1" dirty="0">
+                <a:latin typeface="Times New Roman" panose="02020603050405020304" pitchFamily="18" charset="0"/>
+                <a:cs typeface="Times New Roman" panose="02020603050405020304" pitchFamily="18" charset="0"/>
+              </a:rPr>
+              <a:t>Recovery Methods:</a:t>
+            </a:r>
+          </a:p>
+        </p:txBody>
+      </p:sp>
+      <p:sp>
+        <p:nvSpPr>
+          <p:cNvPr id="3" name="Content Placeholder 2"/>
+          <p:cNvSpPr>
+            <a:spLocks noGrp="1"/>
+          </p:cNvSpPr>
+          <p:nvPr>
+            <p:ph idx="1"/>
+          </p:nvPr>
+        </p:nvSpPr>
+        <p:spPr>
+          <a:xfrm>
+            <a:off x="838200" y="1257300"/>
+            <a:ext cx="10515600" cy="4919663"/>
+          </a:xfrm>
+        </p:spPr>
         <p:txBody>
           <a:bodyPr/>
           <a:lstStyle/>
           <a:p>
             <a:r>
-              <a:rPr lang="en-IN" dirty="0"/>
-              <a:t>Recovery Methods:</a:t>
-            </a:r>
-          </a:p>
-        </p:txBody>
-      </p:sp>
-      <p:sp>
-        <p:nvSpPr>
-          <p:cNvPr id="3" name="Content Placeholder 2"/>
-          <p:cNvSpPr>
-            <a:spLocks noGrp="1"/>
-          </p:cNvSpPr>
-          <p:nvPr>
-            <p:ph idx="1"/>
-          </p:nvPr>
-        </p:nvSpPr>
-        <p:spPr>
-          <a:xfrm>
-            <a:off x="838200" y="1585913"/>
-            <a:ext cx="10515600" cy="4591050"/>
-          </a:xfrm>
-        </p:spPr>
-        <p:txBody>
-          <a:bodyPr/>
-          <a:lstStyle/>
-          <a:p>
-            <a:r>
-              <a:rPr lang="en-IN" dirty="0" smtClean="0"/>
-              <a:t>Node N</a:t>
-            </a:r>
-            <a:r>
-              <a:rPr lang="en-IN" baseline="-25000" dirty="0" smtClean="0"/>
+              <a:rPr lang="en-IN" dirty="0" smtClean="0">
+                <a:latin typeface="Times New Roman" panose="02020603050405020304" pitchFamily="18" charset="0"/>
+                <a:cs typeface="Times New Roman" panose="02020603050405020304" pitchFamily="18" charset="0"/>
+              </a:rPr>
+              <a:t>Node </a:t>
+            </a:r>
+            <a:r>
+              <a:rPr lang="en-IN" i="1" dirty="0" smtClean="0">
+                <a:latin typeface="Times New Roman" panose="02020603050405020304" pitchFamily="18" charset="0"/>
+                <a:cs typeface="Times New Roman" panose="02020603050405020304" pitchFamily="18" charset="0"/>
+              </a:rPr>
+              <a:t>N</a:t>
+            </a:r>
+            <a:r>
+              <a:rPr lang="en-IN" i="1" baseline="-25000" dirty="0" smtClean="0">
+                <a:latin typeface="Times New Roman" panose="02020603050405020304" pitchFamily="18" charset="0"/>
+                <a:cs typeface="Times New Roman" panose="02020603050405020304" pitchFamily="18" charset="0"/>
+              </a:rPr>
               <a:t>0</a:t>
             </a:r>
             <a:r>
-              <a:rPr lang="en-IN" dirty="0" smtClean="0"/>
-              <a:t>(x</a:t>
-            </a:r>
-            <a:r>
-              <a:rPr lang="en-IN" baseline="-25000" dirty="0" smtClean="0"/>
+              <a:rPr lang="en-IN" dirty="0" smtClean="0">
+                <a:latin typeface="Times New Roman" panose="02020603050405020304" pitchFamily="18" charset="0"/>
+                <a:cs typeface="Times New Roman" panose="02020603050405020304" pitchFamily="18" charset="0"/>
+              </a:rPr>
+              <a:t>(</a:t>
+            </a:r>
+            <a:r>
+              <a:rPr lang="en-IN" i="1" dirty="0" smtClean="0">
+                <a:latin typeface="Times New Roman" panose="02020603050405020304" pitchFamily="18" charset="0"/>
+                <a:cs typeface="Times New Roman" panose="02020603050405020304" pitchFamily="18" charset="0"/>
+              </a:rPr>
+              <a:t>x</a:t>
+            </a:r>
+            <a:r>
+              <a:rPr lang="en-IN" i="1" baseline="-25000" dirty="0" smtClean="0">
+                <a:latin typeface="Times New Roman" panose="02020603050405020304" pitchFamily="18" charset="0"/>
+                <a:cs typeface="Times New Roman" panose="02020603050405020304" pitchFamily="18" charset="0"/>
+              </a:rPr>
               <a:t>0</a:t>
             </a:r>
             <a:r>
-              <a:rPr lang="en-IN" dirty="0" smtClean="0"/>
+              <a:rPr lang="en-IN" i="1" dirty="0" smtClean="0">
+                <a:latin typeface="Times New Roman" panose="02020603050405020304" pitchFamily="18" charset="0"/>
+                <a:cs typeface="Times New Roman" panose="02020603050405020304" pitchFamily="18" charset="0"/>
+              </a:rPr>
               <a:t>,y</a:t>
             </a:r>
             <a:r>
-              <a:rPr lang="en-IN" baseline="-25000" dirty="0" smtClean="0"/>
+              <a:rPr lang="en-IN" i="1" baseline="-25000" dirty="0" smtClean="0">
+                <a:latin typeface="Times New Roman" panose="02020603050405020304" pitchFamily="18" charset="0"/>
+                <a:cs typeface="Times New Roman" panose="02020603050405020304" pitchFamily="18" charset="0"/>
+              </a:rPr>
               <a:t>0</a:t>
             </a:r>
             <a:r>
-              <a:rPr lang="en-IN" dirty="0" smtClean="0"/>
-              <a:t>), patch is rep as N</a:t>
-            </a:r>
-            <a:r>
-              <a:rPr lang="en-IN" i="1" baseline="-25000" dirty="0" smtClean="0"/>
+              <a:rPr lang="en-IN" dirty="0" smtClean="0">
+                <a:latin typeface="Times New Roman" panose="02020603050405020304" pitchFamily="18" charset="0"/>
+                <a:cs typeface="Times New Roman" panose="02020603050405020304" pitchFamily="18" charset="0"/>
+              </a:rPr>
+              <a:t>), patch is rep as </a:t>
+            </a:r>
+            <a:r>
+              <a:rPr lang="en-IN" i="1" dirty="0" smtClean="0">
+                <a:latin typeface="Times New Roman" panose="02020603050405020304" pitchFamily="18" charset="0"/>
+                <a:cs typeface="Times New Roman" panose="02020603050405020304" pitchFamily="18" charset="0"/>
+              </a:rPr>
+              <a:t>N</a:t>
+            </a:r>
+            <a:r>
+              <a:rPr lang="en-IN" i="1" baseline="-25000" dirty="0" smtClean="0">
+                <a:latin typeface="Times New Roman" panose="02020603050405020304" pitchFamily="18" charset="0"/>
+                <a:cs typeface="Times New Roman" panose="02020603050405020304" pitchFamily="18" charset="0"/>
+              </a:rPr>
               <a:t>i</a:t>
             </a:r>
             <a:r>
-              <a:rPr lang="en-IN" dirty="0" smtClean="0"/>
+              <a:rPr lang="en-IN" dirty="0" smtClean="0">
+                <a:latin typeface="Times New Roman" panose="02020603050405020304" pitchFamily="18" charset="0"/>
+                <a:cs typeface="Times New Roman" panose="02020603050405020304" pitchFamily="18" charset="0"/>
+              </a:rPr>
               <a:t>(</a:t>
             </a:r>
             <a:r>
-              <a:rPr lang="en-IN" dirty="0" err="1" smtClean="0"/>
+              <a:rPr lang="en-IN" i="1" dirty="0" err="1" smtClean="0">
+                <a:latin typeface="Times New Roman" panose="02020603050405020304" pitchFamily="18" charset="0"/>
+                <a:cs typeface="Times New Roman" panose="02020603050405020304" pitchFamily="18" charset="0"/>
+              </a:rPr>
               <a:t>x</a:t>
             </a:r>
             <a:r>
-              <a:rPr lang="en-IN" i="1" baseline="-25000" dirty="0" err="1" smtClean="0"/>
+              <a:rPr lang="en-IN" i="1" baseline="-25000" dirty="0" err="1" smtClean="0">
+                <a:latin typeface="Times New Roman" panose="02020603050405020304" pitchFamily="18" charset="0"/>
+                <a:cs typeface="Times New Roman" panose="02020603050405020304" pitchFamily="18" charset="0"/>
+              </a:rPr>
               <a:t>i</a:t>
             </a:r>
             <a:r>
-              <a:rPr lang="en-IN" dirty="0" err="1" smtClean="0"/>
+              <a:rPr lang="en-IN" i="1" dirty="0" err="1" smtClean="0">
+                <a:latin typeface="Times New Roman" panose="02020603050405020304" pitchFamily="18" charset="0"/>
+                <a:cs typeface="Times New Roman" panose="02020603050405020304" pitchFamily="18" charset="0"/>
+              </a:rPr>
               <a:t>,y</a:t>
             </a:r>
             <a:r>
-              <a:rPr lang="en-IN" i="1" baseline="-25000" dirty="0" err="1" smtClean="0"/>
+              <a:rPr lang="en-IN" i="1" baseline="-25000" dirty="0" err="1" smtClean="0">
+                <a:latin typeface="Times New Roman" panose="02020603050405020304" pitchFamily="18" charset="0"/>
+                <a:cs typeface="Times New Roman" panose="02020603050405020304" pitchFamily="18" charset="0"/>
+              </a:rPr>
               <a:t>i</a:t>
             </a:r>
             <a:r>
-              <a:rPr lang="en-IN" dirty="0" smtClean="0"/>
+              <a:rPr lang="en-IN" dirty="0" smtClean="0">
+                <a:latin typeface="Times New Roman" panose="02020603050405020304" pitchFamily="18" charset="0"/>
+                <a:cs typeface="Times New Roman" panose="02020603050405020304" pitchFamily="18" charset="0"/>
+              </a:rPr>
               <a:t>) </a:t>
             </a:r>
             <a:r>
-              <a:rPr lang="en-IN" i="1" dirty="0" err="1" smtClean="0"/>
+              <a:rPr lang="en-IN" i="1" dirty="0" smtClean="0">
+                <a:latin typeface="Times New Roman" panose="02020603050405020304" pitchFamily="18" charset="0"/>
+                <a:cs typeface="Times New Roman" panose="02020603050405020304" pitchFamily="18" charset="0"/>
+              </a:rPr>
               <a:t>i</a:t>
             </a:r>
             <a:r>
-              <a:rPr lang="en-IN" dirty="0" smtClean="0"/>
-              <a:t>=1,2,..n for n&gt;=5. </a:t>
-            </a:r>
-          </a:p>
-          <a:p>
-            <a:r>
-              <a:rPr lang="en-IN" dirty="0" smtClean="0"/>
+              <a:rPr lang="en-IN" dirty="0" smtClean="0">
+                <a:latin typeface="Times New Roman" panose="02020603050405020304" pitchFamily="18" charset="0"/>
+                <a:cs typeface="Times New Roman" panose="02020603050405020304" pitchFamily="18" charset="0"/>
+              </a:rPr>
+              <a:t>=1,2,..</a:t>
+            </a:r>
+            <a:r>
+              <a:rPr lang="en-IN" i="1" dirty="0" smtClean="0">
+                <a:latin typeface="Times New Roman" panose="02020603050405020304" pitchFamily="18" charset="0"/>
+                <a:cs typeface="Times New Roman" panose="02020603050405020304" pitchFamily="18" charset="0"/>
+              </a:rPr>
+              <a:t>n</a:t>
+            </a:r>
+            <a:r>
+              <a:rPr lang="en-IN" dirty="0" smtClean="0">
+                <a:latin typeface="Times New Roman" panose="02020603050405020304" pitchFamily="18" charset="0"/>
+                <a:cs typeface="Times New Roman" panose="02020603050405020304" pitchFamily="18" charset="0"/>
+              </a:rPr>
+              <a:t> for </a:t>
+            </a:r>
+            <a:r>
+              <a:rPr lang="en-IN" i="1" dirty="0" smtClean="0">
+                <a:latin typeface="Times New Roman" panose="02020603050405020304" pitchFamily="18" charset="0"/>
+                <a:cs typeface="Times New Roman" panose="02020603050405020304" pitchFamily="18" charset="0"/>
+              </a:rPr>
+              <a:t>n </a:t>
+            </a:r>
+            <a:r>
+              <a:rPr lang="en-IN" sz="2400" dirty="0" smtClean="0">
+                <a:latin typeface="Times New Roman" panose="02020603050405020304" pitchFamily="18" charset="0"/>
+                <a:cs typeface="Times New Roman" panose="02020603050405020304" pitchFamily="18" charset="0"/>
+              </a:rPr>
+              <a:t>≥</a:t>
+            </a:r>
+            <a:r>
+              <a:rPr lang="en-IN" dirty="0" smtClean="0">
+                <a:latin typeface="Times New Roman" panose="02020603050405020304" pitchFamily="18" charset="0"/>
+                <a:cs typeface="Times New Roman" panose="02020603050405020304" pitchFamily="18" charset="0"/>
+              </a:rPr>
+              <a:t> </a:t>
+            </a:r>
+            <a:r>
+              <a:rPr lang="en-IN" dirty="0" smtClean="0">
+                <a:latin typeface="Times New Roman" panose="02020603050405020304" pitchFamily="18" charset="0"/>
+                <a:cs typeface="Times New Roman" panose="02020603050405020304" pitchFamily="18" charset="0"/>
+              </a:rPr>
+              <a:t>5</a:t>
+            </a:r>
+            <a:r>
+              <a:rPr lang="en-IN" dirty="0" smtClean="0">
+                <a:latin typeface="Times New Roman" panose="02020603050405020304" pitchFamily="18" charset="0"/>
+                <a:cs typeface="Times New Roman" panose="02020603050405020304" pitchFamily="18" charset="0"/>
+              </a:rPr>
+              <a:t>. </a:t>
+            </a:r>
+          </a:p>
+          <a:p>
+            <a:r>
+              <a:rPr lang="en-IN" i="1" dirty="0">
+                <a:latin typeface="Times New Roman" panose="02020603050405020304" pitchFamily="18" charset="0"/>
+                <a:cs typeface="Times New Roman" panose="02020603050405020304" pitchFamily="18" charset="0"/>
+              </a:rPr>
+              <a:t>u</a:t>
+            </a:r>
+            <a:r>
+              <a:rPr lang="en-IN" i="1" baseline="-25000" dirty="0" smtClean="0">
+                <a:latin typeface="Times New Roman" panose="02020603050405020304" pitchFamily="18" charset="0"/>
+                <a:cs typeface="Times New Roman" panose="02020603050405020304" pitchFamily="18" charset="0"/>
+              </a:rPr>
+              <a:t>h</a:t>
+            </a:r>
+            <a:r>
+              <a:rPr lang="en-IN" dirty="0" smtClean="0">
+                <a:latin typeface="Times New Roman" panose="02020603050405020304" pitchFamily="18" charset="0"/>
+                <a:cs typeface="Times New Roman" panose="02020603050405020304" pitchFamily="18" charset="0"/>
+              </a:rPr>
+              <a:t>-approximated </a:t>
+            </a:r>
+            <a:r>
+              <a:rPr lang="en-IN" dirty="0" smtClean="0">
+                <a:latin typeface="Times New Roman" panose="02020603050405020304" pitchFamily="18" charset="0"/>
+                <a:cs typeface="Times New Roman" panose="02020603050405020304" pitchFamily="18" charset="0"/>
+              </a:rPr>
+              <a:t>function. </a:t>
+            </a:r>
+          </a:p>
+          <a:p>
+            <a:r>
+              <a:rPr lang="en-IN" dirty="0" smtClean="0">
+                <a:latin typeface="Times New Roman" panose="02020603050405020304" pitchFamily="18" charset="0"/>
+                <a:cs typeface="Times New Roman" panose="02020603050405020304" pitchFamily="18" charset="0"/>
+              </a:rPr>
+              <a:t>Polynomial p</a:t>
+            </a:r>
+            <a:r>
+              <a:rPr lang="en-IN" baseline="-25000" dirty="0" smtClean="0">
+                <a:latin typeface="Times New Roman" panose="02020603050405020304" pitchFamily="18" charset="0"/>
+                <a:cs typeface="Times New Roman" panose="02020603050405020304" pitchFamily="18" charset="0"/>
+              </a:rPr>
+              <a:t>2</a:t>
+            </a:r>
+            <a:r>
+              <a:rPr lang="en-IN" dirty="0" smtClean="0">
+                <a:latin typeface="Times New Roman" panose="02020603050405020304" pitchFamily="18" charset="0"/>
+                <a:cs typeface="Times New Roman" panose="02020603050405020304" pitchFamily="18" charset="0"/>
+              </a:rPr>
+              <a:t>:  </a:t>
+            </a:r>
+            <a:r>
+              <a:rPr lang="en-IN" b="1" dirty="0">
+                <a:latin typeface="Times New Roman" panose="02020603050405020304" pitchFamily="18" charset="0"/>
+                <a:cs typeface="Times New Roman" panose="02020603050405020304" pitchFamily="18" charset="0"/>
+              </a:rPr>
+              <a:t>p</a:t>
+            </a:r>
+            <a:r>
+              <a:rPr lang="en-IN" b="1" baseline="-25000" dirty="0" smtClean="0">
+                <a:latin typeface="Times New Roman" panose="02020603050405020304" pitchFamily="18" charset="0"/>
+                <a:cs typeface="Times New Roman" panose="02020603050405020304" pitchFamily="18" charset="0"/>
+              </a:rPr>
+              <a:t>2 </a:t>
+            </a:r>
+            <a:r>
+              <a:rPr lang="en-IN" b="1" dirty="0" smtClean="0">
+                <a:latin typeface="Times New Roman" panose="02020603050405020304" pitchFamily="18" charset="0"/>
+                <a:cs typeface="Times New Roman" panose="02020603050405020304" pitchFamily="18" charset="0"/>
+              </a:rPr>
+              <a:t>(</a:t>
+            </a:r>
+            <a:r>
+              <a:rPr lang="en-IN" b="1" i="1" dirty="0" smtClean="0">
+                <a:latin typeface="Times New Roman" panose="02020603050405020304" pitchFamily="18" charset="0"/>
+                <a:cs typeface="Times New Roman" panose="02020603050405020304" pitchFamily="18" charset="0"/>
+              </a:rPr>
+              <a:t>x,y</a:t>
+            </a:r>
+            <a:r>
+              <a:rPr lang="en-IN" b="1" dirty="0" smtClean="0">
+                <a:latin typeface="Times New Roman" panose="02020603050405020304" pitchFamily="18" charset="0"/>
+                <a:cs typeface="Times New Roman" panose="02020603050405020304" pitchFamily="18" charset="0"/>
+              </a:rPr>
+              <a:t>;</a:t>
+            </a:r>
+            <a:r>
+              <a:rPr lang="en-IN" b="1" i="1" dirty="0" smtClean="0">
+                <a:latin typeface="Times New Roman" panose="02020603050405020304" pitchFamily="18" charset="0"/>
+                <a:cs typeface="Times New Roman" panose="02020603050405020304" pitchFamily="18" charset="0"/>
+              </a:rPr>
+              <a:t>N</a:t>
+            </a:r>
+            <a:r>
+              <a:rPr lang="en-IN" b="1" i="1" baseline="-25000" dirty="0" smtClean="0">
+                <a:latin typeface="Times New Roman" panose="02020603050405020304" pitchFamily="18" charset="0"/>
+                <a:cs typeface="Times New Roman" panose="02020603050405020304" pitchFamily="18" charset="0"/>
+              </a:rPr>
+              <a:t>0</a:t>
+            </a:r>
+            <a:r>
+              <a:rPr lang="en-IN" b="1" dirty="0" smtClean="0">
+                <a:latin typeface="Times New Roman" panose="02020603050405020304" pitchFamily="18" charset="0"/>
+                <a:cs typeface="Times New Roman" panose="02020603050405020304" pitchFamily="18" charset="0"/>
+              </a:rPr>
+              <a:t>)=</a:t>
+            </a:r>
+            <a:r>
+              <a:rPr lang="en-IN" b="1" i="1" dirty="0" smtClean="0">
+                <a:latin typeface="Times New Roman" panose="02020603050405020304" pitchFamily="18" charset="0"/>
+                <a:cs typeface="Times New Roman" panose="02020603050405020304" pitchFamily="18" charset="0"/>
+              </a:rPr>
+              <a:t>a</a:t>
+            </a:r>
+            <a:r>
+              <a:rPr lang="en-IN" b="1" i="1" baseline="-25000" dirty="0" smtClean="0">
+                <a:latin typeface="Times New Roman" panose="02020603050405020304" pitchFamily="18" charset="0"/>
+                <a:cs typeface="Times New Roman" panose="02020603050405020304" pitchFamily="18" charset="0"/>
+              </a:rPr>
+              <a:t>1</a:t>
+            </a:r>
+            <a:r>
+              <a:rPr lang="en-IN" b="1" dirty="0" smtClean="0">
+                <a:latin typeface="Times New Roman" panose="02020603050405020304" pitchFamily="18" charset="0"/>
+                <a:cs typeface="Times New Roman" panose="02020603050405020304" pitchFamily="18" charset="0"/>
+              </a:rPr>
+              <a:t>+</a:t>
+            </a:r>
+            <a:r>
+              <a:rPr lang="en-IN" b="1" i="1" dirty="0" smtClean="0">
+                <a:latin typeface="Times New Roman" panose="02020603050405020304" pitchFamily="18" charset="0"/>
+                <a:cs typeface="Times New Roman" panose="02020603050405020304" pitchFamily="18" charset="0"/>
+              </a:rPr>
+              <a:t>a</a:t>
+            </a:r>
+            <a:r>
+              <a:rPr lang="en-IN" b="1" i="1" baseline="-25000" dirty="0" smtClean="0">
+                <a:latin typeface="Times New Roman" panose="02020603050405020304" pitchFamily="18" charset="0"/>
+                <a:cs typeface="Times New Roman" panose="02020603050405020304" pitchFamily="18" charset="0"/>
+              </a:rPr>
+              <a:t>2</a:t>
+            </a:r>
+            <a:r>
+              <a:rPr lang="en-IN" b="1" i="1" dirty="0" smtClean="0">
+                <a:latin typeface="Times New Roman" panose="02020603050405020304" pitchFamily="18" charset="0"/>
+                <a:cs typeface="Times New Roman" panose="02020603050405020304" pitchFamily="18" charset="0"/>
+              </a:rPr>
+              <a:t>x</a:t>
+            </a:r>
+            <a:r>
+              <a:rPr lang="en-IN" b="1" dirty="0" smtClean="0">
+                <a:latin typeface="Times New Roman" panose="02020603050405020304" pitchFamily="18" charset="0"/>
+                <a:cs typeface="Times New Roman" panose="02020603050405020304" pitchFamily="18" charset="0"/>
+              </a:rPr>
+              <a:t>+</a:t>
+            </a:r>
+            <a:r>
+              <a:rPr lang="en-IN" b="1" i="1" dirty="0" smtClean="0">
+                <a:latin typeface="Times New Roman" panose="02020603050405020304" pitchFamily="18" charset="0"/>
+                <a:cs typeface="Times New Roman" panose="02020603050405020304" pitchFamily="18" charset="0"/>
+              </a:rPr>
+              <a:t>a</a:t>
+            </a:r>
+            <a:r>
+              <a:rPr lang="en-IN" b="1" i="1" baseline="-25000" dirty="0" smtClean="0">
+                <a:latin typeface="Times New Roman" panose="02020603050405020304" pitchFamily="18" charset="0"/>
+                <a:cs typeface="Times New Roman" panose="02020603050405020304" pitchFamily="18" charset="0"/>
+              </a:rPr>
+              <a:t>3</a:t>
+            </a:r>
+            <a:r>
+              <a:rPr lang="en-IN" b="1" i="1" dirty="0" smtClean="0">
+                <a:latin typeface="Times New Roman" panose="02020603050405020304" pitchFamily="18" charset="0"/>
+                <a:cs typeface="Times New Roman" panose="02020603050405020304" pitchFamily="18" charset="0"/>
+              </a:rPr>
+              <a:t>y</a:t>
+            </a:r>
+            <a:r>
+              <a:rPr lang="en-IN" b="1" dirty="0" smtClean="0">
+                <a:latin typeface="Times New Roman" panose="02020603050405020304" pitchFamily="18" charset="0"/>
+                <a:cs typeface="Times New Roman" panose="02020603050405020304" pitchFamily="18" charset="0"/>
+              </a:rPr>
+              <a:t>+</a:t>
+            </a:r>
+            <a:r>
+              <a:rPr lang="en-IN" b="1" i="1" dirty="0" smtClean="0">
+                <a:latin typeface="Times New Roman" panose="02020603050405020304" pitchFamily="18" charset="0"/>
+                <a:cs typeface="Times New Roman" panose="02020603050405020304" pitchFamily="18" charset="0"/>
+              </a:rPr>
+              <a:t>a</a:t>
+            </a:r>
+            <a:r>
+              <a:rPr lang="en-IN" b="1" i="1" baseline="-25000" dirty="0" smtClean="0">
+                <a:latin typeface="Times New Roman" panose="02020603050405020304" pitchFamily="18" charset="0"/>
+                <a:cs typeface="Times New Roman" panose="02020603050405020304" pitchFamily="18" charset="0"/>
+              </a:rPr>
+              <a:t>4</a:t>
+            </a:r>
+            <a:r>
+              <a:rPr lang="en-IN" b="1" i="1" dirty="0" smtClean="0">
+                <a:latin typeface="Times New Roman" panose="02020603050405020304" pitchFamily="18" charset="0"/>
+                <a:cs typeface="Times New Roman" panose="02020603050405020304" pitchFamily="18" charset="0"/>
+              </a:rPr>
+              <a:t>xy</a:t>
+            </a:r>
+            <a:r>
+              <a:rPr lang="en-IN" b="1" dirty="0" smtClean="0">
+                <a:latin typeface="Times New Roman" panose="02020603050405020304" pitchFamily="18" charset="0"/>
+                <a:cs typeface="Times New Roman" panose="02020603050405020304" pitchFamily="18" charset="0"/>
+              </a:rPr>
+              <a:t>+</a:t>
+            </a:r>
+            <a:r>
+              <a:rPr lang="en-IN" b="1" i="1" dirty="0" smtClean="0">
+                <a:latin typeface="Times New Roman" panose="02020603050405020304" pitchFamily="18" charset="0"/>
+                <a:cs typeface="Times New Roman" panose="02020603050405020304" pitchFamily="18" charset="0"/>
+              </a:rPr>
+              <a:t>a</a:t>
+            </a:r>
+            <a:r>
+              <a:rPr lang="en-IN" b="1" i="1" baseline="-25000" dirty="0" smtClean="0">
+                <a:latin typeface="Times New Roman" panose="02020603050405020304" pitchFamily="18" charset="0"/>
+                <a:cs typeface="Times New Roman" panose="02020603050405020304" pitchFamily="18" charset="0"/>
+              </a:rPr>
+              <a:t>5</a:t>
+            </a:r>
+            <a:r>
+              <a:rPr lang="en-IN" b="1" i="1" dirty="0" smtClean="0">
+                <a:latin typeface="Times New Roman" panose="02020603050405020304" pitchFamily="18" charset="0"/>
+                <a:cs typeface="Times New Roman" panose="02020603050405020304" pitchFamily="18" charset="0"/>
+              </a:rPr>
+              <a:t>x</a:t>
+            </a:r>
+            <a:r>
+              <a:rPr lang="en-IN" b="1" i="1" baseline="30000" dirty="0" smtClean="0">
+                <a:latin typeface="Times New Roman" panose="02020603050405020304" pitchFamily="18" charset="0"/>
+                <a:cs typeface="Times New Roman" panose="02020603050405020304" pitchFamily="18" charset="0"/>
+              </a:rPr>
+              <a:t>2</a:t>
+            </a:r>
+            <a:r>
+              <a:rPr lang="en-IN" b="1" dirty="0" smtClean="0">
+                <a:latin typeface="Times New Roman" panose="02020603050405020304" pitchFamily="18" charset="0"/>
+                <a:cs typeface="Times New Roman" panose="02020603050405020304" pitchFamily="18" charset="0"/>
+              </a:rPr>
+              <a:t>+</a:t>
+            </a:r>
+            <a:r>
+              <a:rPr lang="en-IN" b="1" i="1" dirty="0" smtClean="0">
+                <a:latin typeface="Times New Roman" panose="02020603050405020304" pitchFamily="18" charset="0"/>
+                <a:cs typeface="Times New Roman" panose="02020603050405020304" pitchFamily="18" charset="0"/>
+              </a:rPr>
+              <a:t>a</a:t>
+            </a:r>
+            <a:r>
+              <a:rPr lang="en-IN" b="1" i="1" baseline="-25000" dirty="0" smtClean="0">
+                <a:latin typeface="Times New Roman" panose="02020603050405020304" pitchFamily="18" charset="0"/>
+                <a:cs typeface="Times New Roman" panose="02020603050405020304" pitchFamily="18" charset="0"/>
+              </a:rPr>
+              <a:t>6</a:t>
+            </a:r>
+            <a:r>
+              <a:rPr lang="en-IN" b="1" i="1" dirty="0" smtClean="0">
+                <a:latin typeface="Times New Roman" panose="02020603050405020304" pitchFamily="18" charset="0"/>
+                <a:cs typeface="Times New Roman" panose="02020603050405020304" pitchFamily="18" charset="0"/>
+              </a:rPr>
+              <a:t>y</a:t>
+            </a:r>
+            <a:r>
+              <a:rPr lang="en-IN" b="1" i="1" baseline="30000" dirty="0" smtClean="0">
+                <a:latin typeface="Times New Roman" panose="02020603050405020304" pitchFamily="18" charset="0"/>
+                <a:cs typeface="Times New Roman" panose="02020603050405020304" pitchFamily="18" charset="0"/>
+              </a:rPr>
+              <a:t>2</a:t>
+            </a:r>
+            <a:endParaRPr lang="en-IN" b="1" i="1" baseline="30000" dirty="0" smtClean="0">
+              <a:latin typeface="Times New Roman" panose="02020603050405020304" pitchFamily="18" charset="0"/>
+              <a:cs typeface="Times New Roman" panose="02020603050405020304" pitchFamily="18" charset="0"/>
+            </a:endParaRPr>
+          </a:p>
+          <a:p>
+            <a:r>
+              <a:rPr lang="en-IN" dirty="0" err="1" smtClean="0">
+                <a:latin typeface="Times New Roman" panose="02020603050405020304" pitchFamily="18" charset="0"/>
+                <a:cs typeface="Times New Roman" panose="02020603050405020304" pitchFamily="18" charset="0"/>
+              </a:rPr>
+              <a:t>Coeff</a:t>
+            </a:r>
+            <a:r>
+              <a:rPr lang="en-IN" dirty="0" smtClean="0">
+                <a:latin typeface="Times New Roman" panose="02020603050405020304" pitchFamily="18" charset="0"/>
+                <a:cs typeface="Times New Roman" panose="02020603050405020304" pitchFamily="18" charset="0"/>
+              </a:rPr>
+              <a:t>. </a:t>
+            </a:r>
+            <a:r>
+              <a:rPr lang="en-IN" dirty="0" smtClean="0">
+                <a:latin typeface="Times New Roman" panose="02020603050405020304" pitchFamily="18" charset="0"/>
+                <a:cs typeface="Times New Roman" panose="02020603050405020304" pitchFamily="18" charset="0"/>
+              </a:rPr>
+              <a:t>vector </a:t>
+            </a:r>
+            <a:r>
+              <a:rPr lang="en-IN" i="1" dirty="0" smtClean="0">
+                <a:latin typeface="Times New Roman" panose="02020603050405020304" pitchFamily="18" charset="0"/>
+                <a:cs typeface="Times New Roman" panose="02020603050405020304" pitchFamily="18" charset="0"/>
+              </a:rPr>
+              <a:t>a</a:t>
+            </a:r>
+            <a:r>
+              <a:rPr lang="en-IN" dirty="0" smtClean="0">
+                <a:latin typeface="Times New Roman" panose="02020603050405020304" pitchFamily="18" charset="0"/>
+                <a:cs typeface="Times New Roman" panose="02020603050405020304" pitchFamily="18" charset="0"/>
+              </a:rPr>
+              <a:t>=(</a:t>
+            </a:r>
+            <a:r>
+              <a:rPr lang="en-IN" i="1" dirty="0" smtClean="0">
+                <a:latin typeface="Times New Roman" panose="02020603050405020304" pitchFamily="18" charset="0"/>
+                <a:cs typeface="Times New Roman" panose="02020603050405020304" pitchFamily="18" charset="0"/>
+              </a:rPr>
+              <a:t>a</a:t>
+            </a:r>
+            <a:r>
+              <a:rPr lang="en-IN" i="1" baseline="-25000" dirty="0" smtClean="0">
+                <a:latin typeface="Times New Roman" panose="02020603050405020304" pitchFamily="18" charset="0"/>
+                <a:cs typeface="Times New Roman" panose="02020603050405020304" pitchFamily="18" charset="0"/>
+              </a:rPr>
+              <a:t>1</a:t>
+            </a:r>
+            <a:r>
+              <a:rPr lang="en-IN" i="1" dirty="0" smtClean="0">
+                <a:latin typeface="Times New Roman" panose="02020603050405020304" pitchFamily="18" charset="0"/>
+                <a:cs typeface="Times New Roman" panose="02020603050405020304" pitchFamily="18" charset="0"/>
+              </a:rPr>
+              <a:t>,a</a:t>
+            </a:r>
+            <a:r>
+              <a:rPr lang="en-IN" i="1" baseline="-25000" dirty="0" smtClean="0">
+                <a:latin typeface="Times New Roman" panose="02020603050405020304" pitchFamily="18" charset="0"/>
+                <a:cs typeface="Times New Roman" panose="02020603050405020304" pitchFamily="18" charset="0"/>
+              </a:rPr>
+              <a:t>2</a:t>
+            </a:r>
+            <a:r>
+              <a:rPr lang="en-IN" i="1" dirty="0" smtClean="0">
+                <a:latin typeface="Times New Roman" panose="02020603050405020304" pitchFamily="18" charset="0"/>
+                <a:cs typeface="Times New Roman" panose="02020603050405020304" pitchFamily="18" charset="0"/>
+              </a:rPr>
+              <a:t>,a</a:t>
+            </a:r>
+            <a:r>
+              <a:rPr lang="en-IN" i="1" baseline="-25000" dirty="0" smtClean="0">
+                <a:latin typeface="Times New Roman" panose="02020603050405020304" pitchFamily="18" charset="0"/>
+                <a:cs typeface="Times New Roman" panose="02020603050405020304" pitchFamily="18" charset="0"/>
+              </a:rPr>
+              <a:t>3</a:t>
+            </a:r>
+            <a:r>
+              <a:rPr lang="en-IN" i="1" dirty="0" smtClean="0">
+                <a:latin typeface="Times New Roman" panose="02020603050405020304" pitchFamily="18" charset="0"/>
+                <a:cs typeface="Times New Roman" panose="02020603050405020304" pitchFamily="18" charset="0"/>
+              </a:rPr>
+              <a:t>,a</a:t>
+            </a:r>
+            <a:r>
+              <a:rPr lang="en-IN" i="1" baseline="-25000" dirty="0" smtClean="0">
+                <a:latin typeface="Times New Roman" panose="02020603050405020304" pitchFamily="18" charset="0"/>
+                <a:cs typeface="Times New Roman" panose="02020603050405020304" pitchFamily="18" charset="0"/>
+              </a:rPr>
+              <a:t>4</a:t>
+            </a:r>
+            <a:r>
+              <a:rPr lang="en-IN" i="1" dirty="0" smtClean="0">
+                <a:latin typeface="Times New Roman" panose="02020603050405020304" pitchFamily="18" charset="0"/>
+                <a:cs typeface="Times New Roman" panose="02020603050405020304" pitchFamily="18" charset="0"/>
+              </a:rPr>
+              <a:t>,a</a:t>
+            </a:r>
+            <a:r>
+              <a:rPr lang="en-IN" i="1" baseline="-25000" dirty="0" smtClean="0">
+                <a:latin typeface="Times New Roman" panose="02020603050405020304" pitchFamily="18" charset="0"/>
+                <a:cs typeface="Times New Roman" panose="02020603050405020304" pitchFamily="18" charset="0"/>
+              </a:rPr>
+              <a:t>5</a:t>
+            </a:r>
+            <a:r>
+              <a:rPr lang="en-IN" i="1" dirty="0" smtClean="0">
+                <a:latin typeface="Times New Roman" panose="02020603050405020304" pitchFamily="18" charset="0"/>
+                <a:cs typeface="Times New Roman" panose="02020603050405020304" pitchFamily="18" charset="0"/>
+              </a:rPr>
+              <a:t>,a</a:t>
+            </a:r>
+            <a:r>
+              <a:rPr lang="en-IN" i="1" baseline="-25000" dirty="0" smtClean="0">
+                <a:latin typeface="Times New Roman" panose="02020603050405020304" pitchFamily="18" charset="0"/>
+                <a:cs typeface="Times New Roman" panose="02020603050405020304" pitchFamily="18" charset="0"/>
+              </a:rPr>
+              <a:t>6</a:t>
+            </a:r>
+            <a:r>
+              <a:rPr lang="en-IN" dirty="0" smtClean="0">
+                <a:latin typeface="Times New Roman" panose="02020603050405020304" pitchFamily="18" charset="0"/>
+                <a:cs typeface="Times New Roman" panose="02020603050405020304" pitchFamily="18" charset="0"/>
+              </a:rPr>
+              <a:t>)</a:t>
+            </a:r>
+            <a:r>
+              <a:rPr lang="en-IN" i="1" baseline="30000" dirty="0" smtClean="0">
+                <a:latin typeface="Times New Roman" panose="02020603050405020304" pitchFamily="18" charset="0"/>
+                <a:cs typeface="Times New Roman" panose="02020603050405020304" pitchFamily="18" charset="0"/>
+              </a:rPr>
+              <a:t>T</a:t>
+            </a:r>
+            <a:r>
+              <a:rPr lang="en-IN" dirty="0" smtClean="0">
+                <a:latin typeface="Times New Roman" panose="02020603050405020304" pitchFamily="18" charset="0"/>
+                <a:cs typeface="Times New Roman" panose="02020603050405020304" pitchFamily="18" charset="0"/>
+              </a:rPr>
+              <a:t> is computed by solving system of equations  </a:t>
+            </a:r>
+            <a:r>
+              <a:rPr lang="en-IN" i="1" dirty="0" err="1" smtClean="0">
+                <a:latin typeface="Times New Roman" panose="02020603050405020304" pitchFamily="18" charset="0"/>
+                <a:cs typeface="Times New Roman" panose="02020603050405020304" pitchFamily="18" charset="0"/>
+              </a:rPr>
+              <a:t>A</a:t>
+            </a:r>
+            <a:r>
+              <a:rPr lang="en-IN" i="1" baseline="30000" dirty="0" err="1" smtClean="0">
+                <a:latin typeface="Times New Roman" panose="02020603050405020304" pitchFamily="18" charset="0"/>
+                <a:cs typeface="Times New Roman" panose="02020603050405020304" pitchFamily="18" charset="0"/>
+              </a:rPr>
+              <a:t>T</a:t>
+            </a:r>
+            <a:r>
+              <a:rPr lang="en-IN" i="1" dirty="0" err="1" smtClean="0">
+                <a:latin typeface="Times New Roman" panose="02020603050405020304" pitchFamily="18" charset="0"/>
+                <a:cs typeface="Times New Roman" panose="02020603050405020304" pitchFamily="18" charset="0"/>
+              </a:rPr>
+              <a:t>Aa</a:t>
+            </a:r>
+            <a:r>
+              <a:rPr lang="en-IN" i="1" dirty="0" smtClean="0">
+                <a:latin typeface="Times New Roman" panose="02020603050405020304" pitchFamily="18" charset="0"/>
+                <a:cs typeface="Times New Roman" panose="02020603050405020304" pitchFamily="18" charset="0"/>
+              </a:rPr>
+              <a:t>=</a:t>
+            </a:r>
+            <a:r>
+              <a:rPr lang="en-IN" i="1" dirty="0" err="1" smtClean="0">
+                <a:latin typeface="Times New Roman" panose="02020603050405020304" pitchFamily="18" charset="0"/>
+                <a:cs typeface="Times New Roman" panose="02020603050405020304" pitchFamily="18" charset="0"/>
+              </a:rPr>
+              <a:t>A</a:t>
+            </a:r>
+            <a:r>
+              <a:rPr lang="en-IN" i="1" baseline="30000" dirty="0" err="1" smtClean="0">
+                <a:latin typeface="Times New Roman" panose="02020603050405020304" pitchFamily="18" charset="0"/>
+                <a:cs typeface="Times New Roman" panose="02020603050405020304" pitchFamily="18" charset="0"/>
+              </a:rPr>
+              <a:t>T</a:t>
+            </a:r>
+            <a:r>
+              <a:rPr lang="en-IN" i="1" dirty="0" err="1" smtClean="0">
+                <a:latin typeface="Times New Roman" panose="02020603050405020304" pitchFamily="18" charset="0"/>
+                <a:cs typeface="Times New Roman" panose="02020603050405020304" pitchFamily="18" charset="0"/>
+              </a:rPr>
               <a:t>U</a:t>
             </a:r>
             <a:r>
-              <a:rPr lang="en-IN" i="1" baseline="-25000" dirty="0" smtClean="0"/>
+              <a:rPr lang="en-IN" i="1" baseline="-25000" dirty="0" err="1" smtClean="0">
+                <a:latin typeface="Times New Roman" panose="02020603050405020304" pitchFamily="18" charset="0"/>
+                <a:cs typeface="Times New Roman" panose="02020603050405020304" pitchFamily="18" charset="0"/>
+              </a:rPr>
               <a:t>h</a:t>
             </a:r>
             <a:r>
-              <a:rPr lang="en-IN" dirty="0" smtClean="0"/>
-              <a:t>-approximated function. </a:t>
-            </a:r>
-          </a:p>
-          <a:p>
-            <a:r>
-              <a:rPr lang="en-IN" dirty="0" smtClean="0"/>
-              <a:t>Polynomial p2:  </a:t>
-            </a:r>
-            <a:r>
-              <a:rPr lang="en-IN" b="1" dirty="0"/>
-              <a:t>p</a:t>
-            </a:r>
-            <a:r>
-              <a:rPr lang="en-IN" b="1" baseline="-25000" dirty="0" smtClean="0"/>
-              <a:t>2 </a:t>
-            </a:r>
-            <a:r>
-              <a:rPr lang="en-IN" b="1" dirty="0" smtClean="0"/>
-              <a:t>(x,y;N</a:t>
-            </a:r>
-            <a:r>
-              <a:rPr lang="en-IN" b="1" baseline="-25000" dirty="0" smtClean="0"/>
-              <a:t>0</a:t>
-            </a:r>
-            <a:r>
-              <a:rPr lang="en-IN" b="1" dirty="0" smtClean="0"/>
-              <a:t>)=a</a:t>
-            </a:r>
-            <a:r>
-              <a:rPr lang="en-IN" b="1" baseline="-25000" dirty="0" smtClean="0"/>
-              <a:t>1</a:t>
-            </a:r>
-            <a:r>
-              <a:rPr lang="en-IN" b="1" dirty="0" smtClean="0"/>
-              <a:t>+a</a:t>
-            </a:r>
-            <a:r>
-              <a:rPr lang="en-IN" b="1" baseline="-25000" dirty="0" smtClean="0"/>
-              <a:t>2</a:t>
-            </a:r>
-            <a:r>
-              <a:rPr lang="en-IN" b="1" dirty="0" smtClean="0"/>
-              <a:t>x+a</a:t>
-            </a:r>
-            <a:r>
-              <a:rPr lang="en-IN" b="1" baseline="-25000" dirty="0" smtClean="0"/>
-              <a:t>3</a:t>
-            </a:r>
-            <a:r>
-              <a:rPr lang="en-IN" b="1" dirty="0" smtClean="0"/>
-              <a:t>y+a</a:t>
-            </a:r>
-            <a:r>
-              <a:rPr lang="en-IN" b="1" baseline="-25000" dirty="0" smtClean="0"/>
-              <a:t>4</a:t>
-            </a:r>
-            <a:r>
-              <a:rPr lang="en-IN" b="1" dirty="0" smtClean="0"/>
-              <a:t>xy+a</a:t>
-            </a:r>
-            <a:r>
-              <a:rPr lang="en-IN" b="1" baseline="-25000" dirty="0" smtClean="0"/>
-              <a:t>5</a:t>
-            </a:r>
-            <a:r>
-              <a:rPr lang="en-IN" b="1" dirty="0" smtClean="0"/>
-              <a:t>x</a:t>
-            </a:r>
-            <a:r>
-              <a:rPr lang="en-IN" b="1" baseline="30000" dirty="0" smtClean="0"/>
-              <a:t>2</a:t>
-            </a:r>
-            <a:r>
-              <a:rPr lang="en-IN" b="1" dirty="0" smtClean="0"/>
-              <a:t>+a</a:t>
-            </a:r>
-            <a:r>
-              <a:rPr lang="en-IN" b="1" baseline="-25000" dirty="0" smtClean="0"/>
-              <a:t>6</a:t>
-            </a:r>
-            <a:r>
-              <a:rPr lang="en-IN" b="1" dirty="0" smtClean="0"/>
-              <a:t>y</a:t>
-            </a:r>
-            <a:r>
-              <a:rPr lang="en-IN" b="1" baseline="30000" dirty="0" smtClean="0"/>
-              <a:t>2</a:t>
-            </a:r>
-          </a:p>
-          <a:p>
-            <a:r>
-              <a:rPr lang="en-IN" dirty="0" err="1" smtClean="0"/>
-              <a:t>Coeff</a:t>
-            </a:r>
-            <a:r>
-              <a:rPr lang="en-IN" dirty="0" smtClean="0"/>
-              <a:t> vector a=(a1,a2,a3,a4,a5,a6)</a:t>
-            </a:r>
-            <a:r>
-              <a:rPr lang="en-IN" baseline="30000" dirty="0" smtClean="0"/>
-              <a:t>T</a:t>
-            </a:r>
-            <a:r>
-              <a:rPr lang="en-IN" dirty="0" smtClean="0"/>
-              <a:t> is computed by solving system of equations  </a:t>
-            </a:r>
-            <a:r>
-              <a:rPr lang="en-IN" dirty="0" err="1" smtClean="0"/>
-              <a:t>A</a:t>
-            </a:r>
-            <a:r>
-              <a:rPr lang="en-IN" baseline="30000" dirty="0" err="1" smtClean="0"/>
-              <a:t>T</a:t>
-            </a:r>
-            <a:r>
-              <a:rPr lang="en-IN" dirty="0" err="1" smtClean="0"/>
-              <a:t>Aa</a:t>
-            </a:r>
-            <a:r>
-              <a:rPr lang="en-IN" dirty="0" smtClean="0"/>
-              <a:t>=</a:t>
-            </a:r>
-            <a:r>
-              <a:rPr lang="en-IN" dirty="0" err="1" smtClean="0"/>
-              <a:t>A</a:t>
-            </a:r>
-            <a:r>
-              <a:rPr lang="en-IN" baseline="30000" dirty="0" err="1" smtClean="0"/>
-              <a:t>T</a:t>
-            </a:r>
-            <a:r>
-              <a:rPr lang="en-IN" dirty="0" err="1" smtClean="0"/>
-              <a:t>U</a:t>
-            </a:r>
-            <a:r>
-              <a:rPr lang="en-IN" i="1" baseline="-25000" dirty="0" err="1" smtClean="0"/>
-              <a:t>h</a:t>
-            </a:r>
-            <a:r>
-              <a:rPr lang="en-IN" i="1" dirty="0"/>
+              <a:rPr lang="en-IN" i="1" dirty="0">
+                <a:latin typeface="Times New Roman" panose="02020603050405020304" pitchFamily="18" charset="0"/>
+                <a:cs typeface="Times New Roman" panose="02020603050405020304" pitchFamily="18" charset="0"/>
+              </a:rPr>
               <a:t>.</a:t>
             </a:r>
-            <a:endParaRPr lang="en-IN" dirty="0"/>
           </a:p>
         </p:txBody>
       </p:sp>
@@ -7591,7 +9459,7 @@
         </p:blipFill>
         <p:spPr>
           <a:xfrm>
-            <a:off x="1102518" y="4708525"/>
+            <a:off x="947736" y="4137819"/>
             <a:ext cx="6234114" cy="1468437"/>
           </a:xfrm>
           <a:prstGeom prst="rect">
@@ -7615,7 +9483,7 @@
         </p:blipFill>
         <p:spPr>
           <a:xfrm>
-            <a:off x="7600950" y="4872038"/>
+            <a:off x="7415208" y="4377526"/>
             <a:ext cx="4171950" cy="1085850"/>
           </a:xfrm>
           <a:prstGeom prst="rect">
@@ -7677,11 +9545,16 @@
           </a:xfrm>
         </p:spPr>
         <p:txBody>
-          <a:bodyPr/>
+          <a:bodyPr>
+            <a:normAutofit/>
+          </a:bodyPr>
           <a:lstStyle/>
           <a:p>
             <a:r>
-              <a:rPr lang="en-IN" dirty="0"/>
+              <a:rPr lang="en-IN" sz="3200" b="1" dirty="0">
+                <a:latin typeface="Times New Roman" panose="02020603050405020304" pitchFamily="18" charset="0"/>
+                <a:cs typeface="Times New Roman" panose="02020603050405020304" pitchFamily="18" charset="0"/>
+              </a:rPr>
               <a:t>Recovery Methods:</a:t>
             </a:r>
           </a:p>
@@ -7707,15 +9580,24 @@
           <a:bodyPr/>
           <a:lstStyle/>
           <a:p>
-            <a:r>
-              <a:rPr lang="en-IN" dirty="0" smtClean="0"/>
+            <a:pPr marL="0" indent="0">
+              <a:buNone/>
+            </a:pPr>
+            <a:r>
+              <a:rPr lang="en-IN" i="1" dirty="0" smtClean="0">
+                <a:latin typeface="Times New Roman" panose="02020603050405020304" pitchFamily="18" charset="0"/>
+                <a:cs typeface="Times New Roman" panose="02020603050405020304" pitchFamily="18" charset="0"/>
+              </a:rPr>
               <a:t>Double Linear Least squares fitting:</a:t>
             </a:r>
           </a:p>
           <a:p>
             <a:pPr lvl="1"/>
             <a:r>
-              <a:rPr lang="en-IN" dirty="0" smtClean="0"/>
+              <a:rPr lang="en-IN" dirty="0" smtClean="0">
+                <a:latin typeface="Times New Roman" panose="02020603050405020304" pitchFamily="18" charset="0"/>
+                <a:cs typeface="Times New Roman" panose="02020603050405020304" pitchFamily="18" charset="0"/>
+              </a:rPr>
               <a:t>Double linear least squares ﬁtting </a:t>
             </a:r>
             <a:r>
@@ -7723,7 +9605,8 @@
                 <a:solidFill>
                   <a:srgbClr val="000000"/>
                 </a:solidFill>
-                <a:latin typeface="Arial" panose="020B0604020202020204" pitchFamily="34" charset="0"/>
+                <a:latin typeface="Times New Roman" panose="02020603050405020304" pitchFamily="18" charset="0"/>
+                <a:cs typeface="Times New Roman" panose="02020603050405020304" pitchFamily="18" charset="0"/>
               </a:rPr>
               <a:t>computes the derivatives by smoothing </a:t>
             </a:r>
@@ -7732,7 +9615,8 @@
                 <a:solidFill>
                   <a:srgbClr val="000000"/>
                 </a:solidFill>
-                <a:latin typeface="Arial" panose="020B0604020202020204" pitchFamily="34" charset="0"/>
+                <a:latin typeface="Times New Roman" panose="02020603050405020304" pitchFamily="18" charset="0"/>
+                <a:cs typeface="Times New Roman" panose="02020603050405020304" pitchFamily="18" charset="0"/>
               </a:rPr>
               <a:t>the linear </a:t>
             </a:r>
@@ -7741,7 +9625,8 @@
                 <a:solidFill>
                   <a:srgbClr val="000000"/>
                 </a:solidFill>
-                <a:latin typeface="Arial" panose="020B0604020202020204" pitchFamily="34" charset="0"/>
+                <a:latin typeface="Times New Roman" panose="02020603050405020304" pitchFamily="18" charset="0"/>
+                <a:cs typeface="Times New Roman" panose="02020603050405020304" pitchFamily="18" charset="0"/>
               </a:rPr>
               <a:t>approximation of a given function before computing </a:t>
             </a:r>
@@ -7750,7 +9635,8 @@
                 <a:solidFill>
                   <a:srgbClr val="000000"/>
                 </a:solidFill>
-                <a:latin typeface="Arial" panose="020B0604020202020204" pitchFamily="34" charset="0"/>
+                <a:latin typeface="Times New Roman" panose="02020603050405020304" pitchFamily="18" charset="0"/>
+                <a:cs typeface="Times New Roman" panose="02020603050405020304" pitchFamily="18" charset="0"/>
               </a:rPr>
               <a:t>derivatives</a:t>
             </a:r>
@@ -7759,7 +9645,8 @@
                 <a:solidFill>
                   <a:srgbClr val="000000"/>
                 </a:solidFill>
-                <a:latin typeface="Arial" panose="020B0604020202020204" pitchFamily="34" charset="0"/>
+                <a:latin typeface="Times New Roman" panose="02020603050405020304" pitchFamily="18" charset="0"/>
+                <a:cs typeface="Times New Roman" panose="02020603050405020304" pitchFamily="18" charset="0"/>
               </a:rPr>
               <a:t>. </a:t>
             </a:r>
@@ -7767,120 +9654,241 @@
               <a:solidFill>
                 <a:srgbClr val="000000"/>
               </a:solidFill>
-              <a:latin typeface="Arial" panose="020B0604020202020204" pitchFamily="34" charset="0"/>
+              <a:latin typeface="Times New Roman" panose="02020603050405020304" pitchFamily="18" charset="0"/>
+              <a:cs typeface="Times New Roman" panose="02020603050405020304" pitchFamily="18" charset="0"/>
             </a:endParaRPr>
           </a:p>
           <a:p>
             <a:pPr lvl="1"/>
             <a:r>
-              <a:rPr lang="en-IN" dirty="0" smtClean="0"/>
-              <a:t> The process is similar to the smoothing process described for the quadratic least squares ﬁtting except for the order of the ﬁtting polynomial. Here, a linear regression is applied.</a:t>
-            </a:r>
+              <a:rPr lang="en-IN" dirty="0" smtClean="0">
+                <a:latin typeface="Times New Roman" panose="02020603050405020304" pitchFamily="18" charset="0"/>
+                <a:cs typeface="Times New Roman" panose="02020603050405020304" pitchFamily="18" charset="0"/>
+              </a:rPr>
+              <a:t>The </a:t>
+            </a:r>
+            <a:r>
+              <a:rPr lang="en-IN" dirty="0" smtClean="0">
+                <a:latin typeface="Times New Roman" panose="02020603050405020304" pitchFamily="18" charset="0"/>
+                <a:cs typeface="Times New Roman" panose="02020603050405020304" pitchFamily="18" charset="0"/>
+              </a:rPr>
+              <a:t>process is similar to the smoothing process described for the quadratic least squares ﬁtting except for the order of the ﬁtting polynomial. Here, a linear regression is </a:t>
+            </a:r>
+            <a:r>
+              <a:rPr lang="en-IN" dirty="0" smtClean="0">
+                <a:latin typeface="Times New Roman" panose="02020603050405020304" pitchFamily="18" charset="0"/>
+                <a:cs typeface="Times New Roman" panose="02020603050405020304" pitchFamily="18" charset="0"/>
+              </a:rPr>
+              <a:t>applied to smooth the points.</a:t>
+            </a:r>
+            <a:endParaRPr lang="en-IN" dirty="0" smtClean="0">
+              <a:latin typeface="Times New Roman" panose="02020603050405020304" pitchFamily="18" charset="0"/>
+              <a:cs typeface="Times New Roman" panose="02020603050405020304" pitchFamily="18" charset="0"/>
+            </a:endParaRPr>
           </a:p>
           <a:p>
             <a:pPr lvl="1"/>
             <a:r>
-              <a:rPr lang="en-IN" dirty="0" smtClean="0"/>
+              <a:rPr lang="en-IN" dirty="0" smtClean="0">
+                <a:latin typeface="Times New Roman" panose="02020603050405020304" pitchFamily="18" charset="0"/>
+                <a:cs typeface="Times New Roman" panose="02020603050405020304" pitchFamily="18" charset="0"/>
+              </a:rPr>
               <a:t>Again for node </a:t>
             </a:r>
             <a:r>
-              <a:rPr lang="en-IN" dirty="0"/>
+              <a:rPr lang="en-IN" dirty="0">
+                <a:latin typeface="Times New Roman" panose="02020603050405020304" pitchFamily="18" charset="0"/>
+                <a:cs typeface="Times New Roman" panose="02020603050405020304" pitchFamily="18" charset="0"/>
+              </a:rPr>
               <a:t>N</a:t>
             </a:r>
             <a:r>
-              <a:rPr lang="en-IN" baseline="-25000" dirty="0"/>
+              <a:rPr lang="en-IN" baseline="-25000" dirty="0">
+                <a:latin typeface="Times New Roman" panose="02020603050405020304" pitchFamily="18" charset="0"/>
+                <a:cs typeface="Times New Roman" panose="02020603050405020304" pitchFamily="18" charset="0"/>
+              </a:rPr>
               <a:t>0</a:t>
             </a:r>
             <a:r>
-              <a:rPr lang="en-IN" dirty="0"/>
-              <a:t>(x</a:t>
-            </a:r>
-            <a:r>
-              <a:rPr lang="en-IN" baseline="-25000" dirty="0"/>
+              <a:rPr lang="en-IN" dirty="0">
+                <a:latin typeface="Times New Roman" panose="02020603050405020304" pitchFamily="18" charset="0"/>
+                <a:cs typeface="Times New Roman" panose="02020603050405020304" pitchFamily="18" charset="0"/>
+              </a:rPr>
+              <a:t>(</a:t>
+            </a:r>
+            <a:r>
+              <a:rPr lang="en-IN" i="1" dirty="0">
+                <a:latin typeface="Times New Roman" panose="02020603050405020304" pitchFamily="18" charset="0"/>
+                <a:cs typeface="Times New Roman" panose="02020603050405020304" pitchFamily="18" charset="0"/>
+              </a:rPr>
+              <a:t>x</a:t>
+            </a:r>
+            <a:r>
+              <a:rPr lang="en-IN" i="1" baseline="-25000" dirty="0">
+                <a:latin typeface="Times New Roman" panose="02020603050405020304" pitchFamily="18" charset="0"/>
+                <a:cs typeface="Times New Roman" panose="02020603050405020304" pitchFamily="18" charset="0"/>
+              </a:rPr>
               <a:t>0</a:t>
             </a:r>
             <a:r>
-              <a:rPr lang="en-IN" dirty="0"/>
+              <a:rPr lang="en-IN" i="1" dirty="0">
+                <a:latin typeface="Times New Roman" panose="02020603050405020304" pitchFamily="18" charset="0"/>
+                <a:cs typeface="Times New Roman" panose="02020603050405020304" pitchFamily="18" charset="0"/>
+              </a:rPr>
               <a:t>,y</a:t>
             </a:r>
             <a:r>
-              <a:rPr lang="en-IN" baseline="-25000" dirty="0"/>
+              <a:rPr lang="en-IN" i="1" baseline="-25000" dirty="0">
+                <a:latin typeface="Times New Roman" panose="02020603050405020304" pitchFamily="18" charset="0"/>
+                <a:cs typeface="Times New Roman" panose="02020603050405020304" pitchFamily="18" charset="0"/>
+              </a:rPr>
               <a:t>0</a:t>
             </a:r>
             <a:r>
-              <a:rPr lang="en-IN" dirty="0" smtClean="0"/>
+              <a:rPr lang="en-IN" dirty="0" smtClean="0">
+                <a:latin typeface="Times New Roman" panose="02020603050405020304" pitchFamily="18" charset="0"/>
+                <a:cs typeface="Times New Roman" panose="02020603050405020304" pitchFamily="18" charset="0"/>
+              </a:rPr>
               <a:t>), let n be the number of direct mesh neighbours N</a:t>
             </a:r>
             <a:r>
-              <a:rPr lang="en-IN" i="1" baseline="-25000" dirty="0" smtClean="0"/>
+              <a:rPr lang="en-IN" i="1" baseline="-25000" dirty="0" smtClean="0">
+                <a:latin typeface="Times New Roman" panose="02020603050405020304" pitchFamily="18" charset="0"/>
+                <a:cs typeface="Times New Roman" panose="02020603050405020304" pitchFamily="18" charset="0"/>
+              </a:rPr>
               <a:t>i</a:t>
             </a:r>
             <a:r>
-              <a:rPr lang="en-IN" dirty="0" smtClean="0"/>
+              <a:rPr lang="en-IN" dirty="0" smtClean="0">
+                <a:latin typeface="Times New Roman" panose="02020603050405020304" pitchFamily="18" charset="0"/>
+                <a:cs typeface="Times New Roman" panose="02020603050405020304" pitchFamily="18" charset="0"/>
+              </a:rPr>
               <a:t>(</a:t>
             </a:r>
             <a:r>
-              <a:rPr lang="en-IN" dirty="0" err="1" smtClean="0"/>
+              <a:rPr lang="en-IN" dirty="0" err="1" smtClean="0">
+                <a:latin typeface="Times New Roman" panose="02020603050405020304" pitchFamily="18" charset="0"/>
+                <a:cs typeface="Times New Roman" panose="02020603050405020304" pitchFamily="18" charset="0"/>
+              </a:rPr>
               <a:t>x</a:t>
             </a:r>
             <a:r>
-              <a:rPr lang="en-IN" i="1" baseline="-25000" dirty="0" err="1" smtClean="0"/>
+              <a:rPr lang="en-IN" i="1" baseline="-25000" dirty="0" err="1" smtClean="0">
+                <a:latin typeface="Times New Roman" panose="02020603050405020304" pitchFamily="18" charset="0"/>
+                <a:cs typeface="Times New Roman" panose="02020603050405020304" pitchFamily="18" charset="0"/>
+              </a:rPr>
               <a:t>i</a:t>
             </a:r>
             <a:r>
-              <a:rPr lang="en-IN" dirty="0" err="1" smtClean="0"/>
+              <a:rPr lang="en-IN" dirty="0" err="1" smtClean="0">
+                <a:latin typeface="Times New Roman" panose="02020603050405020304" pitchFamily="18" charset="0"/>
+                <a:cs typeface="Times New Roman" panose="02020603050405020304" pitchFamily="18" charset="0"/>
+              </a:rPr>
               <a:t>,y</a:t>
             </a:r>
             <a:r>
-              <a:rPr lang="en-IN" i="1" baseline="-25000" dirty="0" err="1" smtClean="0"/>
+              <a:rPr lang="en-IN" i="1" baseline="-25000" dirty="0" err="1" smtClean="0">
+                <a:latin typeface="Times New Roman" panose="02020603050405020304" pitchFamily="18" charset="0"/>
+                <a:cs typeface="Times New Roman" panose="02020603050405020304" pitchFamily="18" charset="0"/>
+              </a:rPr>
               <a:t>i</a:t>
             </a:r>
             <a:r>
-              <a:rPr lang="en-IN" dirty="0"/>
+              <a:rPr lang="en-IN" dirty="0">
+                <a:latin typeface="Times New Roman" panose="02020603050405020304" pitchFamily="18" charset="0"/>
+                <a:cs typeface="Times New Roman" panose="02020603050405020304" pitchFamily="18" charset="0"/>
+              </a:rPr>
               <a:t>) </a:t>
             </a:r>
             <a:r>
-              <a:rPr lang="en-IN" i="1" dirty="0" err="1"/>
+              <a:rPr lang="en-IN" i="1" dirty="0" err="1">
+                <a:latin typeface="Times New Roman" panose="02020603050405020304" pitchFamily="18" charset="0"/>
+                <a:cs typeface="Times New Roman" panose="02020603050405020304" pitchFamily="18" charset="0"/>
+              </a:rPr>
               <a:t>i</a:t>
             </a:r>
             <a:r>
-              <a:rPr lang="en-IN" dirty="0"/>
+              <a:rPr lang="en-IN" dirty="0">
+                <a:latin typeface="Times New Roman" panose="02020603050405020304" pitchFamily="18" charset="0"/>
+                <a:cs typeface="Times New Roman" panose="02020603050405020304" pitchFamily="18" charset="0"/>
+              </a:rPr>
               <a:t>=1,2,..n for n&gt;=5. </a:t>
             </a:r>
-            <a:endParaRPr lang="en-IN" dirty="0" smtClean="0"/>
+            <a:endParaRPr lang="en-IN" dirty="0" smtClean="0">
+              <a:latin typeface="Times New Roman" panose="02020603050405020304" pitchFamily="18" charset="0"/>
+              <a:cs typeface="Times New Roman" panose="02020603050405020304" pitchFamily="18" charset="0"/>
+            </a:endParaRPr>
           </a:p>
           <a:p>
             <a:pPr lvl="1"/>
             <a:r>
-              <a:rPr lang="en-IN" dirty="0"/>
+              <a:rPr lang="en-IN" dirty="0">
+                <a:latin typeface="Times New Roman" panose="02020603050405020304" pitchFamily="18" charset="0"/>
+                <a:cs typeface="Times New Roman" panose="02020603050405020304" pitchFamily="18" charset="0"/>
+              </a:rPr>
               <a:t>The local linear </a:t>
             </a:r>
             <a:r>
-              <a:rPr lang="en-IN" dirty="0" smtClean="0"/>
+              <a:rPr lang="en-IN" dirty="0" smtClean="0">
+                <a:latin typeface="Times New Roman" panose="02020603050405020304" pitchFamily="18" charset="0"/>
+                <a:cs typeface="Times New Roman" panose="02020603050405020304" pitchFamily="18" charset="0"/>
+              </a:rPr>
               <a:t>approximation p</a:t>
             </a:r>
             <a:r>
-              <a:rPr lang="en-IN" baseline="-25000" dirty="0" smtClean="0"/>
+              <a:rPr lang="en-IN" baseline="-25000" dirty="0" smtClean="0">
+                <a:latin typeface="Times New Roman" panose="02020603050405020304" pitchFamily="18" charset="0"/>
+                <a:cs typeface="Times New Roman" panose="02020603050405020304" pitchFamily="18" charset="0"/>
+              </a:rPr>
               <a:t>1</a:t>
             </a:r>
             <a:r>
-              <a:rPr lang="en-IN" dirty="0" smtClean="0"/>
-              <a:t>(x,y;N</a:t>
-            </a:r>
-            <a:r>
-              <a:rPr lang="en-IN" baseline="-25000" dirty="0" smtClean="0"/>
+              <a:rPr lang="en-IN" dirty="0" smtClean="0">
+                <a:latin typeface="Times New Roman" panose="02020603050405020304" pitchFamily="18" charset="0"/>
+                <a:cs typeface="Times New Roman" panose="02020603050405020304" pitchFamily="18" charset="0"/>
+              </a:rPr>
+              <a:t>(</a:t>
+            </a:r>
+            <a:r>
+              <a:rPr lang="en-IN" i="1" dirty="0" smtClean="0">
+                <a:latin typeface="Times New Roman" panose="02020603050405020304" pitchFamily="18" charset="0"/>
+                <a:cs typeface="Times New Roman" panose="02020603050405020304" pitchFamily="18" charset="0"/>
+              </a:rPr>
+              <a:t>x,y</a:t>
+            </a:r>
+            <a:r>
+              <a:rPr lang="en-IN" dirty="0" smtClean="0">
+                <a:latin typeface="Times New Roman" panose="02020603050405020304" pitchFamily="18" charset="0"/>
+                <a:cs typeface="Times New Roman" panose="02020603050405020304" pitchFamily="18" charset="0"/>
+              </a:rPr>
+              <a:t>;N</a:t>
+            </a:r>
+            <a:r>
+              <a:rPr lang="en-IN" baseline="-25000" dirty="0" smtClean="0">
+                <a:latin typeface="Times New Roman" panose="02020603050405020304" pitchFamily="18" charset="0"/>
+                <a:cs typeface="Times New Roman" panose="02020603050405020304" pitchFamily="18" charset="0"/>
+              </a:rPr>
               <a:t>0</a:t>
             </a:r>
             <a:r>
-              <a:rPr lang="en-IN" dirty="0" smtClean="0"/>
+              <a:rPr lang="en-IN" dirty="0" smtClean="0">
+                <a:latin typeface="Times New Roman" panose="02020603050405020304" pitchFamily="18" charset="0"/>
+                <a:cs typeface="Times New Roman" panose="02020603050405020304" pitchFamily="18" charset="0"/>
+              </a:rPr>
               <a:t>) over patch of N</a:t>
             </a:r>
             <a:r>
-              <a:rPr lang="en-IN" baseline="-25000" dirty="0" smtClean="0"/>
+              <a:rPr lang="en-IN" baseline="-25000" dirty="0" smtClean="0">
+                <a:latin typeface="Times New Roman" panose="02020603050405020304" pitchFamily="18" charset="0"/>
+                <a:cs typeface="Times New Roman" panose="02020603050405020304" pitchFamily="18" charset="0"/>
+              </a:rPr>
               <a:t>0</a:t>
             </a:r>
             <a:r>
-              <a:rPr lang="en-IN" dirty="0" smtClean="0"/>
+              <a:rPr lang="en-IN" dirty="0" smtClean="0">
+                <a:latin typeface="Times New Roman" panose="02020603050405020304" pitchFamily="18" charset="0"/>
+                <a:cs typeface="Times New Roman" panose="02020603050405020304" pitchFamily="18" charset="0"/>
+              </a:rPr>
               <a:t> is given by,</a:t>
             </a:r>
           </a:p>
@@ -7889,51 +9897,129 @@
               <a:buNone/>
             </a:pPr>
             <a:r>
-              <a:rPr lang="en-IN" b="1" dirty="0"/>
+              <a:rPr lang="en-IN" b="1" dirty="0">
+                <a:latin typeface="Times New Roman" panose="02020603050405020304" pitchFamily="18" charset="0"/>
+                <a:cs typeface="Times New Roman" panose="02020603050405020304" pitchFamily="18" charset="0"/>
+              </a:rPr>
               <a:t>	</a:t>
             </a:r>
             <a:r>
-              <a:rPr lang="en-IN" b="1" dirty="0" smtClean="0"/>
+              <a:rPr lang="en-IN" b="1" dirty="0" smtClean="0">
+                <a:latin typeface="Times New Roman" panose="02020603050405020304" pitchFamily="18" charset="0"/>
+                <a:cs typeface="Times New Roman" panose="02020603050405020304" pitchFamily="18" charset="0"/>
+              </a:rPr>
               <a:t>p</a:t>
             </a:r>
             <a:r>
-              <a:rPr lang="en-IN" b="1" baseline="-25000" dirty="0" smtClean="0"/>
+              <a:rPr lang="en-IN" b="1" baseline="-25000" dirty="0" smtClean="0">
+                <a:latin typeface="Times New Roman" panose="02020603050405020304" pitchFamily="18" charset="0"/>
+                <a:cs typeface="Times New Roman" panose="02020603050405020304" pitchFamily="18" charset="0"/>
+              </a:rPr>
               <a:t>1</a:t>
             </a:r>
             <a:r>
-              <a:rPr lang="en-IN" b="1" dirty="0" smtClean="0"/>
-              <a:t>(x,y;N</a:t>
-            </a:r>
-            <a:r>
-              <a:rPr lang="en-IN" b="1" baseline="-25000" dirty="0" smtClean="0"/>
+              <a:rPr lang="en-IN" b="1" dirty="0" smtClean="0">
+                <a:latin typeface="Times New Roman" panose="02020603050405020304" pitchFamily="18" charset="0"/>
+                <a:cs typeface="Times New Roman" panose="02020603050405020304" pitchFamily="18" charset="0"/>
+              </a:rPr>
+              <a:t>(</a:t>
+            </a:r>
+            <a:r>
+              <a:rPr lang="en-IN" b="1" i="1" dirty="0" smtClean="0">
+                <a:latin typeface="Times New Roman" panose="02020603050405020304" pitchFamily="18" charset="0"/>
+                <a:cs typeface="Times New Roman" panose="02020603050405020304" pitchFamily="18" charset="0"/>
+              </a:rPr>
+              <a:t>x,y</a:t>
+            </a:r>
+            <a:r>
+              <a:rPr lang="en-IN" b="1" dirty="0" smtClean="0">
+                <a:latin typeface="Times New Roman" panose="02020603050405020304" pitchFamily="18" charset="0"/>
+                <a:cs typeface="Times New Roman" panose="02020603050405020304" pitchFamily="18" charset="0"/>
+              </a:rPr>
+              <a:t>;N</a:t>
+            </a:r>
+            <a:r>
+              <a:rPr lang="en-IN" b="1" baseline="-25000" dirty="0" smtClean="0">
+                <a:latin typeface="Times New Roman" panose="02020603050405020304" pitchFamily="18" charset="0"/>
+                <a:cs typeface="Times New Roman" panose="02020603050405020304" pitchFamily="18" charset="0"/>
+              </a:rPr>
               <a:t>0</a:t>
             </a:r>
             <a:r>
-              <a:rPr lang="en-IN" b="1" dirty="0" smtClean="0"/>
-              <a:t>)=a</a:t>
-            </a:r>
-            <a:r>
-              <a:rPr lang="en-IN" b="1" baseline="-25000" dirty="0" smtClean="0"/>
+              <a:rPr lang="en-IN" b="1" dirty="0" smtClean="0">
+                <a:latin typeface="Times New Roman" panose="02020603050405020304" pitchFamily="18" charset="0"/>
+                <a:cs typeface="Times New Roman" panose="02020603050405020304" pitchFamily="18" charset="0"/>
+              </a:rPr>
+              <a:t>)=</a:t>
+            </a:r>
+            <a:r>
+              <a:rPr lang="en-IN" b="1" i="1" dirty="0" smtClean="0">
+                <a:latin typeface="Times New Roman" panose="02020603050405020304" pitchFamily="18" charset="0"/>
+                <a:cs typeface="Times New Roman" panose="02020603050405020304" pitchFamily="18" charset="0"/>
+              </a:rPr>
+              <a:t>a</a:t>
+            </a:r>
+            <a:r>
+              <a:rPr lang="en-IN" b="1" i="1" baseline="-25000" dirty="0" smtClean="0">
+                <a:latin typeface="Times New Roman" panose="02020603050405020304" pitchFamily="18" charset="0"/>
+                <a:cs typeface="Times New Roman" panose="02020603050405020304" pitchFamily="18" charset="0"/>
+              </a:rPr>
               <a:t>1</a:t>
             </a:r>
             <a:r>
-              <a:rPr lang="en-IN" b="1" dirty="0" smtClean="0"/>
-              <a:t>+a</a:t>
-            </a:r>
-            <a:r>
-              <a:rPr lang="en-IN" b="1" baseline="-25000" dirty="0" smtClean="0"/>
+              <a:rPr lang="en-IN" b="1" dirty="0" smtClean="0">
+                <a:latin typeface="Times New Roman" panose="02020603050405020304" pitchFamily="18" charset="0"/>
+                <a:cs typeface="Times New Roman" panose="02020603050405020304" pitchFamily="18" charset="0"/>
+              </a:rPr>
+              <a:t>+</a:t>
+            </a:r>
+            <a:r>
+              <a:rPr lang="en-IN" b="1" i="1" dirty="0" smtClean="0">
+                <a:latin typeface="Times New Roman" panose="02020603050405020304" pitchFamily="18" charset="0"/>
+                <a:cs typeface="Times New Roman" panose="02020603050405020304" pitchFamily="18" charset="0"/>
+              </a:rPr>
+              <a:t>a</a:t>
+            </a:r>
+            <a:r>
+              <a:rPr lang="en-IN" b="1" i="1" baseline="-25000" dirty="0" smtClean="0">
+                <a:latin typeface="Times New Roman" panose="02020603050405020304" pitchFamily="18" charset="0"/>
+                <a:cs typeface="Times New Roman" panose="02020603050405020304" pitchFamily="18" charset="0"/>
+              </a:rPr>
               <a:t>2</a:t>
             </a:r>
             <a:r>
-              <a:rPr lang="en-IN" b="1" dirty="0" smtClean="0"/>
-              <a:t>x+a</a:t>
-            </a:r>
-            <a:r>
-              <a:rPr lang="en-IN" b="1" baseline="-25000" dirty="0" smtClean="0"/>
+              <a:rPr lang="en-IN" b="1" i="1" dirty="0" smtClean="0">
+                <a:latin typeface="Times New Roman" panose="02020603050405020304" pitchFamily="18" charset="0"/>
+                <a:cs typeface="Times New Roman" panose="02020603050405020304" pitchFamily="18" charset="0"/>
+              </a:rPr>
+              <a:t>x</a:t>
+            </a:r>
+            <a:r>
+              <a:rPr lang="en-IN" b="1" dirty="0" smtClean="0">
+                <a:latin typeface="Times New Roman" panose="02020603050405020304" pitchFamily="18" charset="0"/>
+                <a:cs typeface="Times New Roman" panose="02020603050405020304" pitchFamily="18" charset="0"/>
+              </a:rPr>
+              <a:t>+</a:t>
+            </a:r>
+            <a:r>
+              <a:rPr lang="en-IN" b="1" i="1" dirty="0" smtClean="0">
+                <a:latin typeface="Times New Roman" panose="02020603050405020304" pitchFamily="18" charset="0"/>
+                <a:cs typeface="Times New Roman" panose="02020603050405020304" pitchFamily="18" charset="0"/>
+              </a:rPr>
+              <a:t>a</a:t>
+            </a:r>
+            <a:r>
+              <a:rPr lang="en-IN" b="1" i="1" baseline="-25000" dirty="0" smtClean="0">
+                <a:latin typeface="Times New Roman" panose="02020603050405020304" pitchFamily="18" charset="0"/>
+                <a:cs typeface="Times New Roman" panose="02020603050405020304" pitchFamily="18" charset="0"/>
+              </a:rPr>
               <a:t>3</a:t>
             </a:r>
             <a:r>
-              <a:rPr lang="en-IN" b="1" dirty="0" smtClean="0"/>
+              <a:rPr lang="en-IN" b="1" i="1" dirty="0" smtClean="0">
+                <a:latin typeface="Times New Roman" panose="02020603050405020304" pitchFamily="18" charset="0"/>
+                <a:cs typeface="Times New Roman" panose="02020603050405020304" pitchFamily="18" charset="0"/>
+              </a:rPr>
               <a:t>y</a:t>
             </a:r>
           </a:p>
@@ -7941,7 +10027,10 @@
             <a:pPr marL="0" indent="0">
               <a:buNone/>
             </a:pPr>
-            <a:endParaRPr lang="en-IN" dirty="0" smtClean="0"/>
+            <a:endParaRPr lang="en-IN" dirty="0" smtClean="0">
+              <a:latin typeface="Times New Roman" panose="02020603050405020304" pitchFamily="18" charset="0"/>
+              <a:cs typeface="Times New Roman" panose="02020603050405020304" pitchFamily="18" charset="0"/>
+            </a:endParaRPr>
           </a:p>
           <a:p>
             <a:endParaRPr lang="en-IN" dirty="0"/>
@@ -8026,11 +10115,16 @@
           </a:xfrm>
         </p:spPr>
         <p:txBody>
-          <a:bodyPr/>
+          <a:bodyPr>
+            <a:normAutofit/>
+          </a:bodyPr>
           <a:lstStyle/>
           <a:p>
             <a:r>
-              <a:rPr lang="en-IN" dirty="0"/>
+              <a:rPr lang="en-IN" sz="3200" b="1" dirty="0">
+                <a:latin typeface="Times New Roman" panose="02020603050405020304" pitchFamily="18" charset="0"/>
+                <a:cs typeface="Times New Roman" panose="02020603050405020304" pitchFamily="18" charset="0"/>
+              </a:rPr>
               <a:t>Recovery Methods:</a:t>
             </a:r>
           </a:p>
@@ -8056,52 +10150,88 @@
           <a:bodyPr/>
           <a:lstStyle/>
           <a:p>
-            <a:endParaRPr lang="en-IN" dirty="0" smtClean="0"/>
-          </a:p>
-          <a:p>
-            <a:endParaRPr lang="en-IN" dirty="0"/>
-          </a:p>
-          <a:p>
-            <a:r>
-              <a:rPr lang="en-IN" dirty="0" smtClean="0"/>
+            <a:endParaRPr lang="en-IN" dirty="0" smtClean="0">
+              <a:latin typeface="Times New Roman" panose="02020603050405020304" pitchFamily="18" charset="0"/>
+              <a:cs typeface="Times New Roman" panose="02020603050405020304" pitchFamily="18" charset="0"/>
+            </a:endParaRPr>
+          </a:p>
+          <a:p>
+            <a:endParaRPr lang="en-IN" dirty="0">
+              <a:latin typeface="Times New Roman" panose="02020603050405020304" pitchFamily="18" charset="0"/>
+              <a:cs typeface="Times New Roman" panose="02020603050405020304" pitchFamily="18" charset="0"/>
+            </a:endParaRPr>
+          </a:p>
+          <a:p>
+            <a:r>
+              <a:rPr lang="en-IN" dirty="0" smtClean="0">
+                <a:latin typeface="Times New Roman" panose="02020603050405020304" pitchFamily="18" charset="0"/>
+                <a:cs typeface="Times New Roman" panose="02020603050405020304" pitchFamily="18" charset="0"/>
+              </a:rPr>
               <a:t>Rank of A.</a:t>
             </a:r>
           </a:p>
           <a:p>
             <a:r>
-              <a:rPr lang="en-IN" dirty="0" smtClean="0"/>
+              <a:rPr lang="en-IN" dirty="0" smtClean="0">
+                <a:latin typeface="Times New Roman" panose="02020603050405020304" pitchFamily="18" charset="0"/>
+                <a:cs typeface="Times New Roman" panose="02020603050405020304" pitchFamily="18" charset="0"/>
+              </a:rPr>
               <a:t>The recovered gradient is given by,</a:t>
             </a:r>
           </a:p>
           <a:p>
-            <a:endParaRPr lang="en-IN" dirty="0"/>
-          </a:p>
-          <a:p>
-            <a:endParaRPr lang="en-IN" dirty="0" smtClean="0"/>
-          </a:p>
-          <a:p>
-            <a:r>
-              <a:rPr lang="en-IN" dirty="0"/>
+            <a:endParaRPr lang="en-IN" dirty="0">
+              <a:latin typeface="Times New Roman" panose="02020603050405020304" pitchFamily="18" charset="0"/>
+              <a:cs typeface="Times New Roman" panose="02020603050405020304" pitchFamily="18" charset="0"/>
+            </a:endParaRPr>
+          </a:p>
+          <a:p>
+            <a:endParaRPr lang="en-IN" dirty="0" smtClean="0">
+              <a:latin typeface="Times New Roman" panose="02020603050405020304" pitchFamily="18" charset="0"/>
+              <a:cs typeface="Times New Roman" panose="02020603050405020304" pitchFamily="18" charset="0"/>
+            </a:endParaRPr>
+          </a:p>
+          <a:p>
+            <a:r>
+              <a:rPr lang="en-IN" dirty="0">
+                <a:latin typeface="Times New Roman" panose="02020603050405020304" pitchFamily="18" charset="0"/>
+                <a:cs typeface="Times New Roman" panose="02020603050405020304" pitchFamily="18" charset="0"/>
+              </a:rPr>
               <a:t>Second-order derivatives are obtained by subsequent application of the described </a:t>
             </a:r>
             <a:r>
-              <a:rPr lang="en-IN" dirty="0" smtClean="0"/>
+              <a:rPr lang="en-IN" dirty="0" smtClean="0">
+                <a:latin typeface="Times New Roman" panose="02020603050405020304" pitchFamily="18" charset="0"/>
+                <a:cs typeface="Times New Roman" panose="02020603050405020304" pitchFamily="18" charset="0"/>
+              </a:rPr>
               <a:t>algorithm to </a:t>
             </a:r>
             <a:r>
-              <a:rPr lang="en-IN" dirty="0"/>
+              <a:rPr lang="en-IN" dirty="0">
+                <a:latin typeface="Times New Roman" panose="02020603050405020304" pitchFamily="18" charset="0"/>
+                <a:cs typeface="Times New Roman" panose="02020603050405020304" pitchFamily="18" charset="0"/>
+              </a:rPr>
               <a:t>the calculated ﬁrst order derivatives. </a:t>
             </a:r>
             <a:r>
-              <a:rPr lang="en-IN" dirty="0" smtClean="0"/>
+              <a:rPr lang="en-IN" dirty="0" smtClean="0">
+                <a:latin typeface="Times New Roman" panose="02020603050405020304" pitchFamily="18" charset="0"/>
+                <a:cs typeface="Times New Roman" panose="02020603050405020304" pitchFamily="18" charset="0"/>
+              </a:rPr>
               <a:t> </a:t>
             </a:r>
           </a:p>
           <a:p>
-            <a:endParaRPr lang="en-IN" b="1" dirty="0" smtClean="0"/>
-          </a:p>
-          <a:p>
-            <a:endParaRPr lang="en-IN" dirty="0"/>
+            <a:endParaRPr lang="en-IN" b="1" dirty="0" smtClean="0">
+              <a:latin typeface="Times New Roman" panose="02020603050405020304" pitchFamily="18" charset="0"/>
+              <a:cs typeface="Times New Roman" panose="02020603050405020304" pitchFamily="18" charset="0"/>
+            </a:endParaRPr>
+          </a:p>
+          <a:p>
+            <a:endParaRPr lang="en-IN" dirty="0">
+              <a:latin typeface="Times New Roman" panose="02020603050405020304" pitchFamily="18" charset="0"/>
+              <a:cs typeface="Times New Roman" panose="02020603050405020304" pitchFamily="18" charset="0"/>
+            </a:endParaRPr>
           </a:p>
         </p:txBody>
       </p:sp>
@@ -8121,7 +10251,7 @@
         </p:blipFill>
         <p:spPr>
           <a:xfrm>
-            <a:off x="2995612" y="3602036"/>
+            <a:off x="2995612" y="3630612"/>
             <a:ext cx="4948237" cy="619125"/>
           </a:xfrm>
           <a:prstGeom prst="rect">
@@ -8145,7 +10275,7 @@
         </p:blipFill>
         <p:spPr>
           <a:xfrm>
-            <a:off x="2995612" y="1150144"/>
+            <a:off x="2995612" y="1178720"/>
             <a:ext cx="4405314" cy="1433513"/>
           </a:xfrm>
           <a:prstGeom prst="rect">
@@ -8200,99 +10330,157 @@
             <p:ph type="title"/>
           </p:nvPr>
         </p:nvSpPr>
+        <p:spPr>
+          <a:xfrm>
+            <a:off x="838200" y="365125"/>
+            <a:ext cx="10515600" cy="1077913"/>
+          </a:xfrm>
+        </p:spPr>
+        <p:txBody>
+          <a:bodyPr>
+            <a:normAutofit/>
+          </a:bodyPr>
+          <a:lstStyle/>
+          <a:p>
+            <a:r>
+              <a:rPr lang="en-IN" sz="3200" b="1" dirty="0" smtClean="0">
+                <a:latin typeface="Times New Roman" panose="02020603050405020304" pitchFamily="18" charset="0"/>
+                <a:cs typeface="Times New Roman" panose="02020603050405020304" pitchFamily="18" charset="0"/>
+              </a:rPr>
+              <a:t>Recovery methods:</a:t>
+            </a:r>
+            <a:endParaRPr lang="en-IN" sz="3200" b="1" dirty="0">
+              <a:latin typeface="Times New Roman" panose="02020603050405020304" pitchFamily="18" charset="0"/>
+              <a:cs typeface="Times New Roman" panose="02020603050405020304" pitchFamily="18" charset="0"/>
+            </a:endParaRPr>
+          </a:p>
+        </p:txBody>
+      </p:sp>
+      <p:sp>
+        <p:nvSpPr>
+          <p:cNvPr id="3" name="Content Placeholder 2"/>
+          <p:cNvSpPr>
+            <a:spLocks noGrp="1"/>
+          </p:cNvSpPr>
+          <p:nvPr>
+            <p:ph idx="1"/>
+          </p:nvPr>
+        </p:nvSpPr>
         <p:spPr/>
         <p:txBody>
           <a:bodyPr/>
           <a:lstStyle/>
           <a:p>
             <a:r>
-              <a:rPr lang="en-IN" dirty="0" smtClean="0"/>
-              <a:t>Recovery methods:</a:t>
-            </a:r>
-            <a:endParaRPr lang="en-IN" dirty="0"/>
-          </a:p>
-        </p:txBody>
-      </p:sp>
-      <p:sp>
-        <p:nvSpPr>
-          <p:cNvPr id="3" name="Content Placeholder 2"/>
-          <p:cNvSpPr>
-            <a:spLocks noGrp="1"/>
-          </p:cNvSpPr>
-          <p:nvPr>
-            <p:ph idx="1"/>
-          </p:nvPr>
-        </p:nvSpPr>
-        <p:spPr/>
-        <p:txBody>
-          <a:bodyPr/>
-          <a:lstStyle/>
-          <a:p>
-            <a:r>
-              <a:rPr lang="en-IN" b="1" dirty="0"/>
+              <a:rPr lang="en-IN" b="1" dirty="0">
+                <a:latin typeface="Times New Roman" panose="02020603050405020304" pitchFamily="18" charset="0"/>
+                <a:cs typeface="Times New Roman" panose="02020603050405020304" pitchFamily="18" charset="0"/>
+              </a:rPr>
               <a:t>Linear Least Squares fitting</a:t>
             </a:r>
             <a:r>
-              <a:rPr lang="en-IN" b="1" dirty="0" smtClean="0"/>
+              <a:rPr lang="en-IN" b="1" dirty="0" smtClean="0">
+                <a:latin typeface="Times New Roman" panose="02020603050405020304" pitchFamily="18" charset="0"/>
+                <a:cs typeface="Times New Roman" panose="02020603050405020304" pitchFamily="18" charset="0"/>
+              </a:rPr>
               <a:t>:</a:t>
             </a:r>
           </a:p>
           <a:p>
             <a:pPr lvl="1"/>
             <a:r>
-              <a:rPr lang="en-IN" dirty="0" smtClean="0"/>
+              <a:rPr lang="en-IN" dirty="0" smtClean="0">
+                <a:latin typeface="Times New Roman" panose="02020603050405020304" pitchFamily="18" charset="0"/>
+                <a:cs typeface="Times New Roman" panose="02020603050405020304" pitchFamily="18" charset="0"/>
+              </a:rPr>
               <a:t>Same as DLF except for the reverse order of the smoothing and derivation steps.</a:t>
             </a:r>
           </a:p>
           <a:p>
             <a:pPr lvl="1"/>
             <a:r>
-              <a:rPr lang="en-IN" dirty="0"/>
+              <a:rPr lang="en-IN" dirty="0">
+                <a:latin typeface="Times New Roman" panose="02020603050405020304" pitchFamily="18" charset="0"/>
+                <a:cs typeface="Times New Roman" panose="02020603050405020304" pitchFamily="18" charset="0"/>
+              </a:rPr>
               <a:t>First-order </a:t>
             </a:r>
             <a:r>
-              <a:rPr lang="en-IN" dirty="0" smtClean="0"/>
+              <a:rPr lang="en-IN" dirty="0" smtClean="0">
+                <a:latin typeface="Times New Roman" panose="02020603050405020304" pitchFamily="18" charset="0"/>
+                <a:cs typeface="Times New Roman" panose="02020603050405020304" pitchFamily="18" charset="0"/>
+              </a:rPr>
               <a:t>derivatives of </a:t>
             </a:r>
             <a:r>
-              <a:rPr lang="en-IN" dirty="0"/>
+              <a:rPr lang="en-IN" dirty="0">
+                <a:latin typeface="Times New Roman" panose="02020603050405020304" pitchFamily="18" charset="0"/>
+                <a:cs typeface="Times New Roman" panose="02020603050405020304" pitchFamily="18" charset="0"/>
+              </a:rPr>
               <a:t>a given piecewise linear function are computed at the element </a:t>
             </a:r>
             <a:r>
-              <a:rPr lang="en-IN" dirty="0" smtClean="0"/>
+              <a:rPr lang="en-IN" dirty="0" smtClean="0">
+                <a:latin typeface="Times New Roman" panose="02020603050405020304" pitchFamily="18" charset="0"/>
+                <a:cs typeface="Times New Roman" panose="02020603050405020304" pitchFamily="18" charset="0"/>
+              </a:rPr>
               <a:t>centres and </a:t>
             </a:r>
             <a:r>
-              <a:rPr lang="en-IN" dirty="0"/>
+              <a:rPr lang="en-IN" dirty="0">
+                <a:latin typeface="Times New Roman" panose="02020603050405020304" pitchFamily="18" charset="0"/>
+                <a:cs typeface="Times New Roman" panose="02020603050405020304" pitchFamily="18" charset="0"/>
+              </a:rPr>
               <a:t>smoothed afterwards by means of linear least squares </a:t>
             </a:r>
             <a:r>
-              <a:rPr lang="en-IN" dirty="0" smtClean="0"/>
+              <a:rPr lang="en-IN" dirty="0" smtClean="0">
+                <a:latin typeface="Times New Roman" panose="02020603050405020304" pitchFamily="18" charset="0"/>
+                <a:cs typeface="Times New Roman" panose="02020603050405020304" pitchFamily="18" charset="0"/>
+              </a:rPr>
               <a:t>ﬁtting.</a:t>
             </a:r>
           </a:p>
           <a:p>
             <a:pPr lvl="1"/>
             <a:r>
-              <a:rPr lang="en-IN" dirty="0"/>
+              <a:rPr lang="en-IN" dirty="0">
+                <a:latin typeface="Times New Roman" panose="02020603050405020304" pitchFamily="18" charset="0"/>
+                <a:cs typeface="Times New Roman" panose="02020603050405020304" pitchFamily="18" charset="0"/>
+              </a:rPr>
               <a:t>Second-order derivatives are computed in the same way from the nodal </a:t>
             </a:r>
             <a:r>
-              <a:rPr lang="en-IN" dirty="0" smtClean="0"/>
+              <a:rPr lang="en-IN" dirty="0" smtClean="0">
+                <a:latin typeface="Times New Roman" panose="02020603050405020304" pitchFamily="18" charset="0"/>
+                <a:cs typeface="Times New Roman" panose="02020603050405020304" pitchFamily="18" charset="0"/>
+              </a:rPr>
               <a:t>approximation of </a:t>
             </a:r>
             <a:r>
-              <a:rPr lang="en-IN" dirty="0"/>
+              <a:rPr lang="en-IN" dirty="0">
+                <a:latin typeface="Times New Roman" panose="02020603050405020304" pitchFamily="18" charset="0"/>
+                <a:cs typeface="Times New Roman" panose="02020603050405020304" pitchFamily="18" charset="0"/>
+              </a:rPr>
               <a:t>the ﬁrst-order derivatives. </a:t>
             </a:r>
-            <a:endParaRPr lang="en-IN" dirty="0" smtClean="0"/>
+            <a:endParaRPr lang="en-IN" dirty="0" smtClean="0">
+              <a:latin typeface="Times New Roman" panose="02020603050405020304" pitchFamily="18" charset="0"/>
+              <a:cs typeface="Times New Roman" panose="02020603050405020304" pitchFamily="18" charset="0"/>
+            </a:endParaRPr>
           </a:p>
           <a:p>
             <a:pPr lvl="1"/>
-            <a:endParaRPr lang="en-IN" dirty="0"/>
-          </a:p>
-          <a:p>
-            <a:endParaRPr lang="en-IN" dirty="0"/>
+            <a:endParaRPr lang="en-IN" dirty="0">
+              <a:latin typeface="Times New Roman" panose="02020603050405020304" pitchFamily="18" charset="0"/>
+              <a:cs typeface="Times New Roman" panose="02020603050405020304" pitchFamily="18" charset="0"/>
+            </a:endParaRPr>
+          </a:p>
+          <a:p>
+            <a:endParaRPr lang="en-IN" dirty="0">
+              <a:latin typeface="Times New Roman" panose="02020603050405020304" pitchFamily="18" charset="0"/>
+              <a:cs typeface="Times New Roman" panose="02020603050405020304" pitchFamily="18" charset="0"/>
+            </a:endParaRPr>
           </a:p>
         </p:txBody>
       </p:sp>

--- a/HBA.pptx
+++ b/HBA.pptx
@@ -227,7 +227,7 @@
           <a:p>
             <a:fld id="{9D3844FE-75E8-42EC-9FAF-5ED5643C11B9}" type="datetimeFigureOut">
               <a:rPr lang="en-IN" smtClean="0"/>
-              <a:t>30-09-2015</a:t>
+              <a:t>01-10-2015</a:t>
             </a:fld>
             <a:endParaRPr lang="en-IN"/>
           </a:p>
@@ -579,6 +579,148 @@
 </p:notes>
 </file>
 
+<file path=ppt/notesSlides/notesSlide2.xml><?xml version="1.0" encoding="utf-8"?>
+<p:notes xmlns:a="http://schemas.openxmlformats.org/drawingml/2006/main" xmlns:r="http://schemas.openxmlformats.org/officeDocument/2006/relationships" xmlns:p="http://schemas.openxmlformats.org/presentationml/2006/main">
+  <p:cSld>
+    <p:spTree>
+      <p:nvGrpSpPr>
+        <p:cNvPr id="1" name=""/>
+        <p:cNvGrpSpPr/>
+        <p:nvPr/>
+      </p:nvGrpSpPr>
+      <p:grpSpPr>
+        <a:xfrm>
+          <a:off x="0" y="0"/>
+          <a:ext cx="0" cy="0"/>
+          <a:chOff x="0" y="0"/>
+          <a:chExt cx="0" cy="0"/>
+        </a:xfrm>
+      </p:grpSpPr>
+      <p:sp>
+        <p:nvSpPr>
+          <p:cNvPr id="2" name="Slide Image Placeholder 1"/>
+          <p:cNvSpPr>
+            <a:spLocks noGrp="1" noRot="1" noChangeAspect="1"/>
+          </p:cNvSpPr>
+          <p:nvPr>
+            <p:ph type="sldImg"/>
+          </p:nvPr>
+        </p:nvSpPr>
+        <p:spPr/>
+      </p:sp>
+      <p:sp>
+        <p:nvSpPr>
+          <p:cNvPr id="3" name="Notes Placeholder 2"/>
+          <p:cNvSpPr>
+            <a:spLocks noGrp="1"/>
+          </p:cNvSpPr>
+          <p:nvPr>
+            <p:ph type="body" idx="1"/>
+          </p:nvPr>
+        </p:nvSpPr>
+        <p:spPr/>
+        <p:txBody>
+          <a:bodyPr/>
+          <a:lstStyle/>
+          <a:p>
+            <a:r>
+              <a:rPr lang="en-IN" sz="1200" kern="1200" dirty="0" smtClean="0">
+                <a:solidFill>
+                  <a:schemeClr val="tx1"/>
+                </a:solidFill>
+                <a:latin typeface="+mn-lt"/>
+                <a:ea typeface="+mn-ea"/>
+                <a:cs typeface="+mn-cs"/>
+              </a:rPr>
+              <a:t>Perturbed uniform meshes are generated by perturbing the coordinates of each point</a:t>
+            </a:r>
+          </a:p>
+          <a:p>
+            <a:r>
+              <a:rPr lang="en-IN" sz="1200" kern="1200" dirty="0" smtClean="0">
+                <a:solidFill>
+                  <a:schemeClr val="tx1"/>
+                </a:solidFill>
+                <a:latin typeface="+mn-lt"/>
+                <a:ea typeface="+mn-ea"/>
+                <a:cs typeface="+mn-cs"/>
+              </a:rPr>
+              <a:t>of a given uniform mesh by a random number in the range [-a · h, a · h]. where h is the</a:t>
+            </a:r>
+          </a:p>
+          <a:p>
+            <a:r>
+              <a:rPr lang="en-IN" sz="1200" kern="1200" dirty="0" smtClean="0">
+                <a:solidFill>
+                  <a:schemeClr val="tx1"/>
+                </a:solidFill>
+                <a:latin typeface="+mn-lt"/>
+                <a:ea typeface="+mn-ea"/>
+                <a:cs typeface="+mn-cs"/>
+              </a:rPr>
+              <a:t>step size of the underlying uniform mesh and 0 &lt; </a:t>
+            </a:r>
+            <a:r>
+              <a:rPr lang="en-IN" sz="1200" kern="1200" dirty="0" smtClean="0">
+                <a:solidFill>
+                  <a:schemeClr val="tx1"/>
+                </a:solidFill>
+                <a:latin typeface="Cambria Math" panose="02040503050406030204" pitchFamily="18" charset="0"/>
+                <a:ea typeface="Cambria Math" panose="02040503050406030204" pitchFamily="18" charset="0"/>
+                <a:cs typeface="+mn-cs"/>
+              </a:rPr>
+              <a:t>∝</a:t>
+            </a:r>
+            <a:r>
+              <a:rPr lang="en-IN" sz="1200" kern="1200" dirty="0" smtClean="0">
+                <a:solidFill>
+                  <a:schemeClr val="tx1"/>
+                </a:solidFill>
+                <a:latin typeface="+mn-lt"/>
+                <a:ea typeface="+mn-ea"/>
+                <a:cs typeface="+mn-cs"/>
+              </a:rPr>
+              <a:t> &lt; 0.5.</a:t>
+            </a:r>
+          </a:p>
+        </p:txBody>
+      </p:sp>
+      <p:sp>
+        <p:nvSpPr>
+          <p:cNvPr id="4" name="Slide Number Placeholder 3"/>
+          <p:cNvSpPr>
+            <a:spLocks noGrp="1"/>
+          </p:cNvSpPr>
+          <p:nvPr>
+            <p:ph type="sldNum" sz="quarter" idx="10"/>
+          </p:nvPr>
+        </p:nvSpPr>
+        <p:spPr/>
+        <p:txBody>
+          <a:bodyPr/>
+          <a:lstStyle/>
+          <a:p>
+            <a:fld id="{2D864A7F-DB0C-459E-9BB9-C1B752124977}" type="slidenum">
+              <a:rPr lang="en-IN" smtClean="0"/>
+              <a:t>17</a:t>
+            </a:fld>
+            <a:endParaRPr lang="en-IN"/>
+          </a:p>
+        </p:txBody>
+      </p:sp>
+    </p:spTree>
+    <p:extLst>
+      <p:ext uri="{BB962C8B-B14F-4D97-AF65-F5344CB8AC3E}">
+        <p14:creationId xmlns:p14="http://schemas.microsoft.com/office/powerpoint/2010/main" val="2005983231"/>
+      </p:ext>
+    </p:extLst>
+  </p:cSld>
+  <p:clrMapOvr>
+    <a:masterClrMapping/>
+  </p:clrMapOvr>
+</p:notes>
+</file>
+
 <file path=ppt/slideLayouts/slideLayout1.xml><?xml version="1.0" encoding="utf-8"?>
 <p:sldLayout xmlns:a="http://schemas.openxmlformats.org/drawingml/2006/main" xmlns:r="http://schemas.openxmlformats.org/officeDocument/2006/relationships" xmlns:p="http://schemas.openxmlformats.org/presentationml/2006/main" type="title" preserve="1">
   <p:cSld name="Title Slide">
@@ -710,7 +852,7 @@
           <a:p>
             <a:fld id="{6B3F88B7-D2AF-443E-A3B2-304D2EAF07AE}" type="datetimeFigureOut">
               <a:rPr lang="en-IN" smtClean="0"/>
-              <a:t>30-09-2015</a:t>
+              <a:t>01-10-2015</a:t>
             </a:fld>
             <a:endParaRPr lang="en-IN"/>
           </a:p>
@@ -880,7 +1022,7 @@
           <a:p>
             <a:fld id="{6B3F88B7-D2AF-443E-A3B2-304D2EAF07AE}" type="datetimeFigureOut">
               <a:rPr lang="en-IN" smtClean="0"/>
-              <a:t>30-09-2015</a:t>
+              <a:t>01-10-2015</a:t>
             </a:fld>
             <a:endParaRPr lang="en-IN"/>
           </a:p>
@@ -1060,7 +1202,7 @@
           <a:p>
             <a:fld id="{6B3F88B7-D2AF-443E-A3B2-304D2EAF07AE}" type="datetimeFigureOut">
               <a:rPr lang="en-IN" smtClean="0"/>
-              <a:t>30-09-2015</a:t>
+              <a:t>01-10-2015</a:t>
             </a:fld>
             <a:endParaRPr lang="en-IN"/>
           </a:p>
@@ -1230,7 +1372,7 @@
           <a:p>
             <a:fld id="{6B3F88B7-D2AF-443E-A3B2-304D2EAF07AE}" type="datetimeFigureOut">
               <a:rPr lang="en-IN" smtClean="0"/>
-              <a:t>30-09-2015</a:t>
+              <a:t>01-10-2015</a:t>
             </a:fld>
             <a:endParaRPr lang="en-IN"/>
           </a:p>
@@ -1476,7 +1618,7 @@
           <a:p>
             <a:fld id="{6B3F88B7-D2AF-443E-A3B2-304D2EAF07AE}" type="datetimeFigureOut">
               <a:rPr lang="en-IN" smtClean="0"/>
-              <a:t>30-09-2015</a:t>
+              <a:t>01-10-2015</a:t>
             </a:fld>
             <a:endParaRPr lang="en-IN"/>
           </a:p>
@@ -1708,7 +1850,7 @@
           <a:p>
             <a:fld id="{6B3F88B7-D2AF-443E-A3B2-304D2EAF07AE}" type="datetimeFigureOut">
               <a:rPr lang="en-IN" smtClean="0"/>
-              <a:t>30-09-2015</a:t>
+              <a:t>01-10-2015</a:t>
             </a:fld>
             <a:endParaRPr lang="en-IN"/>
           </a:p>
@@ -2075,7 +2217,7 @@
           <a:p>
             <a:fld id="{6B3F88B7-D2AF-443E-A3B2-304D2EAF07AE}" type="datetimeFigureOut">
               <a:rPr lang="en-IN" smtClean="0"/>
-              <a:t>30-09-2015</a:t>
+              <a:t>01-10-2015</a:t>
             </a:fld>
             <a:endParaRPr lang="en-IN"/>
           </a:p>
@@ -2193,7 +2335,7 @@
           <a:p>
             <a:fld id="{6B3F88B7-D2AF-443E-A3B2-304D2EAF07AE}" type="datetimeFigureOut">
               <a:rPr lang="en-IN" smtClean="0"/>
-              <a:t>30-09-2015</a:t>
+              <a:t>01-10-2015</a:t>
             </a:fld>
             <a:endParaRPr lang="en-IN"/>
           </a:p>
@@ -2288,7 +2430,7 @@
           <a:p>
             <a:fld id="{6B3F88B7-D2AF-443E-A3B2-304D2EAF07AE}" type="datetimeFigureOut">
               <a:rPr lang="en-IN" smtClean="0"/>
-              <a:t>30-09-2015</a:t>
+              <a:t>01-10-2015</a:t>
             </a:fld>
             <a:endParaRPr lang="en-IN"/>
           </a:p>
@@ -2565,7 +2707,7 @@
           <a:p>
             <a:fld id="{6B3F88B7-D2AF-443E-A3B2-304D2EAF07AE}" type="datetimeFigureOut">
               <a:rPr lang="en-IN" smtClean="0"/>
-              <a:t>30-09-2015</a:t>
+              <a:t>01-10-2015</a:t>
             </a:fld>
             <a:endParaRPr lang="en-IN"/>
           </a:p>
@@ -2818,7 +2960,7 @@
           <a:p>
             <a:fld id="{6B3F88B7-D2AF-443E-A3B2-304D2EAF07AE}" type="datetimeFigureOut">
               <a:rPr lang="en-IN" smtClean="0"/>
-              <a:t>30-09-2015</a:t>
+              <a:t>01-10-2015</a:t>
             </a:fld>
             <a:endParaRPr lang="en-IN"/>
           </a:p>
@@ -3031,7 +3173,7 @@
           <a:p>
             <a:fld id="{6B3F88B7-D2AF-443E-A3B2-304D2EAF07AE}" type="datetimeFigureOut">
               <a:rPr lang="en-IN" smtClean="0"/>
-              <a:t>30-09-2015</a:t>
+              <a:t>01-10-2015</a:t>
             </a:fld>
             <a:endParaRPr lang="en-IN"/>
           </a:p>
@@ -4518,14 +4660,7 @@
                 <a:latin typeface="Times New Roman" panose="02020603050405020304" pitchFamily="18" charset="0"/>
                 <a:cs typeface="Times New Roman" panose="02020603050405020304" pitchFamily="18" charset="0"/>
               </a:rPr>
-              <a:t>Numerical Comparison</a:t>
-            </a:r>
-            <a:r>
-              <a:rPr lang="en-IN" sz="3200" b="1" dirty="0" smtClean="0">
-                <a:latin typeface="Times New Roman" panose="02020603050405020304" pitchFamily="18" charset="0"/>
-                <a:cs typeface="Times New Roman" panose="02020603050405020304" pitchFamily="18" charset="0"/>
-              </a:rPr>
-              <a:t>: </a:t>
+              <a:t>Numerical Comparison: </a:t>
             </a:r>
             <a:r>
               <a:rPr lang="en-IN" sz="2800" b="1" dirty="0" smtClean="0">
@@ -5259,6 +5394,9 @@
           </a:bodyPr>
           <a:lstStyle/>
           <a:p>
+            <a:pPr marL="0" indent="0">
+              <a:buNone/>
+            </a:pPr>
             <a:r>
               <a:rPr lang="en-IN" sz="2400" b="1" dirty="0"/>
               <a:t>QLS Hessian </a:t>
@@ -5431,7 +5569,7 @@
           <p:nvPr/>
         </p:nvPicPr>
         <p:blipFill>
-          <a:blip r:embed="rId2"/>
+          <a:blip r:embed="rId3"/>
           <a:stretch>
             <a:fillRect/>
           </a:stretch>
@@ -5536,6 +5674,9 @@
           <a:bodyPr/>
           <a:lstStyle/>
           <a:p>
+            <a:pPr marL="0" indent="0">
+              <a:buNone/>
+            </a:pPr>
             <a:r>
               <a:rPr lang="en-IN" sz="2400" b="1" dirty="0" smtClean="0">
                 <a:latin typeface="Times New Roman" panose="02020603050405020304" pitchFamily="18" charset="0"/>
@@ -5843,14 +5984,7 @@
                 <a:latin typeface="Times New Roman" panose="02020603050405020304" pitchFamily="18" charset="0"/>
                 <a:cs typeface="Times New Roman" panose="02020603050405020304" pitchFamily="18" charset="0"/>
               </a:rPr>
-              <a:t>What is </a:t>
-            </a:r>
-            <a:r>
-              <a:rPr lang="en-IN" sz="3200" b="1" dirty="0" smtClean="0">
-                <a:latin typeface="Times New Roman" panose="02020603050405020304" pitchFamily="18" charset="0"/>
-                <a:cs typeface="Times New Roman" panose="02020603050405020304" pitchFamily="18" charset="0"/>
-              </a:rPr>
-              <a:t>HBA?</a:t>
+              <a:t>What is HBA?</a:t>
             </a:r>
             <a:endParaRPr lang="en-IN" sz="3200" b="1" dirty="0">
               <a:latin typeface="Times New Roman" panose="02020603050405020304" pitchFamily="18" charset="0"/>
@@ -5905,49 +6039,35 @@
                 <a:latin typeface="Times New Roman" panose="02020603050405020304" pitchFamily="18" charset="0"/>
                 <a:cs typeface="Times New Roman" panose="02020603050405020304" pitchFamily="18" charset="0"/>
               </a:rPr>
-              <a:t>If this error involves the second order derivative of the exact solution then it is called </a:t>
+              <a:t>If this error involves the second order derivative of the exact solution then it is called Hessian </a:t>
+            </a:r>
+            <a:r>
+              <a:rPr lang="en-IN" dirty="0">
+                <a:latin typeface="Times New Roman" panose="02020603050405020304" pitchFamily="18" charset="0"/>
+                <a:cs typeface="Times New Roman" panose="02020603050405020304" pitchFamily="18" charset="0"/>
+              </a:rPr>
+              <a:t>B</a:t>
             </a:r>
             <a:r>
               <a:rPr lang="en-IN" dirty="0" smtClean="0">
                 <a:latin typeface="Times New Roman" panose="02020603050405020304" pitchFamily="18" charset="0"/>
                 <a:cs typeface="Times New Roman" panose="02020603050405020304" pitchFamily="18" charset="0"/>
               </a:rPr>
-              <a:t>Hessian </a:t>
+              <a:t>ased </a:t>
             </a:r>
             <a:r>
               <a:rPr lang="en-IN" dirty="0">
                 <a:latin typeface="Times New Roman" panose="02020603050405020304" pitchFamily="18" charset="0"/>
                 <a:cs typeface="Times New Roman" panose="02020603050405020304" pitchFamily="18" charset="0"/>
               </a:rPr>
-              <a:t>B</a:t>
+              <a:t>A</a:t>
             </a:r>
             <a:r>
               <a:rPr lang="en-IN" dirty="0" smtClean="0">
                 <a:latin typeface="Times New Roman" panose="02020603050405020304" pitchFamily="18" charset="0"/>
                 <a:cs typeface="Times New Roman" panose="02020603050405020304" pitchFamily="18" charset="0"/>
               </a:rPr>
-              <a:t>ased </a:t>
-            </a:r>
-            <a:r>
-              <a:rPr lang="en-IN" dirty="0">
-                <a:latin typeface="Times New Roman" panose="02020603050405020304" pitchFamily="18" charset="0"/>
-                <a:cs typeface="Times New Roman" panose="02020603050405020304" pitchFamily="18" charset="0"/>
-              </a:rPr>
-              <a:t>A</a:t>
-            </a:r>
-            <a:r>
-              <a:rPr lang="en-IN" dirty="0" smtClean="0">
-                <a:latin typeface="Times New Roman" panose="02020603050405020304" pitchFamily="18" charset="0"/>
-                <a:cs typeface="Times New Roman" panose="02020603050405020304" pitchFamily="18" charset="0"/>
-              </a:rPr>
-              <a:t>daptivity</a:t>
-            </a:r>
-            <a:r>
-              <a:rPr lang="en-IN" dirty="0" smtClean="0">
-                <a:latin typeface="Times New Roman" panose="02020603050405020304" pitchFamily="18" charset="0"/>
-                <a:cs typeface="Times New Roman" panose="02020603050405020304" pitchFamily="18" charset="0"/>
-              </a:rPr>
-              <a:t>.</a:t>
+              <a:t>daptivity.</a:t>
             </a:r>
           </a:p>
           <a:p>
@@ -5963,10 +6083,6 @@
               </a:rPr>
               <a:t>E.g. </a:t>
             </a:r>
-            <a:endParaRPr lang="en-IN" dirty="0" smtClean="0">
-              <a:latin typeface="Times New Roman" panose="02020603050405020304" pitchFamily="18" charset="0"/>
-              <a:cs typeface="Times New Roman" panose="02020603050405020304" pitchFamily="18" charset="0"/>
-            </a:endParaRPr>
           </a:p>
           <a:p>
             <a:pPr>
@@ -5997,42 +6113,21 @@
                 <a:latin typeface="Times New Roman" panose="02020603050405020304" pitchFamily="18" charset="0"/>
                 <a:cs typeface="Times New Roman" panose="02020603050405020304" pitchFamily="18" charset="0"/>
               </a:rPr>
-              <a:t>-exact </a:t>
+              <a:t>-exact solution, </a:t>
+            </a:r>
+            <a:r>
+              <a:rPr lang="el-GR" dirty="0" smtClean="0">
+                <a:latin typeface="Times New Roman" panose="02020603050405020304" pitchFamily="18" charset="0"/>
+                <a:cs typeface="Times New Roman" panose="02020603050405020304" pitchFamily="18" charset="0"/>
+              </a:rPr>
+              <a:t>Ω</a:t>
             </a:r>
             <a:r>
               <a:rPr lang="en-IN" dirty="0" smtClean="0">
                 <a:latin typeface="Times New Roman" panose="02020603050405020304" pitchFamily="18" charset="0"/>
                 <a:cs typeface="Times New Roman" panose="02020603050405020304" pitchFamily="18" charset="0"/>
               </a:rPr>
-              <a:t>solution, </a:t>
-            </a:r>
-            <a:r>
-              <a:rPr lang="el-GR" dirty="0" smtClean="0">
-                <a:latin typeface="Times New Roman" panose="02020603050405020304" pitchFamily="18" charset="0"/>
-                <a:cs typeface="Times New Roman" panose="02020603050405020304" pitchFamily="18" charset="0"/>
-              </a:rPr>
-              <a:t>Ω</a:t>
-            </a:r>
-            <a:r>
-              <a:rPr lang="en-IN" dirty="0" smtClean="0">
-                <a:latin typeface="Times New Roman" panose="02020603050405020304" pitchFamily="18" charset="0"/>
-                <a:cs typeface="Times New Roman" panose="02020603050405020304" pitchFamily="18" charset="0"/>
-              </a:rPr>
-              <a:t> </a:t>
-            </a:r>
-            <a:r>
-              <a:rPr lang="en-IN" dirty="0" smtClean="0">
-                <a:latin typeface="Times New Roman" panose="02020603050405020304" pitchFamily="18" charset="0"/>
-                <a:cs typeface="Times New Roman" panose="02020603050405020304" pitchFamily="18" charset="0"/>
-              </a:rPr>
-              <a:t>is </a:t>
-            </a:r>
-            <a:r>
-              <a:rPr lang="en-IN" dirty="0" smtClean="0">
-                <a:latin typeface="Times New Roman" panose="02020603050405020304" pitchFamily="18" charset="0"/>
-                <a:cs typeface="Times New Roman" panose="02020603050405020304" pitchFamily="18" charset="0"/>
-              </a:rPr>
-              <a:t>domain, </a:t>
+              <a:t> is domain, </a:t>
             </a:r>
             <a:r>
               <a:rPr lang="en-IN" i="1" dirty="0" smtClean="0">
@@ -6206,14 +6301,7 @@
                 <a:latin typeface="Times New Roman" panose="02020603050405020304" pitchFamily="18" charset="0"/>
                 <a:cs typeface="Times New Roman" panose="02020603050405020304" pitchFamily="18" charset="0"/>
               </a:rPr>
-              <a:t>For </a:t>
-            </a:r>
-            <a:r>
-              <a:rPr lang="en-IN" sz="2200" dirty="0" smtClean="0">
-                <a:latin typeface="Times New Roman" panose="02020603050405020304" pitchFamily="18" charset="0"/>
-                <a:cs typeface="Times New Roman" panose="02020603050405020304" pitchFamily="18" charset="0"/>
-              </a:rPr>
-              <a:t>function </a:t>
+              <a:t>For function </a:t>
             </a:r>
             <a:r>
               <a:rPr lang="en-IN" sz="2200" i="1" dirty="0" err="1" smtClean="0">
@@ -6569,77 +6657,79 @@
           </a:xfrm>
         </p:spPr>
         <p:txBody>
-          <a:bodyPr/>
-          <a:lstStyle/>
-          <a:p>
-            <a:r>
-              <a:rPr lang="en-IN" sz="2200" dirty="0" smtClean="0">
+          <a:bodyPr>
+            <a:normAutofit/>
+          </a:bodyPr>
+          <a:lstStyle/>
+          <a:p>
+            <a:r>
+              <a:rPr lang="en-IN" sz="2400" dirty="0" smtClean="0">
                 <a:latin typeface="Times New Roman" panose="02020603050405020304" pitchFamily="18" charset="0"/>
                 <a:cs typeface="Times New Roman" panose="02020603050405020304" pitchFamily="18" charset="0"/>
               </a:rPr>
               <a:t>For the test function: </a:t>
             </a:r>
             <a:r>
-              <a:rPr lang="en-IN" sz="2200" i="1" dirty="0" err="1" smtClean="0">
+              <a:rPr lang="en-IN" sz="2400" i="1" dirty="0" err="1" smtClean="0">
                 <a:latin typeface="Times New Roman" panose="02020603050405020304" pitchFamily="18" charset="0"/>
                 <a:cs typeface="Times New Roman" panose="02020603050405020304" pitchFamily="18" charset="0"/>
               </a:rPr>
               <a:t>u</a:t>
             </a:r>
             <a:r>
-              <a:rPr lang="en-IN" sz="2200" i="1" baseline="-25000" dirty="0" err="1" smtClean="0">
+              <a:rPr lang="en-IN" sz="2400" i="1" baseline="-25000" dirty="0" err="1" smtClean="0">
                 <a:latin typeface="Times New Roman" panose="02020603050405020304" pitchFamily="18" charset="0"/>
                 <a:cs typeface="Times New Roman" panose="02020603050405020304" pitchFamily="18" charset="0"/>
               </a:rPr>
               <a:t>BL</a:t>
             </a:r>
             <a:r>
-              <a:rPr lang="en-IN" sz="2200" i="1" dirty="0" smtClean="0">
+              <a:rPr lang="en-IN" sz="2400" i="1" dirty="0" smtClean="0">
                 <a:latin typeface="Times New Roman" panose="02020603050405020304" pitchFamily="18" charset="0"/>
                 <a:cs typeface="Times New Roman" panose="02020603050405020304" pitchFamily="18" charset="0"/>
               </a:rPr>
               <a:t>(</a:t>
             </a:r>
             <a:r>
-              <a:rPr lang="en-IN" sz="2200" i="1" dirty="0" err="1" smtClean="0">
+              <a:rPr lang="en-IN" sz="2400" i="1" dirty="0" err="1" smtClean="0">
                 <a:latin typeface="Times New Roman" panose="02020603050405020304" pitchFamily="18" charset="0"/>
                 <a:cs typeface="Times New Roman" panose="02020603050405020304" pitchFamily="18" charset="0"/>
               </a:rPr>
               <a:t>x,y</a:t>
             </a:r>
             <a:r>
-              <a:rPr lang="en-IN" sz="2200" i="1" dirty="0" smtClean="0">
+              <a:rPr lang="en-IN" sz="2400" i="1" dirty="0" smtClean="0">
                 <a:latin typeface="Times New Roman" panose="02020603050405020304" pitchFamily="18" charset="0"/>
                 <a:cs typeface="Times New Roman" panose="02020603050405020304" pitchFamily="18" charset="0"/>
               </a:rPr>
               <a:t>)=e</a:t>
             </a:r>
             <a:r>
-              <a:rPr lang="en-IN" sz="2200" i="1" baseline="30000" dirty="0" smtClean="0">
+              <a:rPr lang="en-IN" sz="2400" i="1" baseline="30000" dirty="0" smtClean="0">
                 <a:latin typeface="Times New Roman" panose="02020603050405020304" pitchFamily="18" charset="0"/>
                 <a:cs typeface="Times New Roman" panose="02020603050405020304" pitchFamily="18" charset="0"/>
               </a:rPr>
               <a:t>-25x</a:t>
             </a:r>
             <a:r>
-              <a:rPr lang="en-IN" sz="2200" i="1" dirty="0" smtClean="0">
+              <a:rPr lang="en-IN" sz="2400" i="1" dirty="0" smtClean="0">
                 <a:latin typeface="Times New Roman" panose="02020603050405020304" pitchFamily="18" charset="0"/>
                 <a:cs typeface="Times New Roman" panose="02020603050405020304" pitchFamily="18" charset="0"/>
               </a:rPr>
               <a:t>+e</a:t>
             </a:r>
             <a:r>
-              <a:rPr lang="en-IN" sz="2200" i="1" baseline="30000" dirty="0" smtClean="0">
+              <a:rPr lang="en-IN" sz="2400" i="1" baseline="30000" dirty="0" smtClean="0">
                 <a:latin typeface="Times New Roman" panose="02020603050405020304" pitchFamily="18" charset="0"/>
                 <a:cs typeface="Times New Roman" panose="02020603050405020304" pitchFamily="18" charset="0"/>
               </a:rPr>
               <a:t>-25y</a:t>
             </a:r>
             <a:r>
-              <a:rPr lang="en-IN" sz="2200" i="1" dirty="0" smtClean="0"/>
+              <a:rPr lang="en-IN" sz="2400" i="1" dirty="0" smtClean="0"/>
               <a:t>.</a:t>
             </a:r>
-            <a:endParaRPr lang="en-IN" sz="2200" dirty="0"/>
+            <a:endParaRPr lang="en-IN" sz="2400" dirty="0"/>
           </a:p>
         </p:txBody>
       </p:sp>
@@ -7250,14 +7340,7 @@
                 <a:latin typeface="Times New Roman" panose="02020603050405020304" pitchFamily="18" charset="0"/>
                 <a:cs typeface="Times New Roman" panose="02020603050405020304" pitchFamily="18" charset="0"/>
               </a:rPr>
-              <a:t>Delaunay </a:t>
-            </a:r>
-            <a:r>
-              <a:rPr lang="en-IN" sz="3200" b="1" dirty="0" smtClean="0">
-                <a:latin typeface="Times New Roman" panose="02020603050405020304" pitchFamily="18" charset="0"/>
-                <a:cs typeface="Times New Roman" panose="02020603050405020304" pitchFamily="18" charset="0"/>
-              </a:rPr>
-              <a:t>Meshes:</a:t>
+              <a:t>Delaunay Meshes:</a:t>
             </a:r>
             <a:endParaRPr lang="en-IN" sz="3200" b="1" dirty="0">
               <a:latin typeface="Times New Roman" panose="02020603050405020304" pitchFamily="18" charset="0"/>
@@ -7293,30 +7376,16 @@
                 <a:latin typeface="Times New Roman" panose="02020603050405020304" pitchFamily="18" charset="0"/>
                 <a:cs typeface="Times New Roman" panose="02020603050405020304" pitchFamily="18" charset="0"/>
               </a:rPr>
-              <a:t>It </a:t>
-            </a:r>
+              <a:t>It can be observed that Hessian recovery results for Delaunay meshes are identical to results obtained on mildly perturbed meshes. Delaunay meshes as well as 5% randomly perturbed meshes are both non-uniform but still well-shaped. </a:t>
+            </a:r>
+          </a:p>
+          <a:p>
             <a:r>
               <a:rPr lang="en-IN" sz="2200" dirty="0" smtClean="0">
                 <a:latin typeface="Times New Roman" panose="02020603050405020304" pitchFamily="18" charset="0"/>
                 <a:cs typeface="Times New Roman" panose="02020603050405020304" pitchFamily="18" charset="0"/>
               </a:rPr>
-              <a:t>can be observed that Hessian recovery results for Delaunay meshes are identical to results obtained on mildly perturbed meshes. Delaunay meshes as well as 5% randomly perturbed meshes are both non-uniform but still well-shaped. </a:t>
-            </a:r>
-          </a:p>
-          <a:p>
-            <a:r>
-              <a:rPr lang="en-IN" sz="2200" dirty="0" smtClean="0">
-                <a:latin typeface="Times New Roman" panose="02020603050405020304" pitchFamily="18" charset="0"/>
-                <a:cs typeface="Times New Roman" panose="02020603050405020304" pitchFamily="18" charset="0"/>
-              </a:rPr>
-              <a:t>QLS is the only method to converge with an approximate convergence rate </a:t>
-            </a:r>
-            <a:r>
-              <a:rPr lang="en-IN" sz="2200" dirty="0" smtClean="0">
-                <a:latin typeface="Times New Roman" panose="02020603050405020304" pitchFamily="18" charset="0"/>
-                <a:cs typeface="Times New Roman" panose="02020603050405020304" pitchFamily="18" charset="0"/>
-              </a:rPr>
-              <a:t>of O(n</a:t>
+              <a:t>QLS is the only method to converge with an approximate convergence rate of O(n</a:t>
             </a:r>
             <a:r>
               <a:rPr lang="en-IN" sz="2200" baseline="30000" dirty="0" smtClean="0">
@@ -7565,13 +7634,13 @@
         </p:nvSpPr>
         <p:spPr>
           <a:xfrm>
-            <a:off x="909637" y="179389"/>
+            <a:off x="852487" y="108550"/>
             <a:ext cx="10515600" cy="677861"/>
           </a:xfrm>
         </p:spPr>
         <p:txBody>
           <a:bodyPr>
-            <a:normAutofit/>
+            <a:normAutofit fontScale="90000"/>
           </a:bodyPr>
           <a:lstStyle/>
           <a:p>
@@ -7596,22 +7665,66 @@
               </a:rPr>
               <a:t>Meshes:</a:t>
             </a:r>
-            <a:endParaRPr lang="en-IN" sz="3200" b="1" dirty="0">
+            <a:r>
+              <a:rPr lang="en-IN" sz="2400" dirty="0">
+                <a:latin typeface="Times New Roman" panose="02020603050405020304" pitchFamily="18" charset="0"/>
+                <a:cs typeface="Times New Roman" panose="02020603050405020304" pitchFamily="18" charset="0"/>
+              </a:rPr>
+              <a:t/>
+            </a:r>
+            <a:br>
+              <a:rPr lang="en-IN" sz="2400" dirty="0">
+                <a:latin typeface="Times New Roman" panose="02020603050405020304" pitchFamily="18" charset="0"/>
+                <a:cs typeface="Times New Roman" panose="02020603050405020304" pitchFamily="18" charset="0"/>
+              </a:rPr>
+            </a:br>
+            <a:endParaRPr lang="en-IN" sz="2400" b="1" dirty="0">
               <a:latin typeface="Times New Roman" panose="02020603050405020304" pitchFamily="18" charset="0"/>
               <a:cs typeface="Times New Roman" panose="02020603050405020304" pitchFamily="18" charset="0"/>
             </a:endParaRPr>
           </a:p>
         </p:txBody>
       </p:sp>
+      <p:sp>
+        <p:nvSpPr>
+          <p:cNvPr id="3" name="Content Placeholder 2"/>
+          <p:cNvSpPr>
+            <a:spLocks noGrp="1"/>
+          </p:cNvSpPr>
+          <p:nvPr>
+            <p:ph idx="1"/>
+          </p:nvPr>
+        </p:nvSpPr>
+        <p:spPr>
+          <a:xfrm>
+            <a:off x="852487" y="547493"/>
+            <a:ext cx="10515600" cy="4351338"/>
+          </a:xfrm>
+        </p:spPr>
+        <p:txBody>
+          <a:bodyPr>
+            <a:normAutofit/>
+          </a:bodyPr>
+          <a:lstStyle/>
+          <a:p>
+            <a:r>
+              <a:rPr lang="en-IN" sz="2200" dirty="0">
+                <a:latin typeface="Times New Roman" panose="02020603050405020304" pitchFamily="18" charset="0"/>
+                <a:cs typeface="Times New Roman" panose="02020603050405020304" pitchFamily="18" charset="0"/>
+              </a:rPr>
+              <a:t>QLS is exact for quadratic function. For other functions, QLS provides a convergent recovery and a smaller error than on Delaunay meshes(specially for boundary layer and anisotropic function).</a:t>
+            </a:r>
+            <a:endParaRPr lang="en-IN" sz="2200" dirty="0"/>
+          </a:p>
+        </p:txBody>
+      </p:sp>
       <p:pic>
         <p:nvPicPr>
-          <p:cNvPr id="4" name="Content Placeholder 3"/>
+          <p:cNvPr id="5" name="Picture 4"/>
           <p:cNvPicPr>
-            <a:picLocks noGrp="1" noChangeAspect="1"/>
+            <a:picLocks noChangeAspect="1"/>
           </p:cNvPicPr>
-          <p:nvPr>
-            <p:ph idx="1"/>
-          </p:nvPr>
+          <p:nvPr/>
         </p:nvPicPr>
         <p:blipFill>
           <a:blip r:embed="rId2"/>
@@ -7621,8 +7734,8 @@
         </p:blipFill>
         <p:spPr>
           <a:xfrm>
-            <a:off x="1343025" y="857250"/>
-            <a:ext cx="7858125" cy="5743574"/>
+            <a:off x="1457324" y="1495422"/>
+            <a:ext cx="9001125" cy="5362578"/>
           </a:xfrm>
           <a:prstGeom prst="rect">
             <a:avLst/>
@@ -7726,27 +7839,10 @@
                 <a:spcPts val="600"/>
               </a:spcBef>
             </a:pPr>
-            <a:r>
-              <a:rPr lang="en-IN" sz="2200" dirty="0">
-                <a:latin typeface="Times New Roman" panose="02020603050405020304" pitchFamily="18" charset="0"/>
-                <a:cs typeface="Times New Roman" panose="02020603050405020304" pitchFamily="18" charset="0"/>
-              </a:rPr>
-              <a:t>QLS is exact for quadratic </a:t>
-            </a:r>
-            <a:r>
-              <a:rPr lang="en-IN" sz="2200" dirty="0" smtClean="0">
-                <a:latin typeface="Times New Roman" panose="02020603050405020304" pitchFamily="18" charset="0"/>
-                <a:cs typeface="Times New Roman" panose="02020603050405020304" pitchFamily="18" charset="0"/>
-              </a:rPr>
-              <a:t>function. For </a:t>
-            </a:r>
-            <a:r>
-              <a:rPr lang="en-IN" sz="2200" dirty="0">
-                <a:latin typeface="Times New Roman" panose="02020603050405020304" pitchFamily="18" charset="0"/>
-                <a:cs typeface="Times New Roman" panose="02020603050405020304" pitchFamily="18" charset="0"/>
-              </a:rPr>
-              <a:t>other functions, QLS provides a convergent recovery and a smaller error than on Delaunay meshes(specially for boundary layer and anisotropic function).</a:t>
-            </a:r>
+            <a:endParaRPr lang="en-IN" sz="2200" dirty="0">
+              <a:latin typeface="Times New Roman" panose="02020603050405020304" pitchFamily="18" charset="0"/>
+              <a:cs typeface="Times New Roman" panose="02020603050405020304" pitchFamily="18" charset="0"/>
+            </a:endParaRPr>
           </a:p>
         </p:txBody>
       </p:sp>
@@ -7766,7 +7862,7 @@
         </p:blipFill>
         <p:spPr>
           <a:xfrm>
-            <a:off x="1196579" y="1657349"/>
+            <a:off x="1196579" y="928688"/>
             <a:ext cx="9313068" cy="5305425"/>
           </a:xfrm>
           <a:prstGeom prst="rect">
@@ -8121,14 +8217,7 @@
                 <a:latin typeface="Times New Roman" panose="02020603050405020304" pitchFamily="18" charset="0"/>
                 <a:cs typeface="Times New Roman" panose="02020603050405020304" pitchFamily="18" charset="0"/>
               </a:rPr>
-              <a:t>DLF, LLS and WF are only convergent only for uniform meshes. For non-uniform meshes they fail to provide convergent Hessian recovery</a:t>
-            </a:r>
-            <a:r>
-              <a:rPr lang="en-IN" sz="2200" dirty="0" smtClean="0">
-                <a:latin typeface="Times New Roman" panose="02020603050405020304" pitchFamily="18" charset="0"/>
-                <a:cs typeface="Times New Roman" panose="02020603050405020304" pitchFamily="18" charset="0"/>
-              </a:rPr>
-              <a:t>.</a:t>
+              <a:t>DLF, LLS and WF are only convergent only for uniform meshes. For non-uniform meshes they fail to provide convergent Hessian recovery.</a:t>
             </a:r>
           </a:p>
           <a:p>
@@ -8144,10 +8233,6 @@
               </a:rPr>
               <a:t>However, the relative error of DLF, LLS and WF is quite low, which can be sufficient for mesh adaptation because if is often unnecessary to compute the mesh to a very high accuracy for the approximation of function or solution of DE.</a:t>
             </a:r>
-            <a:endParaRPr lang="en-IN" sz="2200" dirty="0" smtClean="0">
-              <a:latin typeface="Times New Roman" panose="02020603050405020304" pitchFamily="18" charset="0"/>
-              <a:cs typeface="Times New Roman" panose="02020603050405020304" pitchFamily="18" charset="0"/>
-            </a:endParaRPr>
           </a:p>
           <a:p>
             <a:endParaRPr lang="en-IN" sz="2200" dirty="0"/>
@@ -8203,14 +8288,22 @@
         </p:nvSpPr>
         <p:spPr/>
         <p:txBody>
-          <a:bodyPr/>
-          <a:lstStyle/>
-          <a:p>
-            <a:r>
-              <a:rPr lang="en-IN" dirty="0" smtClean="0"/>
-              <a:t>References</a:t>
-            </a:r>
-            <a:endParaRPr lang="en-IN" dirty="0"/>
+          <a:bodyPr>
+            <a:normAutofit/>
+          </a:bodyPr>
+          <a:lstStyle/>
+          <a:p>
+            <a:r>
+              <a:rPr lang="en-IN" sz="3200" b="1" dirty="0" smtClean="0">
+                <a:latin typeface="Times New Roman" panose="02020603050405020304" pitchFamily="18" charset="0"/>
+                <a:cs typeface="Times New Roman" panose="02020603050405020304" pitchFamily="18" charset="0"/>
+              </a:rPr>
+              <a:t>References:</a:t>
+            </a:r>
+            <a:endParaRPr lang="en-IN" sz="3200" b="1" dirty="0">
+              <a:latin typeface="Times New Roman" panose="02020603050405020304" pitchFamily="18" charset="0"/>
+              <a:cs typeface="Times New Roman" panose="02020603050405020304" pitchFamily="18" charset="0"/>
+            </a:endParaRPr>
           </a:p>
         </p:txBody>
       </p:sp>
@@ -8226,7 +8319,9 @@
         </p:nvSpPr>
         <p:spPr/>
         <p:txBody>
-          <a:bodyPr/>
+          <a:bodyPr>
+            <a:normAutofit/>
+          </a:bodyPr>
           <a:lstStyle/>
           <a:p>
             <a:pPr marL="514350" indent="-514350">
@@ -8234,8 +8329,18 @@
               <a:buAutoNum type="arabicPeriod"/>
             </a:pPr>
             <a:r>
-              <a:rPr lang="en-IN" dirty="0" smtClean="0"/>
-              <a:t>On Hessian Recovery and Anisotropic Adaptivity.</a:t>
+              <a:rPr lang="en-IN" dirty="0" smtClean="0">
+                <a:latin typeface="Times New Roman" panose="02020603050405020304" pitchFamily="18" charset="0"/>
+                <a:cs typeface="Times New Roman" panose="02020603050405020304" pitchFamily="18" charset="0"/>
+              </a:rPr>
+              <a:t>On Hessian Recovery and Anisotropic Adaptivity</a:t>
+            </a:r>
+            <a:r>
+              <a:rPr lang="en-IN" dirty="0" smtClean="0">
+                <a:latin typeface="Times New Roman" panose="02020603050405020304" pitchFamily="18" charset="0"/>
+                <a:cs typeface="Times New Roman" panose="02020603050405020304" pitchFamily="18" charset="0"/>
+              </a:rPr>
+              <a:t>.</a:t>
             </a:r>
           </a:p>
           <a:p>
@@ -8243,7 +8348,27 @@
               <a:buFont typeface="+mj-lt"/>
               <a:buAutoNum type="arabicPeriod"/>
             </a:pPr>
-            <a:endParaRPr lang="en-IN" dirty="0"/>
+            <a:r>
+              <a:rPr lang="en-IN" dirty="0" smtClean="0">
+                <a:latin typeface="Times New Roman" panose="02020603050405020304" pitchFamily="18" charset="0"/>
+                <a:cs typeface="Times New Roman" panose="02020603050405020304" pitchFamily="18" charset="0"/>
+              </a:rPr>
+              <a:t>Anisotropic Mesh Adaptation Based on Hessian recovery and a posteriori error estimates.</a:t>
+            </a:r>
+            <a:endParaRPr lang="en-IN" dirty="0" smtClean="0">
+              <a:latin typeface="Times New Roman" panose="02020603050405020304" pitchFamily="18" charset="0"/>
+              <a:cs typeface="Times New Roman" panose="02020603050405020304" pitchFamily="18" charset="0"/>
+            </a:endParaRPr>
+          </a:p>
+          <a:p>
+            <a:pPr marL="514350" indent="-514350">
+              <a:buFont typeface="+mj-lt"/>
+              <a:buAutoNum type="arabicPeriod"/>
+            </a:pPr>
+            <a:endParaRPr lang="en-IN" dirty="0">
+              <a:latin typeface="Times New Roman" panose="02020603050405020304" pitchFamily="18" charset="0"/>
+              <a:cs typeface="Times New Roman" panose="02020603050405020304" pitchFamily="18" charset="0"/>
+            </a:endParaRPr>
           </a:p>
         </p:txBody>
       </p:sp>
@@ -8356,14 +8481,7 @@
                 <a:latin typeface="Times New Roman" panose="02020603050405020304" pitchFamily="18" charset="0"/>
                 <a:cs typeface="Times New Roman" panose="02020603050405020304" pitchFamily="18" charset="0"/>
               </a:rPr>
-              <a:t>QLS</a:t>
-            </a:r>
-            <a:r>
-              <a:rPr lang="en-IN" dirty="0" smtClean="0">
-                <a:latin typeface="Times New Roman" panose="02020603050405020304" pitchFamily="18" charset="0"/>
-                <a:cs typeface="Times New Roman" panose="02020603050405020304" pitchFamily="18" charset="0"/>
-              </a:rPr>
-              <a:t>: Quadratic least squares fitting.</a:t>
+              <a:t>QLS: Quadratic least squares fitting.</a:t>
             </a:r>
           </a:p>
           <a:p>
@@ -8556,19 +8674,8 @@
                 <a:latin typeface="Times New Roman" panose="02020603050405020304" pitchFamily="18" charset="0"/>
                 <a:cs typeface="Times New Roman" panose="02020603050405020304" pitchFamily="18" charset="0"/>
               </a:rPr>
-              <a:t>diﬀerentiation</a:t>
-            </a:r>
-            <a:r>
-              <a:rPr lang="en-IN" dirty="0" smtClean="0">
-                <a:latin typeface="Times New Roman" panose="02020603050405020304" pitchFamily="18" charset="0"/>
-                <a:cs typeface="Times New Roman" panose="02020603050405020304" pitchFamily="18" charset="0"/>
-              </a:rPr>
-              <a:t>. First the input data is smoothed using quadratic regression, then the differentiation is applied.</a:t>
-            </a:r>
-            <a:endParaRPr lang="en-IN" dirty="0" smtClean="0">
-              <a:latin typeface="Times New Roman" panose="02020603050405020304" pitchFamily="18" charset="0"/>
-              <a:cs typeface="Times New Roman" panose="02020603050405020304" pitchFamily="18" charset="0"/>
-            </a:endParaRPr>
+              <a:t>diﬀerentiation. First the input data is smoothed using quadratic regression, then the differentiation is applied.</a:t>
+            </a:r>
           </a:p>
           <a:p>
             <a:pPr lvl="1"/>
@@ -8769,158 +8876,160 @@
           </a:xfrm>
         </p:spPr>
         <p:txBody>
-          <a:bodyPr/>
-          <a:lstStyle/>
-          <a:p>
-            <a:r>
-              <a:rPr lang="en-IN" dirty="0" smtClean="0">
+          <a:bodyPr>
+            <a:normAutofit/>
+          </a:bodyPr>
+          <a:lstStyle/>
+          <a:p>
+            <a:r>
+              <a:rPr lang="en-IN" sz="2400" dirty="0" smtClean="0">
                 <a:latin typeface="Times New Roman" panose="02020603050405020304" pitchFamily="18" charset="0"/>
                 <a:cs typeface="Times New Roman" panose="02020603050405020304" pitchFamily="18" charset="0"/>
               </a:rPr>
               <a:t>Node </a:t>
             </a:r>
             <a:r>
-              <a:rPr lang="en-IN" i="1" dirty="0" smtClean="0">
+              <a:rPr lang="en-IN" sz="2400" i="1" dirty="0" smtClean="0">
                 <a:latin typeface="Times New Roman" panose="02020603050405020304" pitchFamily="18" charset="0"/>
                 <a:cs typeface="Times New Roman" panose="02020603050405020304" pitchFamily="18" charset="0"/>
               </a:rPr>
               <a:t>N</a:t>
             </a:r>
             <a:r>
-              <a:rPr lang="en-IN" i="1" baseline="-25000" dirty="0" smtClean="0">
+              <a:rPr lang="en-IN" sz="2400" i="1" baseline="-25000" dirty="0" smtClean="0">
                 <a:latin typeface="Times New Roman" panose="02020603050405020304" pitchFamily="18" charset="0"/>
                 <a:cs typeface="Times New Roman" panose="02020603050405020304" pitchFamily="18" charset="0"/>
               </a:rPr>
               <a:t>0</a:t>
             </a:r>
             <a:r>
-              <a:rPr lang="en-IN" dirty="0" smtClean="0">
+              <a:rPr lang="en-IN" sz="2400" dirty="0" smtClean="0">
                 <a:latin typeface="Times New Roman" panose="02020603050405020304" pitchFamily="18" charset="0"/>
                 <a:cs typeface="Times New Roman" panose="02020603050405020304" pitchFamily="18" charset="0"/>
               </a:rPr>
               <a:t>(</a:t>
             </a:r>
             <a:r>
-              <a:rPr lang="en-IN" i="1" dirty="0" smtClean="0">
+              <a:rPr lang="en-IN" sz="2400" i="1" dirty="0" smtClean="0">
                 <a:latin typeface="Times New Roman" panose="02020603050405020304" pitchFamily="18" charset="0"/>
                 <a:cs typeface="Times New Roman" panose="02020603050405020304" pitchFamily="18" charset="0"/>
               </a:rPr>
               <a:t>x</a:t>
             </a:r>
             <a:r>
-              <a:rPr lang="en-IN" i="1" baseline="-25000" dirty="0" smtClean="0">
+              <a:rPr lang="en-IN" sz="2400" i="1" baseline="-25000" dirty="0" smtClean="0">
                 <a:latin typeface="Times New Roman" panose="02020603050405020304" pitchFamily="18" charset="0"/>
                 <a:cs typeface="Times New Roman" panose="02020603050405020304" pitchFamily="18" charset="0"/>
               </a:rPr>
               <a:t>0</a:t>
             </a:r>
             <a:r>
-              <a:rPr lang="en-IN" i="1" dirty="0" smtClean="0">
+              <a:rPr lang="en-IN" sz="2400" i="1" dirty="0" smtClean="0">
                 <a:latin typeface="Times New Roman" panose="02020603050405020304" pitchFamily="18" charset="0"/>
                 <a:cs typeface="Times New Roman" panose="02020603050405020304" pitchFamily="18" charset="0"/>
               </a:rPr>
               <a:t>,y</a:t>
             </a:r>
             <a:r>
-              <a:rPr lang="en-IN" i="1" baseline="-25000" dirty="0" smtClean="0">
+              <a:rPr lang="en-IN" sz="2400" i="1" baseline="-25000" dirty="0" smtClean="0">
                 <a:latin typeface="Times New Roman" panose="02020603050405020304" pitchFamily="18" charset="0"/>
                 <a:cs typeface="Times New Roman" panose="02020603050405020304" pitchFamily="18" charset="0"/>
               </a:rPr>
               <a:t>0</a:t>
             </a:r>
             <a:r>
-              <a:rPr lang="en-IN" dirty="0" smtClean="0">
+              <a:rPr lang="en-IN" sz="2400" dirty="0" smtClean="0">
                 <a:latin typeface="Times New Roman" panose="02020603050405020304" pitchFamily="18" charset="0"/>
                 <a:cs typeface="Times New Roman" panose="02020603050405020304" pitchFamily="18" charset="0"/>
               </a:rPr>
               <a:t>), patch is rep as </a:t>
             </a:r>
             <a:r>
-              <a:rPr lang="en-IN" i="1" dirty="0" smtClean="0">
+              <a:rPr lang="en-IN" sz="2400" i="1" dirty="0" smtClean="0">
                 <a:latin typeface="Times New Roman" panose="02020603050405020304" pitchFamily="18" charset="0"/>
                 <a:cs typeface="Times New Roman" panose="02020603050405020304" pitchFamily="18" charset="0"/>
               </a:rPr>
               <a:t>N</a:t>
             </a:r>
             <a:r>
-              <a:rPr lang="en-IN" i="1" baseline="-25000" dirty="0" smtClean="0">
+              <a:rPr lang="en-IN" sz="2400" i="1" baseline="-25000" dirty="0" smtClean="0">
                 <a:latin typeface="Times New Roman" panose="02020603050405020304" pitchFamily="18" charset="0"/>
                 <a:cs typeface="Times New Roman" panose="02020603050405020304" pitchFamily="18" charset="0"/>
               </a:rPr>
               <a:t>i</a:t>
             </a:r>
             <a:r>
-              <a:rPr lang="en-IN" dirty="0" smtClean="0">
+              <a:rPr lang="en-IN" sz="2400" dirty="0" smtClean="0">
                 <a:latin typeface="Times New Roman" panose="02020603050405020304" pitchFamily="18" charset="0"/>
                 <a:cs typeface="Times New Roman" panose="02020603050405020304" pitchFamily="18" charset="0"/>
               </a:rPr>
               <a:t>(</a:t>
             </a:r>
             <a:r>
-              <a:rPr lang="en-IN" i="1" dirty="0" err="1" smtClean="0">
+              <a:rPr lang="en-IN" sz="2400" i="1" dirty="0" err="1" smtClean="0">
                 <a:latin typeface="Times New Roman" panose="02020603050405020304" pitchFamily="18" charset="0"/>
                 <a:cs typeface="Times New Roman" panose="02020603050405020304" pitchFamily="18" charset="0"/>
               </a:rPr>
               <a:t>x</a:t>
             </a:r>
             <a:r>
-              <a:rPr lang="en-IN" i="1" baseline="-25000" dirty="0" err="1" smtClean="0">
+              <a:rPr lang="en-IN" sz="2400" i="1" baseline="-25000" dirty="0" err="1" smtClean="0">
                 <a:latin typeface="Times New Roman" panose="02020603050405020304" pitchFamily="18" charset="0"/>
                 <a:cs typeface="Times New Roman" panose="02020603050405020304" pitchFamily="18" charset="0"/>
               </a:rPr>
               <a:t>i</a:t>
             </a:r>
             <a:r>
-              <a:rPr lang="en-IN" i="1" dirty="0" err="1" smtClean="0">
+              <a:rPr lang="en-IN" sz="2400" i="1" dirty="0" err="1" smtClean="0">
                 <a:latin typeface="Times New Roman" panose="02020603050405020304" pitchFamily="18" charset="0"/>
                 <a:cs typeface="Times New Roman" panose="02020603050405020304" pitchFamily="18" charset="0"/>
               </a:rPr>
               <a:t>,y</a:t>
             </a:r>
             <a:r>
-              <a:rPr lang="en-IN" i="1" baseline="-25000" dirty="0" err="1" smtClean="0">
+              <a:rPr lang="en-IN" sz="2400" i="1" baseline="-25000" dirty="0" err="1" smtClean="0">
                 <a:latin typeface="Times New Roman" panose="02020603050405020304" pitchFamily="18" charset="0"/>
                 <a:cs typeface="Times New Roman" panose="02020603050405020304" pitchFamily="18" charset="0"/>
               </a:rPr>
               <a:t>i</a:t>
             </a:r>
             <a:r>
-              <a:rPr lang="en-IN" dirty="0" smtClean="0">
+              <a:rPr lang="en-IN" sz="2400" dirty="0" smtClean="0">
                 <a:latin typeface="Times New Roman" panose="02020603050405020304" pitchFamily="18" charset="0"/>
                 <a:cs typeface="Times New Roman" panose="02020603050405020304" pitchFamily="18" charset="0"/>
               </a:rPr>
               <a:t>) </a:t>
             </a:r>
             <a:r>
-              <a:rPr lang="en-IN" i="1" dirty="0" smtClean="0">
+              <a:rPr lang="en-IN" sz="2400" i="1" dirty="0" smtClean="0">
                 <a:latin typeface="Times New Roman" panose="02020603050405020304" pitchFamily="18" charset="0"/>
                 <a:cs typeface="Times New Roman" panose="02020603050405020304" pitchFamily="18" charset="0"/>
               </a:rPr>
               <a:t>i</a:t>
             </a:r>
             <a:r>
-              <a:rPr lang="en-IN" dirty="0" smtClean="0">
+              <a:rPr lang="en-IN" sz="2400" dirty="0" smtClean="0">
                 <a:latin typeface="Times New Roman" panose="02020603050405020304" pitchFamily="18" charset="0"/>
                 <a:cs typeface="Times New Roman" panose="02020603050405020304" pitchFamily="18" charset="0"/>
               </a:rPr>
               <a:t>=1,2,..</a:t>
             </a:r>
             <a:r>
-              <a:rPr lang="en-IN" i="1" dirty="0" smtClean="0">
+              <a:rPr lang="en-IN" sz="2400" i="1" dirty="0" smtClean="0">
                 <a:latin typeface="Times New Roman" panose="02020603050405020304" pitchFamily="18" charset="0"/>
                 <a:cs typeface="Times New Roman" panose="02020603050405020304" pitchFamily="18" charset="0"/>
               </a:rPr>
               <a:t>n</a:t>
             </a:r>
             <a:r>
-              <a:rPr lang="en-IN" dirty="0" smtClean="0">
+              <a:rPr lang="en-IN" sz="2400" dirty="0" smtClean="0">
                 <a:latin typeface="Times New Roman" panose="02020603050405020304" pitchFamily="18" charset="0"/>
                 <a:cs typeface="Times New Roman" panose="02020603050405020304" pitchFamily="18" charset="0"/>
               </a:rPr>
               <a:t> for </a:t>
             </a:r>
             <a:r>
-              <a:rPr lang="en-IN" i="1" dirty="0" smtClean="0">
+              <a:rPr lang="en-IN" sz="2400" i="1" dirty="0" smtClean="0">
                 <a:latin typeface="Times New Roman" panose="02020603050405020304" pitchFamily="18" charset="0"/>
                 <a:cs typeface="Times New Roman" panose="02020603050405020304" pitchFamily="18" charset="0"/>
               </a:rPr>
@@ -8931,515 +9040,531 @@
                 <a:latin typeface="Times New Roman" panose="02020603050405020304" pitchFamily="18" charset="0"/>
                 <a:cs typeface="Times New Roman" panose="02020603050405020304" pitchFamily="18" charset="0"/>
               </a:rPr>
-              <a:t>≥</a:t>
-            </a:r>
-            <a:r>
-              <a:rPr lang="en-IN" dirty="0" smtClean="0">
+              <a:t>≥ 5. </a:t>
+            </a:r>
+          </a:p>
+          <a:p>
+            <a:r>
+              <a:rPr lang="en-IN" sz="2400" i="1" dirty="0">
+                <a:latin typeface="Times New Roman" panose="02020603050405020304" pitchFamily="18" charset="0"/>
+                <a:cs typeface="Times New Roman" panose="02020603050405020304" pitchFamily="18" charset="0"/>
+              </a:rPr>
+              <a:t>u</a:t>
+            </a:r>
+            <a:r>
+              <a:rPr lang="en-IN" sz="2400" i="1" baseline="-25000" dirty="0" smtClean="0">
+                <a:latin typeface="Times New Roman" panose="02020603050405020304" pitchFamily="18" charset="0"/>
+                <a:cs typeface="Times New Roman" panose="02020603050405020304" pitchFamily="18" charset="0"/>
+              </a:rPr>
+              <a:t>h</a:t>
+            </a:r>
+            <a:r>
+              <a:rPr lang="en-IN" sz="2400" dirty="0" smtClean="0">
+                <a:latin typeface="Times New Roman" panose="02020603050405020304" pitchFamily="18" charset="0"/>
+                <a:cs typeface="Times New Roman" panose="02020603050405020304" pitchFamily="18" charset="0"/>
+              </a:rPr>
+              <a:t>-approximated function. </a:t>
+            </a:r>
+          </a:p>
+          <a:p>
+            <a:r>
+              <a:rPr lang="en-IN" sz="2400" dirty="0" smtClean="0">
+                <a:latin typeface="Times New Roman" panose="02020603050405020304" pitchFamily="18" charset="0"/>
+                <a:cs typeface="Times New Roman" panose="02020603050405020304" pitchFamily="18" charset="0"/>
+              </a:rPr>
+              <a:t>Polynomial p</a:t>
+            </a:r>
+            <a:r>
+              <a:rPr lang="en-IN" sz="2400" baseline="-25000" dirty="0" smtClean="0">
+                <a:latin typeface="Times New Roman" panose="02020603050405020304" pitchFamily="18" charset="0"/>
+                <a:cs typeface="Times New Roman" panose="02020603050405020304" pitchFamily="18" charset="0"/>
+              </a:rPr>
+              <a:t>2</a:t>
+            </a:r>
+            <a:r>
+              <a:rPr lang="en-IN" sz="2400" dirty="0" smtClean="0">
+                <a:latin typeface="Times New Roman" panose="02020603050405020304" pitchFamily="18" charset="0"/>
+                <a:cs typeface="Times New Roman" panose="02020603050405020304" pitchFamily="18" charset="0"/>
+              </a:rPr>
+              <a:t>:  </a:t>
+            </a:r>
+            <a:r>
+              <a:rPr lang="en-IN" sz="2400" b="1" dirty="0">
+                <a:latin typeface="Times New Roman" panose="02020603050405020304" pitchFamily="18" charset="0"/>
+                <a:cs typeface="Times New Roman" panose="02020603050405020304" pitchFamily="18" charset="0"/>
+              </a:rPr>
+              <a:t>p</a:t>
+            </a:r>
+            <a:r>
+              <a:rPr lang="en-IN" sz="2400" b="1" baseline="-25000" dirty="0" smtClean="0">
+                <a:latin typeface="Times New Roman" panose="02020603050405020304" pitchFamily="18" charset="0"/>
+                <a:cs typeface="Times New Roman" panose="02020603050405020304" pitchFamily="18" charset="0"/>
+              </a:rPr>
+              <a:t>2 </a:t>
+            </a:r>
+            <a:r>
+              <a:rPr lang="en-IN" sz="2400" b="1" dirty="0" smtClean="0">
+                <a:latin typeface="Times New Roman" panose="02020603050405020304" pitchFamily="18" charset="0"/>
+                <a:cs typeface="Times New Roman" panose="02020603050405020304" pitchFamily="18" charset="0"/>
+              </a:rPr>
+              <a:t>(</a:t>
+            </a:r>
+            <a:r>
+              <a:rPr lang="en-IN" sz="2400" b="1" i="1" dirty="0" smtClean="0">
+                <a:latin typeface="Times New Roman" panose="02020603050405020304" pitchFamily="18" charset="0"/>
+                <a:cs typeface="Times New Roman" panose="02020603050405020304" pitchFamily="18" charset="0"/>
+              </a:rPr>
+              <a:t>x,y</a:t>
+            </a:r>
+            <a:r>
+              <a:rPr lang="en-IN" sz="2400" b="1" dirty="0" smtClean="0">
+                <a:latin typeface="Times New Roman" panose="02020603050405020304" pitchFamily="18" charset="0"/>
+                <a:cs typeface="Times New Roman" panose="02020603050405020304" pitchFamily="18" charset="0"/>
+              </a:rPr>
+              <a:t>;</a:t>
+            </a:r>
+            <a:r>
+              <a:rPr lang="en-IN" sz="2400" b="1" i="1" dirty="0" smtClean="0">
+                <a:latin typeface="Times New Roman" panose="02020603050405020304" pitchFamily="18" charset="0"/>
+                <a:cs typeface="Times New Roman" panose="02020603050405020304" pitchFamily="18" charset="0"/>
+              </a:rPr>
+              <a:t>N</a:t>
+            </a:r>
+            <a:r>
+              <a:rPr lang="en-IN" sz="2400" b="1" i="1" baseline="-25000" dirty="0" smtClean="0">
+                <a:latin typeface="Times New Roman" panose="02020603050405020304" pitchFamily="18" charset="0"/>
+                <a:cs typeface="Times New Roman" panose="02020603050405020304" pitchFamily="18" charset="0"/>
+              </a:rPr>
+              <a:t>0</a:t>
+            </a:r>
+            <a:r>
+              <a:rPr lang="en-IN" sz="2400" b="1" dirty="0" smtClean="0">
+                <a:latin typeface="Times New Roman" panose="02020603050405020304" pitchFamily="18" charset="0"/>
+                <a:cs typeface="Times New Roman" panose="02020603050405020304" pitchFamily="18" charset="0"/>
+              </a:rPr>
+              <a:t>)=</a:t>
+            </a:r>
+            <a:r>
+              <a:rPr lang="en-IN" sz="2400" b="1" i="1" dirty="0" smtClean="0">
+                <a:latin typeface="Times New Roman" panose="02020603050405020304" pitchFamily="18" charset="0"/>
+                <a:cs typeface="Times New Roman" panose="02020603050405020304" pitchFamily="18" charset="0"/>
+              </a:rPr>
+              <a:t>a</a:t>
+            </a:r>
+            <a:r>
+              <a:rPr lang="en-IN" sz="2400" b="1" i="1" baseline="-25000" dirty="0" smtClean="0">
+                <a:latin typeface="Times New Roman" panose="02020603050405020304" pitchFamily="18" charset="0"/>
+                <a:cs typeface="Times New Roman" panose="02020603050405020304" pitchFamily="18" charset="0"/>
+              </a:rPr>
+              <a:t>1</a:t>
+            </a:r>
+            <a:r>
+              <a:rPr lang="en-IN" sz="2400" b="1" dirty="0" smtClean="0">
+                <a:latin typeface="Times New Roman" panose="02020603050405020304" pitchFamily="18" charset="0"/>
+                <a:cs typeface="Times New Roman" panose="02020603050405020304" pitchFamily="18" charset="0"/>
+              </a:rPr>
+              <a:t>+</a:t>
+            </a:r>
+            <a:r>
+              <a:rPr lang="en-IN" sz="2400" b="1" i="1" dirty="0" smtClean="0">
+                <a:latin typeface="Times New Roman" panose="02020603050405020304" pitchFamily="18" charset="0"/>
+                <a:cs typeface="Times New Roman" panose="02020603050405020304" pitchFamily="18" charset="0"/>
+              </a:rPr>
+              <a:t>a</a:t>
+            </a:r>
+            <a:r>
+              <a:rPr lang="en-IN" sz="2400" b="1" i="1" baseline="-25000" dirty="0" smtClean="0">
+                <a:latin typeface="Times New Roman" panose="02020603050405020304" pitchFamily="18" charset="0"/>
+                <a:cs typeface="Times New Roman" panose="02020603050405020304" pitchFamily="18" charset="0"/>
+              </a:rPr>
+              <a:t>2</a:t>
+            </a:r>
+            <a:r>
+              <a:rPr lang="en-IN" sz="2400" b="1" i="1" dirty="0" smtClean="0">
+                <a:latin typeface="Times New Roman" panose="02020603050405020304" pitchFamily="18" charset="0"/>
+                <a:cs typeface="Times New Roman" panose="02020603050405020304" pitchFamily="18" charset="0"/>
+              </a:rPr>
+              <a:t>x</a:t>
+            </a:r>
+            <a:r>
+              <a:rPr lang="en-IN" sz="2400" b="1" dirty="0" smtClean="0">
+                <a:latin typeface="Times New Roman" panose="02020603050405020304" pitchFamily="18" charset="0"/>
+                <a:cs typeface="Times New Roman" panose="02020603050405020304" pitchFamily="18" charset="0"/>
+              </a:rPr>
+              <a:t>+</a:t>
+            </a:r>
+            <a:r>
+              <a:rPr lang="en-IN" sz="2400" b="1" i="1" dirty="0" smtClean="0">
+                <a:latin typeface="Times New Roman" panose="02020603050405020304" pitchFamily="18" charset="0"/>
+                <a:cs typeface="Times New Roman" panose="02020603050405020304" pitchFamily="18" charset="0"/>
+              </a:rPr>
+              <a:t>a</a:t>
+            </a:r>
+            <a:r>
+              <a:rPr lang="en-IN" sz="2400" b="1" i="1" baseline="-25000" dirty="0" smtClean="0">
+                <a:latin typeface="Times New Roman" panose="02020603050405020304" pitchFamily="18" charset="0"/>
+                <a:cs typeface="Times New Roman" panose="02020603050405020304" pitchFamily="18" charset="0"/>
+              </a:rPr>
+              <a:t>3</a:t>
+            </a:r>
+            <a:r>
+              <a:rPr lang="en-IN" sz="2400" b="1" i="1" dirty="0" smtClean="0">
+                <a:latin typeface="Times New Roman" panose="02020603050405020304" pitchFamily="18" charset="0"/>
+                <a:cs typeface="Times New Roman" panose="02020603050405020304" pitchFamily="18" charset="0"/>
+              </a:rPr>
+              <a:t>y</a:t>
+            </a:r>
+            <a:r>
+              <a:rPr lang="en-IN" sz="2400" b="1" dirty="0" smtClean="0">
+                <a:latin typeface="Times New Roman" panose="02020603050405020304" pitchFamily="18" charset="0"/>
+                <a:cs typeface="Times New Roman" panose="02020603050405020304" pitchFamily="18" charset="0"/>
+              </a:rPr>
+              <a:t>+</a:t>
+            </a:r>
+            <a:r>
+              <a:rPr lang="en-IN" sz="2400" b="1" i="1" dirty="0" smtClean="0">
+                <a:latin typeface="Times New Roman" panose="02020603050405020304" pitchFamily="18" charset="0"/>
+                <a:cs typeface="Times New Roman" panose="02020603050405020304" pitchFamily="18" charset="0"/>
+              </a:rPr>
+              <a:t>a</a:t>
+            </a:r>
+            <a:r>
+              <a:rPr lang="en-IN" sz="2400" b="1" i="1" baseline="-25000" dirty="0" smtClean="0">
+                <a:latin typeface="Times New Roman" panose="02020603050405020304" pitchFamily="18" charset="0"/>
+                <a:cs typeface="Times New Roman" panose="02020603050405020304" pitchFamily="18" charset="0"/>
+              </a:rPr>
+              <a:t>4</a:t>
+            </a:r>
+            <a:r>
+              <a:rPr lang="en-IN" sz="2400" b="1" i="1" dirty="0" smtClean="0">
+                <a:latin typeface="Times New Roman" panose="02020603050405020304" pitchFamily="18" charset="0"/>
+                <a:cs typeface="Times New Roman" panose="02020603050405020304" pitchFamily="18" charset="0"/>
+              </a:rPr>
+              <a:t>xy</a:t>
+            </a:r>
+            <a:r>
+              <a:rPr lang="en-IN" sz="2400" b="1" dirty="0" smtClean="0">
+                <a:latin typeface="Times New Roman" panose="02020603050405020304" pitchFamily="18" charset="0"/>
+                <a:cs typeface="Times New Roman" panose="02020603050405020304" pitchFamily="18" charset="0"/>
+              </a:rPr>
+              <a:t>+</a:t>
+            </a:r>
+            <a:r>
+              <a:rPr lang="en-IN" sz="2400" b="1" i="1" dirty="0" smtClean="0">
+                <a:latin typeface="Times New Roman" panose="02020603050405020304" pitchFamily="18" charset="0"/>
+                <a:cs typeface="Times New Roman" panose="02020603050405020304" pitchFamily="18" charset="0"/>
+              </a:rPr>
+              <a:t>a</a:t>
+            </a:r>
+            <a:r>
+              <a:rPr lang="en-IN" sz="2400" b="1" i="1" baseline="-25000" dirty="0" smtClean="0">
+                <a:latin typeface="Times New Roman" panose="02020603050405020304" pitchFamily="18" charset="0"/>
+                <a:cs typeface="Times New Roman" panose="02020603050405020304" pitchFamily="18" charset="0"/>
+              </a:rPr>
+              <a:t>5</a:t>
+            </a:r>
+            <a:r>
+              <a:rPr lang="en-IN" sz="2400" b="1" i="1" dirty="0" smtClean="0">
+                <a:latin typeface="Times New Roman" panose="02020603050405020304" pitchFamily="18" charset="0"/>
+                <a:cs typeface="Times New Roman" panose="02020603050405020304" pitchFamily="18" charset="0"/>
+              </a:rPr>
+              <a:t>x</a:t>
+            </a:r>
+            <a:r>
+              <a:rPr lang="en-IN" sz="2400" b="1" i="1" baseline="30000" dirty="0" smtClean="0">
+                <a:latin typeface="Times New Roman" panose="02020603050405020304" pitchFamily="18" charset="0"/>
+                <a:cs typeface="Times New Roman" panose="02020603050405020304" pitchFamily="18" charset="0"/>
+              </a:rPr>
+              <a:t>2</a:t>
+            </a:r>
+            <a:r>
+              <a:rPr lang="en-IN" sz="2400" b="1" dirty="0" smtClean="0">
+                <a:latin typeface="Times New Roman" panose="02020603050405020304" pitchFamily="18" charset="0"/>
+                <a:cs typeface="Times New Roman" panose="02020603050405020304" pitchFamily="18" charset="0"/>
+              </a:rPr>
+              <a:t>+</a:t>
+            </a:r>
+            <a:r>
+              <a:rPr lang="en-IN" sz="2400" b="1" i="1" dirty="0" smtClean="0">
+                <a:latin typeface="Times New Roman" panose="02020603050405020304" pitchFamily="18" charset="0"/>
+                <a:cs typeface="Times New Roman" panose="02020603050405020304" pitchFamily="18" charset="0"/>
+              </a:rPr>
+              <a:t>a</a:t>
+            </a:r>
+            <a:r>
+              <a:rPr lang="en-IN" sz="2400" b="1" i="1" baseline="-25000" dirty="0" smtClean="0">
+                <a:latin typeface="Times New Roman" panose="02020603050405020304" pitchFamily="18" charset="0"/>
+                <a:cs typeface="Times New Roman" panose="02020603050405020304" pitchFamily="18" charset="0"/>
+              </a:rPr>
+              <a:t>6</a:t>
+            </a:r>
+            <a:r>
+              <a:rPr lang="en-IN" sz="2400" b="1" i="1" dirty="0" smtClean="0">
+                <a:latin typeface="Times New Roman" panose="02020603050405020304" pitchFamily="18" charset="0"/>
+                <a:cs typeface="Times New Roman" panose="02020603050405020304" pitchFamily="18" charset="0"/>
+              </a:rPr>
+              <a:t>y</a:t>
+            </a:r>
+            <a:r>
+              <a:rPr lang="en-IN" sz="2400" b="1" i="1" baseline="30000" dirty="0" smtClean="0">
+                <a:latin typeface="Times New Roman" panose="02020603050405020304" pitchFamily="18" charset="0"/>
+                <a:cs typeface="Times New Roman" panose="02020603050405020304" pitchFamily="18" charset="0"/>
+              </a:rPr>
+              <a:t>2</a:t>
+            </a:r>
+          </a:p>
+          <a:p>
+            <a:r>
+              <a:rPr lang="en-IN" sz="2400" dirty="0" err="1" smtClean="0">
+                <a:latin typeface="Times New Roman" panose="02020603050405020304" pitchFamily="18" charset="0"/>
+                <a:cs typeface="Times New Roman" panose="02020603050405020304" pitchFamily="18" charset="0"/>
+              </a:rPr>
+              <a:t>Coeff</a:t>
+            </a:r>
+            <a:r>
+              <a:rPr lang="en-IN" sz="2400" dirty="0" smtClean="0">
+                <a:latin typeface="Times New Roman" panose="02020603050405020304" pitchFamily="18" charset="0"/>
+                <a:cs typeface="Times New Roman" panose="02020603050405020304" pitchFamily="18" charset="0"/>
+              </a:rPr>
+              <a:t>. vector </a:t>
+            </a:r>
+            <a:r>
+              <a:rPr lang="en-IN" sz="2400" i="1" dirty="0" smtClean="0">
+                <a:latin typeface="Times New Roman" panose="02020603050405020304" pitchFamily="18" charset="0"/>
+                <a:cs typeface="Times New Roman" panose="02020603050405020304" pitchFamily="18" charset="0"/>
+              </a:rPr>
+              <a:t>a</a:t>
+            </a:r>
+            <a:r>
+              <a:rPr lang="en-IN" sz="2400" dirty="0" smtClean="0">
+                <a:latin typeface="Times New Roman" panose="02020603050405020304" pitchFamily="18" charset="0"/>
+                <a:cs typeface="Times New Roman" panose="02020603050405020304" pitchFamily="18" charset="0"/>
+              </a:rPr>
+              <a:t>=(</a:t>
+            </a:r>
+            <a:r>
+              <a:rPr lang="en-IN" sz="2400" i="1" dirty="0" smtClean="0">
+                <a:latin typeface="Times New Roman" panose="02020603050405020304" pitchFamily="18" charset="0"/>
+                <a:cs typeface="Times New Roman" panose="02020603050405020304" pitchFamily="18" charset="0"/>
+              </a:rPr>
+              <a:t>a</a:t>
+            </a:r>
+            <a:r>
+              <a:rPr lang="en-IN" sz="2400" i="1" baseline="-25000" dirty="0" smtClean="0">
+                <a:latin typeface="Times New Roman" panose="02020603050405020304" pitchFamily="18" charset="0"/>
+                <a:cs typeface="Times New Roman" panose="02020603050405020304" pitchFamily="18" charset="0"/>
+              </a:rPr>
+              <a:t>1</a:t>
+            </a:r>
+            <a:r>
+              <a:rPr lang="en-IN" sz="2400" i="1" dirty="0">
                 <a:latin typeface="Times New Roman" panose="02020603050405020304" pitchFamily="18" charset="0"/>
                 <a:cs typeface="Times New Roman" panose="02020603050405020304" pitchFamily="18" charset="0"/>
               </a:rPr>
               <a:t> </a:t>
             </a:r>
             <a:r>
-              <a:rPr lang="en-IN" dirty="0" smtClean="0">
+              <a:rPr lang="en-IN" sz="2400" i="1" dirty="0" smtClean="0">
+                <a:latin typeface="Times New Roman" panose="02020603050405020304" pitchFamily="18" charset="0"/>
+                <a:cs typeface="Times New Roman" panose="02020603050405020304" pitchFamily="18" charset="0"/>
+              </a:rPr>
+              <a:t>a</a:t>
+            </a:r>
+            <a:r>
+              <a:rPr lang="en-IN" sz="2400" i="1" baseline="-25000" dirty="0" smtClean="0">
+                <a:latin typeface="Times New Roman" panose="02020603050405020304" pitchFamily="18" charset="0"/>
+                <a:cs typeface="Times New Roman" panose="02020603050405020304" pitchFamily="18" charset="0"/>
+              </a:rPr>
+              <a:t>2</a:t>
+            </a:r>
+            <a:r>
+              <a:rPr lang="en-IN" sz="2400" i="1" dirty="0">
+                <a:latin typeface="Times New Roman" panose="02020603050405020304" pitchFamily="18" charset="0"/>
+                <a:cs typeface="Times New Roman" panose="02020603050405020304" pitchFamily="18" charset="0"/>
+              </a:rPr>
+              <a:t> </a:t>
+            </a:r>
+            <a:r>
+              <a:rPr lang="en-IN" sz="2400" i="1" dirty="0" smtClean="0">
+                <a:latin typeface="Times New Roman" panose="02020603050405020304" pitchFamily="18" charset="0"/>
+                <a:cs typeface="Times New Roman" panose="02020603050405020304" pitchFamily="18" charset="0"/>
+              </a:rPr>
+              <a:t>a</a:t>
+            </a:r>
+            <a:r>
+              <a:rPr lang="en-IN" sz="2400" i="1" baseline="-25000" dirty="0" smtClean="0">
+                <a:latin typeface="Times New Roman" panose="02020603050405020304" pitchFamily="18" charset="0"/>
+                <a:cs typeface="Times New Roman" panose="02020603050405020304" pitchFamily="18" charset="0"/>
+              </a:rPr>
+              <a:t>3 </a:t>
+            </a:r>
+            <a:r>
+              <a:rPr lang="en-IN" sz="2400" i="1" dirty="0" smtClean="0">
+                <a:latin typeface="Times New Roman" panose="02020603050405020304" pitchFamily="18" charset="0"/>
+                <a:cs typeface="Times New Roman" panose="02020603050405020304" pitchFamily="18" charset="0"/>
+              </a:rPr>
+              <a:t>a</a:t>
+            </a:r>
+            <a:r>
+              <a:rPr lang="en-IN" sz="2400" i="1" baseline="-25000" dirty="0" smtClean="0">
+                <a:latin typeface="Times New Roman" panose="02020603050405020304" pitchFamily="18" charset="0"/>
+                <a:cs typeface="Times New Roman" panose="02020603050405020304" pitchFamily="18" charset="0"/>
+              </a:rPr>
+              <a:t>4</a:t>
+            </a:r>
+            <a:r>
+              <a:rPr lang="en-IN" sz="2400" i="1" dirty="0">
+                <a:latin typeface="Times New Roman" panose="02020603050405020304" pitchFamily="18" charset="0"/>
+                <a:cs typeface="Times New Roman" panose="02020603050405020304" pitchFamily="18" charset="0"/>
+              </a:rPr>
+              <a:t> </a:t>
+            </a:r>
+            <a:r>
+              <a:rPr lang="en-IN" sz="2400" i="1" dirty="0" smtClean="0">
+                <a:latin typeface="Times New Roman" panose="02020603050405020304" pitchFamily="18" charset="0"/>
+                <a:cs typeface="Times New Roman" panose="02020603050405020304" pitchFamily="18" charset="0"/>
+              </a:rPr>
+              <a:t>a</a:t>
+            </a:r>
+            <a:r>
+              <a:rPr lang="en-IN" sz="2400" i="1" baseline="-25000" dirty="0" smtClean="0">
                 <a:latin typeface="Times New Roman" panose="02020603050405020304" pitchFamily="18" charset="0"/>
                 <a:cs typeface="Times New Roman" panose="02020603050405020304" pitchFamily="18" charset="0"/>
               </a:rPr>
               <a:t>5</a:t>
             </a:r>
             <a:r>
-              <a:rPr lang="en-IN" dirty="0" smtClean="0">
-                <a:latin typeface="Times New Roman" panose="02020603050405020304" pitchFamily="18" charset="0"/>
-                <a:cs typeface="Times New Roman" panose="02020603050405020304" pitchFamily="18" charset="0"/>
-              </a:rPr>
-              <a:t>. </a:t>
-            </a:r>
-          </a:p>
-          <a:p>
-            <a:r>
-              <a:rPr lang="en-IN" i="1" dirty="0">
-                <a:latin typeface="Times New Roman" panose="02020603050405020304" pitchFamily="18" charset="0"/>
-                <a:cs typeface="Times New Roman" panose="02020603050405020304" pitchFamily="18" charset="0"/>
-              </a:rPr>
-              <a:t>u</a:t>
-            </a:r>
-            <a:r>
-              <a:rPr lang="en-IN" i="1" baseline="-25000" dirty="0" smtClean="0">
+              <a:rPr lang="en-IN" sz="2400" i="1" dirty="0">
+                <a:latin typeface="Times New Roman" panose="02020603050405020304" pitchFamily="18" charset="0"/>
+                <a:cs typeface="Times New Roman" panose="02020603050405020304" pitchFamily="18" charset="0"/>
+              </a:rPr>
+              <a:t> </a:t>
+            </a:r>
+            <a:r>
+              <a:rPr lang="en-IN" sz="2400" i="1" dirty="0" smtClean="0">
+                <a:latin typeface="Times New Roman" panose="02020603050405020304" pitchFamily="18" charset="0"/>
+                <a:cs typeface="Times New Roman" panose="02020603050405020304" pitchFamily="18" charset="0"/>
+              </a:rPr>
+              <a:t>a</a:t>
+            </a:r>
+            <a:r>
+              <a:rPr lang="en-IN" sz="2400" i="1" baseline="-25000" dirty="0" smtClean="0">
+                <a:latin typeface="Times New Roman" panose="02020603050405020304" pitchFamily="18" charset="0"/>
+                <a:cs typeface="Times New Roman" panose="02020603050405020304" pitchFamily="18" charset="0"/>
+              </a:rPr>
+              <a:t>6</a:t>
+            </a:r>
+            <a:r>
+              <a:rPr lang="en-IN" sz="2400" dirty="0" smtClean="0">
+                <a:latin typeface="Times New Roman" panose="02020603050405020304" pitchFamily="18" charset="0"/>
+                <a:cs typeface="Times New Roman" panose="02020603050405020304" pitchFamily="18" charset="0"/>
+              </a:rPr>
+              <a:t>)</a:t>
+            </a:r>
+            <a:r>
+              <a:rPr lang="en-IN" sz="2400" i="1" baseline="30000" dirty="0" smtClean="0">
+                <a:latin typeface="Times New Roman" panose="02020603050405020304" pitchFamily="18" charset="0"/>
+                <a:cs typeface="Times New Roman" panose="02020603050405020304" pitchFamily="18" charset="0"/>
+              </a:rPr>
+              <a:t>T</a:t>
+            </a:r>
+            <a:r>
+              <a:rPr lang="en-IN" sz="2400" dirty="0" smtClean="0">
+                <a:latin typeface="Times New Roman" panose="02020603050405020304" pitchFamily="18" charset="0"/>
+                <a:cs typeface="Times New Roman" panose="02020603050405020304" pitchFamily="18" charset="0"/>
+              </a:rPr>
+              <a:t> </a:t>
+            </a:r>
+            <a:r>
+              <a:rPr lang="en-IN" sz="2400" dirty="0" smtClean="0">
+                <a:latin typeface="Times New Roman" panose="02020603050405020304" pitchFamily="18" charset="0"/>
+                <a:cs typeface="Times New Roman" panose="02020603050405020304" pitchFamily="18" charset="0"/>
+              </a:rPr>
+              <a:t>is computed by solving system of equations  </a:t>
+            </a:r>
+            <a:r>
+              <a:rPr lang="en-IN" sz="2400" i="1" dirty="0" err="1" smtClean="0">
+                <a:latin typeface="Times New Roman" panose="02020603050405020304" pitchFamily="18" charset="0"/>
+                <a:cs typeface="Times New Roman" panose="02020603050405020304" pitchFamily="18" charset="0"/>
+              </a:rPr>
+              <a:t>A</a:t>
+            </a:r>
+            <a:r>
+              <a:rPr lang="en-IN" sz="2400" i="1" baseline="30000" dirty="0" err="1" smtClean="0">
+                <a:latin typeface="Times New Roman" panose="02020603050405020304" pitchFamily="18" charset="0"/>
+                <a:cs typeface="Times New Roman" panose="02020603050405020304" pitchFamily="18" charset="0"/>
+              </a:rPr>
+              <a:t>T</a:t>
+            </a:r>
+            <a:r>
+              <a:rPr lang="en-IN" sz="2400" i="1" dirty="0" err="1" smtClean="0">
+                <a:latin typeface="Times New Roman" panose="02020603050405020304" pitchFamily="18" charset="0"/>
+                <a:cs typeface="Times New Roman" panose="02020603050405020304" pitchFamily="18" charset="0"/>
+              </a:rPr>
+              <a:t>Aa</a:t>
+            </a:r>
+            <a:r>
+              <a:rPr lang="en-IN" sz="2400" i="1" dirty="0" smtClean="0">
+                <a:latin typeface="Times New Roman" panose="02020603050405020304" pitchFamily="18" charset="0"/>
+                <a:cs typeface="Times New Roman" panose="02020603050405020304" pitchFamily="18" charset="0"/>
+              </a:rPr>
+              <a:t>=</a:t>
+            </a:r>
+            <a:r>
+              <a:rPr lang="en-IN" sz="2400" i="1" dirty="0" err="1" smtClean="0">
+                <a:latin typeface="Times New Roman" panose="02020603050405020304" pitchFamily="18" charset="0"/>
+                <a:cs typeface="Times New Roman" panose="02020603050405020304" pitchFamily="18" charset="0"/>
+              </a:rPr>
+              <a:t>A</a:t>
+            </a:r>
+            <a:r>
+              <a:rPr lang="en-IN" sz="2400" i="1" baseline="30000" dirty="0" err="1" smtClean="0">
+                <a:latin typeface="Times New Roman" panose="02020603050405020304" pitchFamily="18" charset="0"/>
+                <a:cs typeface="Times New Roman" panose="02020603050405020304" pitchFamily="18" charset="0"/>
+              </a:rPr>
+              <a:t>T</a:t>
+            </a:r>
+            <a:r>
+              <a:rPr lang="en-IN" sz="2400" i="1" dirty="0" err="1" smtClean="0">
+                <a:latin typeface="Times New Roman" panose="02020603050405020304" pitchFamily="18" charset="0"/>
+                <a:cs typeface="Times New Roman" panose="02020603050405020304" pitchFamily="18" charset="0"/>
+              </a:rPr>
+              <a:t>U</a:t>
+            </a:r>
+            <a:r>
+              <a:rPr lang="en-IN" sz="2400" i="1" baseline="-25000" dirty="0" err="1" smtClean="0">
                 <a:latin typeface="Times New Roman" panose="02020603050405020304" pitchFamily="18" charset="0"/>
                 <a:cs typeface="Times New Roman" panose="02020603050405020304" pitchFamily="18" charset="0"/>
               </a:rPr>
               <a:t>h</a:t>
             </a:r>
             <a:r>
-              <a:rPr lang="en-IN" dirty="0" smtClean="0">
-                <a:latin typeface="Times New Roman" panose="02020603050405020304" pitchFamily="18" charset="0"/>
-                <a:cs typeface="Times New Roman" panose="02020603050405020304" pitchFamily="18" charset="0"/>
-              </a:rPr>
-              <a:t>-approximated </a:t>
-            </a:r>
-            <a:r>
-              <a:rPr lang="en-IN" dirty="0" smtClean="0">
-                <a:latin typeface="Times New Roman" panose="02020603050405020304" pitchFamily="18" charset="0"/>
-                <a:cs typeface="Times New Roman" panose="02020603050405020304" pitchFamily="18" charset="0"/>
-              </a:rPr>
-              <a:t>function. </a:t>
-            </a:r>
-          </a:p>
-          <a:p>
-            <a:r>
-              <a:rPr lang="en-IN" dirty="0" smtClean="0">
-                <a:latin typeface="Times New Roman" panose="02020603050405020304" pitchFamily="18" charset="0"/>
-                <a:cs typeface="Times New Roman" panose="02020603050405020304" pitchFamily="18" charset="0"/>
-              </a:rPr>
-              <a:t>Polynomial p</a:t>
-            </a:r>
-            <a:r>
-              <a:rPr lang="en-IN" baseline="-25000" dirty="0" smtClean="0">
-                <a:latin typeface="Times New Roman" panose="02020603050405020304" pitchFamily="18" charset="0"/>
-                <a:cs typeface="Times New Roman" panose="02020603050405020304" pitchFamily="18" charset="0"/>
-              </a:rPr>
-              <a:t>2</a:t>
-            </a:r>
-            <a:r>
-              <a:rPr lang="en-IN" dirty="0" smtClean="0">
-                <a:latin typeface="Times New Roman" panose="02020603050405020304" pitchFamily="18" charset="0"/>
-                <a:cs typeface="Times New Roman" panose="02020603050405020304" pitchFamily="18" charset="0"/>
-              </a:rPr>
-              <a:t>:  </a:t>
-            </a:r>
-            <a:r>
-              <a:rPr lang="en-IN" b="1" dirty="0">
-                <a:latin typeface="Times New Roman" panose="02020603050405020304" pitchFamily="18" charset="0"/>
-                <a:cs typeface="Times New Roman" panose="02020603050405020304" pitchFamily="18" charset="0"/>
-              </a:rPr>
-              <a:t>p</a:t>
-            </a:r>
-            <a:r>
-              <a:rPr lang="en-IN" b="1" baseline="-25000" dirty="0" smtClean="0">
-                <a:latin typeface="Times New Roman" panose="02020603050405020304" pitchFamily="18" charset="0"/>
-                <a:cs typeface="Times New Roman" panose="02020603050405020304" pitchFamily="18" charset="0"/>
-              </a:rPr>
-              <a:t>2 </a:t>
-            </a:r>
-            <a:r>
-              <a:rPr lang="en-IN" b="1" dirty="0" smtClean="0">
-                <a:latin typeface="Times New Roman" panose="02020603050405020304" pitchFamily="18" charset="0"/>
-                <a:cs typeface="Times New Roman" panose="02020603050405020304" pitchFamily="18" charset="0"/>
-              </a:rPr>
-              <a:t>(</a:t>
-            </a:r>
-            <a:r>
-              <a:rPr lang="en-IN" b="1" i="1" dirty="0" smtClean="0">
-                <a:latin typeface="Times New Roman" panose="02020603050405020304" pitchFamily="18" charset="0"/>
-                <a:cs typeface="Times New Roman" panose="02020603050405020304" pitchFamily="18" charset="0"/>
-              </a:rPr>
-              <a:t>x,y</a:t>
-            </a:r>
-            <a:r>
-              <a:rPr lang="en-IN" b="1" dirty="0" smtClean="0">
-                <a:latin typeface="Times New Roman" panose="02020603050405020304" pitchFamily="18" charset="0"/>
-                <a:cs typeface="Times New Roman" panose="02020603050405020304" pitchFamily="18" charset="0"/>
-              </a:rPr>
-              <a:t>;</a:t>
-            </a:r>
-            <a:r>
-              <a:rPr lang="en-IN" b="1" i="1" dirty="0" smtClean="0">
-                <a:latin typeface="Times New Roman" panose="02020603050405020304" pitchFamily="18" charset="0"/>
-                <a:cs typeface="Times New Roman" panose="02020603050405020304" pitchFamily="18" charset="0"/>
-              </a:rPr>
-              <a:t>N</a:t>
-            </a:r>
-            <a:r>
-              <a:rPr lang="en-IN" b="1" i="1" baseline="-25000" dirty="0" smtClean="0">
-                <a:latin typeface="Times New Roman" panose="02020603050405020304" pitchFamily="18" charset="0"/>
-                <a:cs typeface="Times New Roman" panose="02020603050405020304" pitchFamily="18" charset="0"/>
-              </a:rPr>
-              <a:t>0</a:t>
-            </a:r>
-            <a:r>
-              <a:rPr lang="en-IN" b="1" dirty="0" smtClean="0">
-                <a:latin typeface="Times New Roman" panose="02020603050405020304" pitchFamily="18" charset="0"/>
-                <a:cs typeface="Times New Roman" panose="02020603050405020304" pitchFamily="18" charset="0"/>
-              </a:rPr>
-              <a:t>)=</a:t>
-            </a:r>
-            <a:r>
-              <a:rPr lang="en-IN" b="1" i="1" dirty="0" smtClean="0">
-                <a:latin typeface="Times New Roman" panose="02020603050405020304" pitchFamily="18" charset="0"/>
-                <a:cs typeface="Times New Roman" panose="02020603050405020304" pitchFamily="18" charset="0"/>
-              </a:rPr>
-              <a:t>a</a:t>
-            </a:r>
-            <a:r>
-              <a:rPr lang="en-IN" b="1" i="1" baseline="-25000" dirty="0" smtClean="0">
-                <a:latin typeface="Times New Roman" panose="02020603050405020304" pitchFamily="18" charset="0"/>
-                <a:cs typeface="Times New Roman" panose="02020603050405020304" pitchFamily="18" charset="0"/>
-              </a:rPr>
-              <a:t>1</a:t>
-            </a:r>
-            <a:r>
-              <a:rPr lang="en-IN" b="1" dirty="0" smtClean="0">
-                <a:latin typeface="Times New Roman" panose="02020603050405020304" pitchFamily="18" charset="0"/>
-                <a:cs typeface="Times New Roman" panose="02020603050405020304" pitchFamily="18" charset="0"/>
-              </a:rPr>
-              <a:t>+</a:t>
-            </a:r>
-            <a:r>
-              <a:rPr lang="en-IN" b="1" i="1" dirty="0" smtClean="0">
-                <a:latin typeface="Times New Roman" panose="02020603050405020304" pitchFamily="18" charset="0"/>
-                <a:cs typeface="Times New Roman" panose="02020603050405020304" pitchFamily="18" charset="0"/>
-              </a:rPr>
-              <a:t>a</a:t>
-            </a:r>
-            <a:r>
-              <a:rPr lang="en-IN" b="1" i="1" baseline="-25000" dirty="0" smtClean="0">
-                <a:latin typeface="Times New Roman" panose="02020603050405020304" pitchFamily="18" charset="0"/>
-                <a:cs typeface="Times New Roman" panose="02020603050405020304" pitchFamily="18" charset="0"/>
-              </a:rPr>
-              <a:t>2</a:t>
-            </a:r>
-            <a:r>
-              <a:rPr lang="en-IN" b="1" i="1" dirty="0" smtClean="0">
-                <a:latin typeface="Times New Roman" panose="02020603050405020304" pitchFamily="18" charset="0"/>
-                <a:cs typeface="Times New Roman" panose="02020603050405020304" pitchFamily="18" charset="0"/>
-              </a:rPr>
-              <a:t>x</a:t>
-            </a:r>
-            <a:r>
-              <a:rPr lang="en-IN" b="1" dirty="0" smtClean="0">
-                <a:latin typeface="Times New Roman" panose="02020603050405020304" pitchFamily="18" charset="0"/>
-                <a:cs typeface="Times New Roman" panose="02020603050405020304" pitchFamily="18" charset="0"/>
-              </a:rPr>
-              <a:t>+</a:t>
-            </a:r>
-            <a:r>
-              <a:rPr lang="en-IN" b="1" i="1" dirty="0" smtClean="0">
-                <a:latin typeface="Times New Roman" panose="02020603050405020304" pitchFamily="18" charset="0"/>
-                <a:cs typeface="Times New Roman" panose="02020603050405020304" pitchFamily="18" charset="0"/>
-              </a:rPr>
-              <a:t>a</a:t>
-            </a:r>
-            <a:r>
-              <a:rPr lang="en-IN" b="1" i="1" baseline="-25000" dirty="0" smtClean="0">
-                <a:latin typeface="Times New Roman" panose="02020603050405020304" pitchFamily="18" charset="0"/>
-                <a:cs typeface="Times New Roman" panose="02020603050405020304" pitchFamily="18" charset="0"/>
-              </a:rPr>
-              <a:t>3</a:t>
-            </a:r>
-            <a:r>
-              <a:rPr lang="en-IN" b="1" i="1" dirty="0" smtClean="0">
-                <a:latin typeface="Times New Roman" panose="02020603050405020304" pitchFamily="18" charset="0"/>
-                <a:cs typeface="Times New Roman" panose="02020603050405020304" pitchFamily="18" charset="0"/>
-              </a:rPr>
-              <a:t>y</a:t>
-            </a:r>
-            <a:r>
-              <a:rPr lang="en-IN" b="1" dirty="0" smtClean="0">
-                <a:latin typeface="Times New Roman" panose="02020603050405020304" pitchFamily="18" charset="0"/>
-                <a:cs typeface="Times New Roman" panose="02020603050405020304" pitchFamily="18" charset="0"/>
-              </a:rPr>
-              <a:t>+</a:t>
-            </a:r>
-            <a:r>
-              <a:rPr lang="en-IN" b="1" i="1" dirty="0" smtClean="0">
-                <a:latin typeface="Times New Roman" panose="02020603050405020304" pitchFamily="18" charset="0"/>
-                <a:cs typeface="Times New Roman" panose="02020603050405020304" pitchFamily="18" charset="0"/>
-              </a:rPr>
-              <a:t>a</a:t>
-            </a:r>
-            <a:r>
-              <a:rPr lang="en-IN" b="1" i="1" baseline="-25000" dirty="0" smtClean="0">
-                <a:latin typeface="Times New Roman" panose="02020603050405020304" pitchFamily="18" charset="0"/>
-                <a:cs typeface="Times New Roman" panose="02020603050405020304" pitchFamily="18" charset="0"/>
-              </a:rPr>
-              <a:t>4</a:t>
-            </a:r>
-            <a:r>
-              <a:rPr lang="en-IN" b="1" i="1" dirty="0" smtClean="0">
-                <a:latin typeface="Times New Roman" panose="02020603050405020304" pitchFamily="18" charset="0"/>
-                <a:cs typeface="Times New Roman" panose="02020603050405020304" pitchFamily="18" charset="0"/>
-              </a:rPr>
-              <a:t>xy</a:t>
-            </a:r>
-            <a:r>
-              <a:rPr lang="en-IN" b="1" dirty="0" smtClean="0">
-                <a:latin typeface="Times New Roman" panose="02020603050405020304" pitchFamily="18" charset="0"/>
-                <a:cs typeface="Times New Roman" panose="02020603050405020304" pitchFamily="18" charset="0"/>
-              </a:rPr>
-              <a:t>+</a:t>
-            </a:r>
-            <a:r>
-              <a:rPr lang="en-IN" b="1" i="1" dirty="0" smtClean="0">
-                <a:latin typeface="Times New Roman" panose="02020603050405020304" pitchFamily="18" charset="0"/>
-                <a:cs typeface="Times New Roman" panose="02020603050405020304" pitchFamily="18" charset="0"/>
-              </a:rPr>
-              <a:t>a</a:t>
-            </a:r>
-            <a:r>
-              <a:rPr lang="en-IN" b="1" i="1" baseline="-25000" dirty="0" smtClean="0">
-                <a:latin typeface="Times New Roman" panose="02020603050405020304" pitchFamily="18" charset="0"/>
-                <a:cs typeface="Times New Roman" panose="02020603050405020304" pitchFamily="18" charset="0"/>
-              </a:rPr>
-              <a:t>5</a:t>
-            </a:r>
-            <a:r>
-              <a:rPr lang="en-IN" b="1" i="1" dirty="0" smtClean="0">
-                <a:latin typeface="Times New Roman" panose="02020603050405020304" pitchFamily="18" charset="0"/>
-                <a:cs typeface="Times New Roman" panose="02020603050405020304" pitchFamily="18" charset="0"/>
-              </a:rPr>
-              <a:t>x</a:t>
-            </a:r>
-            <a:r>
-              <a:rPr lang="en-IN" b="1" i="1" baseline="30000" dirty="0" smtClean="0">
-                <a:latin typeface="Times New Roman" panose="02020603050405020304" pitchFamily="18" charset="0"/>
-                <a:cs typeface="Times New Roman" panose="02020603050405020304" pitchFamily="18" charset="0"/>
-              </a:rPr>
-              <a:t>2</a:t>
-            </a:r>
-            <a:r>
-              <a:rPr lang="en-IN" b="1" dirty="0" smtClean="0">
-                <a:latin typeface="Times New Roman" panose="02020603050405020304" pitchFamily="18" charset="0"/>
-                <a:cs typeface="Times New Roman" panose="02020603050405020304" pitchFamily="18" charset="0"/>
-              </a:rPr>
-              <a:t>+</a:t>
-            </a:r>
-            <a:r>
-              <a:rPr lang="en-IN" b="1" i="1" dirty="0" smtClean="0">
-                <a:latin typeface="Times New Roman" panose="02020603050405020304" pitchFamily="18" charset="0"/>
-                <a:cs typeface="Times New Roman" panose="02020603050405020304" pitchFamily="18" charset="0"/>
-              </a:rPr>
-              <a:t>a</a:t>
-            </a:r>
-            <a:r>
-              <a:rPr lang="en-IN" b="1" i="1" baseline="-25000" dirty="0" smtClean="0">
-                <a:latin typeface="Times New Roman" panose="02020603050405020304" pitchFamily="18" charset="0"/>
-                <a:cs typeface="Times New Roman" panose="02020603050405020304" pitchFamily="18" charset="0"/>
-              </a:rPr>
-              <a:t>6</a:t>
-            </a:r>
-            <a:r>
-              <a:rPr lang="en-IN" b="1" i="1" dirty="0" smtClean="0">
-                <a:latin typeface="Times New Roman" panose="02020603050405020304" pitchFamily="18" charset="0"/>
-                <a:cs typeface="Times New Roman" panose="02020603050405020304" pitchFamily="18" charset="0"/>
-              </a:rPr>
-              <a:t>y</a:t>
-            </a:r>
-            <a:r>
-              <a:rPr lang="en-IN" b="1" i="1" baseline="30000" dirty="0" smtClean="0">
-                <a:latin typeface="Times New Roman" panose="02020603050405020304" pitchFamily="18" charset="0"/>
-                <a:cs typeface="Times New Roman" panose="02020603050405020304" pitchFamily="18" charset="0"/>
-              </a:rPr>
-              <a:t>2</a:t>
-            </a:r>
-            <a:endParaRPr lang="en-IN" b="1" i="1" baseline="30000" dirty="0" smtClean="0">
+              <a:rPr lang="en-IN" sz="2400" i="1" dirty="0" smtClean="0">
+                <a:latin typeface="Times New Roman" panose="02020603050405020304" pitchFamily="18" charset="0"/>
+                <a:cs typeface="Times New Roman" panose="02020603050405020304" pitchFamily="18" charset="0"/>
+              </a:rPr>
+              <a:t>.</a:t>
+            </a:r>
+          </a:p>
+          <a:p>
+            <a:r>
+              <a:rPr lang="en-IN" sz="2400" dirty="0" smtClean="0">
+                <a:latin typeface="Times New Roman" panose="02020603050405020304" pitchFamily="18" charset="0"/>
+                <a:cs typeface="Times New Roman" panose="02020603050405020304" pitchFamily="18" charset="0"/>
+              </a:rPr>
+              <a:t>In order to have a unique solution the matrix A should have ful</a:t>
+            </a:r>
+            <a:r>
+              <a:rPr lang="en-IN" sz="2400" dirty="0" smtClean="0">
+                <a:latin typeface="Times New Roman" panose="02020603050405020304" pitchFamily="18" charset="0"/>
+                <a:cs typeface="Times New Roman" panose="02020603050405020304" pitchFamily="18" charset="0"/>
+              </a:rPr>
+              <a:t>l rank, which is satisfied if mesh nodes are reasonably distributed.</a:t>
+            </a:r>
+            <a:endParaRPr lang="en-IN" sz="2400" dirty="0">
               <a:latin typeface="Times New Roman" panose="02020603050405020304" pitchFamily="18" charset="0"/>
               <a:cs typeface="Times New Roman" panose="02020603050405020304" pitchFamily="18" charset="0"/>
             </a:endParaRPr>
-          </a:p>
-          <a:p>
-            <a:r>
-              <a:rPr lang="en-IN" dirty="0" err="1" smtClean="0">
-                <a:latin typeface="Times New Roman" panose="02020603050405020304" pitchFamily="18" charset="0"/>
-                <a:cs typeface="Times New Roman" panose="02020603050405020304" pitchFamily="18" charset="0"/>
-              </a:rPr>
-              <a:t>Coeff</a:t>
-            </a:r>
-            <a:r>
-              <a:rPr lang="en-IN" dirty="0" smtClean="0">
-                <a:latin typeface="Times New Roman" panose="02020603050405020304" pitchFamily="18" charset="0"/>
-                <a:cs typeface="Times New Roman" panose="02020603050405020304" pitchFamily="18" charset="0"/>
-              </a:rPr>
-              <a:t>. </a:t>
-            </a:r>
-            <a:r>
-              <a:rPr lang="en-IN" dirty="0" smtClean="0">
-                <a:latin typeface="Times New Roman" panose="02020603050405020304" pitchFamily="18" charset="0"/>
-                <a:cs typeface="Times New Roman" panose="02020603050405020304" pitchFamily="18" charset="0"/>
-              </a:rPr>
-              <a:t>vector </a:t>
-            </a:r>
-            <a:r>
-              <a:rPr lang="en-IN" i="1" dirty="0" smtClean="0">
-                <a:latin typeface="Times New Roman" panose="02020603050405020304" pitchFamily="18" charset="0"/>
-                <a:cs typeface="Times New Roman" panose="02020603050405020304" pitchFamily="18" charset="0"/>
-              </a:rPr>
-              <a:t>a</a:t>
-            </a:r>
-            <a:r>
-              <a:rPr lang="en-IN" dirty="0" smtClean="0">
-                <a:latin typeface="Times New Roman" panose="02020603050405020304" pitchFamily="18" charset="0"/>
-                <a:cs typeface="Times New Roman" panose="02020603050405020304" pitchFamily="18" charset="0"/>
-              </a:rPr>
-              <a:t>=(</a:t>
-            </a:r>
-            <a:r>
-              <a:rPr lang="en-IN" i="1" dirty="0" smtClean="0">
-                <a:latin typeface="Times New Roman" panose="02020603050405020304" pitchFamily="18" charset="0"/>
-                <a:cs typeface="Times New Roman" panose="02020603050405020304" pitchFamily="18" charset="0"/>
-              </a:rPr>
-              <a:t>a</a:t>
-            </a:r>
-            <a:r>
-              <a:rPr lang="en-IN" i="1" baseline="-25000" dirty="0" smtClean="0">
-                <a:latin typeface="Times New Roman" panose="02020603050405020304" pitchFamily="18" charset="0"/>
-                <a:cs typeface="Times New Roman" panose="02020603050405020304" pitchFamily="18" charset="0"/>
-              </a:rPr>
-              <a:t>1</a:t>
-            </a:r>
-            <a:r>
-              <a:rPr lang="en-IN" i="1" dirty="0" smtClean="0">
-                <a:latin typeface="Times New Roman" panose="02020603050405020304" pitchFamily="18" charset="0"/>
-                <a:cs typeface="Times New Roman" panose="02020603050405020304" pitchFamily="18" charset="0"/>
-              </a:rPr>
-              <a:t>,a</a:t>
-            </a:r>
-            <a:r>
-              <a:rPr lang="en-IN" i="1" baseline="-25000" dirty="0" smtClean="0">
-                <a:latin typeface="Times New Roman" panose="02020603050405020304" pitchFamily="18" charset="0"/>
-                <a:cs typeface="Times New Roman" panose="02020603050405020304" pitchFamily="18" charset="0"/>
-              </a:rPr>
-              <a:t>2</a:t>
-            </a:r>
-            <a:r>
-              <a:rPr lang="en-IN" i="1" dirty="0" smtClean="0">
-                <a:latin typeface="Times New Roman" panose="02020603050405020304" pitchFamily="18" charset="0"/>
-                <a:cs typeface="Times New Roman" panose="02020603050405020304" pitchFamily="18" charset="0"/>
-              </a:rPr>
-              <a:t>,a</a:t>
-            </a:r>
-            <a:r>
-              <a:rPr lang="en-IN" i="1" baseline="-25000" dirty="0" smtClean="0">
-                <a:latin typeface="Times New Roman" panose="02020603050405020304" pitchFamily="18" charset="0"/>
-                <a:cs typeface="Times New Roman" panose="02020603050405020304" pitchFamily="18" charset="0"/>
-              </a:rPr>
-              <a:t>3</a:t>
-            </a:r>
-            <a:r>
-              <a:rPr lang="en-IN" i="1" dirty="0" smtClean="0">
-                <a:latin typeface="Times New Roman" panose="02020603050405020304" pitchFamily="18" charset="0"/>
-                <a:cs typeface="Times New Roman" panose="02020603050405020304" pitchFamily="18" charset="0"/>
-              </a:rPr>
-              <a:t>,a</a:t>
-            </a:r>
-            <a:r>
-              <a:rPr lang="en-IN" i="1" baseline="-25000" dirty="0" smtClean="0">
-                <a:latin typeface="Times New Roman" panose="02020603050405020304" pitchFamily="18" charset="0"/>
-                <a:cs typeface="Times New Roman" panose="02020603050405020304" pitchFamily="18" charset="0"/>
-              </a:rPr>
-              <a:t>4</a:t>
-            </a:r>
-            <a:r>
-              <a:rPr lang="en-IN" i="1" dirty="0" smtClean="0">
-                <a:latin typeface="Times New Roman" panose="02020603050405020304" pitchFamily="18" charset="0"/>
-                <a:cs typeface="Times New Roman" panose="02020603050405020304" pitchFamily="18" charset="0"/>
-              </a:rPr>
-              <a:t>,a</a:t>
-            </a:r>
-            <a:r>
-              <a:rPr lang="en-IN" i="1" baseline="-25000" dirty="0" smtClean="0">
-                <a:latin typeface="Times New Roman" panose="02020603050405020304" pitchFamily="18" charset="0"/>
-                <a:cs typeface="Times New Roman" panose="02020603050405020304" pitchFamily="18" charset="0"/>
-              </a:rPr>
-              <a:t>5</a:t>
-            </a:r>
-            <a:r>
-              <a:rPr lang="en-IN" i="1" dirty="0" smtClean="0">
-                <a:latin typeface="Times New Roman" panose="02020603050405020304" pitchFamily="18" charset="0"/>
-                <a:cs typeface="Times New Roman" panose="02020603050405020304" pitchFamily="18" charset="0"/>
-              </a:rPr>
-              <a:t>,a</a:t>
-            </a:r>
-            <a:r>
-              <a:rPr lang="en-IN" i="1" baseline="-25000" dirty="0" smtClean="0">
-                <a:latin typeface="Times New Roman" panose="02020603050405020304" pitchFamily="18" charset="0"/>
-                <a:cs typeface="Times New Roman" panose="02020603050405020304" pitchFamily="18" charset="0"/>
-              </a:rPr>
-              <a:t>6</a:t>
-            </a:r>
-            <a:r>
-              <a:rPr lang="en-IN" dirty="0" smtClean="0">
-                <a:latin typeface="Times New Roman" panose="02020603050405020304" pitchFamily="18" charset="0"/>
-                <a:cs typeface="Times New Roman" panose="02020603050405020304" pitchFamily="18" charset="0"/>
-              </a:rPr>
-              <a:t>)</a:t>
-            </a:r>
-            <a:r>
-              <a:rPr lang="en-IN" i="1" baseline="30000" dirty="0" smtClean="0">
-                <a:latin typeface="Times New Roman" panose="02020603050405020304" pitchFamily="18" charset="0"/>
-                <a:cs typeface="Times New Roman" panose="02020603050405020304" pitchFamily="18" charset="0"/>
-              </a:rPr>
-              <a:t>T</a:t>
-            </a:r>
-            <a:r>
-              <a:rPr lang="en-IN" dirty="0" smtClean="0">
-                <a:latin typeface="Times New Roman" panose="02020603050405020304" pitchFamily="18" charset="0"/>
-                <a:cs typeface="Times New Roman" panose="02020603050405020304" pitchFamily="18" charset="0"/>
-              </a:rPr>
-              <a:t> is computed by solving system of equations  </a:t>
-            </a:r>
-            <a:r>
-              <a:rPr lang="en-IN" i="1" dirty="0" err="1" smtClean="0">
-                <a:latin typeface="Times New Roman" panose="02020603050405020304" pitchFamily="18" charset="0"/>
-                <a:cs typeface="Times New Roman" panose="02020603050405020304" pitchFamily="18" charset="0"/>
-              </a:rPr>
-              <a:t>A</a:t>
-            </a:r>
-            <a:r>
-              <a:rPr lang="en-IN" i="1" baseline="30000" dirty="0" err="1" smtClean="0">
-                <a:latin typeface="Times New Roman" panose="02020603050405020304" pitchFamily="18" charset="0"/>
-                <a:cs typeface="Times New Roman" panose="02020603050405020304" pitchFamily="18" charset="0"/>
-              </a:rPr>
-              <a:t>T</a:t>
-            </a:r>
-            <a:r>
-              <a:rPr lang="en-IN" i="1" dirty="0" err="1" smtClean="0">
-                <a:latin typeface="Times New Roman" panose="02020603050405020304" pitchFamily="18" charset="0"/>
-                <a:cs typeface="Times New Roman" panose="02020603050405020304" pitchFamily="18" charset="0"/>
-              </a:rPr>
-              <a:t>Aa</a:t>
-            </a:r>
-            <a:r>
-              <a:rPr lang="en-IN" i="1" dirty="0" smtClean="0">
-                <a:latin typeface="Times New Roman" panose="02020603050405020304" pitchFamily="18" charset="0"/>
-                <a:cs typeface="Times New Roman" panose="02020603050405020304" pitchFamily="18" charset="0"/>
-              </a:rPr>
-              <a:t>=</a:t>
-            </a:r>
-            <a:r>
-              <a:rPr lang="en-IN" i="1" dirty="0" err="1" smtClean="0">
-                <a:latin typeface="Times New Roman" panose="02020603050405020304" pitchFamily="18" charset="0"/>
-                <a:cs typeface="Times New Roman" panose="02020603050405020304" pitchFamily="18" charset="0"/>
-              </a:rPr>
-              <a:t>A</a:t>
-            </a:r>
-            <a:r>
-              <a:rPr lang="en-IN" i="1" baseline="30000" dirty="0" err="1" smtClean="0">
-                <a:latin typeface="Times New Roman" panose="02020603050405020304" pitchFamily="18" charset="0"/>
-                <a:cs typeface="Times New Roman" panose="02020603050405020304" pitchFamily="18" charset="0"/>
-              </a:rPr>
-              <a:t>T</a:t>
-            </a:r>
-            <a:r>
-              <a:rPr lang="en-IN" i="1" dirty="0" err="1" smtClean="0">
-                <a:latin typeface="Times New Roman" panose="02020603050405020304" pitchFamily="18" charset="0"/>
-                <a:cs typeface="Times New Roman" panose="02020603050405020304" pitchFamily="18" charset="0"/>
-              </a:rPr>
-              <a:t>U</a:t>
-            </a:r>
-            <a:r>
-              <a:rPr lang="en-IN" i="1" baseline="-25000" dirty="0" err="1" smtClean="0">
-                <a:latin typeface="Times New Roman" panose="02020603050405020304" pitchFamily="18" charset="0"/>
-                <a:cs typeface="Times New Roman" panose="02020603050405020304" pitchFamily="18" charset="0"/>
-              </a:rPr>
-              <a:t>h</a:t>
-            </a:r>
-            <a:r>
-              <a:rPr lang="en-IN" i="1" dirty="0">
-                <a:latin typeface="Times New Roman" panose="02020603050405020304" pitchFamily="18" charset="0"/>
-                <a:cs typeface="Times New Roman" panose="02020603050405020304" pitchFamily="18" charset="0"/>
-              </a:rPr>
-              <a:t>.</a:t>
-            </a:r>
           </a:p>
         </p:txBody>
       </p:sp>
@@ -9459,7 +9584,7 @@
         </p:blipFill>
         <p:spPr>
           <a:xfrm>
-            <a:off x="947736" y="4137819"/>
+            <a:off x="947736" y="4180683"/>
             <a:ext cx="6234114" cy="1468437"/>
           </a:xfrm>
           <a:prstGeom prst="rect">
@@ -9483,7 +9608,7 @@
         </p:blipFill>
         <p:spPr>
           <a:xfrm>
-            <a:off x="7415208" y="4377526"/>
+            <a:off x="7415208" y="4334662"/>
             <a:ext cx="4171950" cy="1085850"/>
           </a:xfrm>
           <a:prstGeom prst="rect">
@@ -9665,26 +9790,8 @@
                 <a:latin typeface="Times New Roman" panose="02020603050405020304" pitchFamily="18" charset="0"/>
                 <a:cs typeface="Times New Roman" panose="02020603050405020304" pitchFamily="18" charset="0"/>
               </a:rPr>
-              <a:t>The </a:t>
-            </a:r>
-            <a:r>
-              <a:rPr lang="en-IN" dirty="0" smtClean="0">
-                <a:latin typeface="Times New Roman" panose="02020603050405020304" pitchFamily="18" charset="0"/>
-                <a:cs typeface="Times New Roman" panose="02020603050405020304" pitchFamily="18" charset="0"/>
-              </a:rPr>
-              <a:t>process is similar to the smoothing process described for the quadratic least squares ﬁtting except for the order of the ﬁtting polynomial. Here, a linear regression is </a:t>
-            </a:r>
-            <a:r>
-              <a:rPr lang="en-IN" dirty="0" smtClean="0">
-                <a:latin typeface="Times New Roman" panose="02020603050405020304" pitchFamily="18" charset="0"/>
-                <a:cs typeface="Times New Roman" panose="02020603050405020304" pitchFamily="18" charset="0"/>
-              </a:rPr>
-              <a:t>applied to smooth the points.</a:t>
-            </a:r>
-            <a:endParaRPr lang="en-IN" dirty="0" smtClean="0">
-              <a:latin typeface="Times New Roman" panose="02020603050405020304" pitchFamily="18" charset="0"/>
-              <a:cs typeface="Times New Roman" panose="02020603050405020304" pitchFamily="18" charset="0"/>
-            </a:endParaRPr>
+              <a:t>The process is similar to the smoothing process described for the quadratic least squares ﬁtting except for the order of the ﬁtting polynomial. Here, a linear regression is applied to smooth the points.</a:t>
+            </a:r>
           </a:p>
           <a:p>
             <a:pPr lvl="1"/>
@@ -10167,8 +10274,12 @@
                 <a:latin typeface="Times New Roman" panose="02020603050405020304" pitchFamily="18" charset="0"/>
                 <a:cs typeface="Times New Roman" panose="02020603050405020304" pitchFamily="18" charset="0"/>
               </a:rPr>
-              <a:t>Rank of A.</a:t>
-            </a:r>
+              <a:t>Since every node has at least 2 non-collinear neighbours, the matrix A always has full rank and system is well defined. </a:t>
+            </a:r>
+            <a:endParaRPr lang="en-IN" dirty="0" smtClean="0">
+              <a:latin typeface="Times New Roman" panose="02020603050405020304" pitchFamily="18" charset="0"/>
+              <a:cs typeface="Times New Roman" panose="02020603050405020304" pitchFamily="18" charset="0"/>
+            </a:endParaRPr>
           </a:p>
           <a:p>
             <a:r>
@@ -10251,7 +10362,7 @@
         </p:blipFill>
         <p:spPr>
           <a:xfrm>
-            <a:off x="2995612" y="3630612"/>
+            <a:off x="2995612" y="4173535"/>
             <a:ext cx="4948237" cy="619125"/>
           </a:xfrm>
           <a:prstGeom prst="rect">
@@ -10275,7 +10386,7 @@
         </p:blipFill>
         <p:spPr>
           <a:xfrm>
-            <a:off x="2995612" y="1178720"/>
+            <a:off x="2995612" y="1121568"/>
             <a:ext cx="4405314" cy="1433513"/>
           </a:xfrm>
           <a:prstGeom prst="rect">

--- a/HBA.pptx
+++ b/HBA.pptx
@@ -7656,14 +7656,7 @@
                 <a:latin typeface="Times New Roman" panose="02020603050405020304" pitchFamily="18" charset="0"/>
                 <a:cs typeface="Times New Roman" panose="02020603050405020304" pitchFamily="18" charset="0"/>
               </a:rPr>
-              <a:t>Adaptive </a:t>
-            </a:r>
-            <a:r>
-              <a:rPr lang="en-IN" sz="3200" b="1" dirty="0" smtClean="0">
-                <a:latin typeface="Times New Roman" panose="02020603050405020304" pitchFamily="18" charset="0"/>
-                <a:cs typeface="Times New Roman" panose="02020603050405020304" pitchFamily="18" charset="0"/>
-              </a:rPr>
-              <a:t>Meshes:</a:t>
+              <a:t>Adaptive Meshes:</a:t>
             </a:r>
             <a:r>
               <a:rPr lang="en-IN" sz="2400" dirty="0">
@@ -8221,20 +8214,9 @@
             </a:r>
           </a:p>
           <a:p>
-            <a:pPr>
-              <a:lnSpc>
-                <a:spcPct val="100000"/>
-              </a:lnSpc>
+            <a:pPr marL="0" indent="0">
+              <a:buNone/>
             </a:pPr>
-            <a:r>
-              <a:rPr lang="en-IN" sz="2200" dirty="0" smtClean="0">
-                <a:latin typeface="Times New Roman" panose="02020603050405020304" pitchFamily="18" charset="0"/>
-                <a:cs typeface="Times New Roman" panose="02020603050405020304" pitchFamily="18" charset="0"/>
-              </a:rPr>
-              <a:t>However, the relative error of DLF, LLS and WF is quite low, which can be sufficient for mesh adaptation because if is often unnecessary to compute the mesh to a very high accuracy for the approximation of function or solution of DE.</a:t>
-            </a:r>
-          </a:p>
-          <a:p>
             <a:endParaRPr lang="en-IN" sz="2200" dirty="0"/>
           </a:p>
         </p:txBody>
@@ -8333,14 +8315,7 @@
                 <a:latin typeface="Times New Roman" panose="02020603050405020304" pitchFamily="18" charset="0"/>
                 <a:cs typeface="Times New Roman" panose="02020603050405020304" pitchFamily="18" charset="0"/>
               </a:rPr>
-              <a:t>On Hessian Recovery and Anisotropic Adaptivity</a:t>
-            </a:r>
-            <a:r>
-              <a:rPr lang="en-IN" dirty="0" smtClean="0">
-                <a:latin typeface="Times New Roman" panose="02020603050405020304" pitchFamily="18" charset="0"/>
-                <a:cs typeface="Times New Roman" panose="02020603050405020304" pitchFamily="18" charset="0"/>
-              </a:rPr>
-              <a:t>.</a:t>
+              <a:t>On Hessian Recovery and Anisotropic Adaptivity.</a:t>
             </a:r>
           </a:p>
           <a:p>
@@ -8355,10 +8330,6 @@
               </a:rPr>
               <a:t>Anisotropic Mesh Adaptation Based on Hessian recovery and a posteriori error estimates.</a:t>
             </a:r>
-            <a:endParaRPr lang="en-IN" dirty="0" smtClean="0">
-              <a:latin typeface="Times New Roman" panose="02020603050405020304" pitchFamily="18" charset="0"/>
-              <a:cs typeface="Times New Roman" panose="02020603050405020304" pitchFamily="18" charset="0"/>
-            </a:endParaRPr>
           </a:p>
           <a:p>
             <a:pPr marL="514350" indent="-514350">
@@ -9473,93 +9444,79 @@
                 <a:latin typeface="Times New Roman" panose="02020603050405020304" pitchFamily="18" charset="0"/>
                 <a:cs typeface="Times New Roman" panose="02020603050405020304" pitchFamily="18" charset="0"/>
               </a:rPr>
-              <a:t> </a:t>
-            </a:r>
+              <a:t> is computed by solving system of equations  </a:t>
+            </a:r>
+            <a:r>
+              <a:rPr lang="en-IN" sz="2400" i="1" dirty="0" err="1" smtClean="0">
+                <a:latin typeface="Times New Roman" panose="02020603050405020304" pitchFamily="18" charset="0"/>
+                <a:cs typeface="Times New Roman" panose="02020603050405020304" pitchFamily="18" charset="0"/>
+              </a:rPr>
+              <a:t>A</a:t>
+            </a:r>
+            <a:r>
+              <a:rPr lang="en-IN" sz="2400" i="1" baseline="30000" dirty="0" err="1" smtClean="0">
+                <a:latin typeface="Times New Roman" panose="02020603050405020304" pitchFamily="18" charset="0"/>
+                <a:cs typeface="Times New Roman" panose="02020603050405020304" pitchFamily="18" charset="0"/>
+              </a:rPr>
+              <a:t>T</a:t>
+            </a:r>
+            <a:r>
+              <a:rPr lang="en-IN" sz="2400" i="1" dirty="0" err="1" smtClean="0">
+                <a:latin typeface="Times New Roman" panose="02020603050405020304" pitchFamily="18" charset="0"/>
+                <a:cs typeface="Times New Roman" panose="02020603050405020304" pitchFamily="18" charset="0"/>
+              </a:rPr>
+              <a:t>Aa</a:t>
+            </a:r>
+            <a:r>
+              <a:rPr lang="en-IN" sz="2400" i="1" dirty="0" smtClean="0">
+                <a:latin typeface="Times New Roman" panose="02020603050405020304" pitchFamily="18" charset="0"/>
+                <a:cs typeface="Times New Roman" panose="02020603050405020304" pitchFamily="18" charset="0"/>
+              </a:rPr>
+              <a:t>=</a:t>
+            </a:r>
+            <a:r>
+              <a:rPr lang="en-IN" sz="2400" i="1" dirty="0" err="1" smtClean="0">
+                <a:latin typeface="Times New Roman" panose="02020603050405020304" pitchFamily="18" charset="0"/>
+                <a:cs typeface="Times New Roman" panose="02020603050405020304" pitchFamily="18" charset="0"/>
+              </a:rPr>
+              <a:t>A</a:t>
+            </a:r>
+            <a:r>
+              <a:rPr lang="en-IN" sz="2400" i="1" baseline="30000" dirty="0" err="1" smtClean="0">
+                <a:latin typeface="Times New Roman" panose="02020603050405020304" pitchFamily="18" charset="0"/>
+                <a:cs typeface="Times New Roman" panose="02020603050405020304" pitchFamily="18" charset="0"/>
+              </a:rPr>
+              <a:t>T</a:t>
+            </a:r>
+            <a:r>
+              <a:rPr lang="en-IN" sz="2400" i="1" dirty="0" err="1" smtClean="0">
+                <a:latin typeface="Times New Roman" panose="02020603050405020304" pitchFamily="18" charset="0"/>
+                <a:cs typeface="Times New Roman" panose="02020603050405020304" pitchFamily="18" charset="0"/>
+              </a:rPr>
+              <a:t>U</a:t>
+            </a:r>
+            <a:r>
+              <a:rPr lang="en-IN" sz="2400" i="1" baseline="-25000" dirty="0" err="1" smtClean="0">
+                <a:latin typeface="Times New Roman" panose="02020603050405020304" pitchFamily="18" charset="0"/>
+                <a:cs typeface="Times New Roman" panose="02020603050405020304" pitchFamily="18" charset="0"/>
+              </a:rPr>
+              <a:t>h</a:t>
+            </a:r>
+            <a:r>
+              <a:rPr lang="en-IN" sz="2400" i="1" dirty="0" smtClean="0">
+                <a:latin typeface="Times New Roman" panose="02020603050405020304" pitchFamily="18" charset="0"/>
+                <a:cs typeface="Times New Roman" panose="02020603050405020304" pitchFamily="18" charset="0"/>
+              </a:rPr>
+              <a:t>.</a:t>
+            </a:r>
+          </a:p>
+          <a:p>
             <a:r>
               <a:rPr lang="en-IN" sz="2400" dirty="0" smtClean="0">
                 <a:latin typeface="Times New Roman" panose="02020603050405020304" pitchFamily="18" charset="0"/>
                 <a:cs typeface="Times New Roman" panose="02020603050405020304" pitchFamily="18" charset="0"/>
               </a:rPr>
-              <a:t>is computed by solving system of equations  </a:t>
-            </a:r>
-            <a:r>
-              <a:rPr lang="en-IN" sz="2400" i="1" dirty="0" err="1" smtClean="0">
-                <a:latin typeface="Times New Roman" panose="02020603050405020304" pitchFamily="18" charset="0"/>
-                <a:cs typeface="Times New Roman" panose="02020603050405020304" pitchFamily="18" charset="0"/>
-              </a:rPr>
-              <a:t>A</a:t>
-            </a:r>
-            <a:r>
-              <a:rPr lang="en-IN" sz="2400" i="1" baseline="30000" dirty="0" err="1" smtClean="0">
-                <a:latin typeface="Times New Roman" panose="02020603050405020304" pitchFamily="18" charset="0"/>
-                <a:cs typeface="Times New Roman" panose="02020603050405020304" pitchFamily="18" charset="0"/>
-              </a:rPr>
-              <a:t>T</a:t>
-            </a:r>
-            <a:r>
-              <a:rPr lang="en-IN" sz="2400" i="1" dirty="0" err="1" smtClean="0">
-                <a:latin typeface="Times New Roman" panose="02020603050405020304" pitchFamily="18" charset="0"/>
-                <a:cs typeface="Times New Roman" panose="02020603050405020304" pitchFamily="18" charset="0"/>
-              </a:rPr>
-              <a:t>Aa</a:t>
-            </a:r>
-            <a:r>
-              <a:rPr lang="en-IN" sz="2400" i="1" dirty="0" smtClean="0">
-                <a:latin typeface="Times New Roman" panose="02020603050405020304" pitchFamily="18" charset="0"/>
-                <a:cs typeface="Times New Roman" panose="02020603050405020304" pitchFamily="18" charset="0"/>
-              </a:rPr>
-              <a:t>=</a:t>
-            </a:r>
-            <a:r>
-              <a:rPr lang="en-IN" sz="2400" i="1" dirty="0" err="1" smtClean="0">
-                <a:latin typeface="Times New Roman" panose="02020603050405020304" pitchFamily="18" charset="0"/>
-                <a:cs typeface="Times New Roman" panose="02020603050405020304" pitchFamily="18" charset="0"/>
-              </a:rPr>
-              <a:t>A</a:t>
-            </a:r>
-            <a:r>
-              <a:rPr lang="en-IN" sz="2400" i="1" baseline="30000" dirty="0" err="1" smtClean="0">
-                <a:latin typeface="Times New Roman" panose="02020603050405020304" pitchFamily="18" charset="0"/>
-                <a:cs typeface="Times New Roman" panose="02020603050405020304" pitchFamily="18" charset="0"/>
-              </a:rPr>
-              <a:t>T</a:t>
-            </a:r>
-            <a:r>
-              <a:rPr lang="en-IN" sz="2400" i="1" dirty="0" err="1" smtClean="0">
-                <a:latin typeface="Times New Roman" panose="02020603050405020304" pitchFamily="18" charset="0"/>
-                <a:cs typeface="Times New Roman" panose="02020603050405020304" pitchFamily="18" charset="0"/>
-              </a:rPr>
-              <a:t>U</a:t>
-            </a:r>
-            <a:r>
-              <a:rPr lang="en-IN" sz="2400" i="1" baseline="-25000" dirty="0" err="1" smtClean="0">
-                <a:latin typeface="Times New Roman" panose="02020603050405020304" pitchFamily="18" charset="0"/>
-                <a:cs typeface="Times New Roman" panose="02020603050405020304" pitchFamily="18" charset="0"/>
-              </a:rPr>
-              <a:t>h</a:t>
-            </a:r>
-            <a:r>
-              <a:rPr lang="en-IN" sz="2400" i="1" dirty="0" smtClean="0">
-                <a:latin typeface="Times New Roman" panose="02020603050405020304" pitchFamily="18" charset="0"/>
-                <a:cs typeface="Times New Roman" panose="02020603050405020304" pitchFamily="18" charset="0"/>
-              </a:rPr>
-              <a:t>.</a:t>
-            </a:r>
-          </a:p>
-          <a:p>
-            <a:r>
-              <a:rPr lang="en-IN" sz="2400" dirty="0" smtClean="0">
-                <a:latin typeface="Times New Roman" panose="02020603050405020304" pitchFamily="18" charset="0"/>
-                <a:cs typeface="Times New Roman" panose="02020603050405020304" pitchFamily="18" charset="0"/>
-              </a:rPr>
-              <a:t>In order to have a unique solution the matrix A should have ful</a:t>
-            </a:r>
-            <a:r>
-              <a:rPr lang="en-IN" sz="2400" dirty="0" smtClean="0">
-                <a:latin typeface="Times New Roman" panose="02020603050405020304" pitchFamily="18" charset="0"/>
-                <a:cs typeface="Times New Roman" panose="02020603050405020304" pitchFamily="18" charset="0"/>
-              </a:rPr>
-              <a:t>l rank, which is satisfied if mesh nodes are reasonably distributed.</a:t>
+              <a:t>In order to have a unique solution the matrix A should have full rank, which is satisfied if mesh nodes are reasonably distributed.</a:t>
             </a:r>
             <a:endParaRPr lang="en-IN" sz="2400" dirty="0">
               <a:latin typeface="Times New Roman" panose="02020603050405020304" pitchFamily="18" charset="0"/>
@@ -10276,10 +10233,6 @@
               </a:rPr>
               <a:t>Since every node has at least 2 non-collinear neighbours, the matrix A always has full rank and system is well defined. </a:t>
             </a:r>
-            <a:endParaRPr lang="en-IN" dirty="0" smtClean="0">
-              <a:latin typeface="Times New Roman" panose="02020603050405020304" pitchFamily="18" charset="0"/>
-              <a:cs typeface="Times New Roman" panose="02020603050405020304" pitchFamily="18" charset="0"/>
-            </a:endParaRPr>
           </a:p>
           <a:p>
             <a:r>
